--- a/images/rise_flattop_fall.pptx
+++ b/images/rise_flattop_fall.pptx
@@ -4,6 +4,9 @@
   <p:sldMasterIdLst>
     <p:sldMasterId id="2147483648" r:id="rId1"/>
   </p:sldMasterIdLst>
+  <p:notesMasterIdLst>
+    <p:notesMasterId r:id="rId6"/>
+  </p:notesMasterIdLst>
   <p:sldIdLst>
     <p:sldId id="259" r:id="rId3"/>
     <p:sldId id="257" r:id="rId4"/>
@@ -107,6 +110,397 @@
     </a:lvl9pPr>
   </p:defaultTextStyle>
 </p:presentation>
+</file>
+
+<file path=ppt/notesMasters/notesMaster1.xml><?xml version="1.0" encoding="utf-8"?>
+<p:notesMaster xmlns:a="http://schemas.openxmlformats.org/drawingml/2006/main" xmlns:r="http://schemas.openxmlformats.org/officeDocument/2006/relationships" xmlns:p="http://schemas.openxmlformats.org/presentationml/2006/main">
+  <p:cSld>
+    <p:bg>
+      <p:bgRef idx="1001">
+        <a:schemeClr val="bg1"/>
+      </p:bgRef>
+    </p:bg>
+    <p:spTree>
+      <p:nvGrpSpPr>
+        <p:cNvPr id="1" name=""/>
+        <p:cNvGrpSpPr/>
+        <p:nvPr/>
+      </p:nvGrpSpPr>
+      <p:grpSpPr>
+        <a:xfrm>
+          <a:off x="0" y="0"/>
+          <a:ext cx="0" cy="0"/>
+          <a:chOff x="0" y="0"/>
+          <a:chExt cx="0" cy="0"/>
+        </a:xfrm>
+      </p:grpSpPr>
+      <p:sp>
+        <p:nvSpPr>
+          <p:cNvPr id="2" name="页眉占位符 1"/>
+          <p:cNvSpPr>
+            <a:spLocks noGrp="1"/>
+          </p:cNvSpPr>
+          <p:nvPr>
+            <p:ph type="hdr" sz="quarter"/>
+          </p:nvPr>
+        </p:nvSpPr>
+        <p:spPr>
+          <a:xfrm>
+            <a:off x="0" y="0"/>
+            <a:ext cx="3078290" cy="513492"/>
+          </a:xfrm>
+          <a:prstGeom prst="rect">
+            <a:avLst/>
+          </a:prstGeom>
+        </p:spPr>
+        <p:txBody>
+          <a:bodyPr vert="horz" lIns="91440" tIns="45720" rIns="91440" bIns="45720" rtlCol="0"/>
+          <a:lstStyle>
+            <a:lvl1pPr algn="l">
+              <a:defRPr sz="1200"/>
+            </a:lvl1pPr>
+          </a:lstStyle>
+          <a:p>
+            <a:endParaRPr lang="zh-CN" altLang="en-US"/>
+          </a:p>
+        </p:txBody>
+      </p:sp>
+      <p:sp>
+        <p:nvSpPr>
+          <p:cNvPr id="3" name="日期占位符 2"/>
+          <p:cNvSpPr>
+            <a:spLocks noGrp="1"/>
+          </p:cNvSpPr>
+          <p:nvPr>
+            <p:ph type="dt" idx="1"/>
+          </p:nvPr>
+        </p:nvSpPr>
+        <p:spPr>
+          <a:xfrm>
+            <a:off x="4023812" y="0"/>
+            <a:ext cx="3078290" cy="513492"/>
+          </a:xfrm>
+          <a:prstGeom prst="rect">
+            <a:avLst/>
+          </a:prstGeom>
+        </p:spPr>
+        <p:txBody>
+          <a:bodyPr vert="horz" lIns="91440" tIns="45720" rIns="91440" bIns="45720" rtlCol="0"/>
+          <a:lstStyle>
+            <a:lvl1pPr algn="r">
+              <a:defRPr sz="1200"/>
+            </a:lvl1pPr>
+          </a:lstStyle>
+          <a:p>
+            <a:fld id="{D2A48B96-639E-45A3-A0BA-2464DFDB1FAA}" type="datetimeFigureOut">
+              <a:rPr lang="zh-CN" altLang="en-US" smtClean="0"/>
+            </a:fld>
+            <a:endParaRPr lang="zh-CN" altLang="en-US"/>
+          </a:p>
+        </p:txBody>
+      </p:sp>
+      <p:sp>
+        <p:nvSpPr>
+          <p:cNvPr id="4" name="幻灯片图像占位符 3"/>
+          <p:cNvSpPr>
+            <a:spLocks noGrp="1" noRot="1" noChangeAspect="1"/>
+          </p:cNvSpPr>
+          <p:nvPr>
+            <p:ph type="sldImg" idx="2"/>
+          </p:nvPr>
+        </p:nvSpPr>
+        <p:spPr>
+          <a:xfrm>
+            <a:off x="481584" y="1279287"/>
+            <a:ext cx="6140577" cy="3454075"/>
+          </a:xfrm>
+          <a:prstGeom prst="rect">
+            <a:avLst/>
+          </a:prstGeom>
+          <a:noFill/>
+          <a:ln w="12700">
+            <a:solidFill>
+              <a:prstClr val="black"/>
+            </a:solidFill>
+          </a:ln>
+        </p:spPr>
+        <p:txBody>
+          <a:bodyPr vert="horz" lIns="91440" tIns="45720" rIns="91440" bIns="45720" rtlCol="0" anchor="ctr"/>
+          <a:lstStyle/>
+          <a:p>
+            <a:endParaRPr lang="zh-CN" altLang="en-US"/>
+          </a:p>
+        </p:txBody>
+      </p:sp>
+      <p:sp>
+        <p:nvSpPr>
+          <p:cNvPr id="5" name="备注占位符 4"/>
+          <p:cNvSpPr>
+            <a:spLocks noGrp="1"/>
+          </p:cNvSpPr>
+          <p:nvPr>
+            <p:ph type="body" sz="quarter" idx="3"/>
+          </p:nvPr>
+        </p:nvSpPr>
+        <p:spPr>
+          <a:xfrm>
+            <a:off x="710375" y="4925254"/>
+            <a:ext cx="5682996" cy="4029754"/>
+          </a:xfrm>
+          <a:prstGeom prst="rect">
+            <a:avLst/>
+          </a:prstGeom>
+        </p:spPr>
+        <p:txBody>
+          <a:bodyPr vert="horz" lIns="91440" tIns="45720" rIns="91440" bIns="45720" rtlCol="0"/>
+          <a:lstStyle/>
+          <a:p>
+            <a:pPr lvl="0"/>
+            <a:r>
+              <a:rPr lang="zh-CN" altLang="en-US" smtClean="0"/>
+              <a:t>单击此处编辑母版文本样式</a:t>
+            </a:r>
+            <a:endParaRPr lang="zh-CN" altLang="en-US" smtClean="0"/>
+          </a:p>
+          <a:p>
+            <a:pPr lvl="1"/>
+            <a:r>
+              <a:rPr lang="zh-CN" altLang="en-US" smtClean="0"/>
+              <a:t>第二级</a:t>
+            </a:r>
+            <a:endParaRPr lang="zh-CN" altLang="en-US" smtClean="0"/>
+          </a:p>
+          <a:p>
+            <a:pPr lvl="2"/>
+            <a:r>
+              <a:rPr lang="zh-CN" altLang="en-US" smtClean="0"/>
+              <a:t>第三级</a:t>
+            </a:r>
+            <a:endParaRPr lang="zh-CN" altLang="en-US" smtClean="0"/>
+          </a:p>
+          <a:p>
+            <a:pPr lvl="3"/>
+            <a:r>
+              <a:rPr lang="zh-CN" altLang="en-US" smtClean="0"/>
+              <a:t>第四级</a:t>
+            </a:r>
+            <a:endParaRPr lang="zh-CN" altLang="en-US" smtClean="0"/>
+          </a:p>
+          <a:p>
+            <a:pPr lvl="4"/>
+            <a:r>
+              <a:rPr lang="zh-CN" altLang="en-US" smtClean="0"/>
+              <a:t>第五级</a:t>
+            </a:r>
+            <a:endParaRPr lang="zh-CN" altLang="en-US"/>
+          </a:p>
+        </p:txBody>
+      </p:sp>
+      <p:sp>
+        <p:nvSpPr>
+          <p:cNvPr id="6" name="页脚占位符 5"/>
+          <p:cNvSpPr>
+            <a:spLocks noGrp="1"/>
+          </p:cNvSpPr>
+          <p:nvPr>
+            <p:ph type="ftr" sz="quarter" idx="4"/>
+          </p:nvPr>
+        </p:nvSpPr>
+        <p:spPr>
+          <a:xfrm>
+            <a:off x="0" y="9720804"/>
+            <a:ext cx="3078290" cy="513491"/>
+          </a:xfrm>
+          <a:prstGeom prst="rect">
+            <a:avLst/>
+          </a:prstGeom>
+        </p:spPr>
+        <p:txBody>
+          <a:bodyPr vert="horz" lIns="91440" tIns="45720" rIns="91440" bIns="45720" rtlCol="0" anchor="b"/>
+          <a:lstStyle>
+            <a:lvl1pPr algn="l">
+              <a:defRPr sz="1200"/>
+            </a:lvl1pPr>
+          </a:lstStyle>
+          <a:p>
+            <a:endParaRPr lang="zh-CN" altLang="en-US"/>
+          </a:p>
+        </p:txBody>
+      </p:sp>
+      <p:sp>
+        <p:nvSpPr>
+          <p:cNvPr id="7" name="灯片编号占位符 6"/>
+          <p:cNvSpPr>
+            <a:spLocks noGrp="1"/>
+          </p:cNvSpPr>
+          <p:nvPr>
+            <p:ph type="sldNum" sz="quarter" idx="5"/>
+          </p:nvPr>
+        </p:nvSpPr>
+        <p:spPr>
+          <a:xfrm>
+            <a:off x="4023812" y="9720804"/>
+            <a:ext cx="3078290" cy="513491"/>
+          </a:xfrm>
+          <a:prstGeom prst="rect">
+            <a:avLst/>
+          </a:prstGeom>
+        </p:spPr>
+        <p:txBody>
+          <a:bodyPr vert="horz" lIns="91440" tIns="45720" rIns="91440" bIns="45720" rtlCol="0" anchor="b"/>
+          <a:lstStyle>
+            <a:lvl1pPr algn="r">
+              <a:defRPr sz="1200"/>
+            </a:lvl1pPr>
+          </a:lstStyle>
+          <a:p>
+            <a:fld id="{A6837353-30EB-4A48-80EB-173D804AEFBD}" type="slidenum">
+              <a:rPr lang="zh-CN" altLang="en-US" smtClean="0"/>
+            </a:fld>
+            <a:endParaRPr lang="zh-CN" altLang="en-US"/>
+          </a:p>
+        </p:txBody>
+      </p:sp>
+    </p:spTree>
+  </p:cSld>
+  <p:clrMap bg1="lt1" tx1="dk1" bg2="lt2" tx2="dk2" accent1="accent1" accent2="accent2" accent3="accent3" accent4="accent4" accent5="accent5" accent6="accent6" hlink="hlink" folHlink="folHlink"/>
+  <p:notesStyle>
+    <a:lvl1pPr marL="0" algn="l" defTabSz="914400" rtl="0" eaLnBrk="1" latinLnBrk="0" hangingPunct="1">
+      <a:defRPr sz="1200" kern="1200">
+        <a:solidFill>
+          <a:schemeClr val="tx1"/>
+        </a:solidFill>
+        <a:latin typeface="+mn-lt"/>
+        <a:ea typeface="+mn-ea"/>
+        <a:cs typeface="+mn-cs"/>
+      </a:defRPr>
+    </a:lvl1pPr>
+    <a:lvl2pPr marL="457200" algn="l" defTabSz="914400" rtl="0" eaLnBrk="1" latinLnBrk="0" hangingPunct="1">
+      <a:defRPr sz="1200" kern="1200">
+        <a:solidFill>
+          <a:schemeClr val="tx1"/>
+        </a:solidFill>
+        <a:latin typeface="+mn-lt"/>
+        <a:ea typeface="+mn-ea"/>
+        <a:cs typeface="+mn-cs"/>
+      </a:defRPr>
+    </a:lvl2pPr>
+    <a:lvl3pPr marL="914400" algn="l" defTabSz="914400" rtl="0" eaLnBrk="1" latinLnBrk="0" hangingPunct="1">
+      <a:defRPr sz="1200" kern="1200">
+        <a:solidFill>
+          <a:schemeClr val="tx1"/>
+        </a:solidFill>
+        <a:latin typeface="+mn-lt"/>
+        <a:ea typeface="+mn-ea"/>
+        <a:cs typeface="+mn-cs"/>
+      </a:defRPr>
+    </a:lvl3pPr>
+    <a:lvl4pPr marL="1371600" algn="l" defTabSz="914400" rtl="0" eaLnBrk="1" latinLnBrk="0" hangingPunct="1">
+      <a:defRPr sz="1200" kern="1200">
+        <a:solidFill>
+          <a:schemeClr val="tx1"/>
+        </a:solidFill>
+        <a:latin typeface="+mn-lt"/>
+        <a:ea typeface="+mn-ea"/>
+        <a:cs typeface="+mn-cs"/>
+      </a:defRPr>
+    </a:lvl4pPr>
+    <a:lvl5pPr marL="1828800" algn="l" defTabSz="914400" rtl="0" eaLnBrk="1" latinLnBrk="0" hangingPunct="1">
+      <a:defRPr sz="1200" kern="1200">
+        <a:solidFill>
+          <a:schemeClr val="tx1"/>
+        </a:solidFill>
+        <a:latin typeface="+mn-lt"/>
+        <a:ea typeface="+mn-ea"/>
+        <a:cs typeface="+mn-cs"/>
+      </a:defRPr>
+    </a:lvl5pPr>
+    <a:lvl6pPr marL="2286000" algn="l" defTabSz="914400" rtl="0" eaLnBrk="1" latinLnBrk="0" hangingPunct="1">
+      <a:defRPr sz="1200" kern="1200">
+        <a:solidFill>
+          <a:schemeClr val="tx1"/>
+        </a:solidFill>
+        <a:latin typeface="+mn-lt"/>
+        <a:ea typeface="+mn-ea"/>
+        <a:cs typeface="+mn-cs"/>
+      </a:defRPr>
+    </a:lvl6pPr>
+    <a:lvl7pPr marL="2743200" algn="l" defTabSz="914400" rtl="0" eaLnBrk="1" latinLnBrk="0" hangingPunct="1">
+      <a:defRPr sz="1200" kern="1200">
+        <a:solidFill>
+          <a:schemeClr val="tx1"/>
+        </a:solidFill>
+        <a:latin typeface="+mn-lt"/>
+        <a:ea typeface="+mn-ea"/>
+        <a:cs typeface="+mn-cs"/>
+      </a:defRPr>
+    </a:lvl7pPr>
+    <a:lvl8pPr marL="3200400" algn="l" defTabSz="914400" rtl="0" eaLnBrk="1" latinLnBrk="0" hangingPunct="1">
+      <a:defRPr sz="1200" kern="1200">
+        <a:solidFill>
+          <a:schemeClr val="tx1"/>
+        </a:solidFill>
+        <a:latin typeface="+mn-lt"/>
+        <a:ea typeface="+mn-ea"/>
+        <a:cs typeface="+mn-cs"/>
+      </a:defRPr>
+    </a:lvl8pPr>
+    <a:lvl9pPr marL="3657600" algn="l" defTabSz="914400" rtl="0" eaLnBrk="1" latinLnBrk="0" hangingPunct="1">
+      <a:defRPr sz="1200" kern="1200">
+        <a:solidFill>
+          <a:schemeClr val="tx1"/>
+        </a:solidFill>
+        <a:latin typeface="+mn-lt"/>
+        <a:ea typeface="+mn-ea"/>
+        <a:cs typeface="+mn-cs"/>
+      </a:defRPr>
+    </a:lvl9pPr>
+  </p:notesStyle>
+</p:notesMaster>
+</file>
+
+<file path=ppt/notesSlides/notesSlide1.xml><?xml version="1.0" encoding="utf-8"?>
+<p:notes xmlns:a="http://schemas.openxmlformats.org/drawingml/2006/main" xmlns:r="http://schemas.openxmlformats.org/officeDocument/2006/relationships" xmlns:p="http://schemas.openxmlformats.org/presentationml/2006/main">
+  <p:cSld>
+    <p:spTree>
+      <p:nvGrpSpPr>
+        <p:cNvPr id="1" name=""/>
+        <p:cNvGrpSpPr/>
+        <p:nvPr/>
+      </p:nvGrpSpPr>
+      <p:grpSpPr/>
+      <p:sp>
+        <p:nvSpPr>
+          <p:cNvPr id="2" name="幻灯片图像占位符 1"/>
+          <p:cNvSpPr/>
+          <p:nvPr>
+            <p:ph type="sldImg" idx="2"/>
+          </p:nvPr>
+        </p:nvSpPr>
+        <p:spPr/>
+      </p:sp>
+      <p:sp>
+        <p:nvSpPr>
+          <p:cNvPr id="3" name="文本占位符 2"/>
+          <p:cNvSpPr/>
+          <p:nvPr>
+            <p:ph type="body" idx="3"/>
+          </p:nvPr>
+        </p:nvSpPr>
+        <p:spPr/>
+        <p:txBody>
+          <a:bodyPr/>
+          <a:p>
+            <a:endParaRPr lang="zh-CN" altLang="en-US"/>
+          </a:p>
+        </p:txBody>
+      </p:sp>
+    </p:spTree>
+  </p:cSld>
+  <p:clrMapOvr>
+    <a:masterClrMapping/>
+  </p:clrMapOvr>
+</p:notes>
 </file>
 
 <file path=ppt/slideLayouts/slideLayout1.xml><?xml version="1.0" encoding="utf-8"?>
@@ -2756,8 +3150,8 @@
         </p:nvCxnSpPr>
         <p:spPr>
           <a:xfrm flipH="1">
-            <a:off x="1183271" y="9578046"/>
-            <a:ext cx="9120979" cy="24769"/>
+            <a:off x="223520" y="9776460"/>
+            <a:ext cx="10852785" cy="30480"/>
           </a:xfrm>
           <a:prstGeom prst="straightConnector1">
             <a:avLst/>
@@ -2790,7 +3184,7 @@
         </p:nvCxnSpPr>
         <p:spPr>
           <a:xfrm flipV="1">
-            <a:off x="1429698" y="8255724"/>
+            <a:off x="432113" y="8165554"/>
             <a:ext cx="20959" cy="1667193"/>
           </a:xfrm>
           <a:prstGeom prst="straightConnector1">
@@ -2823,7 +3217,7 @@
         </p:nvCxnSpPr>
         <p:spPr>
           <a:xfrm flipV="1">
-            <a:off x="1996877" y="8538435"/>
+            <a:off x="2769037" y="8736555"/>
             <a:ext cx="1256275" cy="1040967"/>
           </a:xfrm>
           <a:prstGeom prst="line">
@@ -2853,7 +3247,7 @@
         </p:nvCxnSpPr>
         <p:spPr>
           <a:xfrm flipH="1">
-            <a:off x="3252780" y="8518041"/>
+            <a:off x="4024940" y="8716161"/>
             <a:ext cx="4303795" cy="33024"/>
           </a:xfrm>
           <a:prstGeom prst="line">
@@ -2883,7 +3277,7 @@
         </p:nvSpPr>
         <p:spPr>
           <a:xfrm>
-            <a:off x="1931223" y="7305713"/>
+            <a:off x="2703383" y="7503833"/>
             <a:ext cx="1884219" cy="822960"/>
           </a:xfrm>
           <a:prstGeom prst="rect">
@@ -2917,7 +3311,7 @@
         </p:nvCxnSpPr>
         <p:spPr>
           <a:xfrm>
-            <a:off x="1983932" y="8268462"/>
+            <a:off x="2756092" y="8466582"/>
             <a:ext cx="1322192" cy="6985"/>
           </a:xfrm>
           <a:prstGeom prst="straightConnector1">
@@ -2984,7 +3378,7 @@
         </p:nvSpPr>
         <p:spPr>
           <a:xfrm>
-            <a:off x="962885" y="8081065"/>
+            <a:off x="120240" y="7850560"/>
             <a:ext cx="487774" cy="457200"/>
           </a:xfrm>
           <a:prstGeom prst="rect">
@@ -3420,7 +3814,7 @@
         </p:nvCxnSpPr>
         <p:spPr>
           <a:xfrm flipH="1" flipV="1">
-            <a:off x="7573720" y="8518041"/>
+            <a:off x="8345880" y="8716161"/>
             <a:ext cx="2491972" cy="1059913"/>
           </a:xfrm>
           <a:prstGeom prst="line">
@@ -3474,7 +3868,7 @@
         </p:nvCxnSpPr>
         <p:spPr>
           <a:xfrm>
-            <a:off x="3304571" y="8128732"/>
+            <a:off x="4076731" y="8326852"/>
             <a:ext cx="0" cy="1522387"/>
           </a:xfrm>
           <a:prstGeom prst="line">
@@ -3507,7 +3901,7 @@
         </p:nvCxnSpPr>
         <p:spPr>
           <a:xfrm flipH="1">
-            <a:off x="1996634" y="8032220"/>
+            <a:off x="2768794" y="8230340"/>
             <a:ext cx="6350" cy="1538747"/>
           </a:xfrm>
           <a:prstGeom prst="line">
@@ -3562,9 +3956,16 @@
                 <a:latin typeface="Arial" panose="020B0604020202020204" pitchFamily="34" charset="0"/>
                 <a:ea typeface="AR PL KaitiM GB" charset="0"/>
               </a:rPr>
-              <a:t>t0</a:t>
-            </a:r>
-            <a:endParaRPr lang="en-US" altLang="zh-CN" sz="2400">
+              <a:t>t</a:t>
+            </a:r>
+            <a:r>
+              <a:rPr lang="en-US" altLang="zh-CN" sz="2400" baseline="-25000">
+                <a:latin typeface="Arial" panose="020B0604020202020204" pitchFamily="34" charset="0"/>
+                <a:ea typeface="AR PL KaitiM GB" charset="0"/>
+              </a:rPr>
+              <a:t>0</a:t>
+            </a:r>
+            <a:endParaRPr lang="en-US" altLang="zh-CN" sz="2400" baseline="-25000">
               <a:latin typeface="Arial" panose="020B0604020202020204" pitchFamily="34" charset="0"/>
               <a:ea typeface="AR PL KaitiM GB" charset="0"/>
             </a:endParaRPr>
@@ -3977,9 +4378,16 @@
                 <a:latin typeface="Arial" panose="020B0604020202020204" pitchFamily="34" charset="0"/>
                 <a:ea typeface="AR PL KaitiM GB" charset="0"/>
               </a:rPr>
-              <a:t>t1</a:t>
-            </a:r>
-            <a:endParaRPr lang="en-US" altLang="zh-CN" sz="2400">
+              <a:t>t</a:t>
+            </a:r>
+            <a:r>
+              <a:rPr lang="en-US" altLang="zh-CN" sz="2400" baseline="-25000">
+                <a:latin typeface="Arial" panose="020B0604020202020204" pitchFamily="34" charset="0"/>
+                <a:ea typeface="AR PL KaitiM GB" charset="0"/>
+              </a:rPr>
+              <a:t>1</a:t>
+            </a:r>
+            <a:endParaRPr lang="en-US" altLang="zh-CN" sz="2400" baseline="-25000">
               <a:latin typeface="Arial" panose="020B0604020202020204" pitchFamily="34" charset="0"/>
               <a:ea typeface="AR PL KaitiM GB" charset="0"/>
             </a:endParaRPr>
@@ -4153,9 +4561,16 @@
                 <a:latin typeface="Arial" panose="020B0604020202020204" pitchFamily="34" charset="0"/>
                 <a:ea typeface="AR PL KaitiM GB" charset="0"/>
               </a:rPr>
-              <a:t>t2</a:t>
-            </a:r>
-            <a:endParaRPr lang="en-US" altLang="zh-CN" sz="2400">
+              <a:t>t</a:t>
+            </a:r>
+            <a:r>
+              <a:rPr lang="en-US" altLang="zh-CN" sz="2400" baseline="-25000">
+                <a:latin typeface="Arial" panose="020B0604020202020204" pitchFamily="34" charset="0"/>
+                <a:ea typeface="AR PL KaitiM GB" charset="0"/>
+              </a:rPr>
+              <a:t>2</a:t>
+            </a:r>
+            <a:endParaRPr lang="en-US" altLang="zh-CN" sz="2400" baseline="-25000">
               <a:latin typeface="Arial" panose="020B0604020202020204" pitchFamily="34" charset="0"/>
               <a:ea typeface="AR PL KaitiM GB" charset="0"/>
             </a:endParaRPr>
@@ -4313,7 +4728,7 @@
         </p:nvSpPr>
         <p:spPr>
           <a:xfrm>
-            <a:off x="1846125" y="9609706"/>
+            <a:off x="2618285" y="9807826"/>
             <a:ext cx="563932" cy="457200"/>
           </a:xfrm>
           <a:prstGeom prst="rect">
@@ -4335,9 +4750,16 @@
                 <a:latin typeface="Arial" panose="020B0604020202020204" pitchFamily="34" charset="0"/>
                 <a:ea typeface="AR PL KaitiM GB" charset="0"/>
               </a:rPr>
-              <a:t>t0</a:t>
-            </a:r>
-            <a:endParaRPr lang="en-US" altLang="zh-CN" sz="2400">
+              <a:t>t</a:t>
+            </a:r>
+            <a:r>
+              <a:rPr lang="en-US" altLang="zh-CN" sz="2400" baseline="-25000">
+                <a:latin typeface="Arial" panose="020B0604020202020204" pitchFamily="34" charset="0"/>
+                <a:ea typeface="AR PL KaitiM GB" charset="0"/>
+              </a:rPr>
+              <a:t>0</a:t>
+            </a:r>
+            <a:endParaRPr lang="en-US" altLang="zh-CN" sz="2400" baseline="-25000">
               <a:latin typeface="Arial" panose="020B0604020202020204" pitchFamily="34" charset="0"/>
               <a:ea typeface="AR PL KaitiM GB" charset="0"/>
             </a:endParaRPr>
@@ -4352,7 +4774,7 @@
         </p:nvSpPr>
         <p:spPr>
           <a:xfrm>
-            <a:off x="3269292" y="9602721"/>
+            <a:off x="4041452" y="9800841"/>
             <a:ext cx="563932" cy="457200"/>
           </a:xfrm>
           <a:prstGeom prst="rect">
@@ -4374,9 +4796,16 @@
                 <a:latin typeface="Arial" panose="020B0604020202020204" pitchFamily="34" charset="0"/>
                 <a:ea typeface="AR PL KaitiM GB" charset="0"/>
               </a:rPr>
-              <a:t>t1</a:t>
-            </a:r>
-            <a:endParaRPr lang="en-US" altLang="zh-CN" sz="2400">
+              <a:t>t</a:t>
+            </a:r>
+            <a:r>
+              <a:rPr lang="en-US" altLang="zh-CN" sz="2400" baseline="-25000">
+                <a:latin typeface="Arial" panose="020B0604020202020204" pitchFamily="34" charset="0"/>
+                <a:ea typeface="AR PL KaitiM GB" charset="0"/>
+              </a:rPr>
+              <a:t>1</a:t>
+            </a:r>
+            <a:endParaRPr lang="en-US" altLang="zh-CN" sz="2400" baseline="-25000">
               <a:latin typeface="Arial" panose="020B0604020202020204" pitchFamily="34" charset="0"/>
               <a:ea typeface="AR PL KaitiM GB" charset="0"/>
             </a:endParaRPr>
@@ -4391,7 +4820,7 @@
         </p:nvCxnSpPr>
         <p:spPr>
           <a:xfrm>
-            <a:off x="7485164" y="8056969"/>
+            <a:off x="8257324" y="8255089"/>
             <a:ext cx="0" cy="1522387"/>
           </a:xfrm>
           <a:prstGeom prst="line">
@@ -4557,7 +4986,7 @@
         </p:nvSpPr>
         <p:spPr>
           <a:xfrm>
-            <a:off x="3815442" y="7574978"/>
+            <a:off x="4587602" y="7773098"/>
             <a:ext cx="3689057" cy="457200"/>
           </a:xfrm>
           <a:prstGeom prst="rect">
@@ -4591,7 +5020,7 @@
         </p:nvCxnSpPr>
         <p:spPr>
           <a:xfrm flipV="1">
-            <a:off x="3386777" y="8243060"/>
+            <a:off x="4158937" y="8441180"/>
             <a:ext cx="4064378" cy="15877"/>
           </a:xfrm>
           <a:prstGeom prst="straightConnector1">
@@ -4625,7 +5054,7 @@
         </p:nvSpPr>
         <p:spPr>
           <a:xfrm>
-            <a:off x="7187604" y="9650985"/>
+            <a:off x="7959764" y="9849105"/>
             <a:ext cx="610926" cy="457200"/>
           </a:xfrm>
           <a:prstGeom prst="rect">
@@ -4647,9 +5076,16 @@
                 <a:latin typeface="Arial" panose="020B0604020202020204" pitchFamily="34" charset="0"/>
                 <a:ea typeface="AR PL KaitiM GB" charset="0"/>
               </a:rPr>
-              <a:t>t2</a:t>
-            </a:r>
-            <a:endParaRPr lang="en-US" altLang="zh-CN" sz="2400">
+              <a:t>t</a:t>
+            </a:r>
+            <a:r>
+              <a:rPr lang="en-US" altLang="zh-CN" sz="2400" baseline="-25000">
+                <a:latin typeface="Arial" panose="020B0604020202020204" pitchFamily="34" charset="0"/>
+                <a:ea typeface="AR PL KaitiM GB" charset="0"/>
+              </a:rPr>
+              <a:t>2</a:t>
+            </a:r>
+            <a:endParaRPr lang="en-US" altLang="zh-CN" sz="2400" baseline="-25000">
               <a:latin typeface="Arial" panose="020B0604020202020204" pitchFamily="34" charset="0"/>
               <a:ea typeface="AR PL KaitiM GB" charset="0"/>
             </a:endParaRPr>
@@ -4664,7 +5100,7 @@
         </p:nvSpPr>
         <p:spPr>
           <a:xfrm>
-            <a:off x="7602934" y="7671507"/>
+            <a:off x="8375094" y="7869627"/>
             <a:ext cx="3689057" cy="457200"/>
           </a:xfrm>
           <a:prstGeom prst="rect">
@@ -4698,7 +5134,7 @@
         </p:nvCxnSpPr>
         <p:spPr>
           <a:xfrm>
-            <a:off x="10058072" y="8178284"/>
+            <a:off x="10830232" y="8376404"/>
             <a:ext cx="7620" cy="1672111"/>
           </a:xfrm>
           <a:prstGeom prst="line">
@@ -4731,7 +5167,7 @@
         </p:nvCxnSpPr>
         <p:spPr>
           <a:xfrm>
-            <a:off x="7529266" y="8291324"/>
+            <a:off x="8301426" y="8489444"/>
             <a:ext cx="2528804" cy="0"/>
           </a:xfrm>
           <a:prstGeom prst="straightConnector1">
@@ -4916,6 +5352,154 @@
           </a:p>
         </p:txBody>
       </p:sp>
+      <p:sp>
+        <p:nvSpPr>
+          <p:cNvPr id="6" name="闪电形 5"/>
+          <p:cNvSpPr/>
+          <p:nvPr/>
+        </p:nvSpPr>
+        <p:spPr>
+          <a:xfrm>
+            <a:off x="469265" y="7734935"/>
+            <a:ext cx="640715" cy="1995170"/>
+          </a:xfrm>
+          <a:prstGeom prst="lightningBolt">
+            <a:avLst/>
+          </a:prstGeom>
+          <a:solidFill>
+            <a:srgbClr val="FF0000"/>
+          </a:solidFill>
+          <a:ln>
+            <a:solidFill>
+              <a:srgbClr val="FF0000"/>
+            </a:solidFill>
+          </a:ln>
+        </p:spPr>
+        <p:style>
+          <a:lnRef idx="2">
+            <a:schemeClr val="accent1">
+              <a:shade val="50000"/>
+            </a:schemeClr>
+          </a:lnRef>
+          <a:fillRef idx="1">
+            <a:schemeClr val="accent1"/>
+          </a:fillRef>
+          <a:effectRef idx="0">
+            <a:schemeClr val="accent1"/>
+          </a:effectRef>
+          <a:fontRef idx="minor">
+            <a:schemeClr val="lt1"/>
+          </a:fontRef>
+        </p:style>
+        <p:txBody>
+          <a:bodyPr rtlCol="0" anchor="ctr"/>
+          <a:p>
+            <a:pPr algn="ctr"/>
+            <a:endParaRPr lang="zh-CN" altLang="en-US"/>
+          </a:p>
+        </p:txBody>
+      </p:sp>
+      <p:cxnSp>
+        <p:nvCxnSpPr>
+          <p:cNvPr id="7" name="直接箭头连接符 6"/>
+          <p:cNvCxnSpPr/>
+          <p:nvPr/>
+        </p:nvCxnSpPr>
+        <p:spPr>
+          <a:xfrm>
+            <a:off x="1109980" y="8930640"/>
+            <a:ext cx="1677035" cy="22225"/>
+          </a:xfrm>
+          <a:prstGeom prst="straightConnector1">
+            <a:avLst/>
+          </a:prstGeom>
+          <a:ln>
+            <a:headEnd type="arrow" w="med" len="med"/>
+            <a:tailEnd type="arrow" w="med" len="med"/>
+          </a:ln>
+        </p:spPr>
+        <p:style>
+          <a:lnRef idx="1">
+            <a:schemeClr val="dk1"/>
+          </a:lnRef>
+          <a:fillRef idx="0">
+            <a:schemeClr val="dk1"/>
+          </a:fillRef>
+          <a:effectRef idx="0">
+            <a:schemeClr val="dk1"/>
+          </a:effectRef>
+          <a:fontRef idx="minor">
+            <a:schemeClr val="tx1"/>
+          </a:fontRef>
+        </p:style>
+      </p:cxnSp>
+      <p:sp>
+        <p:nvSpPr>
+          <p:cNvPr id="8" name="文本框 7"/>
+          <p:cNvSpPr txBox="1"/>
+          <p:nvPr/>
+        </p:nvSpPr>
+        <p:spPr>
+          <a:xfrm>
+            <a:off x="1081593" y="8107718"/>
+            <a:ext cx="1884219" cy="822960"/>
+          </a:xfrm>
+          <a:prstGeom prst="rect">
+            <a:avLst/>
+          </a:prstGeom>
+          <a:noFill/>
+        </p:spPr>
+        <p:txBody>
+          <a:bodyPr wrap="square" rtlCol="0">
+            <a:spAutoFit/>
+          </a:bodyPr>
+          <a:p>
+            <a:pPr algn="l"/>
+            <a:r>
+              <a:rPr lang="en-US" altLang="zh-CN" sz="2400">
+                <a:latin typeface="Arial" panose="020B0604020202020204" pitchFamily="34" charset="0"/>
+              </a:rPr>
+              <a:t>preparation time</a:t>
+            </a:r>
+            <a:endParaRPr lang="en-US" altLang="zh-CN" sz="2400">
+              <a:latin typeface="Arial" panose="020B0604020202020204" pitchFamily="34" charset="0"/>
+            </a:endParaRPr>
+          </a:p>
+        </p:txBody>
+      </p:sp>
+      <p:cxnSp>
+        <p:nvCxnSpPr>
+          <p:cNvPr id="9" name="直接连接符 8"/>
+          <p:cNvCxnSpPr/>
+          <p:nvPr/>
+        </p:nvCxnSpPr>
+        <p:spPr>
+          <a:xfrm flipH="1">
+            <a:off x="1110174" y="8376390"/>
+            <a:ext cx="6350" cy="1538747"/>
+          </a:xfrm>
+          <a:prstGeom prst="line">
+            <a:avLst/>
+          </a:prstGeom>
+          <a:ln>
+            <a:prstDash val="sysDot"/>
+          </a:ln>
+        </p:spPr>
+        <p:style>
+          <a:lnRef idx="3">
+            <a:schemeClr val="dk1"/>
+          </a:lnRef>
+          <a:fillRef idx="0">
+            <a:schemeClr val="dk1"/>
+          </a:fillRef>
+          <a:effectRef idx="2">
+            <a:schemeClr val="dk1"/>
+          </a:effectRef>
+          <a:fontRef idx="minor">
+            <a:schemeClr val="tx1"/>
+          </a:fontRef>
+        </p:style>
+      </p:cxnSp>
     </p:spTree>
   </p:cSld>
   <p:clrMapOvr>
@@ -6108,9 +6692,9 @@
           <p:nvPr/>
         </p:nvCxnSpPr>
         <p:spPr>
-          <a:xfrm flipH="1">
-            <a:off x="1306195" y="10409555"/>
-            <a:ext cx="10510520" cy="3175"/>
+          <a:xfrm flipH="1" flipV="1">
+            <a:off x="230505" y="10409555"/>
+            <a:ext cx="11620500" cy="19050"/>
           </a:xfrm>
           <a:prstGeom prst="straightConnector1">
             <a:avLst/>
@@ -6142,9 +6726,9 @@
           <p:nvPr/>
         </p:nvCxnSpPr>
         <p:spPr>
-          <a:xfrm flipV="1">
-            <a:off x="1552889" y="9065348"/>
-            <a:ext cx="20959" cy="1667194"/>
+          <a:xfrm flipH="1" flipV="1">
+            <a:off x="292735" y="8938260"/>
+            <a:ext cx="34925" cy="1684655"/>
           </a:xfrm>
           <a:prstGeom prst="straightConnector1">
             <a:avLst/>
@@ -6176,7 +6760,7 @@
         </p:nvCxnSpPr>
         <p:spPr>
           <a:xfrm flipV="1">
-            <a:off x="2120066" y="9348059"/>
+            <a:off x="3119556" y="9348059"/>
             <a:ext cx="1256276" cy="1040968"/>
           </a:xfrm>
           <a:prstGeom prst="line">
@@ -6206,7 +6790,7 @@
         </p:nvCxnSpPr>
         <p:spPr>
           <a:xfrm flipH="1">
-            <a:off x="3375970" y="9327665"/>
+            <a:off x="4375460" y="9327665"/>
             <a:ext cx="4303794" cy="33023"/>
           </a:xfrm>
           <a:prstGeom prst="line">
@@ -6236,7 +6820,7 @@
         </p:nvSpPr>
         <p:spPr>
           <a:xfrm>
-            <a:off x="2054412" y="8115338"/>
+            <a:off x="3053902" y="8115338"/>
             <a:ext cx="1884220" cy="822960"/>
           </a:xfrm>
           <a:prstGeom prst="rect">
@@ -6282,7 +6866,7 @@
         </p:nvCxnSpPr>
         <p:spPr>
           <a:xfrm>
-            <a:off x="2107122" y="9078087"/>
+            <a:off x="3106612" y="9078087"/>
             <a:ext cx="1322193" cy="6986"/>
           </a:xfrm>
           <a:prstGeom prst="straightConnector1">
@@ -6349,7 +6933,7 @@
         </p:nvSpPr>
         <p:spPr>
           <a:xfrm>
-            <a:off x="1086074" y="8890690"/>
+            <a:off x="147544" y="8481115"/>
             <a:ext cx="487773" cy="457200"/>
           </a:xfrm>
           <a:prstGeom prst="rect">
@@ -6685,7 +7269,7 @@
         </p:nvCxnSpPr>
         <p:spPr>
           <a:xfrm flipH="1" flipV="1">
-            <a:off x="7696911" y="9327665"/>
+            <a:off x="8696401" y="9327665"/>
             <a:ext cx="2491971" cy="1059913"/>
           </a:xfrm>
           <a:prstGeom prst="line">
@@ -6739,7 +7323,7 @@
         </p:nvCxnSpPr>
         <p:spPr>
           <a:xfrm>
-            <a:off x="3427762" y="8938356"/>
+            <a:off x="4427252" y="8938356"/>
             <a:ext cx="0" cy="1522386"/>
           </a:xfrm>
           <a:prstGeom prst="line">
@@ -6772,7 +7356,7 @@
         </p:nvCxnSpPr>
         <p:spPr>
           <a:xfrm flipH="1">
-            <a:off x="2119823" y="8841845"/>
+            <a:off x="3100263" y="8841845"/>
             <a:ext cx="6351" cy="1538748"/>
           </a:xfrm>
           <a:prstGeom prst="line">
@@ -6827,9 +7411,16 @@
                 <a:latin typeface="Arial" panose="020B0604020202020204" pitchFamily="34" charset="0"/>
                 <a:ea typeface="AR PL KaitiM GB" charset="0"/>
               </a:rPr>
-              <a:t>t0</a:t>
-            </a:r>
-            <a:endParaRPr lang="en-US" altLang="zh-CN" sz="2400">
+              <a:t>t</a:t>
+            </a:r>
+            <a:r>
+              <a:rPr lang="en-US" altLang="zh-CN" sz="2400" baseline="-25000">
+                <a:latin typeface="Arial" panose="020B0604020202020204" pitchFamily="34" charset="0"/>
+                <a:ea typeface="AR PL KaitiM GB" charset="0"/>
+              </a:rPr>
+              <a:t>0</a:t>
+            </a:r>
+            <a:endParaRPr lang="en-US" altLang="zh-CN" sz="2400" baseline="-25000">
               <a:latin typeface="Arial" panose="020B0604020202020204" pitchFamily="34" charset="0"/>
               <a:ea typeface="AR PL KaitiM GB" charset="0"/>
             </a:endParaRPr>
@@ -6844,7 +7435,7 @@
         </p:nvSpPr>
         <p:spPr>
           <a:xfrm>
-            <a:off x="1969314" y="10419332"/>
+            <a:off x="3034844" y="10403457"/>
             <a:ext cx="563932" cy="457200"/>
           </a:xfrm>
           <a:prstGeom prst="rect">
@@ -6866,9 +7457,16 @@
                 <a:latin typeface="Arial" panose="020B0604020202020204" pitchFamily="34" charset="0"/>
                 <a:ea typeface="AR PL KaitiM GB" charset="0"/>
               </a:rPr>
-              <a:t>t0</a:t>
-            </a:r>
-            <a:endParaRPr lang="en-US" altLang="zh-CN" sz="2400">
+              <a:t>t</a:t>
+            </a:r>
+            <a:r>
+              <a:rPr lang="en-US" altLang="zh-CN" sz="2400" baseline="-25000">
+                <a:latin typeface="Arial" panose="020B0604020202020204" pitchFamily="34" charset="0"/>
+                <a:ea typeface="AR PL KaitiM GB" charset="0"/>
+              </a:rPr>
+              <a:t>0</a:t>
+            </a:r>
+            <a:endParaRPr lang="en-US" altLang="zh-CN" sz="2400" baseline="-25000">
               <a:latin typeface="Arial" panose="020B0604020202020204" pitchFamily="34" charset="0"/>
               <a:ea typeface="AR PL KaitiM GB" charset="0"/>
             </a:endParaRPr>
@@ -6883,7 +7481,7 @@
         </p:nvSpPr>
         <p:spPr>
           <a:xfrm>
-            <a:off x="3392481" y="10412346"/>
+            <a:off x="4391971" y="10412346"/>
             <a:ext cx="563932" cy="457200"/>
           </a:xfrm>
           <a:prstGeom prst="rect">
@@ -6905,9 +7503,16 @@
                 <a:latin typeface="Arial" panose="020B0604020202020204" pitchFamily="34" charset="0"/>
                 <a:ea typeface="AR PL KaitiM GB" charset="0"/>
               </a:rPr>
-              <a:t>t1</a:t>
-            </a:r>
-            <a:endParaRPr lang="en-US" altLang="zh-CN" sz="2400">
+              <a:t>t</a:t>
+            </a:r>
+            <a:r>
+              <a:rPr lang="en-US" altLang="zh-CN" sz="2400" baseline="-25000">
+                <a:latin typeface="Arial" panose="020B0604020202020204" pitchFamily="34" charset="0"/>
+                <a:ea typeface="AR PL KaitiM GB" charset="0"/>
+              </a:rPr>
+              <a:t>1</a:t>
+            </a:r>
+            <a:endParaRPr lang="en-US" altLang="zh-CN" sz="2400" baseline="-25000">
               <a:latin typeface="Arial" panose="020B0604020202020204" pitchFamily="34" charset="0"/>
               <a:ea typeface="AR PL KaitiM GB" charset="0"/>
             </a:endParaRPr>
@@ -6922,7 +7527,7 @@
         </p:nvCxnSpPr>
         <p:spPr>
           <a:xfrm>
-            <a:off x="7665504" y="8866595"/>
+            <a:off x="8664994" y="8866595"/>
             <a:ext cx="0" cy="1522386"/>
           </a:xfrm>
           <a:prstGeom prst="line">
@@ -6955,7 +7560,7 @@
         </p:nvSpPr>
         <p:spPr>
           <a:xfrm>
-            <a:off x="3938632" y="8384603"/>
+            <a:off x="4938122" y="8384603"/>
             <a:ext cx="3689057" cy="457200"/>
           </a:xfrm>
           <a:prstGeom prst="rect">
@@ -6989,7 +7594,7 @@
         </p:nvCxnSpPr>
         <p:spPr>
           <a:xfrm flipV="1">
-            <a:off x="3509967" y="9052685"/>
+            <a:off x="4509457" y="9052685"/>
             <a:ext cx="4064377" cy="15876"/>
           </a:xfrm>
           <a:prstGeom prst="straightConnector1">
@@ -7023,7 +7628,7 @@
         </p:nvSpPr>
         <p:spPr>
           <a:xfrm>
-            <a:off x="7310795" y="10422511"/>
+            <a:off x="8310285" y="10384411"/>
             <a:ext cx="610927" cy="457200"/>
           </a:xfrm>
           <a:prstGeom prst="rect">
@@ -7045,9 +7650,16 @@
                 <a:latin typeface="Arial" panose="020B0604020202020204" pitchFamily="34" charset="0"/>
                 <a:ea typeface="AR PL KaitiM GB" charset="0"/>
               </a:rPr>
-              <a:t>t2</a:t>
-            </a:r>
-            <a:endParaRPr lang="en-US" altLang="zh-CN" sz="2400">
+              <a:t>t</a:t>
+            </a:r>
+            <a:r>
+              <a:rPr lang="en-US" altLang="zh-CN" sz="2400" baseline="-25000">
+                <a:latin typeface="Arial" panose="020B0604020202020204" pitchFamily="34" charset="0"/>
+                <a:ea typeface="AR PL KaitiM GB" charset="0"/>
+              </a:rPr>
+              <a:t>2</a:t>
+            </a:r>
+            <a:endParaRPr lang="en-US" altLang="zh-CN" sz="2400" baseline="-25000">
               <a:latin typeface="Arial" panose="020B0604020202020204" pitchFamily="34" charset="0"/>
               <a:ea typeface="AR PL KaitiM GB" charset="0"/>
             </a:endParaRPr>
@@ -7062,7 +7674,7 @@
         </p:nvSpPr>
         <p:spPr>
           <a:xfrm>
-            <a:off x="7726123" y="8481132"/>
+            <a:off x="8725613" y="8481132"/>
             <a:ext cx="3689057" cy="457200"/>
           </a:xfrm>
           <a:prstGeom prst="rect">
@@ -7109,7 +7721,7 @@
         </p:nvCxnSpPr>
         <p:spPr>
           <a:xfrm flipH="1">
-            <a:off x="10368915" y="9021445"/>
+            <a:off x="11368405" y="9021445"/>
             <a:ext cx="2540" cy="1407160"/>
           </a:xfrm>
           <a:prstGeom prst="line">
@@ -7142,7 +7754,7 @@
         </p:nvCxnSpPr>
         <p:spPr>
           <a:xfrm flipV="1">
-            <a:off x="7652385" y="9088755"/>
+            <a:off x="8651875" y="9088755"/>
             <a:ext cx="2696845" cy="12065"/>
           </a:xfrm>
           <a:prstGeom prst="straightConnector1">
@@ -7442,9 +8054,16 @@
                 <a:latin typeface="Arial" panose="020B0604020202020204" pitchFamily="34" charset="0"/>
                 <a:ea typeface="AR PL KaitiM GB" charset="0"/>
               </a:rPr>
-              <a:t>t1</a:t>
-            </a:r>
-            <a:endParaRPr lang="en-US" altLang="zh-CN" sz="2400">
+              <a:t>t</a:t>
+            </a:r>
+            <a:r>
+              <a:rPr lang="en-US" altLang="zh-CN" sz="2400" baseline="-25000">
+                <a:latin typeface="Arial" panose="020B0604020202020204" pitchFamily="34" charset="0"/>
+                <a:ea typeface="AR PL KaitiM GB" charset="0"/>
+              </a:rPr>
+              <a:t>1</a:t>
+            </a:r>
+            <a:endParaRPr lang="en-US" altLang="zh-CN" sz="2400" baseline="-25000">
               <a:latin typeface="Arial" panose="020B0604020202020204" pitchFamily="34" charset="0"/>
               <a:ea typeface="AR PL KaitiM GB" charset="0"/>
             </a:endParaRPr>
@@ -7628,9 +8247,16 @@
                 <a:latin typeface="Arial" panose="020B0604020202020204" pitchFamily="34" charset="0"/>
                 <a:ea typeface="AR PL KaitiM GB" charset="0"/>
               </a:rPr>
-              <a:t>t2</a:t>
-            </a:r>
-            <a:endParaRPr lang="en-US" altLang="zh-CN" sz="2400">
+              <a:t>t</a:t>
+            </a:r>
+            <a:r>
+              <a:rPr lang="en-US" altLang="zh-CN" sz="2400" baseline="-25000">
+                <a:latin typeface="Arial" panose="020B0604020202020204" pitchFamily="34" charset="0"/>
+                <a:ea typeface="AR PL KaitiM GB" charset="0"/>
+              </a:rPr>
+              <a:t>2</a:t>
+            </a:r>
+            <a:endParaRPr lang="en-US" altLang="zh-CN" sz="2400" baseline="-25000">
               <a:latin typeface="Arial" panose="020B0604020202020204" pitchFamily="34" charset="0"/>
               <a:ea typeface="AR PL KaitiM GB" charset="0"/>
             </a:endParaRPr>
@@ -7929,9 +8555,16 @@
                 <a:latin typeface="Arial" panose="020B0604020202020204" pitchFamily="34" charset="0"/>
                 <a:ea typeface="AR PL KaitiM GB" charset="0"/>
               </a:rPr>
-              <a:t>t3</a:t>
-            </a:r>
-            <a:endParaRPr lang="en-US" altLang="zh-CN" sz="2400">
+              <a:t>t</a:t>
+            </a:r>
+            <a:r>
+              <a:rPr lang="en-US" altLang="zh-CN" sz="2400" baseline="-25000">
+                <a:latin typeface="Arial" panose="020B0604020202020204" pitchFamily="34" charset="0"/>
+                <a:ea typeface="AR PL KaitiM GB" charset="0"/>
+              </a:rPr>
+              <a:t>3</a:t>
+            </a:r>
+            <a:endParaRPr lang="en-US" altLang="zh-CN" sz="2400" baseline="-25000">
               <a:latin typeface="Arial" panose="020B0604020202020204" pitchFamily="34" charset="0"/>
               <a:ea typeface="AR PL KaitiM GB" charset="0"/>
             </a:endParaRPr>
@@ -8621,7 +9254,7 @@
         </p:nvSpPr>
         <p:spPr>
           <a:xfrm>
-            <a:off x="10180989" y="10380333"/>
+            <a:off x="11180479" y="10380333"/>
             <a:ext cx="2311842" cy="457200"/>
           </a:xfrm>
           <a:prstGeom prst="rect">
@@ -8643,15 +9276,170 @@
                 <a:latin typeface="Arial" panose="020B0604020202020204" pitchFamily="34" charset="0"/>
                 <a:ea typeface="AR PL KaitiM GB" charset="0"/>
               </a:rPr>
-              <a:t>t3</a:t>
-            </a:r>
-            <a:endParaRPr lang="en-US" altLang="zh-CN" sz="2400">
+              <a:t>t</a:t>
+            </a:r>
+            <a:r>
+              <a:rPr lang="en-US" altLang="zh-CN" sz="2400" baseline="-25000">
+                <a:latin typeface="Arial" panose="020B0604020202020204" pitchFamily="34" charset="0"/>
+                <a:ea typeface="AR PL KaitiM GB" charset="0"/>
+              </a:rPr>
+              <a:t>3</a:t>
+            </a:r>
+            <a:endParaRPr lang="en-US" altLang="zh-CN" sz="2400" baseline="-25000">
               <a:latin typeface="Arial" panose="020B0604020202020204" pitchFamily="34" charset="0"/>
               <a:ea typeface="AR PL KaitiM GB" charset="0"/>
             </a:endParaRPr>
           </a:p>
         </p:txBody>
       </p:sp>
+      <p:sp>
+        <p:nvSpPr>
+          <p:cNvPr id="2" name="闪电形 1"/>
+          <p:cNvSpPr/>
+          <p:nvPr/>
+        </p:nvSpPr>
+        <p:spPr>
+          <a:xfrm>
+            <a:off x="404495" y="8384540"/>
+            <a:ext cx="640715" cy="1995170"/>
+          </a:xfrm>
+          <a:prstGeom prst="lightningBolt">
+            <a:avLst/>
+          </a:prstGeom>
+          <a:solidFill>
+            <a:srgbClr val="FF0000"/>
+          </a:solidFill>
+          <a:ln>
+            <a:solidFill>
+              <a:srgbClr val="FF0000"/>
+            </a:solidFill>
+          </a:ln>
+        </p:spPr>
+        <p:style>
+          <a:lnRef idx="2">
+            <a:schemeClr val="accent1">
+              <a:shade val="50000"/>
+            </a:schemeClr>
+          </a:lnRef>
+          <a:fillRef idx="1">
+            <a:schemeClr val="accent1"/>
+          </a:fillRef>
+          <a:effectRef idx="0">
+            <a:schemeClr val="accent1"/>
+          </a:effectRef>
+          <a:fontRef idx="minor">
+            <a:schemeClr val="lt1"/>
+          </a:fontRef>
+        </p:style>
+        <p:txBody>
+          <a:bodyPr rtlCol="0" anchor="ctr"/>
+          <a:p>
+            <a:pPr algn="ctr"/>
+            <a:endParaRPr lang="zh-CN" altLang="en-US"/>
+          </a:p>
+        </p:txBody>
+      </p:sp>
+      <p:sp>
+        <p:nvSpPr>
+          <p:cNvPr id="8" name="文本框 7"/>
+          <p:cNvSpPr txBox="1"/>
+          <p:nvPr/>
+        </p:nvSpPr>
+        <p:spPr>
+          <a:xfrm>
+            <a:off x="1222563" y="8841778"/>
+            <a:ext cx="1884219" cy="822960"/>
+          </a:xfrm>
+          <a:prstGeom prst="rect">
+            <a:avLst/>
+          </a:prstGeom>
+          <a:noFill/>
+        </p:spPr>
+        <p:txBody>
+          <a:bodyPr wrap="square" rtlCol="0">
+            <a:spAutoFit/>
+          </a:bodyPr>
+          <a:p>
+            <a:pPr algn="l"/>
+            <a:r>
+              <a:rPr lang="en-US" altLang="zh-CN" sz="2400">
+                <a:latin typeface="Arial" panose="020B0604020202020204" pitchFamily="34" charset="0"/>
+              </a:rPr>
+              <a:t>preparation time</a:t>
+            </a:r>
+            <a:endParaRPr lang="en-US" altLang="zh-CN" sz="2400">
+              <a:latin typeface="Arial" panose="020B0604020202020204" pitchFamily="34" charset="0"/>
+            </a:endParaRPr>
+          </a:p>
+        </p:txBody>
+      </p:sp>
+      <p:cxnSp>
+        <p:nvCxnSpPr>
+          <p:cNvPr id="3" name="直接箭头连接符 2"/>
+          <p:cNvCxnSpPr/>
+          <p:nvPr/>
+        </p:nvCxnSpPr>
+        <p:spPr>
+          <a:xfrm>
+            <a:off x="1087755" y="9624060"/>
+            <a:ext cx="2075815" cy="27940"/>
+          </a:xfrm>
+          <a:prstGeom prst="straightConnector1">
+            <a:avLst/>
+          </a:prstGeom>
+          <a:ln>
+            <a:headEnd type="arrow" w="med" len="med"/>
+            <a:tailEnd type="arrow" w="med" len="med"/>
+          </a:ln>
+        </p:spPr>
+        <p:style>
+          <a:lnRef idx="1">
+            <a:schemeClr val="dk1"/>
+          </a:lnRef>
+          <a:fillRef idx="0">
+            <a:schemeClr val="dk1"/>
+          </a:fillRef>
+          <a:effectRef idx="0">
+            <a:schemeClr val="dk1"/>
+          </a:effectRef>
+          <a:fontRef idx="minor">
+            <a:schemeClr val="tx1"/>
+          </a:fontRef>
+        </p:style>
+      </p:cxnSp>
+      <p:cxnSp>
+        <p:nvCxnSpPr>
+          <p:cNvPr id="9" name="直接连接符 8"/>
+          <p:cNvCxnSpPr/>
+          <p:nvPr/>
+        </p:nvCxnSpPr>
+        <p:spPr>
+          <a:xfrm flipH="1">
+            <a:off x="1081598" y="8841845"/>
+            <a:ext cx="6351" cy="1538748"/>
+          </a:xfrm>
+          <a:prstGeom prst="line">
+            <a:avLst/>
+          </a:prstGeom>
+          <a:ln>
+            <a:prstDash val="sysDot"/>
+          </a:ln>
+        </p:spPr>
+        <p:style>
+          <a:lnRef idx="3">
+            <a:schemeClr val="dk1"/>
+          </a:lnRef>
+          <a:fillRef idx="0">
+            <a:schemeClr val="dk1"/>
+          </a:fillRef>
+          <a:effectRef idx="2">
+            <a:schemeClr val="dk1"/>
+          </a:effectRef>
+          <a:fontRef idx="minor">
+            <a:schemeClr val="tx1"/>
+          </a:fontRef>
+        </p:style>
+      </p:cxnSp>
     </p:spTree>
   </p:cSld>
   <p:clrMapOvr>
@@ -8919,4 +9707,265 @@
     </a:ext>
   </a:extLst>
 </a:theme>
+</file>
+
+<file path=ppt/theme/theme2.xml><?xml version="1.0" encoding="utf-8"?>
+<a:theme xmlns:a="http://schemas.openxmlformats.org/drawingml/2006/main" name="Office 主题">
+  <a:themeElements>
+    <a:clrScheme name="Office">
+      <a:dk1>
+        <a:sysClr val="windowText" lastClr="000000"/>
+      </a:dk1>
+      <a:lt1>
+        <a:sysClr val="window" lastClr="FFFFFF"/>
+      </a:lt1>
+      <a:dk2>
+        <a:srgbClr val="44546A"/>
+      </a:dk2>
+      <a:lt2>
+        <a:srgbClr val="E7E6E6"/>
+      </a:lt2>
+      <a:accent1>
+        <a:srgbClr val="5B9BD5"/>
+      </a:accent1>
+      <a:accent2>
+        <a:srgbClr val="ED7D31"/>
+      </a:accent2>
+      <a:accent3>
+        <a:srgbClr val="A5A5A5"/>
+      </a:accent3>
+      <a:accent4>
+        <a:srgbClr val="FFC000"/>
+      </a:accent4>
+      <a:accent5>
+        <a:srgbClr val="4472C4"/>
+      </a:accent5>
+      <a:accent6>
+        <a:srgbClr val="70AD47"/>
+      </a:accent6>
+      <a:hlink>
+        <a:srgbClr val="0563C1"/>
+      </a:hlink>
+      <a:folHlink>
+        <a:srgbClr val="954F72"/>
+      </a:folHlink>
+    </a:clrScheme>
+    <a:fontScheme name="Office">
+      <a:majorFont>
+        <a:latin typeface="Calibri Light"/>
+        <a:ea typeface=""/>
+        <a:cs typeface=""/>
+        <a:font script="Jpan" typeface="ＭＳ Ｐゴシック"/>
+        <a:font script="Hang" typeface="맑은 고딕"/>
+        <a:font script="Hans" typeface="宋体"/>
+        <a:font script="Hant" typeface="新細明體"/>
+        <a:font script="Arab" typeface="Times New Roman"/>
+        <a:font script="Hebr" typeface="Times New Roman"/>
+        <a:font script="Thai" typeface="Angsana New"/>
+        <a:font script="Ethi" typeface="Nyala"/>
+        <a:font script="Beng" typeface="Vrinda"/>
+        <a:font script="Gujr" typeface="Shruti"/>
+        <a:font script="Khmr" typeface="MoolBoran"/>
+        <a:font script="Knda" typeface="Tunga"/>
+        <a:font script="Guru" typeface="Raavi"/>
+        <a:font script="Cans" typeface="Euphemia"/>
+        <a:font script="Cher" typeface="Plantagenet Cherokee"/>
+        <a:font script="Yiii" typeface="Microsoft Yi Baiti"/>
+        <a:font script="Tibt" typeface="Microsoft Himalaya"/>
+        <a:font script="Thaa" typeface="MV Boli"/>
+        <a:font script="Deva" typeface="Mangal"/>
+        <a:font script="Telu" typeface="Gautami"/>
+        <a:font script="Taml" typeface="Latha"/>
+        <a:font script="Syrc" typeface="Estrangelo Edessa"/>
+        <a:font script="Orya" typeface="Kalinga"/>
+        <a:font script="Mlym" typeface="Kartika"/>
+        <a:font script="Laoo" typeface="DokChampa"/>
+        <a:font script="Sinh" typeface="Iskoola Pota"/>
+        <a:font script="Mong" typeface="Mongolian Baiti"/>
+        <a:font script="Viet" typeface="Times New Roman"/>
+        <a:font script="Uigh" typeface="Microsoft Uighur"/>
+        <a:font script="Geor" typeface="Sylfaen"/>
+      </a:majorFont>
+      <a:minorFont>
+        <a:latin typeface="Calibri"/>
+        <a:ea typeface=""/>
+        <a:cs typeface=""/>
+        <a:font script="Jpan" typeface="ＭＳ Ｐゴシック"/>
+        <a:font script="Hang" typeface="맑은 고딕"/>
+        <a:font script="Hans" typeface="宋体"/>
+        <a:font script="Hant" typeface="新細明體"/>
+        <a:font script="Arab" typeface="Arial"/>
+        <a:font script="Hebr" typeface="Arial"/>
+        <a:font script="Thai" typeface="Cordia New"/>
+        <a:font script="Ethi" typeface="Nyala"/>
+        <a:font script="Beng" typeface="Vrinda"/>
+        <a:font script="Gujr" typeface="Shruti"/>
+        <a:font script="Khmr" typeface="DaunPenh"/>
+        <a:font script="Knda" typeface="Tunga"/>
+        <a:font script="Guru" typeface="Raavi"/>
+        <a:font script="Cans" typeface="Euphemia"/>
+        <a:font script="Cher" typeface="Plantagenet Cherokee"/>
+        <a:font script="Yiii" typeface="Microsoft Yi Baiti"/>
+        <a:font script="Tibt" typeface="Microsoft Himalaya"/>
+        <a:font script="Thaa" typeface="MV Boli"/>
+        <a:font script="Deva" typeface="Mangal"/>
+        <a:font script="Telu" typeface="Gautami"/>
+        <a:font script="Taml" typeface="Latha"/>
+        <a:font script="Syrc" typeface="Estrangelo Edessa"/>
+        <a:font script="Orya" typeface="Kalinga"/>
+        <a:font script="Mlym" typeface="Kartika"/>
+        <a:font script="Laoo" typeface="DokChampa"/>
+        <a:font script="Sinh" typeface="Iskoola Pota"/>
+        <a:font script="Mong" typeface="Mongolian Baiti"/>
+        <a:font script="Viet" typeface="Arial"/>
+        <a:font script="Uigh" typeface="Microsoft Uighur"/>
+        <a:font script="Geor" typeface="Sylfaen"/>
+      </a:minorFont>
+    </a:fontScheme>
+    <a:fmtScheme name="Office">
+      <a:fillStyleLst>
+        <a:solidFill>
+          <a:schemeClr val="phClr"/>
+        </a:solidFill>
+        <a:gradFill rotWithShape="1">
+          <a:gsLst>
+            <a:gs pos="0">
+              <a:schemeClr val="phClr">
+                <a:lumMod val="110000"/>
+                <a:satMod val="105000"/>
+                <a:tint val="67000"/>
+              </a:schemeClr>
+            </a:gs>
+            <a:gs pos="50000">
+              <a:schemeClr val="phClr">
+                <a:lumMod val="105000"/>
+                <a:satMod val="103000"/>
+                <a:tint val="73000"/>
+              </a:schemeClr>
+            </a:gs>
+            <a:gs pos="100000">
+              <a:schemeClr val="phClr">
+                <a:lumMod val="105000"/>
+                <a:satMod val="109000"/>
+                <a:tint val="81000"/>
+              </a:schemeClr>
+            </a:gs>
+          </a:gsLst>
+          <a:lin ang="5400000" scaled="0"/>
+        </a:gradFill>
+        <a:gradFill rotWithShape="1">
+          <a:gsLst>
+            <a:gs pos="0">
+              <a:schemeClr val="phClr">
+                <a:satMod val="103000"/>
+                <a:lumMod val="102000"/>
+                <a:tint val="94000"/>
+              </a:schemeClr>
+            </a:gs>
+            <a:gs pos="50000">
+              <a:schemeClr val="phClr">
+                <a:satMod val="110000"/>
+                <a:lumMod val="100000"/>
+                <a:shade val="100000"/>
+              </a:schemeClr>
+            </a:gs>
+            <a:gs pos="100000">
+              <a:schemeClr val="phClr">
+                <a:lumMod val="99000"/>
+                <a:satMod val="120000"/>
+                <a:shade val="78000"/>
+              </a:schemeClr>
+            </a:gs>
+          </a:gsLst>
+          <a:lin ang="5400000" scaled="0"/>
+        </a:gradFill>
+      </a:fillStyleLst>
+      <a:lnStyleLst>
+        <a:ln w="6350" cap="flat" cmpd="sng" algn="ctr">
+          <a:solidFill>
+            <a:schemeClr val="phClr"/>
+          </a:solidFill>
+          <a:prstDash val="solid"/>
+          <a:miter lim="800000"/>
+        </a:ln>
+        <a:ln w="12700" cap="flat" cmpd="sng" algn="ctr">
+          <a:solidFill>
+            <a:schemeClr val="phClr"/>
+          </a:solidFill>
+          <a:prstDash val="solid"/>
+          <a:miter lim="800000"/>
+        </a:ln>
+        <a:ln w="19050" cap="flat" cmpd="sng" algn="ctr">
+          <a:solidFill>
+            <a:schemeClr val="phClr"/>
+          </a:solidFill>
+          <a:prstDash val="solid"/>
+          <a:miter lim="800000"/>
+        </a:ln>
+      </a:lnStyleLst>
+      <a:effectStyleLst>
+        <a:effectStyle>
+          <a:effectLst/>
+        </a:effectStyle>
+        <a:effectStyle>
+          <a:effectLst/>
+        </a:effectStyle>
+        <a:effectStyle>
+          <a:effectLst>
+            <a:outerShdw blurRad="57150" dist="19050" dir="5400000" algn="ctr" rotWithShape="0">
+              <a:srgbClr val="000000">
+                <a:alpha val="63000"/>
+              </a:srgbClr>
+            </a:outerShdw>
+          </a:effectLst>
+        </a:effectStyle>
+      </a:effectStyleLst>
+      <a:bgFillStyleLst>
+        <a:solidFill>
+          <a:schemeClr val="phClr"/>
+        </a:solidFill>
+        <a:solidFill>
+          <a:schemeClr val="phClr">
+            <a:tint val="95000"/>
+            <a:satMod val="170000"/>
+          </a:schemeClr>
+        </a:solidFill>
+        <a:gradFill rotWithShape="1">
+          <a:gsLst>
+            <a:gs pos="0">
+              <a:schemeClr val="phClr">
+                <a:tint val="93000"/>
+                <a:satMod val="150000"/>
+                <a:shade val="98000"/>
+                <a:lumMod val="102000"/>
+              </a:schemeClr>
+            </a:gs>
+            <a:gs pos="50000">
+              <a:schemeClr val="phClr">
+                <a:tint val="98000"/>
+                <a:satMod val="130000"/>
+                <a:shade val="90000"/>
+                <a:lumMod val="103000"/>
+              </a:schemeClr>
+            </a:gs>
+            <a:gs pos="100000">
+              <a:schemeClr val="phClr">
+                <a:shade val="63000"/>
+                <a:satMod val="120000"/>
+              </a:schemeClr>
+            </a:gs>
+          </a:gsLst>
+          <a:lin ang="5400000" scaled="0"/>
+        </a:gradFill>
+      </a:bgFillStyleLst>
+    </a:fmtScheme>
+  </a:themeElements>
+  <a:objectDefaults/>
+  <a:extraClrSchemeLst/>
+  <a:extLst>
+    <a:ext uri="{05A4C25C-085E-4340-85A3-A5531E510DB2}">
+      <thm15:themeFamily xmlns:thm15="http://schemas.microsoft.com/office/thememl/2012/main" name="Office Theme" id="{62F939B6-93AF-4DB8-9C6B-D6C7DFDC589F}" vid="{4A3C46E8-61CC-4603-A589-7422A47A8E4A}"/>
+    </a:ext>
+  </a:extLst>
+</a:theme>
 </file>
--- a/images/rise_flattop_fall.pptx
+++ b/images/rise_flattop_fall.pptx
@@ -4986,8 +4986,8 @@
         </p:nvSpPr>
         <p:spPr>
           <a:xfrm>
-            <a:off x="4587602" y="7773098"/>
-            <a:ext cx="3689057" cy="457200"/>
+            <a:off x="4957172" y="7572438"/>
+            <a:ext cx="3689057" cy="822960"/>
           </a:xfrm>
           <a:prstGeom prst="rect">
             <a:avLst/>
@@ -5004,7 +5004,19 @@
               <a:rPr lang="en-US" altLang="zh-CN" sz="2400">
                 <a:latin typeface="Arial" panose="020B0604020202020204" pitchFamily="34" charset="0"/>
               </a:rPr>
-              <a:t>Flat-top ≥ length of batch</a:t>
+              <a:t>kicker flat-top ≥ </a:t>
+            </a:r>
+            <a:endParaRPr lang="en-US" altLang="zh-CN" sz="2400">
+              <a:latin typeface="Arial" panose="020B0604020202020204" pitchFamily="34" charset="0"/>
+            </a:endParaRPr>
+          </a:p>
+          <a:p>
+            <a:pPr algn="l"/>
+            <a:r>
+              <a:rPr lang="en-US" altLang="zh-CN" sz="2400">
+                <a:latin typeface="Arial" panose="020B0604020202020204" pitchFamily="34" charset="0"/>
+              </a:rPr>
+              <a:t>length of batch</a:t>
             </a:r>
             <a:endParaRPr lang="en-US" altLang="zh-CN" sz="2400">
               <a:latin typeface="Arial" panose="020B0604020202020204" pitchFamily="34" charset="0"/>
@@ -7560,8 +7572,8 @@
         </p:nvSpPr>
         <p:spPr>
           <a:xfrm>
-            <a:off x="4938122" y="8384603"/>
-            <a:ext cx="3689057" cy="457200"/>
+            <a:off x="5615667" y="8134413"/>
+            <a:ext cx="3689057" cy="822960"/>
           </a:xfrm>
           <a:prstGeom prst="rect">
             <a:avLst/>
@@ -7578,7 +7590,19 @@
               <a:rPr lang="en-US" altLang="zh-CN" sz="2400">
                 <a:latin typeface="Arial" panose="020B0604020202020204" pitchFamily="34" charset="0"/>
               </a:rPr>
-              <a:t>Flat-top ≥ length of batch</a:t>
+              <a:t>kicker flat-top ≥ </a:t>
+            </a:r>
+            <a:endParaRPr lang="en-US" altLang="zh-CN" sz="2400">
+              <a:latin typeface="Arial" panose="020B0604020202020204" pitchFamily="34" charset="0"/>
+            </a:endParaRPr>
+          </a:p>
+          <a:p>
+            <a:pPr algn="l"/>
+            <a:r>
+              <a:rPr lang="en-US" altLang="zh-CN" sz="2400">
+                <a:latin typeface="Arial" panose="020B0604020202020204" pitchFamily="34" charset="0"/>
+              </a:rPr>
+              <a:t>length of batch</a:t>
             </a:r>
             <a:endParaRPr lang="en-US" altLang="zh-CN" sz="2400">
               <a:latin typeface="Arial" panose="020B0604020202020204" pitchFamily="34" charset="0"/>

--- a/images/rise_flattop_fall.pptx
+++ b/images/rise_flattop_fall.pptx
@@ -12,7 +12,7 @@
     <p:sldId id="257" r:id="rId4"/>
     <p:sldId id="258" r:id="rId5"/>
   </p:sldIdLst>
-  <p:sldSz cx="12192635" cy="10817860"/>
+  <p:sldSz cx="16513175" cy="14417675"/>
   <p:notesSz cx="7103745" cy="10234295"/>
   <p:defaultTextStyle>
     <a:defPPr>
@@ -211,8 +211,8 @@
         </p:nvSpPr>
         <p:spPr>
           <a:xfrm>
-            <a:off x="481584" y="1279287"/>
-            <a:ext cx="6140577" cy="3454075"/>
+            <a:off x="1573865" y="1279287"/>
+            <a:ext cx="3956015" cy="3454075"/>
           </a:xfrm>
           <a:prstGeom prst="rect">
             <a:avLst/>
@@ -532,15 +532,15 @@
         </p:nvSpPr>
         <p:spPr>
           <a:xfrm>
-            <a:off x="1524291" y="1770568"/>
-            <a:ext cx="9145749" cy="3766526"/>
+            <a:off x="2064440" y="2359836"/>
+            <a:ext cx="12386642" cy="5020076"/>
           </a:xfrm>
         </p:spPr>
         <p:txBody>
           <a:bodyPr anchor="b"/>
           <a:lstStyle>
             <a:lvl1pPr algn="ctr">
-              <a:defRPr sz="8000"/>
+              <a:defRPr sz="10835"/>
             </a:lvl1pPr>
           </a:lstStyle>
           <a:p>
@@ -564,8 +564,8 @@
         </p:nvSpPr>
         <p:spPr>
           <a:xfrm>
-            <a:off x="1524291" y="5682345"/>
-            <a:ext cx="9145749" cy="2612025"/>
+            <a:off x="2064440" y="7573504"/>
+            <a:ext cx="12386642" cy="3481341"/>
           </a:xfrm>
         </p:spPr>
         <p:txBody>
@@ -573,39 +573,39 @@
           <a:lstStyle>
             <a:lvl1pPr marL="0" indent="0" algn="ctr">
               <a:buNone/>
-              <a:defRPr sz="3200"/>
+              <a:defRPr sz="4335"/>
             </a:lvl1pPr>
-            <a:lvl2pPr marL="609600" indent="0" algn="ctr">
+            <a:lvl2pPr marL="826135" indent="0" algn="ctr">
               <a:buNone/>
-              <a:defRPr sz="2665"/>
+              <a:defRPr sz="3610"/>
             </a:lvl2pPr>
-            <a:lvl3pPr marL="1219835" indent="0" algn="ctr">
+            <a:lvl3pPr marL="1652270" indent="0" algn="ctr">
               <a:buNone/>
-              <a:defRPr sz="2400"/>
+              <a:defRPr sz="3250"/>
             </a:lvl3pPr>
-            <a:lvl4pPr marL="1828800" indent="0" algn="ctr">
+            <a:lvl4pPr marL="2477135" indent="0" algn="ctr">
               <a:buNone/>
-              <a:defRPr sz="2135"/>
+              <a:defRPr sz="2890"/>
             </a:lvl4pPr>
-            <a:lvl5pPr marL="2438400" indent="0" algn="ctr">
+            <a:lvl5pPr marL="3302635" indent="0" algn="ctr">
               <a:buNone/>
-              <a:defRPr sz="2135"/>
+              <a:defRPr sz="2890"/>
             </a:lvl5pPr>
-            <a:lvl6pPr marL="3048635" indent="0" algn="ctr">
+            <a:lvl6pPr marL="4129405" indent="0" algn="ctr">
               <a:buNone/>
-              <a:defRPr sz="2135"/>
+              <a:defRPr sz="2890"/>
             </a:lvl6pPr>
-            <a:lvl7pPr marL="3658235" indent="0" algn="ctr">
+            <a:lvl7pPr marL="4954270" indent="0" algn="ctr">
               <a:buNone/>
-              <a:defRPr sz="2135"/>
+              <a:defRPr sz="2890"/>
             </a:lvl7pPr>
-            <a:lvl8pPr marL="4267835" indent="0" algn="ctr">
+            <a:lvl8pPr marL="5780405" indent="0" algn="ctr">
               <a:buNone/>
-              <a:defRPr sz="2135"/>
+              <a:defRPr sz="2890"/>
             </a:lvl8pPr>
-            <a:lvl9pPr marL="4877435" indent="0" algn="ctr">
+            <a:lvl9pPr marL="6605905" indent="0" algn="ctr">
               <a:buNone/>
-              <a:defRPr sz="2135"/>
+              <a:defRPr sz="2890"/>
             </a:lvl9pPr>
           </a:lstStyle>
           <a:p>
@@ -717,8 +717,8 @@
         </p:nvSpPr>
         <p:spPr>
           <a:xfrm>
-            <a:off x="838360" y="575998"/>
-            <a:ext cx="10517611" cy="9168385"/>
+            <a:off x="1135442" y="767698"/>
+            <a:ext cx="14244638" cy="12219745"/>
           </a:xfrm>
         </p:spPr>
         <p:txBody>
@@ -1033,15 +1033,15 @@
         </p:nvSpPr>
         <p:spPr>
           <a:xfrm>
-            <a:off x="832009" y="2697174"/>
-            <a:ext cx="10517611" cy="4500296"/>
+            <a:off x="1126840" y="3594829"/>
+            <a:ext cx="14244638" cy="5998054"/>
           </a:xfrm>
         </p:spPr>
         <p:txBody>
           <a:bodyPr anchor="b"/>
           <a:lstStyle>
             <a:lvl1pPr>
-              <a:defRPr sz="8000"/>
+              <a:defRPr sz="10835"/>
             </a:lvl1pPr>
           </a:lstStyle>
           <a:p>
@@ -1065,8 +1065,8 @@
         </p:nvSpPr>
         <p:spPr>
           <a:xfrm>
-            <a:off x="832009" y="7240044"/>
-            <a:ext cx="10517611" cy="2366599"/>
+            <a:off x="1126840" y="9649626"/>
+            <a:ext cx="14244638" cy="3154234"/>
           </a:xfrm>
         </p:spPr>
         <p:txBody>
@@ -1074,7 +1074,7 @@
           <a:lstStyle>
             <a:lvl1pPr marL="0" indent="0">
               <a:buNone/>
-              <a:defRPr sz="3200">
+              <a:defRPr sz="4335">
                 <a:solidFill>
                   <a:schemeClr val="tx1">
                     <a:tint val="75000"/>
@@ -1082,9 +1082,9 @@
                 </a:solidFill>
               </a:defRPr>
             </a:lvl1pPr>
-            <a:lvl2pPr marL="609600" indent="0">
+            <a:lvl2pPr marL="826135" indent="0">
               <a:buNone/>
-              <a:defRPr sz="2665">
+              <a:defRPr sz="3610">
                 <a:solidFill>
                   <a:schemeClr val="tx1">
                     <a:tint val="75000"/>
@@ -1092,9 +1092,9 @@
                 </a:solidFill>
               </a:defRPr>
             </a:lvl2pPr>
-            <a:lvl3pPr marL="1219835" indent="0">
+            <a:lvl3pPr marL="1652270" indent="0">
               <a:buNone/>
-              <a:defRPr sz="2400">
+              <a:defRPr sz="3250">
                 <a:solidFill>
                   <a:schemeClr val="tx1">
                     <a:tint val="75000"/>
@@ -1102,9 +1102,9 @@
                 </a:solidFill>
               </a:defRPr>
             </a:lvl3pPr>
-            <a:lvl4pPr marL="1828800" indent="0">
+            <a:lvl4pPr marL="2477135" indent="0">
               <a:buNone/>
-              <a:defRPr sz="2135">
+              <a:defRPr sz="2890">
                 <a:solidFill>
                   <a:schemeClr val="tx1">
                     <a:tint val="75000"/>
@@ -1112,9 +1112,9 @@
                 </a:solidFill>
               </a:defRPr>
             </a:lvl4pPr>
-            <a:lvl5pPr marL="2438400" indent="0">
+            <a:lvl5pPr marL="3302635" indent="0">
               <a:buNone/>
-              <a:defRPr sz="2135">
+              <a:defRPr sz="2890">
                 <a:solidFill>
                   <a:schemeClr val="tx1">
                     <a:tint val="75000"/>
@@ -1122,9 +1122,9 @@
                 </a:solidFill>
               </a:defRPr>
             </a:lvl5pPr>
-            <a:lvl6pPr marL="3048635" indent="0">
+            <a:lvl6pPr marL="4129405" indent="0">
               <a:buNone/>
-              <a:defRPr sz="2135">
+              <a:defRPr sz="2890">
                 <a:solidFill>
                   <a:schemeClr val="tx1">
                     <a:tint val="75000"/>
@@ -1132,9 +1132,9 @@
                 </a:solidFill>
               </a:defRPr>
             </a:lvl6pPr>
-            <a:lvl7pPr marL="3658235" indent="0">
+            <a:lvl7pPr marL="4954270" indent="0">
               <a:buNone/>
-              <a:defRPr sz="2135">
+              <a:defRPr sz="2890">
                 <a:solidFill>
                   <a:schemeClr val="tx1">
                     <a:tint val="75000"/>
@@ -1142,9 +1142,9 @@
                 </a:solidFill>
               </a:defRPr>
             </a:lvl7pPr>
-            <a:lvl8pPr marL="4267835" indent="0">
+            <a:lvl8pPr marL="5780405" indent="0">
               <a:buNone/>
-              <a:defRPr sz="2135">
+              <a:defRPr sz="2890">
                 <a:solidFill>
                   <a:schemeClr val="tx1">
                     <a:tint val="75000"/>
@@ -1152,9 +1152,9 @@
                 </a:solidFill>
               </a:defRPr>
             </a:lvl8pPr>
-            <a:lvl9pPr marL="4877435" indent="0">
+            <a:lvl9pPr marL="6605905" indent="0">
               <a:buNone/>
-              <a:defRPr sz="2135">
+              <a:defRPr sz="2890">
                 <a:solidFill>
                   <a:schemeClr val="tx1">
                     <a:tint val="75000"/>
@@ -1296,8 +1296,8 @@
         </p:nvSpPr>
         <p:spPr>
           <a:xfrm>
-            <a:off x="838360" y="2879990"/>
-            <a:ext cx="5182591" cy="6864393"/>
+            <a:off x="1135442" y="3838489"/>
+            <a:ext cx="7019097" cy="9148954"/>
           </a:xfrm>
         </p:spPr>
         <p:txBody>
@@ -1357,8 +1357,8 @@
         </p:nvSpPr>
         <p:spPr>
           <a:xfrm>
-            <a:off x="6173380" y="2879990"/>
-            <a:ext cx="5182591" cy="6864393"/>
+            <a:off x="8360983" y="3838489"/>
+            <a:ext cx="7019097" cy="9148954"/>
           </a:xfrm>
         </p:spPr>
         <p:txBody>
@@ -1506,8 +1506,8 @@
         </p:nvSpPr>
         <p:spPr>
           <a:xfrm>
-            <a:off x="839949" y="575998"/>
-            <a:ext cx="10517611" cy="2091124"/>
+            <a:off x="1137594" y="767698"/>
+            <a:ext cx="14244638" cy="2787078"/>
           </a:xfrm>
         </p:spPr>
         <p:txBody>
@@ -1534,8 +1534,8 @@
         </p:nvSpPr>
         <p:spPr>
           <a:xfrm>
-            <a:off x="1187001" y="2805550"/>
-            <a:ext cx="4874506" cy="1299751"/>
+            <a:off x="1607627" y="3739274"/>
+            <a:ext cx="6601839" cy="1732325"/>
           </a:xfrm>
         </p:spPr>
         <p:txBody>
@@ -1543,39 +1543,39 @@
           <a:lstStyle>
             <a:lvl1pPr marL="0" indent="0">
               <a:buNone/>
-              <a:defRPr sz="3730"/>
+              <a:defRPr sz="5055"/>
             </a:lvl1pPr>
-            <a:lvl2pPr marL="609600" indent="0">
+            <a:lvl2pPr marL="826135" indent="0">
               <a:buNone/>
-              <a:defRPr sz="3200"/>
+              <a:defRPr sz="4335"/>
             </a:lvl2pPr>
-            <a:lvl3pPr marL="1219835" indent="0">
+            <a:lvl3pPr marL="1652270" indent="0">
               <a:buNone/>
-              <a:defRPr sz="2665"/>
+              <a:defRPr sz="3610"/>
             </a:lvl3pPr>
-            <a:lvl4pPr marL="1828800" indent="0">
+            <a:lvl4pPr marL="2477135" indent="0">
               <a:buNone/>
-              <a:defRPr sz="2400"/>
+              <a:defRPr sz="3250"/>
             </a:lvl4pPr>
-            <a:lvl5pPr marL="2438400" indent="0">
+            <a:lvl5pPr marL="3302635" indent="0">
               <a:buNone/>
-              <a:defRPr sz="2400"/>
+              <a:defRPr sz="3250"/>
             </a:lvl5pPr>
-            <a:lvl6pPr marL="3048635" indent="0">
+            <a:lvl6pPr marL="4129405" indent="0">
               <a:buNone/>
-              <a:defRPr sz="2400"/>
+              <a:defRPr sz="3250"/>
             </a:lvl6pPr>
-            <a:lvl7pPr marL="3658235" indent="0">
+            <a:lvl7pPr marL="4954270" indent="0">
               <a:buNone/>
-              <a:defRPr sz="2400"/>
+              <a:defRPr sz="3250"/>
             </a:lvl7pPr>
-            <a:lvl8pPr marL="4267835" indent="0">
+            <a:lvl8pPr marL="5780405" indent="0">
               <a:buNone/>
-              <a:defRPr sz="2400"/>
+              <a:defRPr sz="3250"/>
             </a:lvl8pPr>
-            <a:lvl9pPr marL="4877435" indent="0">
+            <a:lvl9pPr marL="6605905" indent="0">
               <a:buNone/>
-              <a:defRPr sz="2400"/>
+              <a:defRPr sz="3250"/>
             </a:lvl9pPr>
           </a:lstStyle>
           <a:p>
@@ -1600,8 +1600,8 @@
         </p:nvSpPr>
         <p:spPr>
           <a:xfrm>
-            <a:off x="1187001" y="4204732"/>
-            <a:ext cx="4874506" cy="5559686"/>
+            <a:off x="1607627" y="5604122"/>
+            <a:ext cx="6601839" cy="7410023"/>
           </a:xfrm>
         </p:spPr>
         <p:txBody>
@@ -1661,8 +1661,8 @@
         </p:nvSpPr>
         <p:spPr>
           <a:xfrm>
-            <a:off x="6258135" y="2805550"/>
-            <a:ext cx="4898513" cy="1299751"/>
+            <a:off x="8475772" y="3739274"/>
+            <a:ext cx="6634353" cy="1732325"/>
           </a:xfrm>
         </p:spPr>
         <p:txBody>
@@ -1670,39 +1670,39 @@
           <a:lstStyle>
             <a:lvl1pPr marL="0" indent="0">
               <a:buNone/>
-              <a:defRPr sz="3730"/>
+              <a:defRPr sz="5055"/>
             </a:lvl1pPr>
-            <a:lvl2pPr marL="609600" indent="0">
+            <a:lvl2pPr marL="826135" indent="0">
               <a:buNone/>
-              <a:defRPr sz="3200"/>
+              <a:defRPr sz="4335"/>
             </a:lvl2pPr>
-            <a:lvl3pPr marL="1219835" indent="0">
+            <a:lvl3pPr marL="1652270" indent="0">
               <a:buNone/>
-              <a:defRPr sz="2665"/>
+              <a:defRPr sz="3610"/>
             </a:lvl3pPr>
-            <a:lvl4pPr marL="1828800" indent="0">
+            <a:lvl4pPr marL="2477135" indent="0">
               <a:buNone/>
-              <a:defRPr sz="2400"/>
+              <a:defRPr sz="3250"/>
             </a:lvl4pPr>
-            <a:lvl5pPr marL="2438400" indent="0">
+            <a:lvl5pPr marL="3302635" indent="0">
               <a:buNone/>
-              <a:defRPr sz="2400"/>
+              <a:defRPr sz="3250"/>
             </a:lvl5pPr>
-            <a:lvl6pPr marL="3048635" indent="0">
+            <a:lvl6pPr marL="4129405" indent="0">
               <a:buNone/>
-              <a:defRPr sz="2400"/>
+              <a:defRPr sz="3250"/>
             </a:lvl6pPr>
-            <a:lvl7pPr marL="3658235" indent="0">
+            <a:lvl7pPr marL="4954270" indent="0">
               <a:buNone/>
-              <a:defRPr sz="2400"/>
+              <a:defRPr sz="3250"/>
             </a:lvl7pPr>
-            <a:lvl8pPr marL="4267835" indent="0">
+            <a:lvl8pPr marL="5780405" indent="0">
               <a:buNone/>
-              <a:defRPr sz="2400"/>
+              <a:defRPr sz="3250"/>
             </a:lvl8pPr>
-            <a:lvl9pPr marL="4877435" indent="0">
+            <a:lvl9pPr marL="6605905" indent="0">
               <a:buNone/>
-              <a:defRPr sz="2400"/>
+              <a:defRPr sz="3250"/>
             </a:lvl9pPr>
           </a:lstStyle>
           <a:p>
@@ -1727,8 +1727,8 @@
         </p:nvSpPr>
         <p:spPr>
           <a:xfrm>
-            <a:off x="6258135" y="4204732"/>
-            <a:ext cx="4898513" cy="5559686"/>
+            <a:off x="8475772" y="5604122"/>
+            <a:ext cx="6634353" cy="7410023"/>
           </a:xfrm>
         </p:spPr>
         <p:txBody>
@@ -2075,15 +2075,15 @@
         </p:nvSpPr>
         <p:spPr>
           <a:xfrm>
-            <a:off x="839949" y="721250"/>
-            <a:ext cx="4166146" cy="2524373"/>
+            <a:off x="1137594" y="961292"/>
+            <a:ext cx="5642464" cy="3364518"/>
           </a:xfrm>
         </p:spPr>
         <p:txBody>
           <a:bodyPr anchor="b"/>
           <a:lstStyle>
             <a:lvl1pPr>
-              <a:defRPr sz="4270"/>
+              <a:defRPr sz="5780"/>
             </a:lvl1pPr>
           </a:lstStyle>
           <a:p>
@@ -2107,8 +2107,8 @@
         </p:nvSpPr>
         <p:spPr>
           <a:xfrm>
-            <a:off x="5184179" y="721251"/>
-            <a:ext cx="6173380" cy="8524769"/>
+            <a:off x="7021248" y="961293"/>
+            <a:ext cx="8360983" cy="11361925"/>
           </a:xfrm>
         </p:spPr>
         <p:txBody>
@@ -2116,39 +2116,39 @@
           <a:lstStyle>
             <a:lvl1pPr marL="0" indent="0">
               <a:buNone/>
-              <a:defRPr sz="4270"/>
+              <a:defRPr sz="5780"/>
             </a:lvl1pPr>
-            <a:lvl2pPr marL="609600" indent="0">
+            <a:lvl2pPr marL="826135" indent="0">
               <a:buNone/>
-              <a:defRPr sz="3730"/>
+              <a:defRPr sz="5055"/>
             </a:lvl2pPr>
-            <a:lvl3pPr marL="1219835" indent="0">
+            <a:lvl3pPr marL="1652270" indent="0">
               <a:buNone/>
-              <a:defRPr sz="3200"/>
+              <a:defRPr sz="4335"/>
             </a:lvl3pPr>
-            <a:lvl4pPr marL="1828800" indent="0">
+            <a:lvl4pPr marL="2477135" indent="0">
               <a:buNone/>
-              <a:defRPr sz="2665"/>
+              <a:defRPr sz="3610"/>
             </a:lvl4pPr>
-            <a:lvl5pPr marL="2438400" indent="0">
+            <a:lvl5pPr marL="3302635" indent="0">
               <a:buNone/>
-              <a:defRPr sz="2665"/>
+              <a:defRPr sz="3610"/>
             </a:lvl5pPr>
-            <a:lvl6pPr marL="3048635" indent="0">
+            <a:lvl6pPr marL="4129405" indent="0">
               <a:buNone/>
-              <a:defRPr sz="2665"/>
+              <a:defRPr sz="3610"/>
             </a:lvl6pPr>
-            <a:lvl7pPr marL="3658235" indent="0">
+            <a:lvl7pPr marL="4954270" indent="0">
               <a:buNone/>
-              <a:defRPr sz="2665"/>
+              <a:defRPr sz="3610"/>
             </a:lvl7pPr>
-            <a:lvl8pPr marL="4267835" indent="0">
+            <a:lvl8pPr marL="5780405" indent="0">
               <a:buNone/>
-              <a:defRPr sz="2665"/>
+              <a:defRPr sz="3610"/>
             </a:lvl8pPr>
-            <a:lvl9pPr marL="4877435" indent="0">
+            <a:lvl9pPr marL="6605905" indent="0">
               <a:buNone/>
-              <a:defRPr sz="2665"/>
+              <a:defRPr sz="3610"/>
             </a:lvl9pPr>
           </a:lstStyle>
           <a:p>
@@ -2168,8 +2168,8 @@
         </p:nvSpPr>
         <p:spPr>
           <a:xfrm>
-            <a:off x="839949" y="3245623"/>
-            <a:ext cx="4166146" cy="6012918"/>
+            <a:off x="1137594" y="4325809"/>
+            <a:ext cx="5642464" cy="8014097"/>
           </a:xfrm>
         </p:spPr>
         <p:txBody>
@@ -2177,39 +2177,39 @@
           <a:lstStyle>
             <a:lvl1pPr marL="0" indent="0">
               <a:buNone/>
-              <a:defRPr sz="2665"/>
+              <a:defRPr sz="3610"/>
             </a:lvl1pPr>
-            <a:lvl2pPr marL="609600" indent="0">
+            <a:lvl2pPr marL="826135" indent="0">
               <a:buNone/>
-              <a:defRPr sz="2400"/>
+              <a:defRPr sz="3250"/>
             </a:lvl2pPr>
-            <a:lvl3pPr marL="1219835" indent="0">
+            <a:lvl3pPr marL="1652270" indent="0">
               <a:buNone/>
-              <a:defRPr sz="2135"/>
+              <a:defRPr sz="2890"/>
             </a:lvl3pPr>
-            <a:lvl4pPr marL="1828800" indent="0">
+            <a:lvl4pPr marL="2477135" indent="0">
               <a:buNone/>
-              <a:defRPr sz="1865"/>
+              <a:defRPr sz="2525"/>
             </a:lvl4pPr>
-            <a:lvl5pPr marL="2438400" indent="0">
+            <a:lvl5pPr marL="3302635" indent="0">
               <a:buNone/>
-              <a:defRPr sz="1865"/>
+              <a:defRPr sz="2525"/>
             </a:lvl5pPr>
-            <a:lvl6pPr marL="3048635" indent="0">
+            <a:lvl6pPr marL="4129405" indent="0">
               <a:buNone/>
-              <a:defRPr sz="1865"/>
+              <a:defRPr sz="2525"/>
             </a:lvl6pPr>
-            <a:lvl7pPr marL="3658235" indent="0">
+            <a:lvl7pPr marL="4954270" indent="0">
               <a:buNone/>
-              <a:defRPr sz="1865"/>
+              <a:defRPr sz="2525"/>
             </a:lvl7pPr>
-            <a:lvl8pPr marL="4267835" indent="0">
+            <a:lvl8pPr marL="5780405" indent="0">
               <a:buNone/>
-              <a:defRPr sz="1865"/>
+              <a:defRPr sz="2525"/>
             </a:lvl8pPr>
-            <a:lvl9pPr marL="4877435" indent="0">
+            <a:lvl9pPr marL="6605905" indent="0">
               <a:buNone/>
-              <a:defRPr sz="1865"/>
+              <a:defRPr sz="2525"/>
             </a:lvl9pPr>
           </a:lstStyle>
           <a:p>
@@ -2322,8 +2322,8 @@
         </p:nvSpPr>
         <p:spPr>
           <a:xfrm>
-            <a:off x="8726569" y="575998"/>
-            <a:ext cx="2629403" cy="9168385"/>
+            <a:off x="11818921" y="767698"/>
+            <a:ext cx="3561160" cy="12219745"/>
           </a:xfrm>
         </p:spPr>
         <p:txBody>
@@ -2350,8 +2350,8 @@
         </p:nvSpPr>
         <p:spPr>
           <a:xfrm>
-            <a:off x="838360" y="575998"/>
-            <a:ext cx="7735779" cy="9168385"/>
+            <a:off x="1135442" y="767698"/>
+            <a:ext cx="10477034" cy="12219745"/>
           </a:xfrm>
         </p:spPr>
         <p:txBody>
@@ -2504,8 +2504,8 @@
         </p:nvSpPr>
         <p:spPr>
           <a:xfrm>
-            <a:off x="838360" y="575998"/>
-            <a:ext cx="10517611" cy="2091124"/>
+            <a:off x="1135442" y="767698"/>
+            <a:ext cx="14244638" cy="2787078"/>
           </a:xfrm>
           <a:prstGeom prst="rect">
             <a:avLst/>
@@ -2537,8 +2537,8 @@
         </p:nvSpPr>
         <p:spPr>
           <a:xfrm>
-            <a:off x="838360" y="2879990"/>
-            <a:ext cx="10517611" cy="6864393"/>
+            <a:off x="1135442" y="3838489"/>
+            <a:ext cx="14244638" cy="9148954"/>
           </a:xfrm>
           <a:prstGeom prst="rect">
             <a:avLst/>
@@ -2603,8 +2603,8 @@
         </p:nvSpPr>
         <p:spPr>
           <a:xfrm>
-            <a:off x="838360" y="10027372"/>
-            <a:ext cx="2743725" cy="575998"/>
+            <a:off x="1135442" y="13364614"/>
+            <a:ext cx="3715993" cy="767698"/>
           </a:xfrm>
           <a:prstGeom prst="rect">
             <a:avLst/>
@@ -2614,7 +2614,7 @@
           <a:bodyPr vert="horz" lIns="91440" tIns="45720" rIns="91440" bIns="45720" rtlCol="0" anchor="ctr"/>
           <a:lstStyle>
             <a:lvl1pPr algn="l">
-              <a:defRPr sz="1600">
+              <a:defRPr sz="2170">
                 <a:solidFill>
                   <a:schemeClr val="tx1">
                     <a:tint val="75000"/>
@@ -2643,8 +2643,8 @@
         </p:nvSpPr>
         <p:spPr>
           <a:xfrm>
-            <a:off x="4039372" y="10027372"/>
-            <a:ext cx="4115587" cy="575998"/>
+            <a:off x="5470766" y="13364614"/>
+            <a:ext cx="5573989" cy="767698"/>
           </a:xfrm>
           <a:prstGeom prst="rect">
             <a:avLst/>
@@ -2654,7 +2654,7 @@
           <a:bodyPr vert="horz" lIns="91440" tIns="45720" rIns="91440" bIns="45720" rtlCol="0" anchor="ctr"/>
           <a:lstStyle>
             <a:lvl1pPr algn="ctr">
-              <a:defRPr sz="1600">
+              <a:defRPr sz="2170">
                 <a:solidFill>
                   <a:schemeClr val="tx1">
                     <a:tint val="75000"/>
@@ -2680,8 +2680,8 @@
         </p:nvSpPr>
         <p:spPr>
           <a:xfrm>
-            <a:off x="8612247" y="10027372"/>
-            <a:ext cx="2743725" cy="575998"/>
+            <a:off x="11664088" y="13364614"/>
+            <a:ext cx="3715993" cy="767698"/>
           </a:xfrm>
           <a:prstGeom prst="rect">
             <a:avLst/>
@@ -2691,7 +2691,7 @@
           <a:bodyPr vert="horz" lIns="91440" tIns="45720" rIns="91440" bIns="45720" rtlCol="0" anchor="ctr"/>
           <a:lstStyle>
             <a:lvl1pPr algn="r">
-              <a:defRPr sz="1600">
+              <a:defRPr sz="2170">
                 <a:solidFill>
                   <a:schemeClr val="tx1">
                     <a:tint val="75000"/>
@@ -2725,7 +2725,7 @@
   </p:sldLayoutIdLst>
   <p:txStyles>
     <p:titleStyle>
-      <a:lvl1pPr algn="l" defTabSz="1219835" rtl="0" eaLnBrk="1" latinLnBrk="0" hangingPunct="1">
+      <a:lvl1pPr algn="l" defTabSz="1652270" rtl="0" eaLnBrk="1" latinLnBrk="0" hangingPunct="1">
         <a:lnSpc>
           <a:spcPct val="90000"/>
         </a:lnSpc>
@@ -2733,7 +2733,7 @@
           <a:spcPct val="0"/>
         </a:spcBef>
         <a:buNone/>
-        <a:defRPr sz="5865" kern="1200">
+        <a:defRPr sz="7945" kern="1200">
           <a:solidFill>
             <a:schemeClr val="tx1"/>
           </a:solidFill>
@@ -2744,16 +2744,16 @@
       </a:lvl1pPr>
     </p:titleStyle>
     <p:bodyStyle>
-      <a:lvl1pPr marL="304800" indent="-302895" algn="l" defTabSz="1219835" rtl="0" eaLnBrk="1" latinLnBrk="0" hangingPunct="1">
+      <a:lvl1pPr marL="412750" indent="-408940" algn="l" defTabSz="1652270" rtl="0" eaLnBrk="1" latinLnBrk="0" hangingPunct="1">
         <a:lnSpc>
           <a:spcPct val="90000"/>
         </a:lnSpc>
         <a:spcBef>
-          <a:spcPts val="1335"/>
+          <a:spcPct val="362000"/>
         </a:spcBef>
         <a:buFont typeface="Arial" panose="020B0604020202020204" pitchFamily="34" charset="0"/>
         <a:buChar char="•"/>
-        <a:defRPr sz="3730" kern="1200">
+        <a:defRPr sz="5055" kern="1200">
           <a:solidFill>
             <a:schemeClr val="tx1"/>
           </a:solidFill>
@@ -2762,16 +2762,16 @@
           <a:cs typeface="+mn-cs"/>
         </a:defRPr>
       </a:lvl1pPr>
-      <a:lvl2pPr marL="914400" indent="-302895" algn="l" defTabSz="1219835" rtl="0" eaLnBrk="1" latinLnBrk="0" hangingPunct="1">
+      <a:lvl2pPr marL="1238885" indent="-408940" algn="l" defTabSz="1652270" rtl="0" eaLnBrk="1" latinLnBrk="0" hangingPunct="1">
         <a:lnSpc>
           <a:spcPct val="90000"/>
         </a:lnSpc>
         <a:spcBef>
-          <a:spcPct val="134000"/>
+          <a:spcPts val="905"/>
         </a:spcBef>
         <a:buFont typeface="Arial" panose="020B0604020202020204" pitchFamily="34" charset="0"/>
         <a:buChar char="•"/>
-        <a:defRPr sz="3200" kern="1200">
+        <a:defRPr sz="4335" kern="1200">
           <a:solidFill>
             <a:schemeClr val="tx1"/>
           </a:solidFill>
@@ -2780,16 +2780,16 @@
           <a:cs typeface="+mn-cs"/>
         </a:defRPr>
       </a:lvl2pPr>
-      <a:lvl3pPr marL="1524000" indent="-302895" algn="l" defTabSz="1219835" rtl="0" eaLnBrk="1" latinLnBrk="0" hangingPunct="1">
+      <a:lvl3pPr marL="2063750" indent="-408940" algn="l" defTabSz="1652270" rtl="0" eaLnBrk="1" latinLnBrk="0" hangingPunct="1">
         <a:lnSpc>
           <a:spcPct val="90000"/>
         </a:lnSpc>
         <a:spcBef>
-          <a:spcPct val="134000"/>
+          <a:spcPts val="905"/>
         </a:spcBef>
         <a:buFont typeface="Arial" panose="020B0604020202020204" pitchFamily="34" charset="0"/>
         <a:buChar char="•"/>
-        <a:defRPr sz="2665" kern="1200">
+        <a:defRPr sz="3610" kern="1200">
           <a:solidFill>
             <a:schemeClr val="tx1"/>
           </a:solidFill>
@@ -2798,16 +2798,16 @@
           <a:cs typeface="+mn-cs"/>
         </a:defRPr>
       </a:lvl3pPr>
-      <a:lvl4pPr marL="2134235" indent="-302895" algn="l" defTabSz="1219835" rtl="0" eaLnBrk="1" latinLnBrk="0" hangingPunct="1">
+      <a:lvl4pPr marL="2890520" indent="-408940" algn="l" defTabSz="1652270" rtl="0" eaLnBrk="1" latinLnBrk="0" hangingPunct="1">
         <a:lnSpc>
           <a:spcPct val="90000"/>
         </a:lnSpc>
         <a:spcBef>
-          <a:spcPct val="134000"/>
+          <a:spcPts val="905"/>
         </a:spcBef>
         <a:buFont typeface="Arial" panose="020B0604020202020204" pitchFamily="34" charset="0"/>
         <a:buChar char="•"/>
-        <a:defRPr sz="2400" kern="1200">
+        <a:defRPr sz="3250" kern="1200">
           <a:solidFill>
             <a:schemeClr val="tx1"/>
           </a:solidFill>
@@ -2816,16 +2816,16 @@
           <a:cs typeface="+mn-cs"/>
         </a:defRPr>
       </a:lvl4pPr>
-      <a:lvl5pPr marL="2743200" indent="-302895" algn="l" defTabSz="1219835" rtl="0" eaLnBrk="1" latinLnBrk="0" hangingPunct="1">
+      <a:lvl5pPr marL="3715385" indent="-408940" algn="l" defTabSz="1652270" rtl="0" eaLnBrk="1" latinLnBrk="0" hangingPunct="1">
         <a:lnSpc>
           <a:spcPct val="90000"/>
         </a:lnSpc>
         <a:spcBef>
-          <a:spcPct val="134000"/>
+          <a:spcPts val="905"/>
         </a:spcBef>
         <a:buFont typeface="Arial" panose="020B0604020202020204" pitchFamily="34" charset="0"/>
         <a:buChar char="•"/>
-        <a:defRPr sz="2400" kern="1200">
+        <a:defRPr sz="3250" kern="1200">
           <a:solidFill>
             <a:schemeClr val="tx1"/>
           </a:solidFill>
@@ -2834,16 +2834,16 @@
           <a:cs typeface="+mn-cs"/>
         </a:defRPr>
       </a:lvl5pPr>
-      <a:lvl6pPr marL="3352800" indent="-302895" algn="l" defTabSz="1219835" rtl="0" eaLnBrk="1" latinLnBrk="0" hangingPunct="1">
+      <a:lvl6pPr marL="4540885" indent="-408940" algn="l" defTabSz="1652270" rtl="0" eaLnBrk="1" latinLnBrk="0" hangingPunct="1">
         <a:lnSpc>
           <a:spcPct val="90000"/>
         </a:lnSpc>
         <a:spcBef>
-          <a:spcPct val="134000"/>
+          <a:spcPts val="905"/>
         </a:spcBef>
         <a:buFont typeface="Arial" panose="020B0604020202020204" pitchFamily="34" charset="0"/>
         <a:buChar char="•"/>
-        <a:defRPr sz="2400" kern="1200">
+        <a:defRPr sz="3250" kern="1200">
           <a:solidFill>
             <a:schemeClr val="tx1"/>
           </a:solidFill>
@@ -2852,16 +2852,16 @@
           <a:cs typeface="+mn-cs"/>
         </a:defRPr>
       </a:lvl6pPr>
-      <a:lvl7pPr marL="3963035" indent="-302895" algn="l" defTabSz="1219835" rtl="0" eaLnBrk="1" latinLnBrk="0" hangingPunct="1">
+      <a:lvl7pPr marL="5367020" indent="-408940" algn="l" defTabSz="1652270" rtl="0" eaLnBrk="1" latinLnBrk="0" hangingPunct="1">
         <a:lnSpc>
           <a:spcPct val="90000"/>
         </a:lnSpc>
         <a:spcBef>
-          <a:spcPct val="134000"/>
+          <a:spcPts val="905"/>
         </a:spcBef>
         <a:buFont typeface="Arial" panose="020B0604020202020204" pitchFamily="34" charset="0"/>
         <a:buChar char="•"/>
-        <a:defRPr sz="2400" kern="1200">
+        <a:defRPr sz="3250" kern="1200">
           <a:solidFill>
             <a:schemeClr val="tx1"/>
           </a:solidFill>
@@ -2870,16 +2870,16 @@
           <a:cs typeface="+mn-cs"/>
         </a:defRPr>
       </a:lvl7pPr>
-      <a:lvl8pPr marL="4572635" indent="-302895" algn="l" defTabSz="1219835" rtl="0" eaLnBrk="1" latinLnBrk="0" hangingPunct="1">
+      <a:lvl8pPr marL="6193155" indent="-408940" algn="l" defTabSz="1652270" rtl="0" eaLnBrk="1" latinLnBrk="0" hangingPunct="1">
         <a:lnSpc>
           <a:spcPct val="90000"/>
         </a:lnSpc>
         <a:spcBef>
-          <a:spcPct val="134000"/>
+          <a:spcPts val="905"/>
         </a:spcBef>
         <a:buFont typeface="Arial" panose="020B0604020202020204" pitchFamily="34" charset="0"/>
         <a:buChar char="•"/>
-        <a:defRPr sz="2400" kern="1200">
+        <a:defRPr sz="3250" kern="1200">
           <a:solidFill>
             <a:schemeClr val="tx1"/>
           </a:solidFill>
@@ -2888,16 +2888,16 @@
           <a:cs typeface="+mn-cs"/>
         </a:defRPr>
       </a:lvl8pPr>
-      <a:lvl9pPr marL="5182870" indent="-302895" algn="l" defTabSz="1219835" rtl="0" eaLnBrk="1" latinLnBrk="0" hangingPunct="1">
+      <a:lvl9pPr marL="7019925" indent="-408940" algn="l" defTabSz="1652270" rtl="0" eaLnBrk="1" latinLnBrk="0" hangingPunct="1">
         <a:lnSpc>
           <a:spcPct val="90000"/>
         </a:lnSpc>
         <a:spcBef>
-          <a:spcPct val="134000"/>
+          <a:spcPts val="905"/>
         </a:spcBef>
         <a:buFont typeface="Arial" panose="020B0604020202020204" pitchFamily="34" charset="0"/>
         <a:buChar char="•"/>
-        <a:defRPr sz="2400" kern="1200">
+        <a:defRPr sz="3250" kern="1200">
           <a:solidFill>
             <a:schemeClr val="tx1"/>
           </a:solidFill>
@@ -2911,8 +2911,8 @@
       <a:defPPr>
         <a:defRPr lang="zh-CN"/>
       </a:defPPr>
-      <a:lvl1pPr marL="0" algn="l" defTabSz="1219835" rtl="0" eaLnBrk="1" latinLnBrk="0" hangingPunct="1">
-        <a:defRPr sz="2400" kern="1200">
+      <a:lvl1pPr marL="0" algn="l" defTabSz="1652270" rtl="0" eaLnBrk="1" latinLnBrk="0" hangingPunct="1">
+        <a:defRPr sz="3250" kern="1200">
           <a:solidFill>
             <a:schemeClr val="tx1"/>
           </a:solidFill>
@@ -2921,8 +2921,8 @@
           <a:cs typeface="+mn-cs"/>
         </a:defRPr>
       </a:lvl1pPr>
-      <a:lvl2pPr marL="609600" algn="l" defTabSz="1219835" rtl="0" eaLnBrk="1" latinLnBrk="0" hangingPunct="1">
-        <a:defRPr sz="2400" kern="1200">
+      <a:lvl2pPr marL="826135" algn="l" defTabSz="1652270" rtl="0" eaLnBrk="1" latinLnBrk="0" hangingPunct="1">
+        <a:defRPr sz="3250" kern="1200">
           <a:solidFill>
             <a:schemeClr val="tx1"/>
           </a:solidFill>
@@ -2931,8 +2931,8 @@
           <a:cs typeface="+mn-cs"/>
         </a:defRPr>
       </a:lvl2pPr>
-      <a:lvl3pPr marL="1219835" algn="l" defTabSz="1219835" rtl="0" eaLnBrk="1" latinLnBrk="0" hangingPunct="1">
-        <a:defRPr sz="2400" kern="1200">
+      <a:lvl3pPr marL="1652270" algn="l" defTabSz="1652270" rtl="0" eaLnBrk="1" latinLnBrk="0" hangingPunct="1">
+        <a:defRPr sz="3250" kern="1200">
           <a:solidFill>
             <a:schemeClr val="tx1"/>
           </a:solidFill>
@@ -2941,8 +2941,8 @@
           <a:cs typeface="+mn-cs"/>
         </a:defRPr>
       </a:lvl3pPr>
-      <a:lvl4pPr marL="1828800" algn="l" defTabSz="1219835" rtl="0" eaLnBrk="1" latinLnBrk="0" hangingPunct="1">
-        <a:defRPr sz="2400" kern="1200">
+      <a:lvl4pPr marL="2477135" algn="l" defTabSz="1652270" rtl="0" eaLnBrk="1" latinLnBrk="0" hangingPunct="1">
+        <a:defRPr sz="3250" kern="1200">
           <a:solidFill>
             <a:schemeClr val="tx1"/>
           </a:solidFill>
@@ -2951,8 +2951,8 @@
           <a:cs typeface="+mn-cs"/>
         </a:defRPr>
       </a:lvl4pPr>
-      <a:lvl5pPr marL="2438400" algn="l" defTabSz="1219835" rtl="0" eaLnBrk="1" latinLnBrk="0" hangingPunct="1">
-        <a:defRPr sz="2400" kern="1200">
+      <a:lvl5pPr marL="3302635" algn="l" defTabSz="1652270" rtl="0" eaLnBrk="1" latinLnBrk="0" hangingPunct="1">
+        <a:defRPr sz="3250" kern="1200">
           <a:solidFill>
             <a:schemeClr val="tx1"/>
           </a:solidFill>
@@ -2961,8 +2961,8 @@
           <a:cs typeface="+mn-cs"/>
         </a:defRPr>
       </a:lvl5pPr>
-      <a:lvl6pPr marL="3048635" algn="l" defTabSz="1219835" rtl="0" eaLnBrk="1" latinLnBrk="0" hangingPunct="1">
-        <a:defRPr sz="2400" kern="1200">
+      <a:lvl6pPr marL="4129405" algn="l" defTabSz="1652270" rtl="0" eaLnBrk="1" latinLnBrk="0" hangingPunct="1">
+        <a:defRPr sz="3250" kern="1200">
           <a:solidFill>
             <a:schemeClr val="tx1"/>
           </a:solidFill>
@@ -2971,8 +2971,8 @@
           <a:cs typeface="+mn-cs"/>
         </a:defRPr>
       </a:lvl6pPr>
-      <a:lvl7pPr marL="3658235" algn="l" defTabSz="1219835" rtl="0" eaLnBrk="1" latinLnBrk="0" hangingPunct="1">
-        <a:defRPr sz="2400" kern="1200">
+      <a:lvl7pPr marL="4954270" algn="l" defTabSz="1652270" rtl="0" eaLnBrk="1" latinLnBrk="0" hangingPunct="1">
+        <a:defRPr sz="3250" kern="1200">
           <a:solidFill>
             <a:schemeClr val="tx1"/>
           </a:solidFill>
@@ -2981,8 +2981,8 @@
           <a:cs typeface="+mn-cs"/>
         </a:defRPr>
       </a:lvl7pPr>
-      <a:lvl8pPr marL="4267835" algn="l" defTabSz="1219835" rtl="0" eaLnBrk="1" latinLnBrk="0" hangingPunct="1">
-        <a:defRPr sz="2400" kern="1200">
+      <a:lvl8pPr marL="5780405" algn="l" defTabSz="1652270" rtl="0" eaLnBrk="1" latinLnBrk="0" hangingPunct="1">
+        <a:defRPr sz="3250" kern="1200">
           <a:solidFill>
             <a:schemeClr val="tx1"/>
           </a:solidFill>
@@ -2991,8 +2991,8 @@
           <a:cs typeface="+mn-cs"/>
         </a:defRPr>
       </a:lvl8pPr>
-      <a:lvl9pPr marL="4877435" algn="l" defTabSz="1219835" rtl="0" eaLnBrk="1" latinLnBrk="0" hangingPunct="1">
-        <a:defRPr sz="2400" kern="1200">
+      <a:lvl9pPr marL="6605905" algn="l" defTabSz="1652270" rtl="0" eaLnBrk="1" latinLnBrk="0" hangingPunct="1">
+        <a:defRPr sz="3250" kern="1200">
           <a:solidFill>
             <a:schemeClr val="tx1"/>
           </a:solidFill>
@@ -3016,6 +3016,373 @@
         <p:nvPr/>
       </p:nvGrpSpPr>
       <p:grpSpPr/>
+      <p:grpSp>
+        <p:nvGrpSpPr>
+          <p:cNvPr id="17" name="组合 16"/>
+          <p:cNvGrpSpPr/>
+          <p:nvPr/>
+        </p:nvGrpSpPr>
+        <p:grpSpPr>
+          <a:xfrm>
+            <a:off x="3075305" y="9109774"/>
+            <a:ext cx="13317220" cy="1387686"/>
+            <a:chOff x="4761" y="8252"/>
+            <a:chExt cx="20972" cy="2185"/>
+          </a:xfrm>
+        </p:grpSpPr>
+        <p:sp>
+          <p:nvSpPr>
+            <p:cNvPr id="50" name="文本框 20"/>
+            <p:cNvSpPr txBox="1"/>
+            <p:nvPr/>
+          </p:nvSpPr>
+          <p:spPr>
+            <a:xfrm>
+              <a:off x="20145" y="8661"/>
+              <a:ext cx="5588" cy="1488"/>
+            </a:xfrm>
+            <a:prstGeom prst="rect">
+              <a:avLst/>
+            </a:prstGeom>
+            <a:noFill/>
+            <a:ln w="9525">
+              <a:noFill/>
+            </a:ln>
+          </p:spPr>
+          <p:txBody>
+            <a:bodyPr wrap="square" anchor="t">
+              <a:spAutoFit/>
+            </a:bodyPr>
+            <a:p>
+              <a:pPr lvl="0"/>
+              <a:r>
+                <a:rPr lang="en-US" altLang="zh-CN" sz="2800">
+                  <a:latin typeface="Arial" panose="020B0604020202020204" pitchFamily="34" charset="0"/>
+                  <a:ea typeface="AR PL KaitiM GB" charset="0"/>
+                </a:rPr>
+                <a:t>Location along the synchrotron</a:t>
+              </a:r>
+              <a:endParaRPr lang="en-US" altLang="zh-CN" sz="2800">
+                <a:latin typeface="Arial" panose="020B0604020202020204" pitchFamily="34" charset="0"/>
+                <a:ea typeface="AR PL KaitiM GB" charset="0"/>
+              </a:endParaRPr>
+            </a:p>
+          </p:txBody>
+        </p:sp>
+        <p:cxnSp>
+          <p:nvCxnSpPr>
+            <p:cNvPr id="51" name="直接箭头连接符 50"/>
+            <p:cNvCxnSpPr/>
+            <p:nvPr/>
+          </p:nvCxnSpPr>
+          <p:spPr>
+            <a:xfrm>
+              <a:off x="14073" y="8462"/>
+              <a:ext cx="4292" cy="1975"/>
+            </a:xfrm>
+            <a:prstGeom prst="straightConnector1">
+              <a:avLst/>
+            </a:prstGeom>
+            <a:ln>
+              <a:solidFill>
+                <a:schemeClr val="tx1"/>
+              </a:solidFill>
+              <a:headEnd type="none"/>
+              <a:tailEnd type="none"/>
+            </a:ln>
+          </p:spPr>
+          <p:style>
+            <a:lnRef idx="1">
+              <a:schemeClr val="accent1"/>
+            </a:lnRef>
+            <a:fillRef idx="0">
+              <a:schemeClr val="accent1"/>
+            </a:fillRef>
+            <a:effectRef idx="0">
+              <a:schemeClr val="accent1"/>
+            </a:effectRef>
+            <a:fontRef idx="minor">
+              <a:schemeClr val="tx1"/>
+            </a:fontRef>
+          </p:style>
+        </p:cxnSp>
+        <p:sp>
+          <p:nvSpPr>
+            <p:cNvPr id="52" name="椭圆 51"/>
+            <p:cNvSpPr/>
+            <p:nvPr/>
+          </p:nvSpPr>
+          <p:spPr>
+            <a:xfrm>
+              <a:off x="12647" y="8253"/>
+              <a:ext cx="1340" cy="445"/>
+            </a:xfrm>
+            <a:prstGeom prst="ellipse">
+              <a:avLst/>
+            </a:prstGeom>
+            <a:solidFill>
+              <a:srgbClr val="FFC000"/>
+            </a:solidFill>
+            <a:ln>
+              <a:noFill/>
+            </a:ln>
+          </p:spPr>
+          <p:style>
+            <a:lnRef idx="2">
+              <a:schemeClr val="accent1">
+                <a:shade val="50000"/>
+              </a:schemeClr>
+            </a:lnRef>
+            <a:fillRef idx="1">
+              <a:schemeClr val="accent1"/>
+            </a:fillRef>
+            <a:effectRef idx="0">
+              <a:schemeClr val="accent1"/>
+            </a:effectRef>
+            <a:fontRef idx="minor">
+              <a:schemeClr val="lt1"/>
+            </a:fontRef>
+          </p:style>
+          <p:txBody>
+            <a:bodyPr rtlCol="0" anchor="ctr"/>
+            <a:p>
+              <a:pPr algn="l" fontAlgn="base"/>
+              <a:endParaRPr lang="en-US" altLang="zh-CN" sz="2400" strike="noStrike" noProof="1">
+                <a:solidFill>
+                  <a:schemeClr val="tx1"/>
+                </a:solidFill>
+                <a:latin typeface="Arial" panose="020B0604020202020204" pitchFamily="34" charset="0"/>
+              </a:endParaRPr>
+            </a:p>
+          </p:txBody>
+        </p:sp>
+        <p:sp>
+          <p:nvSpPr>
+            <p:cNvPr id="54" name="左箭头 53"/>
+            <p:cNvSpPr/>
+            <p:nvPr/>
+          </p:nvSpPr>
+          <p:spPr>
+            <a:xfrm rot="1500000" flipH="1">
+              <a:off x="17509" y="9483"/>
+              <a:ext cx="976" cy="600"/>
+            </a:xfrm>
+            <a:prstGeom prst="leftArrow">
+              <a:avLst/>
+            </a:prstGeom>
+            <a:solidFill>
+              <a:schemeClr val="tx1"/>
+            </a:solidFill>
+          </p:spPr>
+          <p:style>
+            <a:lnRef idx="2">
+              <a:schemeClr val="accent1">
+                <a:shade val="50000"/>
+              </a:schemeClr>
+            </a:lnRef>
+            <a:fillRef idx="1">
+              <a:schemeClr val="accent1"/>
+            </a:fillRef>
+            <a:effectRef idx="0">
+              <a:schemeClr val="accent1"/>
+            </a:effectRef>
+            <a:fontRef idx="minor">
+              <a:schemeClr val="lt1"/>
+            </a:fontRef>
+          </p:style>
+          <p:txBody>
+            <a:bodyPr rtlCol="0" anchor="ctr"/>
+            <a:p>
+              <a:pPr algn="ctr"/>
+              <a:endParaRPr lang="zh-CN" altLang="en-US"/>
+            </a:p>
+          </p:txBody>
+        </p:sp>
+        <p:sp>
+          <p:nvSpPr>
+            <p:cNvPr id="55" name="椭圆 54"/>
+            <p:cNvSpPr/>
+            <p:nvPr/>
+          </p:nvSpPr>
+          <p:spPr>
+            <a:xfrm>
+              <a:off x="10309" y="8252"/>
+              <a:ext cx="1340" cy="445"/>
+            </a:xfrm>
+            <a:prstGeom prst="ellipse">
+              <a:avLst/>
+            </a:prstGeom>
+            <a:solidFill>
+              <a:srgbClr val="FFC000"/>
+            </a:solidFill>
+            <a:ln>
+              <a:noFill/>
+            </a:ln>
+          </p:spPr>
+          <p:style>
+            <a:lnRef idx="2">
+              <a:schemeClr val="accent1">
+                <a:shade val="50000"/>
+              </a:schemeClr>
+            </a:lnRef>
+            <a:fillRef idx="1">
+              <a:schemeClr val="accent1"/>
+            </a:fillRef>
+            <a:effectRef idx="0">
+              <a:schemeClr val="accent1"/>
+            </a:effectRef>
+            <a:fontRef idx="minor">
+              <a:schemeClr val="lt1"/>
+            </a:fontRef>
+          </p:style>
+          <p:txBody>
+            <a:bodyPr rtlCol="0" anchor="ctr"/>
+            <a:p>
+              <a:pPr algn="l" fontAlgn="base"/>
+              <a:endParaRPr lang="en-US" altLang="zh-CN" sz="2400" strike="noStrike" noProof="1">
+                <a:solidFill>
+                  <a:schemeClr val="tx1"/>
+                </a:solidFill>
+                <a:latin typeface="Arial" panose="020B0604020202020204" pitchFamily="34" charset="0"/>
+              </a:endParaRPr>
+            </a:p>
+          </p:txBody>
+        </p:sp>
+        <p:sp>
+          <p:nvSpPr>
+            <p:cNvPr id="56" name="椭圆 55"/>
+            <p:cNvSpPr/>
+            <p:nvPr/>
+          </p:nvSpPr>
+          <p:spPr>
+            <a:xfrm>
+              <a:off x="17230" y="8253"/>
+              <a:ext cx="1340" cy="445"/>
+            </a:xfrm>
+            <a:prstGeom prst="ellipse">
+              <a:avLst/>
+            </a:prstGeom>
+            <a:solidFill>
+              <a:srgbClr val="FFC000"/>
+            </a:solidFill>
+            <a:ln>
+              <a:noFill/>
+            </a:ln>
+          </p:spPr>
+          <p:style>
+            <a:lnRef idx="2">
+              <a:schemeClr val="accent1">
+                <a:shade val="50000"/>
+              </a:schemeClr>
+            </a:lnRef>
+            <a:fillRef idx="1">
+              <a:schemeClr val="accent1"/>
+            </a:fillRef>
+            <a:effectRef idx="0">
+              <a:schemeClr val="accent1"/>
+            </a:effectRef>
+            <a:fontRef idx="minor">
+              <a:schemeClr val="lt1"/>
+            </a:fontRef>
+          </p:style>
+          <p:txBody>
+            <a:bodyPr rtlCol="0" anchor="ctr"/>
+            <a:p>
+              <a:pPr algn="l" fontAlgn="base"/>
+              <a:endParaRPr lang="en-US" altLang="zh-CN" sz="2400" strike="noStrike" noProof="1">
+                <a:solidFill>
+                  <a:schemeClr val="tx1"/>
+                </a:solidFill>
+                <a:latin typeface="Arial" panose="020B0604020202020204" pitchFamily="34" charset="0"/>
+              </a:endParaRPr>
+            </a:p>
+          </p:txBody>
+        </p:sp>
+        <p:sp>
+          <p:nvSpPr>
+            <p:cNvPr id="57" name="椭圆 56"/>
+            <p:cNvSpPr/>
+            <p:nvPr/>
+          </p:nvSpPr>
+          <p:spPr>
+            <a:xfrm>
+              <a:off x="14892" y="8252"/>
+              <a:ext cx="1340" cy="445"/>
+            </a:xfrm>
+            <a:prstGeom prst="ellipse">
+              <a:avLst/>
+            </a:prstGeom>
+            <a:solidFill>
+              <a:srgbClr val="FFC000"/>
+            </a:solidFill>
+            <a:ln>
+              <a:noFill/>
+            </a:ln>
+          </p:spPr>
+          <p:style>
+            <a:lnRef idx="2">
+              <a:schemeClr val="accent1">
+                <a:shade val="50000"/>
+              </a:schemeClr>
+            </a:lnRef>
+            <a:fillRef idx="1">
+              <a:schemeClr val="accent1"/>
+            </a:fillRef>
+            <a:effectRef idx="0">
+              <a:schemeClr val="accent1"/>
+            </a:effectRef>
+            <a:fontRef idx="minor">
+              <a:schemeClr val="lt1"/>
+            </a:fontRef>
+          </p:style>
+          <p:txBody>
+            <a:bodyPr rtlCol="0" anchor="ctr"/>
+            <a:p>
+              <a:pPr algn="l" fontAlgn="base"/>
+              <a:endParaRPr lang="en-US" altLang="zh-CN" sz="2400" strike="noStrike" noProof="1">
+                <a:solidFill>
+                  <a:schemeClr val="tx1"/>
+                </a:solidFill>
+                <a:latin typeface="Arial" panose="020B0604020202020204" pitchFamily="34" charset="0"/>
+              </a:endParaRPr>
+            </a:p>
+          </p:txBody>
+        </p:sp>
+        <p:cxnSp>
+          <p:nvCxnSpPr>
+            <p:cNvPr id="58" name="直接箭头连接符 57"/>
+            <p:cNvCxnSpPr/>
+            <p:nvPr/>
+          </p:nvCxnSpPr>
+          <p:spPr>
+            <a:xfrm>
+              <a:off x="4761" y="8462"/>
+              <a:ext cx="19749" cy="54"/>
+            </a:xfrm>
+            <a:prstGeom prst="straightConnector1">
+              <a:avLst/>
+            </a:prstGeom>
+            <a:ln>
+              <a:prstDash val="dash"/>
+              <a:tailEnd type="arrow" w="med" len="med"/>
+            </a:ln>
+          </p:spPr>
+          <p:style>
+            <a:lnRef idx="3">
+              <a:schemeClr val="dk1"/>
+            </a:lnRef>
+            <a:fillRef idx="0">
+              <a:schemeClr val="dk1"/>
+            </a:fillRef>
+            <a:effectRef idx="2">
+              <a:schemeClr val="dk1"/>
+            </a:effectRef>
+            <a:fontRef idx="minor">
+              <a:schemeClr val="tx1"/>
+            </a:fontRef>
+          </p:style>
+        </p:cxnSp>
+      </p:grpSp>
       <p:sp>
         <p:nvSpPr>
           <p:cNvPr id="26658" name="文本框 20"/>
@@ -3024,8 +3391,8 @@
         </p:nvSpPr>
         <p:spPr>
           <a:xfrm>
-            <a:off x="9653221" y="2050285"/>
-            <a:ext cx="2311842" cy="822960"/>
+            <a:off x="12878435" y="11099800"/>
+            <a:ext cx="3233420" cy="944880"/>
           </a:xfrm>
           <a:prstGeom prst="rect">
             <a:avLst/>
@@ -3042,13 +3409,13 @@
           <a:p>
             <a:pPr lvl="0"/>
             <a:r>
-              <a:rPr lang="en-US" altLang="zh-CN" sz="2400">
+              <a:rPr lang="en-US" altLang="zh-CN" sz="2800">
                 <a:latin typeface="Arial" panose="020B0604020202020204" pitchFamily="34" charset="0"/>
                 <a:ea typeface="AR PL KaitiM GB" charset="0"/>
               </a:rPr>
               <a:t>Location along the synchrotron</a:t>
             </a:r>
-            <a:endParaRPr lang="en-US" altLang="zh-CN" sz="2400">
+            <a:endParaRPr lang="en-US" altLang="zh-CN" sz="2800">
               <a:latin typeface="Arial" panose="020B0604020202020204" pitchFamily="34" charset="0"/>
               <a:ea typeface="AR PL KaitiM GB" charset="0"/>
             </a:endParaRPr>
@@ -3063,8 +3430,8 @@
         </p:nvCxnSpPr>
         <p:spPr>
           <a:xfrm>
-            <a:off x="4717692" y="1923896"/>
-            <a:ext cx="2530958" cy="1164813"/>
+            <a:off x="8940165" y="10973435"/>
+            <a:ext cx="2531110" cy="1164590"/>
           </a:xfrm>
           <a:prstGeom prst="straightConnector1">
             <a:avLst/>
@@ -3100,8 +3467,8 @@
         </p:nvSpPr>
         <p:spPr>
           <a:xfrm>
-            <a:off x="3389663" y="1791229"/>
-            <a:ext cx="851066" cy="282630"/>
+            <a:off x="7536180" y="10814685"/>
+            <a:ext cx="850900" cy="282575"/>
           </a:xfrm>
           <a:prstGeom prst="ellipse">
             <a:avLst/>
@@ -3142,143 +3509,16 @@
           </a:p>
         </p:txBody>
       </p:sp>
-      <p:cxnSp>
-        <p:nvCxnSpPr>
-          <p:cNvPr id="27" name="直接箭头连接符 26"/>
-          <p:cNvCxnSpPr/>
-          <p:nvPr/>
-        </p:nvCxnSpPr>
-        <p:spPr>
-          <a:xfrm flipH="1">
-            <a:off x="223520" y="9776460"/>
-            <a:ext cx="10852785" cy="30480"/>
-          </a:xfrm>
-          <a:prstGeom prst="straightConnector1">
-            <a:avLst/>
-          </a:prstGeom>
-          <a:ln>
-            <a:headEnd type="arrow" w="med" len="med"/>
-            <a:tailEnd type="none" w="med" len="med"/>
-          </a:ln>
-        </p:spPr>
-        <p:style>
-          <a:lnRef idx="1">
-            <a:schemeClr val="dk1"/>
-          </a:lnRef>
-          <a:fillRef idx="0">
-            <a:schemeClr val="dk1"/>
-          </a:fillRef>
-          <a:effectRef idx="0">
-            <a:schemeClr val="dk1"/>
-          </a:effectRef>
-          <a:fontRef idx="minor">
-            <a:schemeClr val="tx1"/>
-          </a:fontRef>
-        </p:style>
-      </p:cxnSp>
-      <p:cxnSp>
-        <p:nvCxnSpPr>
-          <p:cNvPr id="30" name="直接箭头连接符 29"/>
-          <p:cNvCxnSpPr/>
-          <p:nvPr/>
-        </p:nvCxnSpPr>
-        <p:spPr>
-          <a:xfrm flipV="1">
-            <a:off x="432113" y="8165554"/>
-            <a:ext cx="20959" cy="1667193"/>
-          </a:xfrm>
-          <a:prstGeom prst="straightConnector1">
-            <a:avLst/>
-          </a:prstGeom>
-          <a:ln>
-            <a:tailEnd type="arrow" w="med" len="med"/>
-          </a:ln>
-        </p:spPr>
-        <p:style>
-          <a:lnRef idx="1">
-            <a:schemeClr val="dk1"/>
-          </a:lnRef>
-          <a:fillRef idx="0">
-            <a:schemeClr val="dk1"/>
-          </a:fillRef>
-          <a:effectRef idx="0">
-            <a:schemeClr val="dk1"/>
-          </a:effectRef>
-          <a:fontRef idx="minor">
-            <a:schemeClr val="tx1"/>
-          </a:fontRef>
-        </p:style>
-      </p:cxnSp>
-      <p:cxnSp>
-        <p:nvCxnSpPr>
-          <p:cNvPr id="38" name="直接连接符 37"/>
-          <p:cNvCxnSpPr/>
-          <p:nvPr/>
-        </p:nvCxnSpPr>
-        <p:spPr>
-          <a:xfrm flipV="1">
-            <a:off x="2769037" y="8736555"/>
-            <a:ext cx="1256275" cy="1040967"/>
-          </a:xfrm>
-          <a:prstGeom prst="line">
-            <a:avLst/>
-          </a:prstGeom>
-        </p:spPr>
-        <p:style>
-          <a:lnRef idx="1">
-            <a:schemeClr val="dk1"/>
-          </a:lnRef>
-          <a:fillRef idx="0">
-            <a:schemeClr val="dk1"/>
-          </a:fillRef>
-          <a:effectRef idx="0">
-            <a:schemeClr val="dk1"/>
-          </a:effectRef>
-          <a:fontRef idx="minor">
-            <a:schemeClr val="tx1"/>
-          </a:fontRef>
-        </p:style>
-      </p:cxnSp>
-      <p:cxnSp>
-        <p:nvCxnSpPr>
-          <p:cNvPr id="39" name="直接连接符 38"/>
-          <p:cNvCxnSpPr/>
-          <p:nvPr/>
-        </p:nvCxnSpPr>
-        <p:spPr>
-          <a:xfrm flipH="1">
-            <a:off x="4024940" y="8716161"/>
-            <a:ext cx="4303795" cy="33024"/>
-          </a:xfrm>
-          <a:prstGeom prst="line">
-            <a:avLst/>
-          </a:prstGeom>
-        </p:spPr>
-        <p:style>
-          <a:lnRef idx="1">
-            <a:schemeClr val="dk1"/>
-          </a:lnRef>
-          <a:fillRef idx="0">
-            <a:schemeClr val="dk1"/>
-          </a:fillRef>
-          <a:effectRef idx="0">
-            <a:schemeClr val="dk1"/>
-          </a:effectRef>
-          <a:fontRef idx="minor">
-            <a:schemeClr val="tx1"/>
-          </a:fontRef>
-        </p:style>
-      </p:cxnSp>
-      <p:sp>
-        <p:nvSpPr>
-          <p:cNvPr id="40" name="文本框 39"/>
+      <p:sp>
+        <p:nvSpPr>
+          <p:cNvPr id="44" name="文本框 43"/>
           <p:cNvSpPr txBox="1"/>
           <p:nvPr/>
         </p:nvSpPr>
         <p:spPr>
           <a:xfrm>
-            <a:off x="2703383" y="7503833"/>
-            <a:ext cx="1884219" cy="822960"/>
+            <a:off x="8491220" y="8177530"/>
+            <a:ext cx="2190750" cy="518160"/>
           </a:xfrm>
           <a:prstGeom prst="rect">
             <a:avLst/>
@@ -3290,12 +3530,17 @@
             <a:spAutoFit/>
           </a:bodyPr>
           <a:p>
-            <a:pPr algn="l"/>
+            <a:r>
+              <a:rPr lang="en-US" altLang="zh-CN" sz="2800">
+                <a:latin typeface="Arial" panose="020B0604020202020204" pitchFamily="34" charset="0"/>
+              </a:rPr>
+              <a:t>Bunch </a:t>
+            </a:r>
             <a:r>
               <a:rPr lang="en-US" altLang="zh-CN" sz="2400">
                 <a:latin typeface="Arial" panose="020B0604020202020204" pitchFamily="34" charset="0"/>
               </a:rPr>
-              <a:t>Rise time ≤ bunch gap</a:t>
+              <a:t>gap</a:t>
             </a:r>
             <a:endParaRPr lang="en-US" altLang="zh-CN" sz="2400">
               <a:latin typeface="Arial" panose="020B0604020202020204" pitchFamily="34" charset="0"/>
@@ -3303,112 +3548,6 @@
           </a:p>
         </p:txBody>
       </p:sp>
-      <p:cxnSp>
-        <p:nvCxnSpPr>
-          <p:cNvPr id="42" name="直接箭头连接符 41"/>
-          <p:cNvCxnSpPr/>
-          <p:nvPr/>
-        </p:nvCxnSpPr>
-        <p:spPr>
-          <a:xfrm>
-            <a:off x="2756092" y="8466582"/>
-            <a:ext cx="1322192" cy="6985"/>
-          </a:xfrm>
-          <a:prstGeom prst="straightConnector1">
-            <a:avLst/>
-          </a:prstGeom>
-          <a:ln>
-            <a:headEnd type="arrow" w="med" len="med"/>
-            <a:tailEnd type="arrow" w="med" len="med"/>
-          </a:ln>
-        </p:spPr>
-        <p:style>
-          <a:lnRef idx="1">
-            <a:schemeClr val="dk1"/>
-          </a:lnRef>
-          <a:fillRef idx="0">
-            <a:schemeClr val="dk1"/>
-          </a:fillRef>
-          <a:effectRef idx="0">
-            <a:schemeClr val="dk1"/>
-          </a:effectRef>
-          <a:fontRef idx="minor">
-            <a:schemeClr val="tx1"/>
-          </a:fontRef>
-        </p:style>
-      </p:cxnSp>
-      <p:sp>
-        <p:nvSpPr>
-          <p:cNvPr id="44" name="文本框 43"/>
-          <p:cNvSpPr txBox="1"/>
-          <p:nvPr/>
-        </p:nvSpPr>
-        <p:spPr>
-          <a:xfrm>
-            <a:off x="3788520" y="1013854"/>
-            <a:ext cx="1740240" cy="457200"/>
-          </a:xfrm>
-          <a:prstGeom prst="rect">
-            <a:avLst/>
-          </a:prstGeom>
-          <a:noFill/>
-        </p:spPr>
-        <p:txBody>
-          <a:bodyPr wrap="square" rtlCol="0">
-            <a:spAutoFit/>
-          </a:bodyPr>
-          <a:p>
-            <a:r>
-              <a:rPr lang="en-US" altLang="zh-CN" sz="2400">
-                <a:latin typeface="Arial" panose="020B0604020202020204" pitchFamily="34" charset="0"/>
-              </a:rPr>
-              <a:t>Bunch gap</a:t>
-            </a:r>
-            <a:endParaRPr lang="en-US" altLang="zh-CN" sz="2400">
-              <a:latin typeface="Arial" panose="020B0604020202020204" pitchFamily="34" charset="0"/>
-            </a:endParaRPr>
-          </a:p>
-        </p:txBody>
-      </p:sp>
-      <p:sp>
-        <p:nvSpPr>
-          <p:cNvPr id="46" name="文本框 20"/>
-          <p:cNvSpPr txBox="1"/>
-          <p:nvPr/>
-        </p:nvSpPr>
-        <p:spPr>
-          <a:xfrm>
-            <a:off x="120240" y="7850560"/>
-            <a:ext cx="487774" cy="457200"/>
-          </a:xfrm>
-          <a:prstGeom prst="rect">
-            <a:avLst/>
-          </a:prstGeom>
-          <a:noFill/>
-          <a:ln w="9525">
-            <a:noFill/>
-          </a:ln>
-        </p:spPr>
-        <p:txBody>
-          <a:bodyPr wrap="square" anchor="t">
-            <a:spAutoFit/>
-          </a:bodyPr>
-          <a:p>
-            <a:pPr lvl="0"/>
-            <a:r>
-              <a:rPr lang="en-US" altLang="zh-CN" sz="2400">
-                <a:latin typeface="Arial" panose="020B0604020202020204" pitchFamily="34" charset="0"/>
-                <a:ea typeface="AR PL KaitiM GB" charset="0"/>
-              </a:rPr>
-              <a:t>B</a:t>
-            </a:r>
-            <a:endParaRPr lang="en-US" altLang="zh-CN" sz="2400">
-              <a:latin typeface="Arial" panose="020B0604020202020204" pitchFamily="34" charset="0"/>
-              <a:ea typeface="AR PL KaitiM GB" charset="0"/>
-            </a:endParaRPr>
-          </a:p>
-        </p:txBody>
-      </p:sp>
       <p:sp>
         <p:nvSpPr>
           <p:cNvPr id="47" name="左箭头 46"/>
@@ -3417,8 +3556,8 @@
         </p:nvSpPr>
         <p:spPr>
           <a:xfrm rot="1500000" flipH="1">
-            <a:off x="6899333" y="2572355"/>
-            <a:ext cx="619879" cy="381074"/>
+            <a:off x="11045825" y="11621770"/>
+            <a:ext cx="619760" cy="381000"/>
           </a:xfrm>
           <a:prstGeom prst="leftArrow">
             <a:avLst/>
@@ -3459,8 +3598,8 @@
         </p:nvSpPr>
         <p:spPr>
           <a:xfrm>
-            <a:off x="1904749" y="1790594"/>
-            <a:ext cx="851066" cy="282630"/>
+            <a:off x="6051550" y="10814050"/>
+            <a:ext cx="850900" cy="282575"/>
           </a:xfrm>
           <a:prstGeom prst="ellipse">
             <a:avLst/>
@@ -3509,8 +3648,8 @@
         </p:nvSpPr>
         <p:spPr>
           <a:xfrm>
-            <a:off x="6299789" y="1791229"/>
-            <a:ext cx="851066" cy="282630"/>
+            <a:off x="10446385" y="10814685"/>
+            <a:ext cx="850900" cy="282575"/>
           </a:xfrm>
           <a:prstGeom prst="ellipse">
             <a:avLst/>
@@ -3559,8 +3698,8 @@
         </p:nvSpPr>
         <p:spPr>
           <a:xfrm>
-            <a:off x="4814875" y="1790594"/>
-            <a:ext cx="851066" cy="282630"/>
+            <a:off x="8961120" y="10814050"/>
+            <a:ext cx="850900" cy="282575"/>
           </a:xfrm>
           <a:prstGeom prst="ellipse">
             <a:avLst/>
@@ -3609,8 +3748,8 @@
         </p:nvCxnSpPr>
         <p:spPr>
           <a:xfrm>
-            <a:off x="657360" y="1932152"/>
-            <a:ext cx="10713864" cy="0"/>
+            <a:off x="2924175" y="10949940"/>
+            <a:ext cx="12618720" cy="26035"/>
           </a:xfrm>
           <a:prstGeom prst="straightConnector1">
             <a:avLst/>
@@ -3643,8 +3782,8 @@
         </p:nvCxnSpPr>
         <p:spPr>
           <a:xfrm>
-            <a:off x="4826297" y="1446920"/>
-            <a:ext cx="0" cy="603365"/>
+            <a:off x="9571355" y="8647430"/>
+            <a:ext cx="0" cy="603250"/>
           </a:xfrm>
           <a:prstGeom prst="line">
             <a:avLst/>
@@ -3676,8 +3815,8 @@
         </p:nvCxnSpPr>
         <p:spPr>
           <a:xfrm>
-            <a:off x="4228648" y="1471054"/>
-            <a:ext cx="0" cy="603365"/>
+            <a:off x="8973820" y="8671560"/>
+            <a:ext cx="0" cy="603250"/>
           </a:xfrm>
           <a:prstGeom prst="line">
             <a:avLst/>
@@ -3709,8 +3848,8 @@
         </p:nvCxnSpPr>
         <p:spPr>
           <a:xfrm>
-            <a:off x="3619567" y="1525674"/>
-            <a:ext cx="628135" cy="12068"/>
+            <a:off x="8364855" y="8726170"/>
+            <a:ext cx="628015" cy="12065"/>
           </a:xfrm>
           <a:prstGeom prst="straightConnector1">
             <a:avLst/>
@@ -3742,8 +3881,8 @@
         </p:nvCxnSpPr>
         <p:spPr>
           <a:xfrm flipH="1">
-            <a:off x="4826932" y="1537742"/>
-            <a:ext cx="611621" cy="12068"/>
+            <a:off x="9613900" y="8733790"/>
+            <a:ext cx="611505" cy="12065"/>
           </a:xfrm>
           <a:prstGeom prst="straightConnector1">
             <a:avLst/>
@@ -3767,16 +3906,149 @@
           </a:fontRef>
         </p:style>
       </p:cxnSp>
-      <p:sp>
-        <p:nvSpPr>
-          <p:cNvPr id="33" name="文本框 20"/>
+      <p:cxnSp>
+        <p:nvCxnSpPr>
+          <p:cNvPr id="90" name="直接连接符 89"/>
+          <p:cNvCxnSpPr/>
+          <p:nvPr/>
+        </p:nvCxnSpPr>
+        <p:spPr>
+          <a:xfrm flipH="1">
+            <a:off x="6567170" y="7560310"/>
+            <a:ext cx="6985" cy="1851025"/>
+          </a:xfrm>
+          <a:prstGeom prst="line">
+            <a:avLst/>
+          </a:prstGeom>
+          <a:ln>
+            <a:prstDash val="sysDot"/>
+          </a:ln>
+        </p:spPr>
+        <p:style>
+          <a:lnRef idx="3">
+            <a:schemeClr val="dk1"/>
+          </a:lnRef>
+          <a:fillRef idx="0">
+            <a:schemeClr val="dk1"/>
+          </a:fillRef>
+          <a:effectRef idx="2">
+            <a:schemeClr val="dk1"/>
+          </a:effectRef>
+          <a:fontRef idx="minor">
+            <a:schemeClr val="tx1"/>
+          </a:fontRef>
+        </p:style>
+      </p:cxnSp>
+      <p:cxnSp>
+        <p:nvCxnSpPr>
+          <p:cNvPr id="91" name="直接连接符 90"/>
+          <p:cNvCxnSpPr/>
+          <p:nvPr/>
+        </p:nvCxnSpPr>
+        <p:spPr>
+          <a:xfrm flipH="1">
+            <a:off x="11880850" y="7534275"/>
+            <a:ext cx="12065" cy="1851025"/>
+          </a:xfrm>
+          <a:prstGeom prst="line">
+            <a:avLst/>
+          </a:prstGeom>
+          <a:ln>
+            <a:prstDash val="sysDot"/>
+          </a:ln>
+        </p:spPr>
+        <p:style>
+          <a:lnRef idx="3">
+            <a:schemeClr val="dk1"/>
+          </a:lnRef>
+          <a:fillRef idx="0">
+            <a:schemeClr val="dk1"/>
+          </a:fillRef>
+          <a:effectRef idx="2">
+            <a:schemeClr val="dk1"/>
+          </a:effectRef>
+          <a:fontRef idx="minor">
+            <a:schemeClr val="tx1"/>
+          </a:fontRef>
+        </p:style>
+      </p:cxnSp>
+      <p:cxnSp>
+        <p:nvCxnSpPr>
+          <p:cNvPr id="92" name="直接箭头连接符 91"/>
+          <p:cNvCxnSpPr/>
+          <p:nvPr/>
+        </p:nvCxnSpPr>
+        <p:spPr>
+          <a:xfrm flipV="1">
+            <a:off x="6665595" y="7998460"/>
+            <a:ext cx="5175885" cy="13970"/>
+          </a:xfrm>
+          <a:prstGeom prst="straightConnector1">
+            <a:avLst/>
+          </a:prstGeom>
+          <a:ln>
+            <a:headEnd type="arrow" w="med" len="med"/>
+            <a:tailEnd type="arrow" w="med" len="med"/>
+          </a:ln>
+        </p:spPr>
+        <p:style>
+          <a:lnRef idx="1">
+            <a:schemeClr val="dk1"/>
+          </a:lnRef>
+          <a:fillRef idx="0">
+            <a:schemeClr val="dk1"/>
+          </a:fillRef>
+          <a:effectRef idx="0">
+            <a:schemeClr val="dk1"/>
+          </a:effectRef>
+          <a:fontRef idx="minor">
+            <a:schemeClr val="tx1"/>
+          </a:fontRef>
+        </p:style>
+      </p:cxnSp>
+      <p:sp>
+        <p:nvSpPr>
+          <p:cNvPr id="93" name="文本框 92"/>
           <p:cNvSpPr txBox="1"/>
           <p:nvPr/>
         </p:nvSpPr>
         <p:spPr>
           <a:xfrm>
-            <a:off x="10663632" y="8473730"/>
-            <a:ext cx="2311842" cy="457200"/>
+            <a:off x="8863965" y="7431405"/>
+            <a:ext cx="1740535" cy="518160"/>
+          </a:xfrm>
+          <a:prstGeom prst="rect">
+            <a:avLst/>
+          </a:prstGeom>
+          <a:noFill/>
+        </p:spPr>
+        <p:txBody>
+          <a:bodyPr wrap="square" rtlCol="0">
+            <a:spAutoFit/>
+          </a:bodyPr>
+          <a:p>
+            <a:r>
+              <a:rPr lang="en-US" altLang="zh-CN" sz="2800">
+                <a:latin typeface="Arial" panose="020B0604020202020204" pitchFamily="34" charset="0"/>
+              </a:rPr>
+              <a:t>Batch</a:t>
+            </a:r>
+            <a:endParaRPr lang="en-US" altLang="zh-CN" sz="2800">
+              <a:latin typeface="Arial" panose="020B0604020202020204" pitchFamily="34" charset="0"/>
+            </a:endParaRPr>
+          </a:p>
+        </p:txBody>
+      </p:sp>
+      <p:sp>
+        <p:nvSpPr>
+          <p:cNvPr id="102" name="文本框 20"/>
+          <p:cNvSpPr txBox="1"/>
+          <p:nvPr/>
+        </p:nvSpPr>
+        <p:spPr>
+          <a:xfrm rot="1440000">
+            <a:off x="9167495" y="12136755"/>
+            <a:ext cx="4663440" cy="944880"/>
           </a:xfrm>
           <a:prstGeom prst="rect">
             <a:avLst/>
@@ -3793,13 +4065,677 @@
           <a:p>
             <a:pPr lvl="0"/>
             <a:r>
-              <a:rPr lang="en-US" altLang="zh-CN" sz="2400">
+              <a:rPr lang="en-US" altLang="zh-CN" sz="2800">
+                <a:latin typeface="Arial" panose="020B0604020202020204" pitchFamily="34" charset="0"/>
+                <a:ea typeface="AR PL KaitiM GB" charset="0"/>
+                <a:sym typeface="+mn-ea"/>
+              </a:rPr>
+              <a:t>Path for beam</a:t>
+            </a:r>
+            <a:endParaRPr lang="en-US" altLang="zh-CN" sz="2800">
+              <a:latin typeface="Arial" panose="020B0604020202020204" pitchFamily="34" charset="0"/>
+              <a:ea typeface="AR PL KaitiM GB" charset="0"/>
+              <a:sym typeface="+mn-ea"/>
+            </a:endParaRPr>
+          </a:p>
+          <a:p>
+            <a:pPr lvl="0"/>
+            <a:r>
+              <a:rPr lang="en-US" altLang="zh-CN" sz="2800">
+                <a:latin typeface="Arial" panose="020B0604020202020204" pitchFamily="34" charset="0"/>
+                <a:ea typeface="AR PL KaitiM GB" charset="0"/>
+              </a:rPr>
+              <a:t>extraction</a:t>
+            </a:r>
+            <a:endParaRPr lang="en-US" altLang="zh-CN" sz="2800">
+              <a:latin typeface="Arial" panose="020B0604020202020204" pitchFamily="34" charset="0"/>
+              <a:ea typeface="AR PL KaitiM GB" charset="0"/>
+            </a:endParaRPr>
+          </a:p>
+        </p:txBody>
+      </p:sp>
+      <p:grpSp>
+        <p:nvGrpSpPr>
+          <p:cNvPr id="20" name="组合 19"/>
+          <p:cNvGrpSpPr/>
+          <p:nvPr/>
+        </p:nvGrpSpPr>
+        <p:grpSpPr>
+          <a:xfrm>
+            <a:off x="2927350" y="5419090"/>
+            <a:ext cx="13535025" cy="2402711"/>
+            <a:chOff x="4559" y="10825"/>
+            <a:chExt cx="21315" cy="3784"/>
+          </a:xfrm>
+        </p:grpSpPr>
+        <p:cxnSp>
+          <p:nvCxnSpPr>
+            <p:cNvPr id="75" name="直接箭头连接符 74"/>
+            <p:cNvCxnSpPr/>
+            <p:nvPr/>
+          </p:nvCxnSpPr>
+          <p:spPr>
+            <a:xfrm>
+              <a:off x="14038" y="10908"/>
+              <a:ext cx="7709" cy="3546"/>
+            </a:xfrm>
+            <a:prstGeom prst="straightConnector1">
+              <a:avLst/>
+            </a:prstGeom>
+            <a:ln>
+              <a:solidFill>
+                <a:schemeClr val="tx1"/>
+              </a:solidFill>
+              <a:headEnd type="none"/>
+              <a:tailEnd type="none"/>
+            </a:ln>
+          </p:spPr>
+          <p:style>
+            <a:lnRef idx="1">
+              <a:schemeClr val="accent1"/>
+            </a:lnRef>
+            <a:fillRef idx="0">
+              <a:schemeClr val="accent1"/>
+            </a:fillRef>
+            <a:effectRef idx="0">
+              <a:schemeClr val="accent1"/>
+            </a:effectRef>
+            <a:fontRef idx="minor">
+              <a:schemeClr val="tx1"/>
+            </a:fontRef>
+          </p:style>
+        </p:cxnSp>
+        <p:sp>
+          <p:nvSpPr>
+            <p:cNvPr id="77" name="左箭头 76"/>
+            <p:cNvSpPr/>
+            <p:nvPr/>
+          </p:nvSpPr>
+          <p:spPr>
+            <a:xfrm rot="1500000" flipH="1">
+              <a:off x="17413" y="11928"/>
+              <a:ext cx="976" cy="600"/>
+            </a:xfrm>
+            <a:prstGeom prst="leftArrow">
+              <a:avLst/>
+            </a:prstGeom>
+            <a:solidFill>
+              <a:schemeClr val="tx1"/>
+            </a:solidFill>
+          </p:spPr>
+          <p:style>
+            <a:lnRef idx="2">
+              <a:schemeClr val="accent1">
+                <a:shade val="50000"/>
+              </a:schemeClr>
+            </a:lnRef>
+            <a:fillRef idx="1">
+              <a:schemeClr val="accent1"/>
+            </a:fillRef>
+            <a:effectRef idx="0">
+              <a:schemeClr val="accent1"/>
+            </a:effectRef>
+            <a:fontRef idx="minor">
+              <a:schemeClr val="lt1"/>
+            </a:fontRef>
+          </p:style>
+          <p:txBody>
+            <a:bodyPr rtlCol="0" anchor="ctr"/>
+            <a:p>
+              <a:pPr algn="ctr"/>
+              <a:endParaRPr lang="zh-CN" altLang="en-US"/>
+            </a:p>
+          </p:txBody>
+        </p:sp>
+        <p:cxnSp>
+          <p:nvCxnSpPr>
+            <p:cNvPr id="81" name="直接箭头连接符 80"/>
+            <p:cNvCxnSpPr/>
+            <p:nvPr/>
+          </p:nvCxnSpPr>
+          <p:spPr>
+            <a:xfrm flipV="1">
+              <a:off x="4559" y="10825"/>
+              <a:ext cx="19983" cy="30"/>
+            </a:xfrm>
+            <a:prstGeom prst="straightConnector1">
+              <a:avLst/>
+            </a:prstGeom>
+            <a:ln>
+              <a:prstDash val="dash"/>
+              <a:tailEnd type="arrow" w="med" len="med"/>
+            </a:ln>
+          </p:spPr>
+          <p:style>
+            <a:lnRef idx="3">
+              <a:schemeClr val="dk1"/>
+            </a:lnRef>
+            <a:fillRef idx="0">
+              <a:schemeClr val="dk1"/>
+            </a:fillRef>
+            <a:effectRef idx="2">
+              <a:schemeClr val="dk1"/>
+            </a:effectRef>
+            <a:fontRef idx="minor">
+              <a:schemeClr val="tx1"/>
+            </a:fontRef>
+          </p:style>
+        </p:cxnSp>
+        <p:sp>
+          <p:nvSpPr>
+            <p:cNvPr id="84" name="文本框 20"/>
+            <p:cNvSpPr txBox="1"/>
+            <p:nvPr/>
+          </p:nvSpPr>
+          <p:spPr>
+            <a:xfrm>
+              <a:off x="19893" y="10940"/>
+              <a:ext cx="5981" cy="1488"/>
+            </a:xfrm>
+            <a:prstGeom prst="rect">
+              <a:avLst/>
+            </a:prstGeom>
+            <a:noFill/>
+            <a:ln w="9525">
+              <a:noFill/>
+            </a:ln>
+          </p:spPr>
+          <p:txBody>
+            <a:bodyPr wrap="square" anchor="t">
+              <a:spAutoFit/>
+            </a:bodyPr>
+            <a:p>
+              <a:pPr lvl="0"/>
+              <a:r>
+                <a:rPr lang="en-US" altLang="zh-CN" sz="2800">
+                  <a:latin typeface="Arial" panose="020B0604020202020204" pitchFamily="34" charset="0"/>
+                  <a:ea typeface="AR PL KaitiM GB" charset="0"/>
+                </a:rPr>
+                <a:t>Location along the synchrotron</a:t>
+              </a:r>
+              <a:endParaRPr lang="en-US" altLang="zh-CN" sz="2800">
+                <a:latin typeface="Arial" panose="020B0604020202020204" pitchFamily="34" charset="0"/>
+                <a:ea typeface="AR PL KaitiM GB" charset="0"/>
+              </a:endParaRPr>
+            </a:p>
+          </p:txBody>
+        </p:sp>
+        <p:sp>
+          <p:nvSpPr>
+            <p:cNvPr id="85" name="椭圆 84"/>
+            <p:cNvSpPr/>
+            <p:nvPr/>
+          </p:nvSpPr>
+          <p:spPr>
+            <a:xfrm rot="1500000">
+              <a:off x="14644" y="11291"/>
+              <a:ext cx="1337" cy="463"/>
+            </a:xfrm>
+            <a:prstGeom prst="ellipse">
+              <a:avLst/>
+            </a:prstGeom>
+            <a:solidFill>
+              <a:srgbClr val="FF0000">
+                <a:alpha val="52000"/>
+              </a:srgbClr>
+            </a:solidFill>
+            <a:ln>
+              <a:noFill/>
+            </a:ln>
+          </p:spPr>
+          <p:style>
+            <a:lnRef idx="2">
+              <a:schemeClr val="accent1">
+                <a:shade val="50000"/>
+              </a:schemeClr>
+            </a:lnRef>
+            <a:fillRef idx="1">
+              <a:schemeClr val="accent1"/>
+            </a:fillRef>
+            <a:effectRef idx="0">
+              <a:schemeClr val="accent1"/>
+            </a:effectRef>
+            <a:fontRef idx="minor">
+              <a:schemeClr val="lt1"/>
+            </a:fontRef>
+          </p:style>
+          <p:txBody>
+            <a:bodyPr rtlCol="0" anchor="ctr"/>
+            <a:p>
+              <a:pPr algn="l" fontAlgn="base"/>
+              <a:endParaRPr lang="en-US" altLang="zh-CN" sz="2400" strike="noStrike" noProof="1">
+                <a:solidFill>
+                  <a:schemeClr val="tx1"/>
+                </a:solidFill>
+                <a:latin typeface="Arial" panose="020B0604020202020204" pitchFamily="34" charset="0"/>
+              </a:endParaRPr>
+            </a:p>
+          </p:txBody>
+        </p:sp>
+        <p:sp>
+          <p:nvSpPr>
+            <p:cNvPr id="86" name="椭圆 85"/>
+            <p:cNvSpPr/>
+            <p:nvPr/>
+          </p:nvSpPr>
+          <p:spPr>
+            <a:xfrm rot="1560000">
+              <a:off x="16769" y="12246"/>
+              <a:ext cx="1337" cy="463"/>
+            </a:xfrm>
+            <a:prstGeom prst="ellipse">
+              <a:avLst/>
+            </a:prstGeom>
+            <a:solidFill>
+              <a:srgbClr val="FF0000">
+                <a:alpha val="52000"/>
+              </a:srgbClr>
+            </a:solidFill>
+            <a:ln>
+              <a:noFill/>
+            </a:ln>
+          </p:spPr>
+          <p:style>
+            <a:lnRef idx="2">
+              <a:schemeClr val="accent1">
+                <a:shade val="50000"/>
+              </a:schemeClr>
+            </a:lnRef>
+            <a:fillRef idx="1">
+              <a:schemeClr val="accent1"/>
+            </a:fillRef>
+            <a:effectRef idx="0">
+              <a:schemeClr val="accent1"/>
+            </a:effectRef>
+            <a:fontRef idx="minor">
+              <a:schemeClr val="lt1"/>
+            </a:fontRef>
+          </p:style>
+          <p:txBody>
+            <a:bodyPr rtlCol="0" anchor="ctr"/>
+            <a:p>
+              <a:pPr algn="l" fontAlgn="base"/>
+              <a:endParaRPr lang="en-US" altLang="zh-CN" sz="2400" strike="noStrike" noProof="1">
+                <a:solidFill>
+                  <a:schemeClr val="tx1"/>
+                </a:solidFill>
+                <a:latin typeface="Arial" panose="020B0604020202020204" pitchFamily="34" charset="0"/>
+              </a:endParaRPr>
+            </a:p>
+          </p:txBody>
+        </p:sp>
+        <p:sp>
+          <p:nvSpPr>
+            <p:cNvPr id="2" name="椭圆 1"/>
+            <p:cNvSpPr/>
+            <p:nvPr/>
+          </p:nvSpPr>
+          <p:spPr>
+            <a:xfrm rot="1500000">
+              <a:off x="18822" y="13192"/>
+              <a:ext cx="1337" cy="463"/>
+            </a:xfrm>
+            <a:prstGeom prst="ellipse">
+              <a:avLst/>
+            </a:prstGeom>
+            <a:solidFill>
+              <a:srgbClr val="FF0000">
+                <a:alpha val="52000"/>
+              </a:srgbClr>
+            </a:solidFill>
+            <a:ln>
+              <a:noFill/>
+            </a:ln>
+          </p:spPr>
+          <p:style>
+            <a:lnRef idx="2">
+              <a:schemeClr val="accent1">
+                <a:shade val="50000"/>
+              </a:schemeClr>
+            </a:lnRef>
+            <a:fillRef idx="1">
+              <a:schemeClr val="accent1"/>
+            </a:fillRef>
+            <a:effectRef idx="0">
+              <a:schemeClr val="accent1"/>
+            </a:effectRef>
+            <a:fontRef idx="minor">
+              <a:schemeClr val="lt1"/>
+            </a:fontRef>
+          </p:style>
+          <p:txBody>
+            <a:bodyPr rtlCol="0" anchor="ctr"/>
+            <a:p>
+              <a:pPr algn="l" fontAlgn="base"/>
+              <a:endParaRPr lang="en-US" altLang="zh-CN" sz="2400" strike="noStrike" noProof="1">
+                <a:solidFill>
+                  <a:schemeClr val="tx1"/>
+                </a:solidFill>
+                <a:latin typeface="Arial" panose="020B0604020202020204" pitchFamily="34" charset="0"/>
+              </a:endParaRPr>
+            </a:p>
+          </p:txBody>
+        </p:sp>
+        <p:sp>
+          <p:nvSpPr>
+            <p:cNvPr id="3" name="椭圆 2"/>
+            <p:cNvSpPr/>
+            <p:nvPr/>
+          </p:nvSpPr>
+          <p:spPr>
+            <a:xfrm rot="1560000">
+              <a:off x="20947" y="14146"/>
+              <a:ext cx="1337" cy="463"/>
+            </a:xfrm>
+            <a:prstGeom prst="ellipse">
+              <a:avLst/>
+            </a:prstGeom>
+            <a:solidFill>
+              <a:srgbClr val="FF0000">
+                <a:alpha val="52000"/>
+              </a:srgbClr>
+            </a:solidFill>
+            <a:ln>
+              <a:noFill/>
+            </a:ln>
+          </p:spPr>
+          <p:style>
+            <a:lnRef idx="2">
+              <a:schemeClr val="accent1">
+                <a:shade val="50000"/>
+              </a:schemeClr>
+            </a:lnRef>
+            <a:fillRef idx="1">
+              <a:schemeClr val="accent1"/>
+            </a:fillRef>
+            <a:effectRef idx="0">
+              <a:schemeClr val="accent1"/>
+            </a:effectRef>
+            <a:fontRef idx="minor">
+              <a:schemeClr val="lt1"/>
+            </a:fontRef>
+          </p:style>
+          <p:txBody>
+            <a:bodyPr rtlCol="0" anchor="ctr"/>
+            <a:p>
+              <a:pPr algn="l" fontAlgn="base"/>
+              <a:endParaRPr lang="en-US" altLang="zh-CN" sz="2400" strike="noStrike" noProof="1">
+                <a:solidFill>
+                  <a:schemeClr val="tx1"/>
+                </a:solidFill>
+                <a:latin typeface="Arial" panose="020B0604020202020204" pitchFamily="34" charset="0"/>
+              </a:endParaRPr>
+            </a:p>
+          </p:txBody>
+        </p:sp>
+      </p:grpSp>
+      <p:cxnSp>
+        <p:nvCxnSpPr>
+          <p:cNvPr id="27" name="直接箭头连接符 26"/>
+          <p:cNvCxnSpPr/>
+          <p:nvPr/>
+        </p:nvCxnSpPr>
+        <p:spPr>
+          <a:xfrm rot="16200000" flipH="1">
+            <a:off x="-485775" y="8056880"/>
+            <a:ext cx="10852785" cy="30480"/>
+          </a:xfrm>
+          <a:prstGeom prst="straightConnector1">
+            <a:avLst/>
+          </a:prstGeom>
+          <a:ln>
+            <a:headEnd type="arrow" w="med" len="med"/>
+            <a:tailEnd type="none" w="med" len="med"/>
+          </a:ln>
+        </p:spPr>
+        <p:style>
+          <a:lnRef idx="1">
+            <a:schemeClr val="dk1"/>
+          </a:lnRef>
+          <a:fillRef idx="0">
+            <a:schemeClr val="dk1"/>
+          </a:fillRef>
+          <a:effectRef idx="0">
+            <a:schemeClr val="dk1"/>
+          </a:effectRef>
+          <a:fontRef idx="minor">
+            <a:schemeClr val="tx1"/>
+          </a:fontRef>
+        </p:style>
+      </p:cxnSp>
+      <p:cxnSp>
+        <p:nvCxnSpPr>
+          <p:cNvPr id="30" name="直接箭头连接符 29"/>
+          <p:cNvCxnSpPr/>
+          <p:nvPr/>
+        </p:nvCxnSpPr>
+        <p:spPr>
+          <a:xfrm flipH="1">
+            <a:off x="1229995" y="13290550"/>
+            <a:ext cx="3752215" cy="46990"/>
+          </a:xfrm>
+          <a:prstGeom prst="straightConnector1">
+            <a:avLst/>
+          </a:prstGeom>
+          <a:ln>
+            <a:tailEnd type="arrow" w="med" len="med"/>
+          </a:ln>
+        </p:spPr>
+        <p:style>
+          <a:lnRef idx="1">
+            <a:schemeClr val="dk1"/>
+          </a:lnRef>
+          <a:fillRef idx="0">
+            <a:schemeClr val="dk1"/>
+          </a:fillRef>
+          <a:effectRef idx="0">
+            <a:schemeClr val="dk1"/>
+          </a:effectRef>
+          <a:fontRef idx="minor">
+            <a:schemeClr val="tx1"/>
+          </a:fontRef>
+        </p:style>
+      </p:cxnSp>
+      <p:cxnSp>
+        <p:nvCxnSpPr>
+          <p:cNvPr id="38" name="直接连接符 37"/>
+          <p:cNvCxnSpPr/>
+          <p:nvPr/>
+        </p:nvCxnSpPr>
+        <p:spPr>
+          <a:xfrm flipH="1" flipV="1">
+            <a:off x="3860165" y="9203055"/>
+            <a:ext cx="1066165" cy="1750060"/>
+          </a:xfrm>
+          <a:prstGeom prst="line">
+            <a:avLst/>
+          </a:prstGeom>
+        </p:spPr>
+        <p:style>
+          <a:lnRef idx="1">
+            <a:schemeClr val="dk1"/>
+          </a:lnRef>
+          <a:fillRef idx="0">
+            <a:schemeClr val="dk1"/>
+          </a:fillRef>
+          <a:effectRef idx="0">
+            <a:schemeClr val="dk1"/>
+          </a:effectRef>
+          <a:fontRef idx="minor">
+            <a:schemeClr val="tx1"/>
+          </a:fontRef>
+        </p:style>
+      </p:cxnSp>
+      <p:cxnSp>
+        <p:nvCxnSpPr>
+          <p:cNvPr id="39" name="直接连接符 38"/>
+          <p:cNvCxnSpPr/>
+          <p:nvPr/>
+        </p:nvCxnSpPr>
+        <p:spPr>
+          <a:xfrm flipH="1">
+            <a:off x="3860165" y="5393690"/>
+            <a:ext cx="5080" cy="3913505"/>
+          </a:xfrm>
+          <a:prstGeom prst="line">
+            <a:avLst/>
+          </a:prstGeom>
+        </p:spPr>
+        <p:style>
+          <a:lnRef idx="1">
+            <a:schemeClr val="dk1"/>
+          </a:lnRef>
+          <a:fillRef idx="0">
+            <a:schemeClr val="dk1"/>
+          </a:fillRef>
+          <a:effectRef idx="0">
+            <a:schemeClr val="dk1"/>
+          </a:effectRef>
+          <a:fontRef idx="minor">
+            <a:schemeClr val="tx1"/>
+          </a:fontRef>
+        </p:style>
+      </p:cxnSp>
+      <p:sp>
+        <p:nvSpPr>
+          <p:cNvPr id="40" name="文本框 39"/>
+          <p:cNvSpPr txBox="1"/>
+          <p:nvPr/>
+        </p:nvSpPr>
+        <p:spPr>
+          <a:xfrm>
+            <a:off x="1101725" y="9552305"/>
+            <a:ext cx="2488565" cy="944880"/>
+          </a:xfrm>
+          <a:prstGeom prst="rect">
+            <a:avLst/>
+          </a:prstGeom>
+          <a:noFill/>
+        </p:spPr>
+        <p:txBody>
+          <a:bodyPr wrap="square" rtlCol="0">
+            <a:spAutoFit/>
+          </a:bodyPr>
+          <a:p>
+            <a:pPr algn="l"/>
+            <a:r>
+              <a:rPr lang="en-US" altLang="zh-CN" sz="2800">
+                <a:latin typeface="Arial" panose="020B0604020202020204" pitchFamily="34" charset="0"/>
+              </a:rPr>
+              <a:t>Rise time ≤ bunch gap</a:t>
+            </a:r>
+            <a:endParaRPr lang="en-US" altLang="zh-CN" sz="2800">
+              <a:latin typeface="Arial" panose="020B0604020202020204" pitchFamily="34" charset="0"/>
+            </a:endParaRPr>
+          </a:p>
+        </p:txBody>
+      </p:sp>
+      <p:cxnSp>
+        <p:nvCxnSpPr>
+          <p:cNvPr id="42" name="直接箭头连接符 41"/>
+          <p:cNvCxnSpPr/>
+          <p:nvPr/>
+        </p:nvCxnSpPr>
+        <p:spPr>
+          <a:xfrm flipH="1" flipV="1">
+            <a:off x="3602355" y="9255125"/>
+            <a:ext cx="13335" cy="1711325"/>
+          </a:xfrm>
+          <a:prstGeom prst="straightConnector1">
+            <a:avLst/>
+          </a:prstGeom>
+          <a:ln>
+            <a:headEnd type="arrow" w="med" len="med"/>
+            <a:tailEnd type="arrow" w="med" len="med"/>
+          </a:ln>
+        </p:spPr>
+        <p:style>
+          <a:lnRef idx="1">
+            <a:schemeClr val="dk1"/>
+          </a:lnRef>
+          <a:fillRef idx="0">
+            <a:schemeClr val="dk1"/>
+          </a:fillRef>
+          <a:effectRef idx="0">
+            <a:schemeClr val="dk1"/>
+          </a:effectRef>
+          <a:fontRef idx="minor">
+            <a:schemeClr val="tx1"/>
+          </a:fontRef>
+        </p:style>
+      </p:cxnSp>
+      <p:sp>
+        <p:nvSpPr>
+          <p:cNvPr id="46" name="文本框 20"/>
+          <p:cNvSpPr txBox="1"/>
+          <p:nvPr/>
+        </p:nvSpPr>
+        <p:spPr>
+          <a:xfrm>
+            <a:off x="614045" y="13498830"/>
+            <a:ext cx="5688330" cy="518160"/>
+          </a:xfrm>
+          <a:prstGeom prst="rect">
+            <a:avLst/>
+          </a:prstGeom>
+          <a:noFill/>
+          <a:ln w="9525">
+            <a:noFill/>
+          </a:ln>
+        </p:spPr>
+        <p:txBody>
+          <a:bodyPr wrap="square" anchor="t">
+            <a:spAutoFit/>
+          </a:bodyPr>
+          <a:p>
+            <a:pPr lvl="0"/>
+            <a:r>
+              <a:rPr lang="en-US" altLang="zh-CN" sz="2800">
+                <a:latin typeface="Arial" panose="020B0604020202020204" pitchFamily="34" charset="0"/>
+                <a:ea typeface="AR PL KaitiM GB" charset="0"/>
+              </a:rPr>
+              <a:t>Magnetic field</a:t>
+            </a:r>
+            <a:endParaRPr lang="en-US" altLang="zh-CN" sz="2800">
+              <a:latin typeface="Arial" panose="020B0604020202020204" pitchFamily="34" charset="0"/>
+              <a:ea typeface="AR PL KaitiM GB" charset="0"/>
+            </a:endParaRPr>
+          </a:p>
+        </p:txBody>
+      </p:sp>
+      <p:sp>
+        <p:nvSpPr>
+          <p:cNvPr id="33" name="文本框 20"/>
+          <p:cNvSpPr txBox="1"/>
+          <p:nvPr/>
+        </p:nvSpPr>
+        <p:spPr>
+          <a:xfrm>
+            <a:off x="5104765" y="2892425"/>
+            <a:ext cx="2312035" cy="518160"/>
+          </a:xfrm>
+          <a:prstGeom prst="rect">
+            <a:avLst/>
+          </a:prstGeom>
+          <a:noFill/>
+          <a:ln w="9525">
+            <a:noFill/>
+          </a:ln>
+        </p:spPr>
+        <p:txBody>
+          <a:bodyPr wrap="square" anchor="t">
+            <a:spAutoFit/>
+          </a:bodyPr>
+          <a:p>
+            <a:pPr lvl="0"/>
+            <a:r>
+              <a:rPr lang="en-US" altLang="zh-CN" sz="2800">
                 <a:latin typeface="Arial" panose="020B0604020202020204" pitchFamily="34" charset="0"/>
                 <a:ea typeface="AR PL KaitiM GB" charset="0"/>
               </a:rPr>
               <a:t>time</a:t>
             </a:r>
-            <a:endParaRPr lang="en-US" altLang="zh-CN" sz="2400">
+            <a:endParaRPr lang="en-US" altLang="zh-CN" sz="2800">
               <a:latin typeface="Arial" panose="020B0604020202020204" pitchFamily="34" charset="0"/>
               <a:ea typeface="AR PL KaitiM GB" charset="0"/>
             </a:endParaRPr>
@@ -3813,9 +4749,9 @@
           <p:nvPr/>
         </p:nvCxnSpPr>
         <p:spPr>
-          <a:xfrm flipH="1" flipV="1">
-            <a:off x="8345880" y="8716161"/>
-            <a:ext cx="2491972" cy="1059913"/>
+          <a:xfrm rot="16200000" flipH="1" flipV="1">
+            <a:off x="3148965" y="3600450"/>
+            <a:ext cx="2491740" cy="1059815"/>
           </a:xfrm>
           <a:prstGeom prst="line">
             <a:avLst/>
@@ -3836,30 +4772,6 @@
           </a:fontRef>
         </p:style>
       </p:cxnSp>
-      <p:pic>
-        <p:nvPicPr>
-          <p:cNvPr id="23" name="图片 22" descr="magnifier"/>
-          <p:cNvPicPr>
-            <a:picLocks noChangeAspect="1"/>
-          </p:cNvPicPr>
-          <p:nvPr/>
-        </p:nvPicPr>
-        <p:blipFill>
-          <a:blip r:embed="rId1"/>
-          <a:stretch>
-            <a:fillRect/>
-          </a:stretch>
-        </p:blipFill>
-        <p:spPr>
-          <a:xfrm>
-            <a:off x="4551924" y="1666037"/>
-            <a:ext cx="793267" cy="793267"/>
-          </a:xfrm>
-          <a:prstGeom prst="rect">
-            <a:avLst/>
-          </a:prstGeom>
-        </p:spPr>
-      </p:pic>
       <p:cxnSp>
         <p:nvCxnSpPr>
           <p:cNvPr id="35" name="直接连接符 34"/>
@@ -3867,9 +4779,9 @@
           <p:nvPr/>
         </p:nvCxnSpPr>
         <p:spPr>
-          <a:xfrm>
-            <a:off x="4076731" y="8326852"/>
-            <a:ext cx="0" cy="1522387"/>
+          <a:xfrm rot="16200000">
+            <a:off x="4236720" y="8467725"/>
+            <a:ext cx="0" cy="1522095"/>
           </a:xfrm>
           <a:prstGeom prst="line">
             <a:avLst/>
@@ -3900,9 +4812,9 @@
           <p:nvPr/>
         </p:nvCxnSpPr>
         <p:spPr>
-          <a:xfrm flipH="1">
-            <a:off x="2768794" y="8230340"/>
-            <a:ext cx="6350" cy="1538747"/>
+          <a:xfrm rot="16200000" flipH="1">
+            <a:off x="4145280" y="10180955"/>
+            <a:ext cx="6350" cy="1538605"/>
           </a:xfrm>
           <a:prstGeom prst="line">
             <a:avLst/>
@@ -3928,14 +4840,14 @@
       </p:cxnSp>
       <p:sp>
         <p:nvSpPr>
-          <p:cNvPr id="49" name="文本框 20"/>
+          <p:cNvPr id="87" name="文本框 20"/>
           <p:cNvSpPr txBox="1"/>
           <p:nvPr/>
         </p:nvSpPr>
         <p:spPr>
-          <a:xfrm>
-            <a:off x="120048" y="1834344"/>
-            <a:ext cx="2311842" cy="457200"/>
+          <a:xfrm rot="180000">
+            <a:off x="5059680" y="11036300"/>
+            <a:ext cx="760730" cy="518160"/>
           </a:xfrm>
           <a:prstGeom prst="rect">
             <a:avLst/>
@@ -3952,20 +4864,20 @@
           <a:p>
             <a:pPr lvl="0"/>
             <a:r>
-              <a:rPr lang="en-US" altLang="zh-CN" sz="2400">
+              <a:rPr lang="en-US" altLang="zh-CN" sz="2800">
                 <a:latin typeface="Arial" panose="020B0604020202020204" pitchFamily="34" charset="0"/>
                 <a:ea typeface="AR PL KaitiM GB" charset="0"/>
               </a:rPr>
               <a:t>t</a:t>
             </a:r>
             <a:r>
-              <a:rPr lang="en-US" altLang="zh-CN" sz="2400" baseline="-25000">
+              <a:rPr lang="en-US" altLang="zh-CN" sz="2800" baseline="-25000">
                 <a:latin typeface="Arial" panose="020B0604020202020204" pitchFamily="34" charset="0"/>
                 <a:ea typeface="AR PL KaitiM GB" charset="0"/>
               </a:rPr>
               <a:t>0</a:t>
             </a:r>
-            <a:endParaRPr lang="en-US" altLang="zh-CN" sz="2400" baseline="-25000">
+            <a:endParaRPr lang="en-US" altLang="zh-CN" sz="2800" baseline="-25000">
               <a:latin typeface="Arial" panose="020B0604020202020204" pitchFamily="34" charset="0"/>
               <a:ea typeface="AR PL KaitiM GB" charset="0"/>
             </a:endParaRPr>
@@ -3974,14 +4886,14 @@
       </p:sp>
       <p:sp>
         <p:nvSpPr>
-          <p:cNvPr id="50" name="文本框 20"/>
+          <p:cNvPr id="88" name="文本框 20"/>
           <p:cNvSpPr txBox="1"/>
           <p:nvPr/>
         </p:nvSpPr>
         <p:spPr>
           <a:xfrm>
-            <a:off x="9758015" y="3627274"/>
-            <a:ext cx="2311842" cy="822960"/>
+            <a:off x="5104765" y="9248775"/>
+            <a:ext cx="563880" cy="518160"/>
           </a:xfrm>
           <a:prstGeom prst="rect">
             <a:avLst/>
@@ -3998,396 +4910,20 @@
           <a:p>
             <a:pPr lvl="0"/>
             <a:r>
-              <a:rPr lang="en-US" altLang="zh-CN" sz="2400">
-                <a:latin typeface="Arial" panose="020B0604020202020204" pitchFamily="34" charset="0"/>
-                <a:ea typeface="AR PL KaitiM GB" charset="0"/>
-              </a:rPr>
-              <a:t>Location along the synchrotron</a:t>
-            </a:r>
-            <a:endParaRPr lang="en-US" altLang="zh-CN" sz="2400">
-              <a:latin typeface="Arial" panose="020B0604020202020204" pitchFamily="34" charset="0"/>
-              <a:ea typeface="AR PL KaitiM GB" charset="0"/>
-            </a:endParaRPr>
-          </a:p>
-        </p:txBody>
-      </p:sp>
-      <p:cxnSp>
-        <p:nvCxnSpPr>
-          <p:cNvPr id="51" name="直接箭头连接符 50"/>
-          <p:cNvCxnSpPr/>
-          <p:nvPr/>
-        </p:nvCxnSpPr>
-        <p:spPr>
-          <a:xfrm>
-            <a:off x="4822486" y="3500885"/>
-            <a:ext cx="2725305" cy="1254364"/>
-          </a:xfrm>
-          <a:prstGeom prst="straightConnector1">
-            <a:avLst/>
-          </a:prstGeom>
-          <a:ln>
-            <a:solidFill>
-              <a:schemeClr val="tx1"/>
-            </a:solidFill>
-            <a:headEnd type="none"/>
-            <a:tailEnd type="none"/>
-          </a:ln>
-        </p:spPr>
-        <p:style>
-          <a:lnRef idx="1">
-            <a:schemeClr val="accent1"/>
-          </a:lnRef>
-          <a:fillRef idx="0">
-            <a:schemeClr val="accent1"/>
-          </a:fillRef>
-          <a:effectRef idx="0">
-            <a:schemeClr val="accent1"/>
-          </a:effectRef>
-          <a:fontRef idx="minor">
-            <a:schemeClr val="tx1"/>
-          </a:fontRef>
-        </p:style>
-      </p:cxnSp>
-      <p:sp>
-        <p:nvSpPr>
-          <p:cNvPr id="52" name="椭圆 51"/>
-          <p:cNvSpPr/>
-          <p:nvPr/>
-        </p:nvSpPr>
-        <p:spPr>
-          <a:xfrm>
-            <a:off x="3916814" y="3368218"/>
-            <a:ext cx="851066" cy="282630"/>
-          </a:xfrm>
-          <a:prstGeom prst="ellipse">
-            <a:avLst/>
-          </a:prstGeom>
-          <a:solidFill>
-            <a:srgbClr val="FFC000"/>
-          </a:solidFill>
-          <a:ln>
-            <a:noFill/>
-          </a:ln>
-        </p:spPr>
-        <p:style>
-          <a:lnRef idx="2">
-            <a:schemeClr val="accent1">
-              <a:shade val="50000"/>
-            </a:schemeClr>
-          </a:lnRef>
-          <a:fillRef idx="1">
-            <a:schemeClr val="accent1"/>
-          </a:fillRef>
-          <a:effectRef idx="0">
-            <a:schemeClr val="accent1"/>
-          </a:effectRef>
-          <a:fontRef idx="minor">
-            <a:schemeClr val="lt1"/>
-          </a:fontRef>
-        </p:style>
-        <p:txBody>
-          <a:bodyPr rtlCol="0" anchor="ctr"/>
-          <a:p>
-            <a:pPr algn="l" fontAlgn="base"/>
-            <a:endParaRPr lang="en-US" altLang="zh-CN" sz="2400" strike="noStrike" noProof="1">
-              <a:solidFill>
-                <a:schemeClr val="tx1"/>
-              </a:solidFill>
-              <a:latin typeface="Arial" panose="020B0604020202020204" pitchFamily="34" charset="0"/>
-            </a:endParaRPr>
-          </a:p>
-        </p:txBody>
-      </p:sp>
-      <p:sp>
-        <p:nvSpPr>
-          <p:cNvPr id="54" name="左箭头 53"/>
-          <p:cNvSpPr/>
-          <p:nvPr/>
-        </p:nvSpPr>
-        <p:spPr>
-          <a:xfrm rot="1500000" flipH="1">
-            <a:off x="7004128" y="4149344"/>
-            <a:ext cx="619879" cy="381074"/>
-          </a:xfrm>
-          <a:prstGeom prst="leftArrow">
-            <a:avLst/>
-          </a:prstGeom>
-          <a:solidFill>
-            <a:schemeClr val="tx1"/>
-          </a:solidFill>
-        </p:spPr>
-        <p:style>
-          <a:lnRef idx="2">
-            <a:schemeClr val="accent1">
-              <a:shade val="50000"/>
-            </a:schemeClr>
-          </a:lnRef>
-          <a:fillRef idx="1">
-            <a:schemeClr val="accent1"/>
-          </a:fillRef>
-          <a:effectRef idx="0">
-            <a:schemeClr val="accent1"/>
-          </a:effectRef>
-          <a:fontRef idx="minor">
-            <a:schemeClr val="lt1"/>
-          </a:fontRef>
-        </p:style>
-        <p:txBody>
-          <a:bodyPr rtlCol="0" anchor="ctr"/>
-          <a:p>
-            <a:pPr algn="ctr"/>
-            <a:endParaRPr lang="zh-CN" altLang="en-US"/>
-          </a:p>
-        </p:txBody>
-      </p:sp>
-      <p:sp>
-        <p:nvSpPr>
-          <p:cNvPr id="55" name="椭圆 54"/>
-          <p:cNvSpPr/>
-          <p:nvPr/>
-        </p:nvSpPr>
-        <p:spPr>
-          <a:xfrm>
-            <a:off x="2431900" y="3367583"/>
-            <a:ext cx="851066" cy="282630"/>
-          </a:xfrm>
-          <a:prstGeom prst="ellipse">
-            <a:avLst/>
-          </a:prstGeom>
-          <a:solidFill>
-            <a:srgbClr val="FFC000"/>
-          </a:solidFill>
-          <a:ln>
-            <a:noFill/>
-          </a:ln>
-        </p:spPr>
-        <p:style>
-          <a:lnRef idx="2">
-            <a:schemeClr val="accent1">
-              <a:shade val="50000"/>
-            </a:schemeClr>
-          </a:lnRef>
-          <a:fillRef idx="1">
-            <a:schemeClr val="accent1"/>
-          </a:fillRef>
-          <a:effectRef idx="0">
-            <a:schemeClr val="accent1"/>
-          </a:effectRef>
-          <a:fontRef idx="minor">
-            <a:schemeClr val="lt1"/>
-          </a:fontRef>
-        </p:style>
-        <p:txBody>
-          <a:bodyPr rtlCol="0" anchor="ctr"/>
-          <a:p>
-            <a:pPr algn="l" fontAlgn="base"/>
-            <a:endParaRPr lang="en-US" altLang="zh-CN" sz="2400" strike="noStrike" noProof="1">
-              <a:solidFill>
-                <a:schemeClr val="tx1"/>
-              </a:solidFill>
-              <a:latin typeface="Arial" panose="020B0604020202020204" pitchFamily="34" charset="0"/>
-            </a:endParaRPr>
-          </a:p>
-        </p:txBody>
-      </p:sp>
-      <p:sp>
-        <p:nvSpPr>
-          <p:cNvPr id="56" name="椭圆 55"/>
-          <p:cNvSpPr/>
-          <p:nvPr/>
-        </p:nvSpPr>
-        <p:spPr>
-          <a:xfrm>
-            <a:off x="6826940" y="3368218"/>
-            <a:ext cx="851066" cy="282630"/>
-          </a:xfrm>
-          <a:prstGeom prst="ellipse">
-            <a:avLst/>
-          </a:prstGeom>
-          <a:solidFill>
-            <a:srgbClr val="FFC000"/>
-          </a:solidFill>
-          <a:ln>
-            <a:noFill/>
-          </a:ln>
-        </p:spPr>
-        <p:style>
-          <a:lnRef idx="2">
-            <a:schemeClr val="accent1">
-              <a:shade val="50000"/>
-            </a:schemeClr>
-          </a:lnRef>
-          <a:fillRef idx="1">
-            <a:schemeClr val="accent1"/>
-          </a:fillRef>
-          <a:effectRef idx="0">
-            <a:schemeClr val="accent1"/>
-          </a:effectRef>
-          <a:fontRef idx="minor">
-            <a:schemeClr val="lt1"/>
-          </a:fontRef>
-        </p:style>
-        <p:txBody>
-          <a:bodyPr rtlCol="0" anchor="ctr"/>
-          <a:p>
-            <a:pPr algn="l" fontAlgn="base"/>
-            <a:endParaRPr lang="en-US" altLang="zh-CN" sz="2400" strike="noStrike" noProof="1">
-              <a:solidFill>
-                <a:schemeClr val="tx1"/>
-              </a:solidFill>
-              <a:latin typeface="Arial" panose="020B0604020202020204" pitchFamily="34" charset="0"/>
-            </a:endParaRPr>
-          </a:p>
-        </p:txBody>
-      </p:sp>
-      <p:sp>
-        <p:nvSpPr>
-          <p:cNvPr id="57" name="椭圆 56"/>
-          <p:cNvSpPr/>
-          <p:nvPr/>
-        </p:nvSpPr>
-        <p:spPr>
-          <a:xfrm>
-            <a:off x="5342026" y="3367583"/>
-            <a:ext cx="851066" cy="282630"/>
-          </a:xfrm>
-          <a:prstGeom prst="ellipse">
-            <a:avLst/>
-          </a:prstGeom>
-          <a:solidFill>
-            <a:srgbClr val="FFC000"/>
-          </a:solidFill>
-          <a:ln>
-            <a:noFill/>
-          </a:ln>
-        </p:spPr>
-        <p:style>
-          <a:lnRef idx="2">
-            <a:schemeClr val="accent1">
-              <a:shade val="50000"/>
-            </a:schemeClr>
-          </a:lnRef>
-          <a:fillRef idx="1">
-            <a:schemeClr val="accent1"/>
-          </a:fillRef>
-          <a:effectRef idx="0">
-            <a:schemeClr val="accent1"/>
-          </a:effectRef>
-          <a:fontRef idx="minor">
-            <a:schemeClr val="lt1"/>
-          </a:fontRef>
-        </p:style>
-        <p:txBody>
-          <a:bodyPr rtlCol="0" anchor="ctr"/>
-          <a:p>
-            <a:pPr algn="l" fontAlgn="base"/>
-            <a:endParaRPr lang="en-US" altLang="zh-CN" sz="2400" strike="noStrike" noProof="1">
-              <a:solidFill>
-                <a:schemeClr val="tx1"/>
-              </a:solidFill>
-              <a:latin typeface="Arial" panose="020B0604020202020204" pitchFamily="34" charset="0"/>
-            </a:endParaRPr>
-          </a:p>
-        </p:txBody>
-      </p:sp>
-      <p:cxnSp>
-        <p:nvCxnSpPr>
-          <p:cNvPr id="58" name="直接箭头连接符 57"/>
-          <p:cNvCxnSpPr/>
-          <p:nvPr/>
-        </p:nvCxnSpPr>
-        <p:spPr>
-          <a:xfrm>
-            <a:off x="762153" y="3509141"/>
-            <a:ext cx="10713864" cy="0"/>
-          </a:xfrm>
-          <a:prstGeom prst="straightConnector1">
-            <a:avLst/>
-          </a:prstGeom>
-          <a:ln>
-            <a:prstDash val="dash"/>
-            <a:tailEnd type="arrow" w="med" len="med"/>
-          </a:ln>
-        </p:spPr>
-        <p:style>
-          <a:lnRef idx="3">
-            <a:schemeClr val="dk1"/>
-          </a:lnRef>
-          <a:fillRef idx="0">
-            <a:schemeClr val="dk1"/>
-          </a:fillRef>
-          <a:effectRef idx="2">
-            <a:schemeClr val="dk1"/>
-          </a:effectRef>
-          <a:fontRef idx="minor">
-            <a:schemeClr val="tx1"/>
-          </a:fontRef>
-        </p:style>
-      </p:cxnSp>
-      <p:pic>
-        <p:nvPicPr>
-          <p:cNvPr id="63" name="图片 62" descr="magnifier"/>
-          <p:cNvPicPr>
-            <a:picLocks noChangeAspect="1"/>
-          </p:cNvPicPr>
-          <p:nvPr/>
-        </p:nvPicPr>
-        <p:blipFill>
-          <a:blip r:embed="rId1"/>
-          <a:stretch>
-            <a:fillRect/>
-          </a:stretch>
-        </p:blipFill>
-        <p:spPr>
-          <a:xfrm>
-            <a:off x="4656719" y="3243025"/>
-            <a:ext cx="793267" cy="793267"/>
-          </a:xfrm>
-          <a:prstGeom prst="rect">
-            <a:avLst/>
-          </a:prstGeom>
-        </p:spPr>
-      </p:pic>
-      <p:sp>
-        <p:nvSpPr>
-          <p:cNvPr id="64" name="文本框 20"/>
-          <p:cNvSpPr txBox="1"/>
-          <p:nvPr/>
-        </p:nvSpPr>
-        <p:spPr>
-          <a:xfrm>
-            <a:off x="131487" y="3411333"/>
-            <a:ext cx="2311842" cy="457200"/>
-          </a:xfrm>
-          <a:prstGeom prst="rect">
-            <a:avLst/>
-          </a:prstGeom>
-          <a:noFill/>
-          <a:ln w="9525">
-            <a:noFill/>
-          </a:ln>
-        </p:spPr>
-        <p:txBody>
-          <a:bodyPr wrap="square" anchor="t">
-            <a:spAutoFit/>
-          </a:bodyPr>
-          <a:p>
-            <a:pPr lvl="0"/>
-            <a:r>
-              <a:rPr lang="en-US" altLang="zh-CN" sz="2400">
+              <a:rPr lang="en-US" altLang="zh-CN" sz="2800">
                 <a:latin typeface="Arial" panose="020B0604020202020204" pitchFamily="34" charset="0"/>
                 <a:ea typeface="AR PL KaitiM GB" charset="0"/>
               </a:rPr>
               <a:t>t</a:t>
             </a:r>
             <a:r>
-              <a:rPr lang="en-US" altLang="zh-CN" sz="2400" baseline="-25000">
+              <a:rPr lang="en-US" altLang="zh-CN" sz="2800" baseline="-25000">
                 <a:latin typeface="Arial" panose="020B0604020202020204" pitchFamily="34" charset="0"/>
                 <a:ea typeface="AR PL KaitiM GB" charset="0"/>
               </a:rPr>
               <a:t>1</a:t>
             </a:r>
-            <a:endParaRPr lang="en-US" altLang="zh-CN" sz="2400" baseline="-25000">
+            <a:endParaRPr lang="en-US" altLang="zh-CN" sz="2800" baseline="-25000">
               <a:latin typeface="Arial" panose="020B0604020202020204" pitchFamily="34" charset="0"/>
               <a:ea typeface="AR PL KaitiM GB" charset="0"/>
             </a:endParaRPr>
@@ -4396,35 +4932,31 @@
       </p:sp>
       <p:cxnSp>
         <p:nvCxnSpPr>
-          <p:cNvPr id="75" name="直接箭头连接符 74"/>
+          <p:cNvPr id="89" name="直接连接符 88"/>
           <p:cNvCxnSpPr/>
           <p:nvPr/>
         </p:nvCxnSpPr>
         <p:spPr>
-          <a:xfrm>
-            <a:off x="4761676" y="5053845"/>
-            <a:ext cx="4895034" cy="2251918"/>
-          </a:xfrm>
-          <a:prstGeom prst="straightConnector1">
+          <a:xfrm rot="16200000">
+            <a:off x="4164965" y="4704080"/>
+            <a:ext cx="0" cy="1522095"/>
+          </a:xfrm>
+          <a:prstGeom prst="line">
             <a:avLst/>
           </a:prstGeom>
           <a:ln>
-            <a:solidFill>
-              <a:schemeClr val="tx1"/>
-            </a:solidFill>
-            <a:headEnd type="none"/>
-            <a:tailEnd type="none"/>
-          </a:ln>
-        </p:spPr>
-        <p:style>
-          <a:lnRef idx="1">
-            <a:schemeClr val="accent1"/>
+            <a:prstDash val="sysDot"/>
+          </a:ln>
+        </p:spPr>
+        <p:style>
+          <a:lnRef idx="3">
+            <a:schemeClr val="dk1"/>
           </a:lnRef>
           <a:fillRef idx="0">
-            <a:schemeClr val="accent1"/>
-          </a:fillRef>
-          <a:effectRef idx="0">
-            <a:schemeClr val="accent1"/>
+            <a:schemeClr val="dk1"/>
+          </a:fillRef>
+          <a:effectRef idx="2">
+            <a:schemeClr val="dk1"/>
           </a:effectRef>
           <a:fontRef idx="minor">
             <a:schemeClr val="tx1"/>
@@ -4433,73 +4965,77 @@
       </p:cxnSp>
       <p:sp>
         <p:nvSpPr>
-          <p:cNvPr id="77" name="左箭头 76"/>
-          <p:cNvSpPr/>
-          <p:nvPr/>
-        </p:nvSpPr>
-        <p:spPr>
-          <a:xfrm rot="1500000" flipH="1">
-            <a:off x="6943162" y="5702063"/>
-            <a:ext cx="619879" cy="381074"/>
-          </a:xfrm>
-          <a:prstGeom prst="leftArrow">
-            <a:avLst/>
-          </a:prstGeom>
-          <a:solidFill>
-            <a:schemeClr val="tx1"/>
-          </a:solidFill>
-        </p:spPr>
-        <p:style>
-          <a:lnRef idx="2">
-            <a:schemeClr val="accent1">
-              <a:shade val="50000"/>
-            </a:schemeClr>
-          </a:lnRef>
-          <a:fillRef idx="1">
-            <a:schemeClr val="accent1"/>
-          </a:fillRef>
-          <a:effectRef idx="0">
-            <a:schemeClr val="accent1"/>
-          </a:effectRef>
-          <a:fontRef idx="minor">
-            <a:schemeClr val="lt1"/>
-          </a:fontRef>
-        </p:style>
-        <p:txBody>
-          <a:bodyPr rtlCol="0" anchor="ctr"/>
-          <a:p>
-            <a:pPr algn="ctr"/>
-            <a:endParaRPr lang="zh-CN" altLang="en-US"/>
+          <p:cNvPr id="94" name="文本框 93"/>
+          <p:cNvSpPr txBox="1"/>
+          <p:nvPr/>
+        </p:nvSpPr>
+        <p:spPr>
+          <a:xfrm>
+            <a:off x="825500" y="6511925"/>
+            <a:ext cx="3689350" cy="944880"/>
+          </a:xfrm>
+          <a:prstGeom prst="rect">
+            <a:avLst/>
+          </a:prstGeom>
+          <a:noFill/>
+        </p:spPr>
+        <p:txBody>
+          <a:bodyPr wrap="square" rtlCol="0">
+            <a:spAutoFit/>
+          </a:bodyPr>
+          <a:p>
+            <a:pPr algn="l"/>
+            <a:r>
+              <a:rPr lang="en-US" altLang="zh-CN" sz="2800">
+                <a:latin typeface="Arial" panose="020B0604020202020204" pitchFamily="34" charset="0"/>
+              </a:rPr>
+              <a:t>kicker flat-top ≥ </a:t>
+            </a:r>
+            <a:endParaRPr lang="en-US" altLang="zh-CN" sz="2800">
+              <a:latin typeface="Arial" panose="020B0604020202020204" pitchFamily="34" charset="0"/>
+            </a:endParaRPr>
+          </a:p>
+          <a:p>
+            <a:pPr algn="l"/>
+            <a:r>
+              <a:rPr lang="en-US" altLang="zh-CN" sz="2800">
+                <a:latin typeface="Arial" panose="020B0604020202020204" pitchFamily="34" charset="0"/>
+              </a:rPr>
+              <a:t>length of batch</a:t>
+            </a:r>
+            <a:endParaRPr lang="en-US" altLang="zh-CN" sz="2800">
+              <a:latin typeface="Arial" panose="020B0604020202020204" pitchFamily="34" charset="0"/>
+            </a:endParaRPr>
           </a:p>
         </p:txBody>
       </p:sp>
       <p:cxnSp>
         <p:nvCxnSpPr>
-          <p:cNvPr id="81" name="直接箭头连接符 80"/>
+          <p:cNvPr id="95" name="直接箭头连接符 94"/>
           <p:cNvCxnSpPr/>
           <p:nvPr/>
         </p:nvCxnSpPr>
         <p:spPr>
-          <a:xfrm>
-            <a:off x="701189" y="5061860"/>
-            <a:ext cx="10713864" cy="0"/>
+          <a:xfrm flipV="1">
+            <a:off x="3576320" y="5499100"/>
+            <a:ext cx="13970" cy="3756025"/>
           </a:xfrm>
           <a:prstGeom prst="straightConnector1">
             <a:avLst/>
           </a:prstGeom>
           <a:ln>
-            <a:prstDash val="dash"/>
+            <a:headEnd type="arrow" w="med" len="med"/>
             <a:tailEnd type="arrow" w="med" len="med"/>
           </a:ln>
         </p:spPr>
         <p:style>
-          <a:lnRef idx="3">
+          <a:lnRef idx="1">
             <a:schemeClr val="dk1"/>
           </a:lnRef>
           <a:fillRef idx="0">
             <a:schemeClr val="dk1"/>
           </a:fillRef>
-          <a:effectRef idx="2">
+          <a:effectRef idx="0">
             <a:schemeClr val="dk1"/>
           </a:effectRef>
           <a:fontRef idx="minor">
@@ -4507,40 +5043,16 @@
           </a:fontRef>
         </p:style>
       </p:cxnSp>
-      <p:pic>
-        <p:nvPicPr>
-          <p:cNvPr id="82" name="图片 81" descr="magnifier"/>
-          <p:cNvPicPr>
-            <a:picLocks noChangeAspect="1"/>
-          </p:cNvPicPr>
-          <p:nvPr/>
-        </p:nvPicPr>
-        <p:blipFill>
-          <a:blip r:embed="rId1"/>
-          <a:stretch>
-            <a:fillRect/>
-          </a:stretch>
-        </p:blipFill>
-        <p:spPr>
-          <a:xfrm>
-            <a:off x="4595753" y="4795744"/>
-            <a:ext cx="793267" cy="793267"/>
-          </a:xfrm>
-          <a:prstGeom prst="rect">
-            <a:avLst/>
-          </a:prstGeom>
-        </p:spPr>
-      </p:pic>
-      <p:sp>
-        <p:nvSpPr>
-          <p:cNvPr id="83" name="文本框 20"/>
+      <p:sp>
+        <p:nvSpPr>
+          <p:cNvPr id="96" name="文本框 20"/>
           <p:cNvSpPr txBox="1"/>
           <p:nvPr/>
         </p:nvSpPr>
         <p:spPr>
           <a:xfrm>
-            <a:off x="163876" y="4964052"/>
-            <a:ext cx="2311842" cy="457200"/>
+            <a:off x="5181600" y="5567045"/>
+            <a:ext cx="688340" cy="518160"/>
           </a:xfrm>
           <a:prstGeom prst="rect">
             <a:avLst/>
@@ -4557,20 +5069,20 @@
           <a:p>
             <a:pPr lvl="0"/>
             <a:r>
-              <a:rPr lang="en-US" altLang="zh-CN" sz="2400">
+              <a:rPr lang="en-US" altLang="zh-CN" sz="2800">
                 <a:latin typeface="Arial" panose="020B0604020202020204" pitchFamily="34" charset="0"/>
                 <a:ea typeface="AR PL KaitiM GB" charset="0"/>
               </a:rPr>
               <a:t>t</a:t>
             </a:r>
             <a:r>
-              <a:rPr lang="en-US" altLang="zh-CN" sz="2400" baseline="-25000">
+              <a:rPr lang="en-US" altLang="zh-CN" sz="2800" baseline="-25000">
                 <a:latin typeface="Arial" panose="020B0604020202020204" pitchFamily="34" charset="0"/>
                 <a:ea typeface="AR PL KaitiM GB" charset="0"/>
               </a:rPr>
               <a:t>2</a:t>
             </a:r>
-            <a:endParaRPr lang="en-US" altLang="zh-CN" sz="2400" baseline="-25000">
+            <a:endParaRPr lang="en-US" altLang="zh-CN" sz="2800" baseline="-25000">
               <a:latin typeface="Arial" panose="020B0604020202020204" pitchFamily="34" charset="0"/>
               <a:ea typeface="AR PL KaitiM GB" charset="0"/>
             </a:endParaRPr>
@@ -4579,382 +5091,14 @@
       </p:sp>
       <p:sp>
         <p:nvSpPr>
-          <p:cNvPr id="84" name="文本框 20"/>
+          <p:cNvPr id="98" name="文本框 97"/>
           <p:cNvSpPr txBox="1"/>
           <p:nvPr/>
         </p:nvSpPr>
         <p:spPr>
           <a:xfrm>
-            <a:off x="9664660" y="5202855"/>
-            <a:ext cx="2311842" cy="822960"/>
-          </a:xfrm>
-          <a:prstGeom prst="rect">
-            <a:avLst/>
-          </a:prstGeom>
-          <a:noFill/>
-          <a:ln w="9525">
-            <a:noFill/>
-          </a:ln>
-        </p:spPr>
-        <p:txBody>
-          <a:bodyPr wrap="square" anchor="t">
-            <a:spAutoFit/>
-          </a:bodyPr>
-          <a:p>
-            <a:pPr lvl="0"/>
-            <a:r>
-              <a:rPr lang="en-US" altLang="zh-CN" sz="2400">
-                <a:latin typeface="Arial" panose="020B0604020202020204" pitchFamily="34" charset="0"/>
-                <a:ea typeface="AR PL KaitiM GB" charset="0"/>
-              </a:rPr>
-              <a:t>Location along the synchrotron</a:t>
-            </a:r>
-            <a:endParaRPr lang="en-US" altLang="zh-CN" sz="2400">
-              <a:latin typeface="Arial" panose="020B0604020202020204" pitchFamily="34" charset="0"/>
-              <a:ea typeface="AR PL KaitiM GB" charset="0"/>
-            </a:endParaRPr>
-          </a:p>
-        </p:txBody>
-      </p:sp>
-      <p:sp>
-        <p:nvSpPr>
-          <p:cNvPr id="85" name="椭圆 84"/>
-          <p:cNvSpPr/>
-          <p:nvPr/>
-        </p:nvSpPr>
-        <p:spPr>
-          <a:xfrm rot="1500000">
-            <a:off x="5184517" y="5297517"/>
-            <a:ext cx="849161" cy="294063"/>
-          </a:xfrm>
-          <a:prstGeom prst="ellipse">
-            <a:avLst/>
-          </a:prstGeom>
-          <a:solidFill>
-            <a:srgbClr val="FF0000">
-              <a:alpha val="52000"/>
-            </a:srgbClr>
-          </a:solidFill>
-          <a:ln>
-            <a:noFill/>
-          </a:ln>
-        </p:spPr>
-        <p:style>
-          <a:lnRef idx="2">
-            <a:schemeClr val="accent1">
-              <a:shade val="50000"/>
-            </a:schemeClr>
-          </a:lnRef>
-          <a:fillRef idx="1">
-            <a:schemeClr val="accent1"/>
-          </a:fillRef>
-          <a:effectRef idx="0">
-            <a:schemeClr val="accent1"/>
-          </a:effectRef>
-          <a:fontRef idx="minor">
-            <a:schemeClr val="lt1"/>
-          </a:fontRef>
-        </p:style>
-        <p:txBody>
-          <a:bodyPr rtlCol="0" anchor="ctr"/>
-          <a:p>
-            <a:pPr algn="l" fontAlgn="base"/>
-            <a:endParaRPr lang="en-US" altLang="zh-CN" sz="2400" strike="noStrike" noProof="1">
-              <a:solidFill>
-                <a:schemeClr val="tx1"/>
-              </a:solidFill>
-              <a:latin typeface="Arial" panose="020B0604020202020204" pitchFamily="34" charset="0"/>
-            </a:endParaRPr>
-          </a:p>
-        </p:txBody>
-      </p:sp>
-      <p:sp>
-        <p:nvSpPr>
-          <p:cNvPr id="86" name="椭圆 85"/>
-          <p:cNvSpPr/>
-          <p:nvPr/>
-        </p:nvSpPr>
-        <p:spPr>
-          <a:xfrm rot="1560000">
-            <a:off x="6534122" y="5903409"/>
-            <a:ext cx="849161" cy="294063"/>
-          </a:xfrm>
-          <a:prstGeom prst="ellipse">
-            <a:avLst/>
-          </a:prstGeom>
-          <a:solidFill>
-            <a:srgbClr val="FF0000">
-              <a:alpha val="52000"/>
-            </a:srgbClr>
-          </a:solidFill>
-          <a:ln>
-            <a:noFill/>
-          </a:ln>
-        </p:spPr>
-        <p:style>
-          <a:lnRef idx="2">
-            <a:schemeClr val="accent1">
-              <a:shade val="50000"/>
-            </a:schemeClr>
-          </a:lnRef>
-          <a:fillRef idx="1">
-            <a:schemeClr val="accent1"/>
-          </a:fillRef>
-          <a:effectRef idx="0">
-            <a:schemeClr val="accent1"/>
-          </a:effectRef>
-          <a:fontRef idx="minor">
-            <a:schemeClr val="lt1"/>
-          </a:fontRef>
-        </p:style>
-        <p:txBody>
-          <a:bodyPr rtlCol="0" anchor="ctr"/>
-          <a:p>
-            <a:pPr algn="l" fontAlgn="base"/>
-            <a:endParaRPr lang="en-US" altLang="zh-CN" sz="2400" strike="noStrike" noProof="1">
-              <a:solidFill>
-                <a:schemeClr val="tx1"/>
-              </a:solidFill>
-              <a:latin typeface="Arial" panose="020B0604020202020204" pitchFamily="34" charset="0"/>
-            </a:endParaRPr>
-          </a:p>
-        </p:txBody>
-      </p:sp>
-      <p:sp>
-        <p:nvSpPr>
-          <p:cNvPr id="87" name="文本框 20"/>
-          <p:cNvSpPr txBox="1"/>
-          <p:nvPr/>
-        </p:nvSpPr>
-        <p:spPr>
-          <a:xfrm>
-            <a:off x="2618285" y="9807826"/>
-            <a:ext cx="563932" cy="457200"/>
-          </a:xfrm>
-          <a:prstGeom prst="rect">
-            <a:avLst/>
-          </a:prstGeom>
-          <a:noFill/>
-          <a:ln w="9525">
-            <a:noFill/>
-          </a:ln>
-        </p:spPr>
-        <p:txBody>
-          <a:bodyPr wrap="square" anchor="t">
-            <a:spAutoFit/>
-          </a:bodyPr>
-          <a:p>
-            <a:pPr lvl="0"/>
-            <a:r>
-              <a:rPr lang="en-US" altLang="zh-CN" sz="2400">
-                <a:latin typeface="Arial" panose="020B0604020202020204" pitchFamily="34" charset="0"/>
-                <a:ea typeface="AR PL KaitiM GB" charset="0"/>
-              </a:rPr>
-              <a:t>t</a:t>
-            </a:r>
-            <a:r>
-              <a:rPr lang="en-US" altLang="zh-CN" sz="2400" baseline="-25000">
-                <a:latin typeface="Arial" panose="020B0604020202020204" pitchFamily="34" charset="0"/>
-                <a:ea typeface="AR PL KaitiM GB" charset="0"/>
-              </a:rPr>
-              <a:t>0</a:t>
-            </a:r>
-            <a:endParaRPr lang="en-US" altLang="zh-CN" sz="2400" baseline="-25000">
-              <a:latin typeface="Arial" panose="020B0604020202020204" pitchFamily="34" charset="0"/>
-              <a:ea typeface="AR PL KaitiM GB" charset="0"/>
-            </a:endParaRPr>
-          </a:p>
-        </p:txBody>
-      </p:sp>
-      <p:sp>
-        <p:nvSpPr>
-          <p:cNvPr id="88" name="文本框 20"/>
-          <p:cNvSpPr txBox="1"/>
-          <p:nvPr/>
-        </p:nvSpPr>
-        <p:spPr>
-          <a:xfrm>
-            <a:off x="4041452" y="9800841"/>
-            <a:ext cx="563932" cy="457200"/>
-          </a:xfrm>
-          <a:prstGeom prst="rect">
-            <a:avLst/>
-          </a:prstGeom>
-          <a:noFill/>
-          <a:ln w="9525">
-            <a:noFill/>
-          </a:ln>
-        </p:spPr>
-        <p:txBody>
-          <a:bodyPr wrap="square" anchor="t">
-            <a:spAutoFit/>
-          </a:bodyPr>
-          <a:p>
-            <a:pPr lvl="0"/>
-            <a:r>
-              <a:rPr lang="en-US" altLang="zh-CN" sz="2400">
-                <a:latin typeface="Arial" panose="020B0604020202020204" pitchFamily="34" charset="0"/>
-                <a:ea typeface="AR PL KaitiM GB" charset="0"/>
-              </a:rPr>
-              <a:t>t</a:t>
-            </a:r>
-            <a:r>
-              <a:rPr lang="en-US" altLang="zh-CN" sz="2400" baseline="-25000">
-                <a:latin typeface="Arial" panose="020B0604020202020204" pitchFamily="34" charset="0"/>
-                <a:ea typeface="AR PL KaitiM GB" charset="0"/>
-              </a:rPr>
-              <a:t>1</a:t>
-            </a:r>
-            <a:endParaRPr lang="en-US" altLang="zh-CN" sz="2400" baseline="-25000">
-              <a:latin typeface="Arial" panose="020B0604020202020204" pitchFamily="34" charset="0"/>
-              <a:ea typeface="AR PL KaitiM GB" charset="0"/>
-            </a:endParaRPr>
-          </a:p>
-        </p:txBody>
-      </p:sp>
-      <p:cxnSp>
-        <p:nvCxnSpPr>
-          <p:cNvPr id="89" name="直接连接符 88"/>
-          <p:cNvCxnSpPr/>
-          <p:nvPr/>
-        </p:nvCxnSpPr>
-        <p:spPr>
-          <a:xfrm>
-            <a:off x="8257324" y="8255089"/>
-            <a:ext cx="0" cy="1522387"/>
-          </a:xfrm>
-          <a:prstGeom prst="line">
-            <a:avLst/>
-          </a:prstGeom>
-          <a:ln>
-            <a:prstDash val="sysDot"/>
-          </a:ln>
-        </p:spPr>
-        <p:style>
-          <a:lnRef idx="3">
-            <a:schemeClr val="dk1"/>
-          </a:lnRef>
-          <a:fillRef idx="0">
-            <a:schemeClr val="dk1"/>
-          </a:fillRef>
-          <a:effectRef idx="2">
-            <a:schemeClr val="dk1"/>
-          </a:effectRef>
-          <a:fontRef idx="minor">
-            <a:schemeClr val="tx1"/>
-          </a:fontRef>
-        </p:style>
-      </p:cxnSp>
-      <p:cxnSp>
-        <p:nvCxnSpPr>
-          <p:cNvPr id="90" name="直接连接符 89"/>
-          <p:cNvCxnSpPr/>
-          <p:nvPr/>
-        </p:nvCxnSpPr>
-        <p:spPr>
-          <a:xfrm>
-            <a:off x="1909627" y="814826"/>
-            <a:ext cx="0" cy="1343784"/>
-          </a:xfrm>
-          <a:prstGeom prst="line">
-            <a:avLst/>
-          </a:prstGeom>
-          <a:ln>
-            <a:prstDash val="sysDot"/>
-          </a:ln>
-        </p:spPr>
-        <p:style>
-          <a:lnRef idx="3">
-            <a:schemeClr val="dk1"/>
-          </a:lnRef>
-          <a:fillRef idx="0">
-            <a:schemeClr val="dk1"/>
-          </a:fillRef>
-          <a:effectRef idx="2">
-            <a:schemeClr val="dk1"/>
-          </a:effectRef>
-          <a:fontRef idx="minor">
-            <a:schemeClr val="tx1"/>
-          </a:fontRef>
-        </p:style>
-      </p:cxnSp>
-      <p:cxnSp>
-        <p:nvCxnSpPr>
-          <p:cNvPr id="91" name="直接连接符 90"/>
-          <p:cNvCxnSpPr/>
-          <p:nvPr/>
-        </p:nvCxnSpPr>
-        <p:spPr>
-          <a:xfrm>
-            <a:off x="7150768" y="814826"/>
-            <a:ext cx="0" cy="1343784"/>
-          </a:xfrm>
-          <a:prstGeom prst="line">
-            <a:avLst/>
-          </a:prstGeom>
-          <a:ln>
-            <a:prstDash val="sysDot"/>
-          </a:ln>
-        </p:spPr>
-        <p:style>
-          <a:lnRef idx="3">
-            <a:schemeClr val="dk1"/>
-          </a:lnRef>
-          <a:fillRef idx="0">
-            <a:schemeClr val="dk1"/>
-          </a:fillRef>
-          <a:effectRef idx="2">
-            <a:schemeClr val="dk1"/>
-          </a:effectRef>
-          <a:fontRef idx="minor">
-            <a:schemeClr val="tx1"/>
-          </a:fontRef>
-        </p:style>
-      </p:cxnSp>
-      <p:cxnSp>
-        <p:nvCxnSpPr>
-          <p:cNvPr id="92" name="直接箭头连接符 91"/>
-          <p:cNvCxnSpPr/>
-          <p:nvPr/>
-        </p:nvCxnSpPr>
-        <p:spPr>
-          <a:xfrm flipV="1">
-            <a:off x="1931219" y="1009154"/>
-            <a:ext cx="5175730" cy="13972"/>
-          </a:xfrm>
-          <a:prstGeom prst="straightConnector1">
-            <a:avLst/>
-          </a:prstGeom>
-          <a:ln>
-            <a:headEnd type="arrow" w="med" len="med"/>
-            <a:tailEnd type="arrow" w="med" len="med"/>
-          </a:ln>
-        </p:spPr>
-        <p:style>
-          <a:lnRef idx="1">
-            <a:schemeClr val="dk1"/>
-          </a:lnRef>
-          <a:fillRef idx="0">
-            <a:schemeClr val="dk1"/>
-          </a:fillRef>
-          <a:effectRef idx="0">
-            <a:schemeClr val="dk1"/>
-          </a:effectRef>
-          <a:fontRef idx="minor">
-            <a:schemeClr val="tx1"/>
-          </a:fontRef>
-        </p:style>
-      </p:cxnSp>
-      <p:sp>
-        <p:nvSpPr>
-          <p:cNvPr id="93" name="文本框 92"/>
-          <p:cNvSpPr txBox="1"/>
-          <p:nvPr/>
-        </p:nvSpPr>
-        <p:spPr>
-          <a:xfrm>
-            <a:off x="4182891" y="552165"/>
-            <a:ext cx="1740240" cy="457200"/>
+            <a:off x="1544955" y="3592830"/>
+            <a:ext cx="3689350" cy="883920"/>
           </a:xfrm>
           <a:prstGeom prst="rect">
             <a:avLst/>
@@ -4966,171 +5110,30 @@
             <a:spAutoFit/>
           </a:bodyPr>
           <a:p>
+            <a:pPr algn="l"/>
             <a:r>
               <a:rPr lang="en-US" altLang="zh-CN" sz="2400">
                 <a:latin typeface="Arial" panose="020B0604020202020204" pitchFamily="34" charset="0"/>
               </a:rPr>
-              <a:t>Batch</a:t>
-            </a:r>
-            <a:endParaRPr lang="en-US" altLang="zh-CN" sz="2400">
+              <a:t>Fall </a:t>
+            </a:r>
+            <a:r>
+              <a:rPr lang="en-US" altLang="zh-CN" sz="2800">
+                <a:latin typeface="Arial" panose="020B0604020202020204" pitchFamily="34" charset="0"/>
+              </a:rPr>
+              <a:t>time </a:t>
+            </a:r>
+            <a:endParaRPr lang="en-US" altLang="zh-CN" sz="2800">
               <a:latin typeface="Arial" panose="020B0604020202020204" pitchFamily="34" charset="0"/>
             </a:endParaRPr>
           </a:p>
-        </p:txBody>
-      </p:sp>
-      <p:sp>
-        <p:nvSpPr>
-          <p:cNvPr id="94" name="文本框 93"/>
-          <p:cNvSpPr txBox="1"/>
-          <p:nvPr/>
-        </p:nvSpPr>
-        <p:spPr>
-          <a:xfrm>
-            <a:off x="4957172" y="7572438"/>
-            <a:ext cx="3689057" cy="822960"/>
-          </a:xfrm>
-          <a:prstGeom prst="rect">
-            <a:avLst/>
-          </a:prstGeom>
-          <a:noFill/>
-        </p:spPr>
-        <p:txBody>
-          <a:bodyPr wrap="square" rtlCol="0">
-            <a:spAutoFit/>
-          </a:bodyPr>
           <a:p>
             <a:pPr algn="l"/>
             <a:r>
               <a:rPr lang="en-US" altLang="zh-CN" sz="2400">
                 <a:latin typeface="Arial" panose="020B0604020202020204" pitchFamily="34" charset="0"/>
               </a:rPr>
-              <a:t>kicker flat-top ≥ </a:t>
-            </a:r>
-            <a:endParaRPr lang="en-US" altLang="zh-CN" sz="2400">
-              <a:latin typeface="Arial" panose="020B0604020202020204" pitchFamily="34" charset="0"/>
-            </a:endParaRPr>
-          </a:p>
-          <a:p>
-            <a:pPr algn="l"/>
-            <a:r>
-              <a:rPr lang="en-US" altLang="zh-CN" sz="2400">
-                <a:latin typeface="Arial" panose="020B0604020202020204" pitchFamily="34" charset="0"/>
-              </a:rPr>
-              <a:t>length of batch</a:t>
-            </a:r>
-            <a:endParaRPr lang="en-US" altLang="zh-CN" sz="2400">
-              <a:latin typeface="Arial" panose="020B0604020202020204" pitchFamily="34" charset="0"/>
-            </a:endParaRPr>
-          </a:p>
-        </p:txBody>
-      </p:sp>
-      <p:cxnSp>
-        <p:nvCxnSpPr>
-          <p:cNvPr id="95" name="直接箭头连接符 94"/>
-          <p:cNvCxnSpPr/>
-          <p:nvPr/>
-        </p:nvCxnSpPr>
-        <p:spPr>
-          <a:xfrm flipV="1">
-            <a:off x="4158937" y="8441180"/>
-            <a:ext cx="4064378" cy="15877"/>
-          </a:xfrm>
-          <a:prstGeom prst="straightConnector1">
-            <a:avLst/>
-          </a:prstGeom>
-          <a:ln>
-            <a:headEnd type="arrow" w="med" len="med"/>
-            <a:tailEnd type="arrow" w="med" len="med"/>
-          </a:ln>
-        </p:spPr>
-        <p:style>
-          <a:lnRef idx="1">
-            <a:schemeClr val="dk1"/>
-          </a:lnRef>
-          <a:fillRef idx="0">
-            <a:schemeClr val="dk1"/>
-          </a:fillRef>
-          <a:effectRef idx="0">
-            <a:schemeClr val="dk1"/>
-          </a:effectRef>
-          <a:fontRef idx="minor">
-            <a:schemeClr val="tx1"/>
-          </a:fontRef>
-        </p:style>
-      </p:cxnSp>
-      <p:sp>
-        <p:nvSpPr>
-          <p:cNvPr id="96" name="文本框 20"/>
-          <p:cNvSpPr txBox="1"/>
-          <p:nvPr/>
-        </p:nvSpPr>
-        <p:spPr>
-          <a:xfrm>
-            <a:off x="7959764" y="9849105"/>
-            <a:ext cx="610926" cy="457200"/>
-          </a:xfrm>
-          <a:prstGeom prst="rect">
-            <a:avLst/>
-          </a:prstGeom>
-          <a:noFill/>
-          <a:ln w="9525">
-            <a:noFill/>
-          </a:ln>
-        </p:spPr>
-        <p:txBody>
-          <a:bodyPr wrap="square" anchor="t">
-            <a:spAutoFit/>
-          </a:bodyPr>
-          <a:p>
-            <a:pPr lvl="0"/>
-            <a:r>
-              <a:rPr lang="en-US" altLang="zh-CN" sz="2400">
-                <a:latin typeface="Arial" panose="020B0604020202020204" pitchFamily="34" charset="0"/>
-                <a:ea typeface="AR PL KaitiM GB" charset="0"/>
-              </a:rPr>
-              <a:t>t</a:t>
-            </a:r>
-            <a:r>
-              <a:rPr lang="en-US" altLang="zh-CN" sz="2400" baseline="-25000">
-                <a:latin typeface="Arial" panose="020B0604020202020204" pitchFamily="34" charset="0"/>
-                <a:ea typeface="AR PL KaitiM GB" charset="0"/>
-              </a:rPr>
-              <a:t>2</a:t>
-            </a:r>
-            <a:endParaRPr lang="en-US" altLang="zh-CN" sz="2400" baseline="-25000">
-              <a:latin typeface="Arial" panose="020B0604020202020204" pitchFamily="34" charset="0"/>
-              <a:ea typeface="AR PL KaitiM GB" charset="0"/>
-            </a:endParaRPr>
-          </a:p>
-        </p:txBody>
-      </p:sp>
-      <p:sp>
-        <p:nvSpPr>
-          <p:cNvPr id="98" name="文本框 97"/>
-          <p:cNvSpPr txBox="1"/>
-          <p:nvPr/>
-        </p:nvSpPr>
-        <p:spPr>
-          <a:xfrm>
-            <a:off x="8375094" y="7869627"/>
-            <a:ext cx="3689057" cy="457200"/>
-          </a:xfrm>
-          <a:prstGeom prst="rect">
-            <a:avLst/>
-          </a:prstGeom>
-          <a:noFill/>
-        </p:spPr>
-        <p:txBody>
-          <a:bodyPr wrap="square" rtlCol="0">
-            <a:spAutoFit/>
-          </a:bodyPr>
-          <a:p>
-            <a:pPr algn="l"/>
-            <a:r>
-              <a:rPr lang="en-US" altLang="zh-CN" sz="2400">
-                <a:latin typeface="Arial" panose="020B0604020202020204" pitchFamily="34" charset="0"/>
-              </a:rPr>
-              <a:t>Fall time no constraint </a:t>
+              <a:t>no constraint </a:t>
             </a:r>
             <a:endParaRPr lang="en-US" altLang="zh-CN" sz="2400">
               <a:latin typeface="Arial" panose="020B0604020202020204" pitchFamily="34" charset="0"/>
@@ -5145,9 +5148,9 @@
           <p:nvPr/>
         </p:nvCxnSpPr>
         <p:spPr>
-          <a:xfrm>
-            <a:off x="10830232" y="8376404"/>
-            <a:ext cx="7620" cy="1672111"/>
+          <a:xfrm rot="16200000">
+            <a:off x="4357370" y="2052320"/>
+            <a:ext cx="7620" cy="1671955"/>
           </a:xfrm>
           <a:prstGeom prst="line">
             <a:avLst/>
@@ -5178,9 +5181,9 @@
           <p:nvPr/>
         </p:nvCxnSpPr>
         <p:spPr>
-          <a:xfrm>
-            <a:off x="8301426" y="8489444"/>
-            <a:ext cx="2528804" cy="0"/>
+          <a:xfrm rot="16200000">
+            <a:off x="2373630" y="4156710"/>
+            <a:ext cx="2528570" cy="0"/>
           </a:xfrm>
           <a:prstGeom prst="straightConnector1">
             <a:avLst/>
@@ -5207,172 +5210,13 @@
       </p:cxnSp>
       <p:sp>
         <p:nvSpPr>
-          <p:cNvPr id="102" name="文本框 20"/>
-          <p:cNvSpPr txBox="1"/>
-          <p:nvPr/>
-        </p:nvSpPr>
-        <p:spPr>
-          <a:xfrm rot="1440000">
-            <a:off x="4997283" y="3089608"/>
-            <a:ext cx="4663237" cy="822960"/>
-          </a:xfrm>
-          <a:prstGeom prst="rect">
-            <a:avLst/>
-          </a:prstGeom>
-          <a:noFill/>
-          <a:ln w="9525">
-            <a:noFill/>
-          </a:ln>
-        </p:spPr>
-        <p:txBody>
-          <a:bodyPr wrap="square" anchor="t">
-            <a:spAutoFit/>
-          </a:bodyPr>
-          <a:p>
-            <a:pPr lvl="0"/>
-            <a:r>
-              <a:rPr lang="en-US" altLang="zh-CN" sz="2400">
-                <a:latin typeface="Arial" panose="020B0604020202020204" pitchFamily="34" charset="0"/>
-                <a:ea typeface="AR PL KaitiM GB" charset="0"/>
-                <a:sym typeface="+mn-ea"/>
-              </a:rPr>
-              <a:t>Path for beam</a:t>
-            </a:r>
-            <a:endParaRPr lang="en-US" altLang="zh-CN" sz="2400">
-              <a:latin typeface="Arial" panose="020B0604020202020204" pitchFamily="34" charset="0"/>
-              <a:ea typeface="AR PL KaitiM GB" charset="0"/>
-              <a:sym typeface="+mn-ea"/>
-            </a:endParaRPr>
-          </a:p>
-          <a:p>
-            <a:pPr lvl="0"/>
-            <a:r>
-              <a:rPr lang="en-US" altLang="zh-CN" sz="2400">
-                <a:latin typeface="Arial" panose="020B0604020202020204" pitchFamily="34" charset="0"/>
-                <a:ea typeface="AR PL KaitiM GB" charset="0"/>
-              </a:rPr>
-              <a:t>extraction</a:t>
-            </a:r>
-            <a:endParaRPr lang="en-US" altLang="zh-CN" sz="2400">
-              <a:latin typeface="Arial" panose="020B0604020202020204" pitchFamily="34" charset="0"/>
-              <a:ea typeface="AR PL KaitiM GB" charset="0"/>
-            </a:endParaRPr>
-          </a:p>
-        </p:txBody>
-      </p:sp>
-      <p:sp>
-        <p:nvSpPr>
-          <p:cNvPr id="2" name="椭圆 1"/>
-          <p:cNvSpPr/>
-          <p:nvPr/>
-        </p:nvSpPr>
-        <p:spPr>
-          <a:xfrm rot="1500000">
-            <a:off x="7837671" y="6504073"/>
-            <a:ext cx="849161" cy="294063"/>
-          </a:xfrm>
-          <a:prstGeom prst="ellipse">
-            <a:avLst/>
-          </a:prstGeom>
-          <a:solidFill>
-            <a:srgbClr val="FF0000">
-              <a:alpha val="52000"/>
-            </a:srgbClr>
-          </a:solidFill>
-          <a:ln>
-            <a:noFill/>
-          </a:ln>
-        </p:spPr>
-        <p:style>
-          <a:lnRef idx="2">
-            <a:schemeClr val="accent1">
-              <a:shade val="50000"/>
-            </a:schemeClr>
-          </a:lnRef>
-          <a:fillRef idx="1">
-            <a:schemeClr val="accent1"/>
-          </a:fillRef>
-          <a:effectRef idx="0">
-            <a:schemeClr val="accent1"/>
-          </a:effectRef>
-          <a:fontRef idx="minor">
-            <a:schemeClr val="lt1"/>
-          </a:fontRef>
-        </p:style>
-        <p:txBody>
-          <a:bodyPr rtlCol="0" anchor="ctr"/>
-          <a:p>
-            <a:pPr algn="l" fontAlgn="base"/>
-            <a:endParaRPr lang="en-US" altLang="zh-CN" sz="2400" strike="noStrike" noProof="1">
-              <a:solidFill>
-                <a:schemeClr val="tx1"/>
-              </a:solidFill>
-              <a:latin typeface="Arial" panose="020B0604020202020204" pitchFamily="34" charset="0"/>
-            </a:endParaRPr>
-          </a:p>
-        </p:txBody>
-      </p:sp>
-      <p:sp>
-        <p:nvSpPr>
-          <p:cNvPr id="3" name="椭圆 2"/>
-          <p:cNvSpPr/>
-          <p:nvPr/>
-        </p:nvSpPr>
-        <p:spPr>
-          <a:xfrm rot="1560000">
-            <a:off x="9187275" y="7109964"/>
-            <a:ext cx="849161" cy="294063"/>
-          </a:xfrm>
-          <a:prstGeom prst="ellipse">
-            <a:avLst/>
-          </a:prstGeom>
-          <a:solidFill>
-            <a:srgbClr val="FF0000">
-              <a:alpha val="52000"/>
-            </a:srgbClr>
-          </a:solidFill>
-          <a:ln>
-            <a:noFill/>
-          </a:ln>
-        </p:spPr>
-        <p:style>
-          <a:lnRef idx="2">
-            <a:schemeClr val="accent1">
-              <a:shade val="50000"/>
-            </a:schemeClr>
-          </a:lnRef>
-          <a:fillRef idx="1">
-            <a:schemeClr val="accent1"/>
-          </a:fillRef>
-          <a:effectRef idx="0">
-            <a:schemeClr val="accent1"/>
-          </a:effectRef>
-          <a:fontRef idx="minor">
-            <a:schemeClr val="lt1"/>
-          </a:fontRef>
-        </p:style>
-        <p:txBody>
-          <a:bodyPr rtlCol="0" anchor="ctr"/>
-          <a:p>
-            <a:pPr algn="l" fontAlgn="base"/>
-            <a:endParaRPr lang="en-US" altLang="zh-CN" sz="2400" strike="noStrike" noProof="1">
-              <a:solidFill>
-                <a:schemeClr val="tx1"/>
-              </a:solidFill>
-              <a:latin typeface="Arial" panose="020B0604020202020204" pitchFamily="34" charset="0"/>
-            </a:endParaRPr>
-          </a:p>
-        </p:txBody>
-      </p:sp>
-      <p:sp>
-        <p:nvSpPr>
           <p:cNvPr id="6" name="闪电形 5"/>
           <p:cNvSpPr/>
           <p:nvPr/>
         </p:nvSpPr>
         <p:spPr>
-          <a:xfrm>
-            <a:off x="469265" y="7734935"/>
+          <a:xfrm rot="16200000">
+            <a:off x="3561080" y="11935460"/>
             <a:ext cx="640715" cy="1995170"/>
           </a:xfrm>
           <a:prstGeom prst="lightningBolt">
@@ -5418,8 +5262,8 @@
           <p:nvPr/>
         </p:nvCxnSpPr>
         <p:spPr>
-          <a:xfrm>
-            <a:off x="1109980" y="8930640"/>
+          <a:xfrm rot="16200000">
+            <a:off x="3251835" y="11762740"/>
             <a:ext cx="1677035" cy="22225"/>
           </a:xfrm>
           <a:prstGeom prst="straightConnector1">
@@ -5453,8 +5297,8 @@
         </p:nvSpPr>
         <p:spPr>
           <a:xfrm>
-            <a:off x="1081593" y="8107718"/>
-            <a:ext cx="1884219" cy="822960"/>
+            <a:off x="1130300" y="11339830"/>
+            <a:ext cx="2073910" cy="944880"/>
           </a:xfrm>
           <a:prstGeom prst="rect">
             <a:avLst/>
@@ -5468,12 +5312,12 @@
           <a:p>
             <a:pPr algn="l"/>
             <a:r>
-              <a:rPr lang="en-US" altLang="zh-CN" sz="2400">
+              <a:rPr lang="en-US" altLang="zh-CN" sz="2800">
                 <a:latin typeface="Arial" panose="020B0604020202020204" pitchFamily="34" charset="0"/>
               </a:rPr>
               <a:t>preparation time</a:t>
             </a:r>
-            <a:endParaRPr lang="en-US" altLang="zh-CN" sz="2400">
+            <a:endParaRPr lang="en-US" altLang="zh-CN" sz="2800">
               <a:latin typeface="Arial" panose="020B0604020202020204" pitchFamily="34" charset="0"/>
             </a:endParaRPr>
           </a:p>
@@ -5486,9 +5330,9 @@
           <p:nvPr/>
         </p:nvCxnSpPr>
         <p:spPr>
-          <a:xfrm flipH="1">
-            <a:off x="1110174" y="8376390"/>
-            <a:ext cx="6350" cy="1538747"/>
+          <a:xfrm rot="16200000" flipH="1">
+            <a:off x="4291330" y="11839575"/>
+            <a:ext cx="6350" cy="1538605"/>
           </a:xfrm>
           <a:prstGeom prst="line">
             <a:avLst/>
@@ -5506,6 +5350,235 @@
           </a:fillRef>
           <a:effectRef idx="2">
             <a:schemeClr val="dk1"/>
+          </a:effectRef>
+          <a:fontRef idx="minor">
+            <a:schemeClr val="tx1"/>
+          </a:fontRef>
+        </p:style>
+      </p:cxnSp>
+      <p:sp>
+        <p:nvSpPr>
+          <p:cNvPr id="24" name="文本框 23"/>
+          <p:cNvSpPr txBox="1"/>
+          <p:nvPr/>
+        </p:nvSpPr>
+        <p:spPr>
+          <a:xfrm>
+            <a:off x="4744085" y="11707495"/>
+            <a:ext cx="377825" cy="518160"/>
+          </a:xfrm>
+          <a:prstGeom prst="rect">
+            <a:avLst/>
+          </a:prstGeom>
+          <a:noFill/>
+        </p:spPr>
+        <p:txBody>
+          <a:bodyPr wrap="none" rtlCol="0" anchor="t">
+            <a:spAutoFit/>
+          </a:bodyPr>
+          <a:p>
+            <a:r>
+              <a:rPr lang="zh-CN" altLang="en-US" sz="2800">
+                <a:latin typeface="Arial" panose="020B0604020202020204" pitchFamily="34" charset="0"/>
+              </a:rPr>
+              <a:t>≈</a:t>
+            </a:r>
+            <a:endParaRPr lang="zh-CN" altLang="en-US" sz="2800">
+              <a:latin typeface="Arial" panose="020B0604020202020204" pitchFamily="34" charset="0"/>
+            </a:endParaRPr>
+          </a:p>
+        </p:txBody>
+      </p:sp>
+      <p:sp>
+        <p:nvSpPr>
+          <p:cNvPr id="26" name="矩形 25"/>
+          <p:cNvSpPr/>
+          <p:nvPr/>
+        </p:nvSpPr>
+        <p:spPr>
+          <a:xfrm>
+            <a:off x="8836660" y="9026525"/>
+            <a:ext cx="264160" cy="133350"/>
+          </a:xfrm>
+          <a:prstGeom prst="rect">
+            <a:avLst/>
+          </a:prstGeom>
+        </p:spPr>
+        <p:style>
+          <a:lnRef idx="2">
+            <a:schemeClr val="accent1">
+              <a:shade val="50000"/>
+            </a:schemeClr>
+          </a:lnRef>
+          <a:fillRef idx="1">
+            <a:schemeClr val="accent1"/>
+          </a:fillRef>
+          <a:effectRef idx="0">
+            <a:schemeClr val="accent1"/>
+          </a:effectRef>
+          <a:fontRef idx="minor">
+            <a:schemeClr val="lt1"/>
+          </a:fontRef>
+        </p:style>
+        <p:txBody>
+          <a:bodyPr rtlCol="0" anchor="ctr"/>
+          <a:p>
+            <a:pPr algn="ctr"/>
+            <a:endParaRPr lang="zh-CN" altLang="en-US"/>
+          </a:p>
+        </p:txBody>
+      </p:sp>
+      <p:sp>
+        <p:nvSpPr>
+          <p:cNvPr id="28" name="矩形 27"/>
+          <p:cNvSpPr/>
+          <p:nvPr/>
+        </p:nvSpPr>
+        <p:spPr>
+          <a:xfrm>
+            <a:off x="8843010" y="5211445"/>
+            <a:ext cx="264160" cy="133350"/>
+          </a:xfrm>
+          <a:prstGeom prst="rect">
+            <a:avLst/>
+          </a:prstGeom>
+        </p:spPr>
+        <p:style>
+          <a:lnRef idx="2">
+            <a:schemeClr val="accent1">
+              <a:shade val="50000"/>
+            </a:schemeClr>
+          </a:lnRef>
+          <a:fillRef idx="1">
+            <a:schemeClr val="accent1"/>
+          </a:fillRef>
+          <a:effectRef idx="0">
+            <a:schemeClr val="accent1"/>
+          </a:effectRef>
+          <a:fontRef idx="minor">
+            <a:schemeClr val="lt1"/>
+          </a:fontRef>
+        </p:style>
+        <p:txBody>
+          <a:bodyPr rtlCol="0" anchor="ctr"/>
+          <a:p>
+            <a:pPr algn="ctr"/>
+            <a:endParaRPr lang="zh-CN" altLang="en-US"/>
+          </a:p>
+        </p:txBody>
+      </p:sp>
+      <p:sp>
+        <p:nvSpPr>
+          <p:cNvPr id="31" name="矩形 30"/>
+          <p:cNvSpPr/>
+          <p:nvPr/>
+        </p:nvSpPr>
+        <p:spPr>
+          <a:xfrm>
+            <a:off x="8843010" y="10715625"/>
+            <a:ext cx="264160" cy="133350"/>
+          </a:xfrm>
+          <a:prstGeom prst="rect">
+            <a:avLst/>
+          </a:prstGeom>
+        </p:spPr>
+        <p:style>
+          <a:lnRef idx="2">
+            <a:schemeClr val="accent1">
+              <a:shade val="50000"/>
+            </a:schemeClr>
+          </a:lnRef>
+          <a:fillRef idx="1">
+            <a:schemeClr val="accent1"/>
+          </a:fillRef>
+          <a:effectRef idx="0">
+            <a:schemeClr val="accent1"/>
+          </a:effectRef>
+          <a:fontRef idx="minor">
+            <a:schemeClr val="lt1"/>
+          </a:fontRef>
+        </p:style>
+        <p:txBody>
+          <a:bodyPr rtlCol="0" anchor="ctr"/>
+          <a:p>
+            <a:pPr algn="ctr"/>
+            <a:endParaRPr lang="zh-CN" altLang="en-US"/>
+          </a:p>
+        </p:txBody>
+      </p:sp>
+      <p:sp>
+        <p:nvSpPr>
+          <p:cNvPr id="32" name="文本框 20"/>
+          <p:cNvSpPr txBox="1"/>
+          <p:nvPr/>
+        </p:nvSpPr>
+        <p:spPr>
+          <a:xfrm>
+            <a:off x="7687310" y="3958590"/>
+            <a:ext cx="3797935" cy="518160"/>
+          </a:xfrm>
+          <a:prstGeom prst="rect">
+            <a:avLst/>
+          </a:prstGeom>
+          <a:noFill/>
+          <a:ln w="9525">
+            <a:noFill/>
+          </a:ln>
+        </p:spPr>
+        <p:txBody>
+          <a:bodyPr wrap="square" anchor="t">
+            <a:spAutoFit/>
+          </a:bodyPr>
+          <a:p>
+            <a:pPr lvl="0"/>
+            <a:r>
+              <a:rPr lang="en-US" altLang="zh-CN" sz="2800">
+                <a:latin typeface="Arial" panose="020B0604020202020204" pitchFamily="34" charset="0"/>
+                <a:ea typeface="AR PL KaitiM GB" charset="0"/>
+              </a:rPr>
+              <a:t>Extraction kicker</a:t>
+            </a:r>
+            <a:endParaRPr lang="en-US" altLang="zh-CN" sz="2800">
+              <a:latin typeface="Arial" panose="020B0604020202020204" pitchFamily="34" charset="0"/>
+              <a:ea typeface="AR PL KaitiM GB" charset="0"/>
+            </a:endParaRPr>
+          </a:p>
+        </p:txBody>
+      </p:sp>
+      <p:cxnSp>
+        <p:nvCxnSpPr>
+          <p:cNvPr id="37" name="曲线连接符 36"/>
+          <p:cNvCxnSpPr/>
+          <p:nvPr/>
+        </p:nvCxnSpPr>
+        <p:spPr>
+          <a:xfrm rot="16200000">
+            <a:off x="8936990" y="4410710"/>
+            <a:ext cx="727710" cy="873760"/>
+          </a:xfrm>
+          <a:prstGeom prst="curvedConnector2">
+            <a:avLst/>
+          </a:prstGeom>
+          <a:ln w="34925" cmpd="sng">
+            <a:solidFill>
+              <a:schemeClr val="accent1">
+                <a:shade val="50000"/>
+              </a:schemeClr>
+            </a:solidFill>
+            <a:prstDash val="solid"/>
+            <a:headEnd type="stealth" w="lg" len="med"/>
+            <a:tailEnd type="none"/>
+          </a:ln>
+        </p:spPr>
+        <p:style>
+          <a:lnRef idx="1">
+            <a:schemeClr val="accent1"/>
+          </a:lnRef>
+          <a:fillRef idx="0">
+            <a:schemeClr val="accent1"/>
+          </a:fillRef>
+          <a:effectRef idx="0">
+            <a:schemeClr val="accent1"/>
           </a:effectRef>
           <a:fontRef idx="minor">
             <a:schemeClr val="tx1"/>
@@ -5538,8 +5611,8 @@
         </p:nvSpPr>
         <p:spPr>
           <a:xfrm>
-            <a:off x="9665278" y="3956797"/>
-            <a:ext cx="2311842" cy="822960"/>
+            <a:off x="11825624" y="5756916"/>
+            <a:ext cx="2311875" cy="822960"/>
           </a:xfrm>
           <a:prstGeom prst="rect">
             <a:avLst/>
@@ -5577,8 +5650,8 @@
         </p:nvCxnSpPr>
         <p:spPr>
           <a:xfrm rot="1020000">
-            <a:off x="4563998" y="4399551"/>
-            <a:ext cx="3975877" cy="539220"/>
+            <a:off x="6724271" y="6199676"/>
+            <a:ext cx="3975934" cy="539228"/>
           </a:xfrm>
           <a:prstGeom prst="straightConnector1">
             <a:avLst/>
@@ -5614,8 +5687,8 @@
         </p:nvSpPr>
         <p:spPr>
           <a:xfrm>
-            <a:off x="3932683" y="3697741"/>
-            <a:ext cx="851067" cy="282630"/>
+            <a:off x="6092947" y="5497856"/>
+            <a:ext cx="851079" cy="282634"/>
           </a:xfrm>
           <a:prstGeom prst="ellipse">
             <a:avLst/>
@@ -5664,8 +5737,8 @@
         </p:nvSpPr>
         <p:spPr>
           <a:xfrm rot="1500000">
-            <a:off x="5187688" y="4098503"/>
-            <a:ext cx="849161" cy="294062"/>
+            <a:off x="7347970" y="5898624"/>
+            <a:ext cx="849173" cy="294066"/>
           </a:xfrm>
           <a:prstGeom prst="ellipse">
             <a:avLst/>
@@ -5716,8 +5789,8 @@
         </p:nvSpPr>
         <p:spPr>
           <a:xfrm rot="1560000">
-            <a:off x="6217859" y="4546900"/>
-            <a:ext cx="849161" cy="294062"/>
+            <a:off x="8378156" y="6347028"/>
+            <a:ext cx="849173" cy="294066"/>
           </a:xfrm>
           <a:prstGeom prst="ellipse">
             <a:avLst/>
@@ -5776,8 +5849,8 @@
         </p:blipFill>
         <p:spPr>
           <a:xfrm>
-            <a:off x="4491579" y="3573184"/>
-            <a:ext cx="895521" cy="895521"/>
+            <a:off x="6651851" y="5373298"/>
+            <a:ext cx="895534" cy="895534"/>
           </a:xfrm>
           <a:prstGeom prst="rect">
             <a:avLst/>
@@ -5792,8 +5865,8 @@
         </p:nvSpPr>
         <p:spPr>
           <a:xfrm>
-            <a:off x="4319472" y="2920366"/>
-            <a:ext cx="1740240" cy="457200"/>
+            <a:off x="6479741" y="4720470"/>
+            <a:ext cx="1740265" cy="457200"/>
           </a:xfrm>
           <a:prstGeom prst="rect">
             <a:avLst/>
@@ -5825,8 +5898,8 @@
         </p:nvSpPr>
         <p:spPr>
           <a:xfrm rot="1500000" flipH="1">
-            <a:off x="7552229" y="4671309"/>
-            <a:ext cx="619879" cy="381073"/>
+            <a:off x="9712545" y="6471438"/>
+            <a:ext cx="619888" cy="381079"/>
           </a:xfrm>
           <a:prstGeom prst="leftArrow">
             <a:avLst/>
@@ -5867,8 +5940,8 @@
         </p:nvSpPr>
         <p:spPr>
           <a:xfrm>
-            <a:off x="2447769" y="3697106"/>
-            <a:ext cx="851067" cy="282630"/>
+            <a:off x="4608011" y="5497221"/>
+            <a:ext cx="851079" cy="282634"/>
           </a:xfrm>
           <a:prstGeom prst="ellipse">
             <a:avLst/>
@@ -5917,8 +5990,8 @@
         </p:nvSpPr>
         <p:spPr>
           <a:xfrm>
-            <a:off x="6842809" y="3697741"/>
-            <a:ext cx="851067" cy="282630"/>
+            <a:off x="9003115" y="5497856"/>
+            <a:ext cx="851079" cy="282634"/>
           </a:xfrm>
           <a:prstGeom prst="ellipse">
             <a:avLst/>
@@ -5967,8 +6040,8 @@
         </p:nvSpPr>
         <p:spPr>
           <a:xfrm>
-            <a:off x="5357896" y="3697106"/>
-            <a:ext cx="851067" cy="282630"/>
+            <a:off x="7518180" y="5497221"/>
+            <a:ext cx="851079" cy="282634"/>
           </a:xfrm>
           <a:prstGeom prst="ellipse">
             <a:avLst/>
@@ -6017,8 +6090,8 @@
         </p:nvCxnSpPr>
         <p:spPr>
           <a:xfrm>
-            <a:off x="669418" y="3838665"/>
-            <a:ext cx="10713864" cy="0"/>
+            <a:off x="2829634" y="5638782"/>
+            <a:ext cx="10714019" cy="0"/>
           </a:xfrm>
           <a:prstGeom prst="straightConnector1">
             <a:avLst/>
@@ -6051,8 +6124,8 @@
         </p:nvCxnSpPr>
         <p:spPr>
           <a:xfrm>
-            <a:off x="5357884" y="3336284"/>
-            <a:ext cx="0" cy="603365"/>
+            <a:off x="7518168" y="5136394"/>
+            <a:ext cx="0" cy="603374"/>
           </a:xfrm>
           <a:prstGeom prst="line">
             <a:avLst/>
@@ -6084,8 +6157,8 @@
         </p:nvCxnSpPr>
         <p:spPr>
           <a:xfrm>
-            <a:off x="4783735" y="3377567"/>
-            <a:ext cx="0" cy="603365"/>
+            <a:off x="6944011" y="5177678"/>
+            <a:ext cx="0" cy="603374"/>
           </a:xfrm>
           <a:prstGeom prst="line">
             <a:avLst/>
@@ -6117,8 +6190,8 @@
         </p:nvCxnSpPr>
         <p:spPr>
           <a:xfrm>
-            <a:off x="4150519" y="3432187"/>
-            <a:ext cx="628135" cy="12067"/>
+            <a:off x="6310786" y="5232298"/>
+            <a:ext cx="628144" cy="12067"/>
           </a:xfrm>
           <a:prstGeom prst="straightConnector1">
             <a:avLst/>
@@ -6150,8 +6223,8 @@
         </p:nvCxnSpPr>
         <p:spPr>
           <a:xfrm flipH="1">
-            <a:off x="5357884" y="3444254"/>
-            <a:ext cx="611622" cy="12067"/>
+            <a:off x="7518168" y="5244366"/>
+            <a:ext cx="611631" cy="12067"/>
           </a:xfrm>
           <a:prstGeom prst="straightConnector1">
             <a:avLst/>
@@ -6183,8 +6256,8 @@
         </p:nvSpPr>
         <p:spPr>
           <a:xfrm>
-            <a:off x="9846919" y="6983405"/>
-            <a:ext cx="2311842" cy="822960"/>
+            <a:off x="12007268" y="8783568"/>
+            <a:ext cx="2311875" cy="822960"/>
           </a:xfrm>
           <a:prstGeom prst="rect">
             <a:avLst/>
@@ -6222,8 +6295,8 @@
         </p:nvCxnSpPr>
         <p:spPr>
           <a:xfrm>
-            <a:off x="4911390" y="6857016"/>
-            <a:ext cx="2725305" cy="1254364"/>
+            <a:off x="7071668" y="8657177"/>
+            <a:ext cx="2725344" cy="1254382"/>
           </a:xfrm>
           <a:prstGeom prst="straightConnector1">
             <a:avLst/>
@@ -6259,8 +6332,8 @@
         </p:nvSpPr>
         <p:spPr>
           <a:xfrm>
-            <a:off x="4005718" y="6724349"/>
-            <a:ext cx="851066" cy="282630"/>
+            <a:off x="6165983" y="8524508"/>
+            <a:ext cx="851078" cy="282634"/>
           </a:xfrm>
           <a:prstGeom prst="ellipse">
             <a:avLst/>
@@ -6309,8 +6382,8 @@
         </p:nvSpPr>
         <p:spPr>
           <a:xfrm rot="1500000" flipH="1">
-            <a:off x="7093032" y="7505475"/>
-            <a:ext cx="619879" cy="381074"/>
+            <a:off x="9253341" y="9305645"/>
+            <a:ext cx="619888" cy="381080"/>
           </a:xfrm>
           <a:prstGeom prst="leftArrow">
             <a:avLst/>
@@ -6351,8 +6424,8 @@
         </p:nvSpPr>
         <p:spPr>
           <a:xfrm>
-            <a:off x="2520804" y="6723714"/>
-            <a:ext cx="851066" cy="282630"/>
+            <a:off x="4681047" y="8523873"/>
+            <a:ext cx="851078" cy="282634"/>
           </a:xfrm>
           <a:prstGeom prst="ellipse">
             <a:avLst/>
@@ -6401,8 +6474,8 @@
         </p:nvSpPr>
         <p:spPr>
           <a:xfrm>
-            <a:off x="6915844" y="6724349"/>
-            <a:ext cx="851066" cy="282630"/>
+            <a:off x="9076151" y="8524508"/>
+            <a:ext cx="851078" cy="282634"/>
           </a:xfrm>
           <a:prstGeom prst="ellipse">
             <a:avLst/>
@@ -6451,8 +6524,8 @@
         </p:nvSpPr>
         <p:spPr>
           <a:xfrm>
-            <a:off x="5430930" y="6723714"/>
-            <a:ext cx="851066" cy="282630"/>
+            <a:off x="7591215" y="8523873"/>
+            <a:ext cx="851078" cy="282634"/>
           </a:xfrm>
           <a:prstGeom prst="ellipse">
             <a:avLst/>
@@ -6501,8 +6574,8 @@
         </p:nvCxnSpPr>
         <p:spPr>
           <a:xfrm>
-            <a:off x="851057" y="6865272"/>
-            <a:ext cx="10713864" cy="0"/>
+            <a:off x="3011276" y="8665433"/>
+            <a:ext cx="10714019" cy="0"/>
           </a:xfrm>
           <a:prstGeom prst="straightConnector1">
             <a:avLst/>
@@ -6543,8 +6616,8 @@
         </p:blipFill>
         <p:spPr>
           <a:xfrm>
-            <a:off x="4745623" y="6599156"/>
-            <a:ext cx="793267" cy="793267"/>
+            <a:off x="6905898" y="8399313"/>
+            <a:ext cx="793278" cy="793278"/>
           </a:xfrm>
           <a:prstGeom prst="rect">
             <a:avLst/>
@@ -6559,8 +6632,8 @@
         </p:nvSpPr>
         <p:spPr>
           <a:xfrm>
-            <a:off x="220391" y="6767464"/>
-            <a:ext cx="2311842" cy="457200"/>
+            <a:off x="2380601" y="8567624"/>
+            <a:ext cx="2311875" cy="457200"/>
           </a:xfrm>
           <a:prstGeom prst="rect">
             <a:avLst/>
@@ -6616,8 +6689,8 @@
         </p:nvSpPr>
         <p:spPr>
           <a:xfrm>
-            <a:off x="9630994" y="987911"/>
-            <a:ext cx="2311842" cy="822960"/>
+            <a:off x="12245340" y="10420350"/>
+            <a:ext cx="3507105" cy="944880"/>
           </a:xfrm>
           <a:prstGeom prst="rect">
             <a:avLst/>
@@ -6634,13 +6707,13 @@
           <a:p>
             <a:pPr lvl="0"/>
             <a:r>
-              <a:rPr lang="en-US" altLang="zh-CN" sz="2400">
+              <a:rPr lang="en-US" altLang="zh-CN" sz="2800">
                 <a:latin typeface="Arial" panose="020B0604020202020204" pitchFamily="34" charset="0"/>
                 <a:ea typeface="AR PL KaitiM GB" charset="0"/>
               </a:rPr>
               <a:t>Location along the synchrotron</a:t>
             </a:r>
-            <a:endParaRPr lang="en-US" altLang="zh-CN" sz="2400">
+            <a:endParaRPr lang="en-US" altLang="zh-CN" sz="2800">
               <a:latin typeface="Arial" panose="020B0604020202020204" pitchFamily="34" charset="0"/>
               <a:ea typeface="AR PL KaitiM GB" charset="0"/>
             </a:endParaRPr>
@@ -6655,8 +6728,8 @@
         </p:nvSpPr>
         <p:spPr>
           <a:xfrm>
-            <a:off x="7908322" y="734570"/>
-            <a:ext cx="851067" cy="282630"/>
+            <a:off x="9399353" y="10247987"/>
+            <a:ext cx="851079" cy="282634"/>
           </a:xfrm>
           <a:prstGeom prst="ellipse">
             <a:avLst/>
@@ -6688,7 +6761,7 @@
           <a:bodyPr rtlCol="0" anchor="ctr"/>
           <a:p>
             <a:pPr algn="l" fontAlgn="base"/>
-            <a:endParaRPr lang="en-US" altLang="zh-CN" sz="2400" strike="noStrike" noProof="1">
+            <a:endParaRPr lang="en-US" altLang="zh-CN" sz="2800" strike="noStrike" noProof="1">
               <a:solidFill>
                 <a:schemeClr val="tx1"/>
               </a:solidFill>
@@ -6697,285 +6770,6 @@
           </a:p>
         </p:txBody>
       </p:sp>
-      <p:cxnSp>
-        <p:nvCxnSpPr>
-          <p:cNvPr id="27" name="直接箭头连接符 26"/>
-          <p:cNvCxnSpPr/>
-          <p:nvPr/>
-        </p:nvCxnSpPr>
-        <p:spPr>
-          <a:xfrm flipH="1" flipV="1">
-            <a:off x="230505" y="10409555"/>
-            <a:ext cx="11620500" cy="19050"/>
-          </a:xfrm>
-          <a:prstGeom prst="straightConnector1">
-            <a:avLst/>
-          </a:prstGeom>
-          <a:ln>
-            <a:headEnd type="arrow" w="med" len="med"/>
-            <a:tailEnd type="none" w="med" len="med"/>
-          </a:ln>
-        </p:spPr>
-        <p:style>
-          <a:lnRef idx="1">
-            <a:schemeClr val="dk1"/>
-          </a:lnRef>
-          <a:fillRef idx="0">
-            <a:schemeClr val="dk1"/>
-          </a:fillRef>
-          <a:effectRef idx="0">
-            <a:schemeClr val="dk1"/>
-          </a:effectRef>
-          <a:fontRef idx="minor">
-            <a:schemeClr val="tx1"/>
-          </a:fontRef>
-        </p:style>
-      </p:cxnSp>
-      <p:cxnSp>
-        <p:nvCxnSpPr>
-          <p:cNvPr id="30" name="直接箭头连接符 29"/>
-          <p:cNvCxnSpPr/>
-          <p:nvPr/>
-        </p:nvCxnSpPr>
-        <p:spPr>
-          <a:xfrm flipH="1" flipV="1">
-            <a:off x="292735" y="8938260"/>
-            <a:ext cx="34925" cy="1684655"/>
-          </a:xfrm>
-          <a:prstGeom prst="straightConnector1">
-            <a:avLst/>
-          </a:prstGeom>
-          <a:ln>
-            <a:tailEnd type="arrow" w="med" len="med"/>
-          </a:ln>
-        </p:spPr>
-        <p:style>
-          <a:lnRef idx="1">
-            <a:schemeClr val="dk1"/>
-          </a:lnRef>
-          <a:fillRef idx="0">
-            <a:schemeClr val="dk1"/>
-          </a:fillRef>
-          <a:effectRef idx="0">
-            <a:schemeClr val="dk1"/>
-          </a:effectRef>
-          <a:fontRef idx="minor">
-            <a:schemeClr val="tx1"/>
-          </a:fontRef>
-        </p:style>
-      </p:cxnSp>
-      <p:cxnSp>
-        <p:nvCxnSpPr>
-          <p:cNvPr id="38" name="直接连接符 37"/>
-          <p:cNvCxnSpPr/>
-          <p:nvPr/>
-        </p:nvCxnSpPr>
-        <p:spPr>
-          <a:xfrm flipV="1">
-            <a:off x="3119556" y="9348059"/>
-            <a:ext cx="1256276" cy="1040968"/>
-          </a:xfrm>
-          <a:prstGeom prst="line">
-            <a:avLst/>
-          </a:prstGeom>
-        </p:spPr>
-        <p:style>
-          <a:lnRef idx="1">
-            <a:schemeClr val="dk1"/>
-          </a:lnRef>
-          <a:fillRef idx="0">
-            <a:schemeClr val="dk1"/>
-          </a:fillRef>
-          <a:effectRef idx="0">
-            <a:schemeClr val="dk1"/>
-          </a:effectRef>
-          <a:fontRef idx="minor">
-            <a:schemeClr val="tx1"/>
-          </a:fontRef>
-        </p:style>
-      </p:cxnSp>
-      <p:cxnSp>
-        <p:nvCxnSpPr>
-          <p:cNvPr id="39" name="直接连接符 38"/>
-          <p:cNvCxnSpPr/>
-          <p:nvPr/>
-        </p:nvCxnSpPr>
-        <p:spPr>
-          <a:xfrm flipH="1">
-            <a:off x="4375460" y="9327665"/>
-            <a:ext cx="4303794" cy="33023"/>
-          </a:xfrm>
-          <a:prstGeom prst="line">
-            <a:avLst/>
-          </a:prstGeom>
-        </p:spPr>
-        <p:style>
-          <a:lnRef idx="1">
-            <a:schemeClr val="dk1"/>
-          </a:lnRef>
-          <a:fillRef idx="0">
-            <a:schemeClr val="dk1"/>
-          </a:fillRef>
-          <a:effectRef idx="0">
-            <a:schemeClr val="dk1"/>
-          </a:effectRef>
-          <a:fontRef idx="minor">
-            <a:schemeClr val="tx1"/>
-          </a:fontRef>
-        </p:style>
-      </p:cxnSp>
-      <p:sp>
-        <p:nvSpPr>
-          <p:cNvPr id="40" name="文本框 39"/>
-          <p:cNvSpPr txBox="1"/>
-          <p:nvPr/>
-        </p:nvSpPr>
-        <p:spPr>
-          <a:xfrm>
-            <a:off x="3053902" y="8115338"/>
-            <a:ext cx="1884220" cy="822960"/>
-          </a:xfrm>
-          <a:prstGeom prst="rect">
-            <a:avLst/>
-          </a:prstGeom>
-          <a:noFill/>
-        </p:spPr>
-        <p:txBody>
-          <a:bodyPr wrap="square" rtlCol="0">
-            <a:spAutoFit/>
-          </a:bodyPr>
-          <a:p>
-            <a:pPr algn="l"/>
-            <a:r>
-              <a:rPr lang="en-US" altLang="zh-CN" sz="2400">
-                <a:latin typeface="Arial" panose="020B0604020202020204" pitchFamily="34" charset="0"/>
-              </a:rPr>
-              <a:t>Rise time </a:t>
-            </a:r>
-            <a:endParaRPr lang="en-US" altLang="zh-CN" sz="2400">
-              <a:latin typeface="Arial" panose="020B0604020202020204" pitchFamily="34" charset="0"/>
-            </a:endParaRPr>
-          </a:p>
-          <a:p>
-            <a:pPr algn="l"/>
-            <a:r>
-              <a:rPr lang="en-US" altLang="zh-CN" sz="2400">
-                <a:latin typeface="Arial" panose="020B0604020202020204" pitchFamily="34" charset="0"/>
-              </a:rPr>
-              <a:t>≤ bunch gap</a:t>
-            </a:r>
-            <a:endParaRPr lang="en-US" altLang="zh-CN" sz="2400">
-              <a:latin typeface="Arial" panose="020B0604020202020204" pitchFamily="34" charset="0"/>
-            </a:endParaRPr>
-          </a:p>
-        </p:txBody>
-      </p:sp>
-      <p:cxnSp>
-        <p:nvCxnSpPr>
-          <p:cNvPr id="42" name="直接箭头连接符 41"/>
-          <p:cNvCxnSpPr/>
-          <p:nvPr/>
-        </p:nvCxnSpPr>
-        <p:spPr>
-          <a:xfrm>
-            <a:off x="3106612" y="9078087"/>
-            <a:ext cx="1322193" cy="6986"/>
-          </a:xfrm>
-          <a:prstGeom prst="straightConnector1">
-            <a:avLst/>
-          </a:prstGeom>
-          <a:ln>
-            <a:headEnd type="arrow" w="med" len="med"/>
-            <a:tailEnd type="arrow" w="med" len="med"/>
-          </a:ln>
-        </p:spPr>
-        <p:style>
-          <a:lnRef idx="1">
-            <a:schemeClr val="dk1"/>
-          </a:lnRef>
-          <a:fillRef idx="0">
-            <a:schemeClr val="dk1"/>
-          </a:fillRef>
-          <a:effectRef idx="0">
-            <a:schemeClr val="dk1"/>
-          </a:effectRef>
-          <a:fontRef idx="minor">
-            <a:schemeClr val="tx1"/>
-          </a:fontRef>
-        </p:style>
-      </p:cxnSp>
-      <p:sp>
-        <p:nvSpPr>
-          <p:cNvPr id="44" name="文本框 43"/>
-          <p:cNvSpPr txBox="1"/>
-          <p:nvPr/>
-        </p:nvSpPr>
-        <p:spPr>
-          <a:xfrm>
-            <a:off x="6928530" y="-32645"/>
-            <a:ext cx="1740239" cy="457200"/>
-          </a:xfrm>
-          <a:prstGeom prst="rect">
-            <a:avLst/>
-          </a:prstGeom>
-          <a:noFill/>
-        </p:spPr>
-        <p:txBody>
-          <a:bodyPr wrap="square" rtlCol="0">
-            <a:spAutoFit/>
-          </a:bodyPr>
-          <a:p>
-            <a:r>
-              <a:rPr lang="en-US" altLang="zh-CN" sz="2400">
-                <a:latin typeface="Arial" panose="020B0604020202020204" pitchFamily="34" charset="0"/>
-              </a:rPr>
-              <a:t>Bunch gap</a:t>
-            </a:r>
-            <a:endParaRPr lang="en-US" altLang="zh-CN" sz="2400">
-              <a:latin typeface="Arial" panose="020B0604020202020204" pitchFamily="34" charset="0"/>
-            </a:endParaRPr>
-          </a:p>
-        </p:txBody>
-      </p:sp>
-      <p:sp>
-        <p:nvSpPr>
-          <p:cNvPr id="46" name="文本框 20"/>
-          <p:cNvSpPr txBox="1"/>
-          <p:nvPr/>
-        </p:nvSpPr>
-        <p:spPr>
-          <a:xfrm>
-            <a:off x="147544" y="8481115"/>
-            <a:ext cx="487773" cy="457200"/>
-          </a:xfrm>
-          <a:prstGeom prst="rect">
-            <a:avLst/>
-          </a:prstGeom>
-          <a:noFill/>
-          <a:ln w="9525">
-            <a:noFill/>
-          </a:ln>
-        </p:spPr>
-        <p:txBody>
-          <a:bodyPr wrap="square" anchor="t">
-            <a:spAutoFit/>
-          </a:bodyPr>
-          <a:p>
-            <a:pPr lvl="0"/>
-            <a:r>
-              <a:rPr lang="en-US" altLang="zh-CN" sz="2400">
-                <a:latin typeface="Arial" panose="020B0604020202020204" pitchFamily="34" charset="0"/>
-                <a:ea typeface="AR PL KaitiM GB" charset="0"/>
-              </a:rPr>
-              <a:t>B</a:t>
-            </a:r>
-            <a:endParaRPr lang="en-US" altLang="zh-CN" sz="2400">
-              <a:latin typeface="Arial" panose="020B0604020202020204" pitchFamily="34" charset="0"/>
-              <a:ea typeface="AR PL KaitiM GB" charset="0"/>
-            </a:endParaRPr>
-          </a:p>
-        </p:txBody>
-      </p:sp>
       <p:sp>
         <p:nvSpPr>
           <p:cNvPr id="47" name="左箭头 46"/>
@@ -6984,8 +6778,8 @@
         </p:nvSpPr>
         <p:spPr>
           <a:xfrm rot="8940000">
-            <a:off x="4737402" y="1750926"/>
-            <a:ext cx="615979" cy="381018"/>
+            <a:off x="6228387" y="11264358"/>
+            <a:ext cx="615988" cy="381024"/>
           </a:xfrm>
           <a:prstGeom prst="leftArrow">
             <a:avLst/>
@@ -7014,7 +6808,7 @@
           <a:bodyPr rtlCol="0" anchor="ctr"/>
           <a:p>
             <a:pPr algn="ctr"/>
-            <a:endParaRPr lang="zh-CN" altLang="en-US"/>
+            <a:endParaRPr lang="zh-CN" altLang="en-US" sz="2800"/>
           </a:p>
         </p:txBody>
       </p:sp>
@@ -7026,8 +6820,8 @@
         </p:nvSpPr>
         <p:spPr>
           <a:xfrm>
-            <a:off x="6423409" y="733935"/>
-            <a:ext cx="851067" cy="282630"/>
+            <a:off x="7914419" y="10247352"/>
+            <a:ext cx="851079" cy="282634"/>
           </a:xfrm>
           <a:prstGeom prst="ellipse">
             <a:avLst/>
@@ -7059,7 +6853,7 @@
           <a:bodyPr rtlCol="0" anchor="ctr"/>
           <a:p>
             <a:pPr algn="l" fontAlgn="base"/>
-            <a:endParaRPr lang="en-US" altLang="zh-CN" sz="2400" strike="noStrike" noProof="1">
+            <a:endParaRPr lang="en-US" altLang="zh-CN" sz="2800" strike="noStrike" noProof="1">
               <a:solidFill>
                 <a:schemeClr val="tx1"/>
               </a:solidFill>
@@ -7076,8 +6870,8 @@
         </p:nvCxnSpPr>
         <p:spPr>
           <a:xfrm>
-            <a:off x="635134" y="869779"/>
-            <a:ext cx="10713864" cy="0"/>
+            <a:off x="3811985" y="1930713"/>
+            <a:ext cx="10714019" cy="0"/>
           </a:xfrm>
           <a:prstGeom prst="straightConnector1">
             <a:avLst/>
@@ -7102,148 +6896,16 @@
           </a:fontRef>
         </p:style>
       </p:cxnSp>
-      <p:cxnSp>
-        <p:nvCxnSpPr>
-          <p:cNvPr id="19" name="直接连接符 18"/>
-          <p:cNvCxnSpPr/>
-          <p:nvPr/>
-        </p:nvCxnSpPr>
-        <p:spPr>
-          <a:xfrm>
-            <a:off x="7885023" y="366130"/>
-            <a:ext cx="0" cy="603365"/>
-          </a:xfrm>
-          <a:prstGeom prst="line">
-            <a:avLst/>
-          </a:prstGeom>
-          <a:ln>
-            <a:prstDash val="sysDot"/>
-          </a:ln>
-        </p:spPr>
-        <p:style>
-          <a:lnRef idx="3">
-            <a:schemeClr val="dk1"/>
-          </a:lnRef>
-          <a:fillRef idx="0">
-            <a:schemeClr val="dk1"/>
-          </a:fillRef>
-          <a:effectRef idx="2">
-            <a:schemeClr val="dk1"/>
-          </a:effectRef>
-          <a:fontRef idx="minor">
-            <a:schemeClr val="tx1"/>
-          </a:fontRef>
-        </p:style>
-      </p:cxnSp>
-      <p:cxnSp>
-        <p:nvCxnSpPr>
-          <p:cNvPr id="21" name="直接连接符 20"/>
-          <p:cNvCxnSpPr/>
-          <p:nvPr/>
-        </p:nvCxnSpPr>
-        <p:spPr>
-          <a:xfrm>
-            <a:off x="7287375" y="390264"/>
-            <a:ext cx="0" cy="603365"/>
-          </a:xfrm>
-          <a:prstGeom prst="line">
-            <a:avLst/>
-          </a:prstGeom>
-          <a:ln>
-            <a:prstDash val="sysDot"/>
-          </a:ln>
-        </p:spPr>
-        <p:style>
-          <a:lnRef idx="3">
-            <a:schemeClr val="dk1"/>
-          </a:lnRef>
-          <a:fillRef idx="0">
-            <a:schemeClr val="dk1"/>
-          </a:fillRef>
-          <a:effectRef idx="2">
-            <a:schemeClr val="dk1"/>
-          </a:effectRef>
-          <a:fontRef idx="minor">
-            <a:schemeClr val="tx1"/>
-          </a:fontRef>
-        </p:style>
-      </p:cxnSp>
-      <p:cxnSp>
-        <p:nvCxnSpPr>
-          <p:cNvPr id="22" name="直接箭头连接符 21"/>
-          <p:cNvCxnSpPr/>
-          <p:nvPr/>
-        </p:nvCxnSpPr>
-        <p:spPr>
-          <a:xfrm>
-            <a:off x="6663052" y="503308"/>
-            <a:ext cx="628135" cy="12067"/>
-          </a:xfrm>
-          <a:prstGeom prst="straightConnector1">
-            <a:avLst/>
-          </a:prstGeom>
-          <a:ln>
-            <a:tailEnd type="arrow" w="med" len="med"/>
-          </a:ln>
-        </p:spPr>
-        <p:style>
-          <a:lnRef idx="3">
-            <a:schemeClr val="dk1"/>
-          </a:lnRef>
-          <a:fillRef idx="0">
-            <a:schemeClr val="dk1"/>
-          </a:fillRef>
-          <a:effectRef idx="2">
-            <a:schemeClr val="dk1"/>
-          </a:effectRef>
-          <a:fontRef idx="minor">
-            <a:schemeClr val="tx1"/>
-          </a:fontRef>
-        </p:style>
-      </p:cxnSp>
-      <p:cxnSp>
-        <p:nvCxnSpPr>
-          <p:cNvPr id="29" name="直接箭头连接符 28"/>
-          <p:cNvCxnSpPr/>
-          <p:nvPr/>
-        </p:nvCxnSpPr>
-        <p:spPr>
-          <a:xfrm flipH="1">
-            <a:off x="7919950" y="481083"/>
-            <a:ext cx="611622" cy="12067"/>
-          </a:xfrm>
-          <a:prstGeom prst="straightConnector1">
-            <a:avLst/>
-          </a:prstGeom>
-          <a:ln>
-            <a:tailEnd type="arrow" w="med" len="med"/>
-          </a:ln>
-        </p:spPr>
-        <p:style>
-          <a:lnRef idx="3">
-            <a:schemeClr val="dk1"/>
-          </a:lnRef>
-          <a:fillRef idx="0">
-            <a:schemeClr val="dk1"/>
-          </a:fillRef>
-          <a:effectRef idx="2">
-            <a:schemeClr val="dk1"/>
-          </a:effectRef>
-          <a:fontRef idx="minor">
-            <a:schemeClr val="tx1"/>
-          </a:fontRef>
-        </p:style>
-      </p:cxnSp>
-      <p:sp>
-        <p:nvSpPr>
-          <p:cNvPr id="33" name="文本框 20"/>
+      <p:sp>
+        <p:nvSpPr>
+          <p:cNvPr id="49" name="文本框 20"/>
           <p:cNvSpPr txBox="1"/>
           <p:nvPr/>
         </p:nvSpPr>
         <p:spPr>
           <a:xfrm>
-            <a:off x="11494211" y="10380634"/>
-            <a:ext cx="2311842" cy="457200"/>
+            <a:off x="4069684" y="1911643"/>
+            <a:ext cx="2311875" cy="518160"/>
           </a:xfrm>
           <a:prstGeom prst="rect">
             <a:avLst/>
@@ -7260,179 +6922,20 @@
           <a:p>
             <a:pPr lvl="0"/>
             <a:r>
-              <a:rPr lang="en-US" altLang="zh-CN" sz="2400">
-                <a:latin typeface="Arial" panose="020B0604020202020204" pitchFamily="34" charset="0"/>
-                <a:ea typeface="AR PL KaitiM GB" charset="0"/>
-              </a:rPr>
-              <a:t>time</a:t>
-            </a:r>
-            <a:endParaRPr lang="en-US" altLang="zh-CN" sz="2400">
-              <a:latin typeface="Arial" panose="020B0604020202020204" pitchFamily="34" charset="0"/>
-              <a:ea typeface="AR PL KaitiM GB" charset="0"/>
-            </a:endParaRPr>
-          </a:p>
-        </p:txBody>
-      </p:sp>
-      <p:cxnSp>
-        <p:nvCxnSpPr>
-          <p:cNvPr id="34" name="直接连接符 33"/>
-          <p:cNvCxnSpPr/>
-          <p:nvPr/>
-        </p:nvCxnSpPr>
-        <p:spPr>
-          <a:xfrm flipH="1" flipV="1">
-            <a:off x="8696401" y="9327665"/>
-            <a:ext cx="2491971" cy="1059913"/>
-          </a:xfrm>
-          <a:prstGeom prst="line">
-            <a:avLst/>
-          </a:prstGeom>
-        </p:spPr>
-        <p:style>
-          <a:lnRef idx="1">
-            <a:schemeClr val="dk1"/>
-          </a:lnRef>
-          <a:fillRef idx="0">
-            <a:schemeClr val="dk1"/>
-          </a:fillRef>
-          <a:effectRef idx="0">
-            <a:schemeClr val="dk1"/>
-          </a:effectRef>
-          <a:fontRef idx="minor">
-            <a:schemeClr val="tx1"/>
-          </a:fontRef>
-        </p:style>
-      </p:cxnSp>
-      <p:pic>
-        <p:nvPicPr>
-          <p:cNvPr id="23" name="图片 22" descr="magnifier"/>
-          <p:cNvPicPr>
-            <a:picLocks noChangeAspect="1"/>
-          </p:cNvPicPr>
-          <p:nvPr/>
-        </p:nvPicPr>
-        <p:blipFill>
-          <a:blip r:embed="rId1"/>
-          <a:stretch>
-            <a:fillRect/>
-          </a:stretch>
-        </p:blipFill>
-        <p:spPr>
-          <a:xfrm>
-            <a:off x="6199723" y="604299"/>
-            <a:ext cx="793267" cy="793267"/>
-          </a:xfrm>
-          <a:prstGeom prst="rect">
-            <a:avLst/>
-          </a:prstGeom>
-        </p:spPr>
-      </p:pic>
-      <p:cxnSp>
-        <p:nvCxnSpPr>
-          <p:cNvPr id="35" name="直接连接符 34"/>
-          <p:cNvCxnSpPr/>
-          <p:nvPr/>
-        </p:nvCxnSpPr>
-        <p:spPr>
-          <a:xfrm>
-            <a:off x="4427252" y="8938356"/>
-            <a:ext cx="0" cy="1522386"/>
-          </a:xfrm>
-          <a:prstGeom prst="line">
-            <a:avLst/>
-          </a:prstGeom>
-          <a:ln>
-            <a:prstDash val="sysDot"/>
-          </a:ln>
-        </p:spPr>
-        <p:style>
-          <a:lnRef idx="3">
-            <a:schemeClr val="dk1"/>
-          </a:lnRef>
-          <a:fillRef idx="0">
-            <a:schemeClr val="dk1"/>
-          </a:fillRef>
-          <a:effectRef idx="2">
-            <a:schemeClr val="dk1"/>
-          </a:effectRef>
-          <a:fontRef idx="minor">
-            <a:schemeClr val="tx1"/>
-          </a:fontRef>
-        </p:style>
-      </p:cxnSp>
-      <p:cxnSp>
-        <p:nvCxnSpPr>
-          <p:cNvPr id="36" name="直接连接符 35"/>
-          <p:cNvCxnSpPr/>
-          <p:nvPr/>
-        </p:nvCxnSpPr>
-        <p:spPr>
-          <a:xfrm flipH="1">
-            <a:off x="3100263" y="8841845"/>
-            <a:ext cx="6351" cy="1538748"/>
-          </a:xfrm>
-          <a:prstGeom prst="line">
-            <a:avLst/>
-          </a:prstGeom>
-          <a:ln>
-            <a:prstDash val="sysDot"/>
-          </a:ln>
-        </p:spPr>
-        <p:style>
-          <a:lnRef idx="3">
-            <a:schemeClr val="dk1"/>
-          </a:lnRef>
-          <a:fillRef idx="0">
-            <a:schemeClr val="dk1"/>
-          </a:fillRef>
-          <a:effectRef idx="2">
-            <a:schemeClr val="dk1"/>
-          </a:effectRef>
-          <a:fontRef idx="minor">
-            <a:schemeClr val="tx1"/>
-          </a:fontRef>
-        </p:style>
-      </p:cxnSp>
-      <p:sp>
-        <p:nvSpPr>
-          <p:cNvPr id="49" name="文本框 20"/>
-          <p:cNvSpPr txBox="1"/>
-          <p:nvPr/>
-        </p:nvSpPr>
-        <p:spPr>
-          <a:xfrm>
-            <a:off x="97821" y="771970"/>
-            <a:ext cx="2311842" cy="457200"/>
-          </a:xfrm>
-          <a:prstGeom prst="rect">
-            <a:avLst/>
-          </a:prstGeom>
-          <a:noFill/>
-          <a:ln w="9525">
-            <a:noFill/>
-          </a:ln>
-        </p:spPr>
-        <p:txBody>
-          <a:bodyPr wrap="square" anchor="t">
-            <a:spAutoFit/>
-          </a:bodyPr>
-          <a:p>
-            <a:pPr lvl="0"/>
-            <a:r>
-              <a:rPr lang="en-US" altLang="zh-CN" sz="2400">
+              <a:rPr lang="en-US" altLang="zh-CN" sz="2800">
                 <a:latin typeface="Arial" panose="020B0604020202020204" pitchFamily="34" charset="0"/>
                 <a:ea typeface="AR PL KaitiM GB" charset="0"/>
               </a:rPr>
               <a:t>t</a:t>
             </a:r>
             <a:r>
-              <a:rPr lang="en-US" altLang="zh-CN" sz="2400" baseline="-25000">
+              <a:rPr lang="en-US" altLang="zh-CN" sz="2800" baseline="-25000">
                 <a:latin typeface="Arial" panose="020B0604020202020204" pitchFamily="34" charset="0"/>
                 <a:ea typeface="AR PL KaitiM GB" charset="0"/>
               </a:rPr>
-              <a:t>0</a:t>
-            </a:r>
-            <a:endParaRPr lang="en-US" altLang="zh-CN" sz="2400" baseline="-25000">
+              <a:t>3</a:t>
+            </a:r>
+            <a:endParaRPr lang="en-US" altLang="zh-CN" sz="2800" baseline="-25000">
               <a:latin typeface="Arial" panose="020B0604020202020204" pitchFamily="34" charset="0"/>
               <a:ea typeface="AR PL KaitiM GB" charset="0"/>
             </a:endParaRPr>
@@ -7441,14 +6944,14 @@
       </p:sp>
       <p:sp>
         <p:nvSpPr>
-          <p:cNvPr id="87" name="文本框 20"/>
+          <p:cNvPr id="102" name="文本框 20"/>
           <p:cNvSpPr txBox="1"/>
           <p:nvPr/>
         </p:nvSpPr>
         <p:spPr>
-          <a:xfrm>
-            <a:off x="3034844" y="10403457"/>
-            <a:ext cx="563932" cy="457200"/>
+          <a:xfrm rot="19860000">
+            <a:off x="4105669" y="10367185"/>
+            <a:ext cx="4663305" cy="518160"/>
           </a:xfrm>
           <a:prstGeom prst="rect">
             <a:avLst/>
@@ -7465,372 +6968,7 @@
           <a:p>
             <a:pPr lvl="0"/>
             <a:r>
-              <a:rPr lang="en-US" altLang="zh-CN" sz="2400">
-                <a:latin typeface="Arial" panose="020B0604020202020204" pitchFamily="34" charset="0"/>
-                <a:ea typeface="AR PL KaitiM GB" charset="0"/>
-              </a:rPr>
-              <a:t>t</a:t>
-            </a:r>
-            <a:r>
-              <a:rPr lang="en-US" altLang="zh-CN" sz="2400" baseline="-25000">
-                <a:latin typeface="Arial" panose="020B0604020202020204" pitchFamily="34" charset="0"/>
-                <a:ea typeface="AR PL KaitiM GB" charset="0"/>
-              </a:rPr>
-              <a:t>0</a:t>
-            </a:r>
-            <a:endParaRPr lang="en-US" altLang="zh-CN" sz="2400" baseline="-25000">
-              <a:latin typeface="Arial" panose="020B0604020202020204" pitchFamily="34" charset="0"/>
-              <a:ea typeface="AR PL KaitiM GB" charset="0"/>
-            </a:endParaRPr>
-          </a:p>
-        </p:txBody>
-      </p:sp>
-      <p:sp>
-        <p:nvSpPr>
-          <p:cNvPr id="88" name="文本框 20"/>
-          <p:cNvSpPr txBox="1"/>
-          <p:nvPr/>
-        </p:nvSpPr>
-        <p:spPr>
-          <a:xfrm>
-            <a:off x="4391971" y="10412346"/>
-            <a:ext cx="563932" cy="457200"/>
-          </a:xfrm>
-          <a:prstGeom prst="rect">
-            <a:avLst/>
-          </a:prstGeom>
-          <a:noFill/>
-          <a:ln w="9525">
-            <a:noFill/>
-          </a:ln>
-        </p:spPr>
-        <p:txBody>
-          <a:bodyPr wrap="square" anchor="t">
-            <a:spAutoFit/>
-          </a:bodyPr>
-          <a:p>
-            <a:pPr lvl="0"/>
-            <a:r>
-              <a:rPr lang="en-US" altLang="zh-CN" sz="2400">
-                <a:latin typeface="Arial" panose="020B0604020202020204" pitchFamily="34" charset="0"/>
-                <a:ea typeface="AR PL KaitiM GB" charset="0"/>
-              </a:rPr>
-              <a:t>t</a:t>
-            </a:r>
-            <a:r>
-              <a:rPr lang="en-US" altLang="zh-CN" sz="2400" baseline="-25000">
-                <a:latin typeface="Arial" panose="020B0604020202020204" pitchFamily="34" charset="0"/>
-                <a:ea typeface="AR PL KaitiM GB" charset="0"/>
-              </a:rPr>
-              <a:t>1</a:t>
-            </a:r>
-            <a:endParaRPr lang="en-US" altLang="zh-CN" sz="2400" baseline="-25000">
-              <a:latin typeface="Arial" panose="020B0604020202020204" pitchFamily="34" charset="0"/>
-              <a:ea typeface="AR PL KaitiM GB" charset="0"/>
-            </a:endParaRPr>
-          </a:p>
-        </p:txBody>
-      </p:sp>
-      <p:cxnSp>
-        <p:nvCxnSpPr>
-          <p:cNvPr id="89" name="直接连接符 88"/>
-          <p:cNvCxnSpPr/>
-          <p:nvPr/>
-        </p:nvCxnSpPr>
-        <p:spPr>
-          <a:xfrm>
-            <a:off x="8664994" y="8866595"/>
-            <a:ext cx="0" cy="1522386"/>
-          </a:xfrm>
-          <a:prstGeom prst="line">
-            <a:avLst/>
-          </a:prstGeom>
-          <a:ln>
-            <a:prstDash val="sysDot"/>
-          </a:ln>
-        </p:spPr>
-        <p:style>
-          <a:lnRef idx="3">
-            <a:schemeClr val="dk1"/>
-          </a:lnRef>
-          <a:fillRef idx="0">
-            <a:schemeClr val="dk1"/>
-          </a:fillRef>
-          <a:effectRef idx="2">
-            <a:schemeClr val="dk1"/>
-          </a:effectRef>
-          <a:fontRef idx="minor">
-            <a:schemeClr val="tx1"/>
-          </a:fontRef>
-        </p:style>
-      </p:cxnSp>
-      <p:sp>
-        <p:nvSpPr>
-          <p:cNvPr id="94" name="文本框 93"/>
-          <p:cNvSpPr txBox="1"/>
-          <p:nvPr/>
-        </p:nvSpPr>
-        <p:spPr>
-          <a:xfrm>
-            <a:off x="5615667" y="8134413"/>
-            <a:ext cx="3689057" cy="822960"/>
-          </a:xfrm>
-          <a:prstGeom prst="rect">
-            <a:avLst/>
-          </a:prstGeom>
-          <a:noFill/>
-        </p:spPr>
-        <p:txBody>
-          <a:bodyPr wrap="square" rtlCol="0">
-            <a:spAutoFit/>
-          </a:bodyPr>
-          <a:p>
-            <a:pPr algn="l"/>
-            <a:r>
-              <a:rPr lang="en-US" altLang="zh-CN" sz="2400">
-                <a:latin typeface="Arial" panose="020B0604020202020204" pitchFamily="34" charset="0"/>
-              </a:rPr>
-              <a:t>kicker flat-top ≥ </a:t>
-            </a:r>
-            <a:endParaRPr lang="en-US" altLang="zh-CN" sz="2400">
-              <a:latin typeface="Arial" panose="020B0604020202020204" pitchFamily="34" charset="0"/>
-            </a:endParaRPr>
-          </a:p>
-          <a:p>
-            <a:pPr algn="l"/>
-            <a:r>
-              <a:rPr lang="en-US" altLang="zh-CN" sz="2400">
-                <a:latin typeface="Arial" panose="020B0604020202020204" pitchFamily="34" charset="0"/>
-              </a:rPr>
-              <a:t>length of batch</a:t>
-            </a:r>
-            <a:endParaRPr lang="en-US" altLang="zh-CN" sz="2400">
-              <a:latin typeface="Arial" panose="020B0604020202020204" pitchFamily="34" charset="0"/>
-            </a:endParaRPr>
-          </a:p>
-        </p:txBody>
-      </p:sp>
-      <p:cxnSp>
-        <p:nvCxnSpPr>
-          <p:cNvPr id="95" name="直接箭头连接符 94"/>
-          <p:cNvCxnSpPr/>
-          <p:nvPr/>
-        </p:nvCxnSpPr>
-        <p:spPr>
-          <a:xfrm flipV="1">
-            <a:off x="4509457" y="9052685"/>
-            <a:ext cx="4064377" cy="15876"/>
-          </a:xfrm>
-          <a:prstGeom prst="straightConnector1">
-            <a:avLst/>
-          </a:prstGeom>
-          <a:ln>
-            <a:headEnd type="arrow" w="med" len="med"/>
-            <a:tailEnd type="arrow" w="med" len="med"/>
-          </a:ln>
-        </p:spPr>
-        <p:style>
-          <a:lnRef idx="1">
-            <a:schemeClr val="dk1"/>
-          </a:lnRef>
-          <a:fillRef idx="0">
-            <a:schemeClr val="dk1"/>
-          </a:fillRef>
-          <a:effectRef idx="0">
-            <a:schemeClr val="dk1"/>
-          </a:effectRef>
-          <a:fontRef idx="minor">
-            <a:schemeClr val="tx1"/>
-          </a:fontRef>
-        </p:style>
-      </p:cxnSp>
-      <p:sp>
-        <p:nvSpPr>
-          <p:cNvPr id="96" name="文本框 20"/>
-          <p:cNvSpPr txBox="1"/>
-          <p:nvPr/>
-        </p:nvSpPr>
-        <p:spPr>
-          <a:xfrm>
-            <a:off x="8310285" y="10384411"/>
-            <a:ext cx="610927" cy="457200"/>
-          </a:xfrm>
-          <a:prstGeom prst="rect">
-            <a:avLst/>
-          </a:prstGeom>
-          <a:noFill/>
-          <a:ln w="9525">
-            <a:noFill/>
-          </a:ln>
-        </p:spPr>
-        <p:txBody>
-          <a:bodyPr wrap="square" anchor="t">
-            <a:spAutoFit/>
-          </a:bodyPr>
-          <a:p>
-            <a:pPr lvl="0"/>
-            <a:r>
-              <a:rPr lang="en-US" altLang="zh-CN" sz="2400">
-                <a:latin typeface="Arial" panose="020B0604020202020204" pitchFamily="34" charset="0"/>
-                <a:ea typeface="AR PL KaitiM GB" charset="0"/>
-              </a:rPr>
-              <a:t>t</a:t>
-            </a:r>
-            <a:r>
-              <a:rPr lang="en-US" altLang="zh-CN" sz="2400" baseline="-25000">
-                <a:latin typeface="Arial" panose="020B0604020202020204" pitchFamily="34" charset="0"/>
-                <a:ea typeface="AR PL KaitiM GB" charset="0"/>
-              </a:rPr>
-              <a:t>2</a:t>
-            </a:r>
-            <a:endParaRPr lang="en-US" altLang="zh-CN" sz="2400" baseline="-25000">
-              <a:latin typeface="Arial" panose="020B0604020202020204" pitchFamily="34" charset="0"/>
-              <a:ea typeface="AR PL KaitiM GB" charset="0"/>
-            </a:endParaRPr>
-          </a:p>
-        </p:txBody>
-      </p:sp>
-      <p:sp>
-        <p:nvSpPr>
-          <p:cNvPr id="98" name="文本框 97"/>
-          <p:cNvSpPr txBox="1"/>
-          <p:nvPr/>
-        </p:nvSpPr>
-        <p:spPr>
-          <a:xfrm>
-            <a:off x="8725613" y="8481132"/>
-            <a:ext cx="3689057" cy="457200"/>
-          </a:xfrm>
-          <a:prstGeom prst="rect">
-            <a:avLst/>
-          </a:prstGeom>
-          <a:noFill/>
-        </p:spPr>
-        <p:txBody>
-          <a:bodyPr wrap="square" rtlCol="0">
-            <a:spAutoFit/>
-          </a:bodyPr>
-          <a:p>
-            <a:pPr algn="l"/>
-            <a:r>
-              <a:rPr lang="en-US" altLang="zh-CN" sz="2400">
-                <a:latin typeface="Arial" panose="020B0604020202020204" pitchFamily="34" charset="0"/>
-              </a:rPr>
-              <a:t>Fall time </a:t>
-            </a:r>
-            <a:r>
-              <a:rPr lang="en-US" altLang="zh-CN" sz="2400">
-                <a:latin typeface="SimSun" panose="02010600030101010101" pitchFamily="2" charset="-122"/>
-                <a:ea typeface="SimSun" panose="02010600030101010101" pitchFamily="2" charset="-122"/>
-              </a:rPr>
-              <a:t>≤</a:t>
-            </a:r>
-            <a:r>
-              <a:rPr lang="en-US" altLang="zh-CN" sz="2400">
-                <a:latin typeface="Arial" panose="020B0604020202020204" pitchFamily="34" charset="0"/>
-              </a:rPr>
-              <a:t>t3-t2</a:t>
-            </a:r>
-            <a:endParaRPr lang="en-US" altLang="zh-CN" sz="2400">
-              <a:latin typeface="Arial" panose="020B0604020202020204" pitchFamily="34" charset="0"/>
-            </a:endParaRPr>
-          </a:p>
-        </p:txBody>
-      </p:sp>
-      <p:cxnSp>
-        <p:nvCxnSpPr>
-          <p:cNvPr id="100" name="直接连接符 99"/>
-          <p:cNvCxnSpPr/>
-          <p:nvPr/>
-        </p:nvCxnSpPr>
-        <p:spPr>
-          <a:xfrm flipH="1">
-            <a:off x="11368405" y="9021445"/>
-            <a:ext cx="2540" cy="1407160"/>
-          </a:xfrm>
-          <a:prstGeom prst="line">
-            <a:avLst/>
-          </a:prstGeom>
-          <a:ln>
-            <a:prstDash val="sysDot"/>
-          </a:ln>
-        </p:spPr>
-        <p:style>
-          <a:lnRef idx="3">
-            <a:schemeClr val="dk1"/>
-          </a:lnRef>
-          <a:fillRef idx="0">
-            <a:schemeClr val="dk1"/>
-          </a:fillRef>
-          <a:effectRef idx="2">
-            <a:schemeClr val="dk1"/>
-          </a:effectRef>
-          <a:fontRef idx="minor">
-            <a:schemeClr val="tx1"/>
-          </a:fontRef>
-        </p:style>
-      </p:cxnSp>
-      <p:cxnSp>
-        <p:nvCxnSpPr>
-          <p:cNvPr id="101" name="直接箭头连接符 100"/>
-          <p:cNvCxnSpPr/>
-          <p:nvPr/>
-        </p:nvCxnSpPr>
-        <p:spPr>
-          <a:xfrm flipV="1">
-            <a:off x="8651875" y="9088755"/>
-            <a:ext cx="2696845" cy="12065"/>
-          </a:xfrm>
-          <a:prstGeom prst="straightConnector1">
-            <a:avLst/>
-          </a:prstGeom>
-          <a:ln>
-            <a:headEnd type="arrow" w="med" len="med"/>
-            <a:tailEnd type="arrow" w="med" len="med"/>
-          </a:ln>
-        </p:spPr>
-        <p:style>
-          <a:lnRef idx="1">
-            <a:schemeClr val="dk1"/>
-          </a:lnRef>
-          <a:fillRef idx="0">
-            <a:schemeClr val="dk1"/>
-          </a:fillRef>
-          <a:effectRef idx="0">
-            <a:schemeClr val="dk1"/>
-          </a:effectRef>
-          <a:fontRef idx="minor">
-            <a:schemeClr val="tx1"/>
-          </a:fontRef>
-        </p:style>
-      </p:cxnSp>
-      <p:sp>
-        <p:nvSpPr>
-          <p:cNvPr id="102" name="文本框 20"/>
-          <p:cNvSpPr txBox="1"/>
-          <p:nvPr/>
-        </p:nvSpPr>
-        <p:spPr>
-          <a:xfrm rot="19860000">
-            <a:off x="2097832" y="1171261"/>
-            <a:ext cx="4663238" cy="457200"/>
-          </a:xfrm>
-          <a:prstGeom prst="rect">
-            <a:avLst/>
-          </a:prstGeom>
-          <a:noFill/>
-          <a:ln w="9525">
-            <a:noFill/>
-          </a:ln>
-        </p:spPr>
-        <p:txBody>
-          <a:bodyPr wrap="square" anchor="t">
-            <a:spAutoFit/>
-          </a:bodyPr>
-          <a:p>
-            <a:pPr lvl="0"/>
-            <a:r>
-              <a:rPr lang="en-US" altLang="zh-CN" sz="2400">
+              <a:rPr lang="en-US" altLang="zh-CN" sz="2800">
                 <a:latin typeface="Arial" panose="020B0604020202020204" pitchFamily="34" charset="0"/>
                 <a:ea typeface="AR PL KaitiM GB" charset="0"/>
                 <a:sym typeface="+mn-ea"/>
@@ -7838,13 +6976,13 @@
               <a:t>Path for beam </a:t>
             </a:r>
             <a:r>
-              <a:rPr lang="en-US" altLang="zh-CN" sz="2400">
+              <a:rPr lang="en-US" altLang="zh-CN" sz="2800">
                 <a:latin typeface="Arial" panose="020B0604020202020204" pitchFamily="34" charset="0"/>
                 <a:ea typeface="AR PL KaitiM GB" charset="0"/>
               </a:rPr>
               <a:t>injection</a:t>
             </a:r>
-            <a:endParaRPr lang="en-US" altLang="zh-CN" sz="2400">
+            <a:endParaRPr lang="en-US" altLang="zh-CN" sz="2800">
               <a:latin typeface="Arial" panose="020B0604020202020204" pitchFamily="34" charset="0"/>
               <a:ea typeface="AR PL KaitiM GB" charset="0"/>
             </a:endParaRPr>
@@ -7859,8 +6997,8 @@
         </p:nvSpPr>
         <p:spPr>
           <a:xfrm>
-            <a:off x="9782132" y="3249886"/>
-            <a:ext cx="2311842" cy="822960"/>
+            <a:off x="12186920" y="8740140"/>
+            <a:ext cx="2998470" cy="944880"/>
           </a:xfrm>
           <a:prstGeom prst="rect">
             <a:avLst/>
@@ -7877,13 +7015,13 @@
           <a:p>
             <a:pPr lvl="0"/>
             <a:r>
-              <a:rPr lang="en-US" altLang="zh-CN" sz="2400">
+              <a:rPr lang="en-US" altLang="zh-CN" sz="2800">
                 <a:latin typeface="Arial" panose="020B0604020202020204" pitchFamily="34" charset="0"/>
                 <a:ea typeface="AR PL KaitiM GB" charset="0"/>
               </a:rPr>
               <a:t>Location along the synchrotron</a:t>
             </a:r>
-            <a:endParaRPr lang="en-US" altLang="zh-CN" sz="2400">
+            <a:endParaRPr lang="en-US" altLang="zh-CN" sz="2800">
               <a:latin typeface="Arial" panose="020B0604020202020204" pitchFamily="34" charset="0"/>
               <a:ea typeface="AR PL KaitiM GB" charset="0"/>
             </a:endParaRPr>
@@ -7898,8 +7036,8 @@
         </p:nvSpPr>
         <p:spPr>
           <a:xfrm>
-            <a:off x="8775719" y="2811753"/>
-            <a:ext cx="851066" cy="282630"/>
+            <a:off x="10142303" y="8472655"/>
+            <a:ext cx="851078" cy="282634"/>
           </a:xfrm>
           <a:prstGeom prst="ellipse">
             <a:avLst/>
@@ -7931,7 +7069,7 @@
           <a:bodyPr rtlCol="0" anchor="ctr"/>
           <a:p>
             <a:pPr algn="l" fontAlgn="base"/>
-            <a:endParaRPr lang="en-US" altLang="zh-CN" sz="2400" strike="noStrike" noProof="1">
+            <a:endParaRPr lang="en-US" altLang="zh-CN" sz="2800" strike="noStrike" noProof="1">
               <a:solidFill>
                 <a:schemeClr val="tx1"/>
               </a:solidFill>
@@ -7948,8 +7086,8 @@
         </p:nvSpPr>
         <p:spPr>
           <a:xfrm>
-            <a:off x="7195555" y="2811118"/>
-            <a:ext cx="851066" cy="282630"/>
+            <a:off x="8562116" y="8472020"/>
+            <a:ext cx="851078" cy="282634"/>
           </a:xfrm>
           <a:prstGeom prst="ellipse">
             <a:avLst/>
@@ -7981,7 +7119,7 @@
           <a:bodyPr rtlCol="0" anchor="ctr"/>
           <a:p>
             <a:pPr algn="l" fontAlgn="base"/>
-            <a:endParaRPr lang="en-US" altLang="zh-CN" sz="2400" strike="noStrike" noProof="1">
+            <a:endParaRPr lang="en-US" altLang="zh-CN" sz="2800" strike="noStrike" noProof="1">
               <a:solidFill>
                 <a:schemeClr val="tx1"/>
               </a:solidFill>
@@ -7998,8 +7136,8 @@
         </p:nvCxnSpPr>
         <p:spPr>
           <a:xfrm>
-            <a:off x="717688" y="2977441"/>
-            <a:ext cx="10713864" cy="0"/>
+            <a:off x="3794210" y="4450521"/>
+            <a:ext cx="10714019" cy="0"/>
           </a:xfrm>
           <a:prstGeom prst="straightConnector1">
             <a:avLst/>
@@ -8024,40 +7162,16 @@
           </a:fontRef>
         </p:style>
       </p:cxnSp>
-      <p:pic>
-        <p:nvPicPr>
-          <p:cNvPr id="20" name="图片 19" descr="magnifier"/>
-          <p:cNvPicPr>
-            <a:picLocks noChangeAspect="1"/>
-          </p:cNvPicPr>
-          <p:nvPr/>
-        </p:nvPicPr>
-        <p:blipFill>
-          <a:blip r:embed="rId1"/>
-          <a:stretch>
-            <a:fillRect/>
-          </a:stretch>
-        </p:blipFill>
-        <p:spPr>
-          <a:xfrm>
-            <a:off x="6199736" y="2724026"/>
-            <a:ext cx="793267" cy="793267"/>
-          </a:xfrm>
-          <a:prstGeom prst="rect">
-            <a:avLst/>
-          </a:prstGeom>
-        </p:spPr>
-      </p:pic>
-      <p:sp>
-        <p:nvSpPr>
-          <p:cNvPr id="24" name="文本框 20"/>
+      <p:sp>
+        <p:nvSpPr>
+          <p:cNvPr id="41" name="文本框 20"/>
           <p:cNvSpPr txBox="1"/>
           <p:nvPr/>
         </p:nvSpPr>
         <p:spPr>
           <a:xfrm>
-            <a:off x="143544" y="2724051"/>
-            <a:ext cx="2311842" cy="457200"/>
+            <a:off x="12245340" y="4631055"/>
+            <a:ext cx="3355975" cy="944880"/>
           </a:xfrm>
           <a:prstGeom prst="rect">
             <a:avLst/>
@@ -8074,59 +7188,13 @@
           <a:p>
             <a:pPr lvl="0"/>
             <a:r>
-              <a:rPr lang="en-US" altLang="zh-CN" sz="2400">
-                <a:latin typeface="Arial" panose="020B0604020202020204" pitchFamily="34" charset="0"/>
-                <a:ea typeface="AR PL KaitiM GB" charset="0"/>
-              </a:rPr>
-              <a:t>t</a:t>
-            </a:r>
-            <a:r>
-              <a:rPr lang="en-US" altLang="zh-CN" sz="2400" baseline="-25000">
-                <a:latin typeface="Arial" panose="020B0604020202020204" pitchFamily="34" charset="0"/>
-                <a:ea typeface="AR PL KaitiM GB" charset="0"/>
-              </a:rPr>
-              <a:t>1</a:t>
-            </a:r>
-            <a:endParaRPr lang="en-US" altLang="zh-CN" sz="2400" baseline="-25000">
-              <a:latin typeface="Arial" panose="020B0604020202020204" pitchFamily="34" charset="0"/>
-              <a:ea typeface="AR PL KaitiM GB" charset="0"/>
-            </a:endParaRPr>
-          </a:p>
-        </p:txBody>
-      </p:sp>
-      <p:sp>
-        <p:nvSpPr>
-          <p:cNvPr id="41" name="文本框 20"/>
-          <p:cNvSpPr txBox="1"/>
-          <p:nvPr/>
-        </p:nvSpPr>
-        <p:spPr>
-          <a:xfrm>
-            <a:off x="9782132" y="4997490"/>
-            <a:ext cx="2311842" cy="822960"/>
-          </a:xfrm>
-          <a:prstGeom prst="rect">
-            <a:avLst/>
-          </a:prstGeom>
-          <a:noFill/>
-          <a:ln w="9525">
-            <a:noFill/>
-          </a:ln>
-        </p:spPr>
-        <p:txBody>
-          <a:bodyPr wrap="square" anchor="t">
-            <a:spAutoFit/>
-          </a:bodyPr>
-          <a:p>
-            <a:pPr lvl="0"/>
-            <a:r>
-              <a:rPr lang="en-US" altLang="zh-CN" sz="2400">
+              <a:rPr lang="en-US" altLang="zh-CN" sz="2800">
                 <a:latin typeface="Arial" panose="020B0604020202020204" pitchFamily="34" charset="0"/>
                 <a:ea typeface="AR PL KaitiM GB" charset="0"/>
               </a:rPr>
               <a:t>Location along the synchrotron</a:t>
             </a:r>
-            <a:endParaRPr lang="en-US" altLang="zh-CN" sz="2400">
+            <a:endParaRPr lang="en-US" altLang="zh-CN" sz="2800">
               <a:latin typeface="Arial" panose="020B0604020202020204" pitchFamily="34" charset="0"/>
               <a:ea typeface="AR PL KaitiM GB" charset="0"/>
             </a:endParaRPr>
@@ -8141,8 +7209,8 @@
         </p:nvSpPr>
         <p:spPr>
           <a:xfrm>
-            <a:off x="4937495" y="4625397"/>
-            <a:ext cx="851066" cy="282630"/>
+            <a:off x="6218933" y="4309706"/>
+            <a:ext cx="851078" cy="282634"/>
           </a:xfrm>
           <a:prstGeom prst="ellipse">
             <a:avLst/>
@@ -8174,7 +7242,7 @@
           <a:bodyPr rtlCol="0" anchor="ctr"/>
           <a:p>
             <a:pPr algn="l" fontAlgn="base"/>
-            <a:endParaRPr lang="en-US" altLang="zh-CN" sz="2400" strike="noStrike" noProof="1">
+            <a:endParaRPr lang="en-US" altLang="zh-CN" sz="2800" strike="noStrike" noProof="1">
               <a:solidFill>
                 <a:schemeClr val="tx1"/>
               </a:solidFill>
@@ -8190,9 +7258,9 @@
           <p:nvPr/>
         </p:nvCxnSpPr>
         <p:spPr>
-          <a:xfrm>
-            <a:off x="715783" y="4785370"/>
-            <a:ext cx="10713864" cy="0"/>
+          <a:xfrm flipV="1">
+            <a:off x="3834130" y="8628380"/>
+            <a:ext cx="10673080" cy="49530"/>
           </a:xfrm>
           <a:prstGeom prst="straightConnector1">
             <a:avLst/>
@@ -8217,30 +7285,6 @@
           </a:fontRef>
         </p:style>
       </p:cxnSp>
-      <p:pic>
-        <p:nvPicPr>
-          <p:cNvPr id="59" name="图片 58" descr="magnifier"/>
-          <p:cNvPicPr>
-            <a:picLocks noChangeAspect="1"/>
-          </p:cNvPicPr>
-          <p:nvPr/>
-        </p:nvPicPr>
-        <p:blipFill>
-          <a:blip r:embed="rId1"/>
-          <a:stretch>
-            <a:fillRect/>
-          </a:stretch>
-        </p:blipFill>
-        <p:spPr>
-          <a:xfrm>
-            <a:off x="6402936" y="4470995"/>
-            <a:ext cx="793267" cy="793267"/>
-          </a:xfrm>
-          <a:prstGeom prst="rect">
-            <a:avLst/>
-          </a:prstGeom>
-        </p:spPr>
-      </p:pic>
       <p:sp>
         <p:nvSpPr>
           <p:cNvPr id="60" name="文本框 20"/>
@@ -8249,8 +7293,8 @@
         </p:nvSpPr>
         <p:spPr>
           <a:xfrm>
-            <a:off x="141605" y="4600575"/>
-            <a:ext cx="1051560" cy="457200"/>
+            <a:off x="4088704" y="4413788"/>
+            <a:ext cx="1051575" cy="518160"/>
           </a:xfrm>
           <a:prstGeom prst="rect">
             <a:avLst/>
@@ -8267,20 +7311,20 @@
           <a:p>
             <a:pPr lvl="0"/>
             <a:r>
-              <a:rPr lang="en-US" altLang="zh-CN" sz="2400">
+              <a:rPr lang="en-US" altLang="zh-CN" sz="2800">
                 <a:latin typeface="Arial" panose="020B0604020202020204" pitchFamily="34" charset="0"/>
                 <a:ea typeface="AR PL KaitiM GB" charset="0"/>
               </a:rPr>
               <a:t>t</a:t>
             </a:r>
             <a:r>
-              <a:rPr lang="en-US" altLang="zh-CN" sz="2400" baseline="-25000">
+              <a:rPr lang="en-US" altLang="zh-CN" sz="2800" baseline="-25000">
                 <a:latin typeface="Arial" panose="020B0604020202020204" pitchFamily="34" charset="0"/>
                 <a:ea typeface="AR PL KaitiM GB" charset="0"/>
               </a:rPr>
               <a:t>2</a:t>
             </a:r>
-            <a:endParaRPr lang="en-US" altLang="zh-CN" sz="2400" baseline="-25000">
+            <a:endParaRPr lang="en-US" altLang="zh-CN" sz="2800" baseline="-25000">
               <a:latin typeface="Arial" panose="020B0604020202020204" pitchFamily="34" charset="0"/>
               <a:ea typeface="AR PL KaitiM GB" charset="0"/>
             </a:endParaRPr>
@@ -8295,8 +7339,8 @@
         </p:nvSpPr>
         <p:spPr>
           <a:xfrm>
-            <a:off x="6669118" y="4600287"/>
-            <a:ext cx="849161" cy="294063"/>
+            <a:off x="7950581" y="4284595"/>
+            <a:ext cx="849173" cy="294067"/>
           </a:xfrm>
           <a:prstGeom prst="ellipse">
             <a:avLst/>
@@ -8330,7 +7374,7 @@
           <a:bodyPr rtlCol="0" anchor="ctr"/>
           <a:p>
             <a:pPr algn="l" fontAlgn="base"/>
-            <a:endParaRPr lang="en-US" altLang="zh-CN" sz="2400" strike="noStrike" noProof="1">
+            <a:endParaRPr lang="en-US" altLang="zh-CN" sz="2800" strike="noStrike" noProof="1">
               <a:solidFill>
                 <a:schemeClr val="tx1"/>
               </a:solidFill>
@@ -8347,8 +7391,8 @@
         </p:nvSpPr>
         <p:spPr>
           <a:xfrm>
-            <a:off x="8002677" y="4619337"/>
-            <a:ext cx="849161" cy="294063"/>
+            <a:off x="9284159" y="4303646"/>
+            <a:ext cx="849173" cy="294067"/>
           </a:xfrm>
           <a:prstGeom prst="ellipse">
             <a:avLst/>
@@ -8382,7 +7426,7 @@
           <a:bodyPr rtlCol="0" anchor="ctr"/>
           <a:p>
             <a:pPr algn="l" fontAlgn="base"/>
-            <a:endParaRPr lang="en-US" altLang="zh-CN" sz="2400" strike="noStrike" noProof="1">
+            <a:endParaRPr lang="en-US" altLang="zh-CN" sz="2800" strike="noStrike" noProof="1">
               <a:solidFill>
                 <a:schemeClr val="tx1"/>
               </a:solidFill>
@@ -8399,8 +7443,8 @@
         </p:nvSpPr>
         <p:spPr>
           <a:xfrm>
-            <a:off x="9433137" y="4606347"/>
-            <a:ext cx="851066" cy="282630"/>
+            <a:off x="10714640" y="4290655"/>
+            <a:ext cx="851078" cy="282634"/>
           </a:xfrm>
           <a:prstGeom prst="ellipse">
             <a:avLst/>
@@ -8432,7 +7476,7 @@
           <a:bodyPr rtlCol="0" anchor="ctr"/>
           <a:p>
             <a:pPr algn="l" fontAlgn="base"/>
-            <a:endParaRPr lang="en-US" altLang="zh-CN" sz="2400" strike="noStrike" noProof="1">
+            <a:endParaRPr lang="en-US" altLang="zh-CN" sz="2800" strike="noStrike" noProof="1">
               <a:solidFill>
                 <a:schemeClr val="tx1"/>
               </a:solidFill>
@@ -8449,8 +7493,8 @@
         </p:nvSpPr>
         <p:spPr>
           <a:xfrm>
-            <a:off x="5730259" y="6444037"/>
-            <a:ext cx="851066" cy="282630"/>
+            <a:off x="7019964" y="1792592"/>
+            <a:ext cx="851078" cy="282634"/>
           </a:xfrm>
           <a:prstGeom prst="ellipse">
             <a:avLst/>
@@ -8482,7 +7526,7 @@
           <a:bodyPr rtlCol="0" anchor="ctr"/>
           <a:p>
             <a:pPr algn="l" fontAlgn="base"/>
-            <a:endParaRPr lang="en-US" altLang="zh-CN" sz="2400" strike="noStrike" noProof="1">
+            <a:endParaRPr lang="en-US" altLang="zh-CN" sz="2800" strike="noStrike" noProof="1">
               <a:solidFill>
                 <a:schemeClr val="tx1"/>
               </a:solidFill>
@@ -8499,8 +7543,8 @@
         </p:nvCxnSpPr>
         <p:spPr>
           <a:xfrm>
-            <a:off x="710068" y="6584960"/>
-            <a:ext cx="10713864" cy="0"/>
+            <a:off x="3684990" y="10377112"/>
+            <a:ext cx="10714019" cy="0"/>
           </a:xfrm>
           <a:prstGeom prst="straightConnector1">
             <a:avLst/>
@@ -8525,76 +7569,6 @@
           </a:fontRef>
         </p:style>
       </p:cxnSp>
-      <p:pic>
-        <p:nvPicPr>
-          <p:cNvPr id="72" name="图片 71" descr="magnifier"/>
-          <p:cNvPicPr>
-            <a:picLocks noChangeAspect="1"/>
-          </p:cNvPicPr>
-          <p:nvPr/>
-        </p:nvPicPr>
-        <p:blipFill>
-          <a:blip r:embed="rId1"/>
-          <a:stretch>
-            <a:fillRect/>
-          </a:stretch>
-        </p:blipFill>
-        <p:spPr>
-          <a:xfrm>
-            <a:off x="6402936" y="6289635"/>
-            <a:ext cx="793267" cy="793267"/>
-          </a:xfrm>
-          <a:prstGeom prst="rect">
-            <a:avLst/>
-          </a:prstGeom>
-        </p:spPr>
-      </p:pic>
-      <p:sp>
-        <p:nvSpPr>
-          <p:cNvPr id="73" name="文本框 20"/>
-          <p:cNvSpPr txBox="1"/>
-          <p:nvPr/>
-        </p:nvSpPr>
-        <p:spPr>
-          <a:xfrm>
-            <a:off x="135924" y="6400153"/>
-            <a:ext cx="2311842" cy="457200"/>
-          </a:xfrm>
-          <a:prstGeom prst="rect">
-            <a:avLst/>
-          </a:prstGeom>
-          <a:noFill/>
-          <a:ln w="9525">
-            <a:noFill/>
-          </a:ln>
-        </p:spPr>
-        <p:txBody>
-          <a:bodyPr wrap="square" anchor="t">
-            <a:spAutoFit/>
-          </a:bodyPr>
-          <a:p>
-            <a:pPr lvl="0"/>
-            <a:r>
-              <a:rPr lang="en-US" altLang="zh-CN" sz="2400">
-                <a:latin typeface="Arial" panose="020B0604020202020204" pitchFamily="34" charset="0"/>
-                <a:ea typeface="AR PL KaitiM GB" charset="0"/>
-              </a:rPr>
-              <a:t>t</a:t>
-            </a:r>
-            <a:r>
-              <a:rPr lang="en-US" altLang="zh-CN" sz="2400" baseline="-25000">
-                <a:latin typeface="Arial" panose="020B0604020202020204" pitchFamily="34" charset="0"/>
-                <a:ea typeface="AR PL KaitiM GB" charset="0"/>
-              </a:rPr>
-              <a:t>3</a:t>
-            </a:r>
-            <a:endParaRPr lang="en-US" altLang="zh-CN" sz="2400" baseline="-25000">
-              <a:latin typeface="Arial" panose="020B0604020202020204" pitchFamily="34" charset="0"/>
-              <a:ea typeface="AR PL KaitiM GB" charset="0"/>
-            </a:endParaRPr>
-          </a:p>
-        </p:txBody>
-      </p:sp>
       <p:sp>
         <p:nvSpPr>
           <p:cNvPr id="76" name="椭圆 75"/>
@@ -8603,8 +7577,8 @@
         </p:nvSpPr>
         <p:spPr>
           <a:xfrm>
-            <a:off x="7198708" y="6430992"/>
-            <a:ext cx="849161" cy="294063"/>
+            <a:off x="8488434" y="1779547"/>
+            <a:ext cx="849173" cy="294067"/>
           </a:xfrm>
           <a:prstGeom prst="ellipse">
             <a:avLst/>
@@ -8638,7 +7612,7 @@
           <a:bodyPr rtlCol="0" anchor="ctr"/>
           <a:p>
             <a:pPr algn="l" fontAlgn="base"/>
-            <a:endParaRPr lang="en-US" altLang="zh-CN" sz="2400" strike="noStrike" noProof="1">
+            <a:endParaRPr lang="en-US" altLang="zh-CN" sz="2800" strike="noStrike" noProof="1">
               <a:solidFill>
                 <a:schemeClr val="tx1"/>
               </a:solidFill>
@@ -8655,8 +7629,8 @@
         </p:nvSpPr>
         <p:spPr>
           <a:xfrm>
-            <a:off x="8456067" y="6430992"/>
-            <a:ext cx="849161" cy="294063"/>
+            <a:off x="9745811" y="1779547"/>
+            <a:ext cx="849173" cy="294067"/>
           </a:xfrm>
           <a:prstGeom prst="ellipse">
             <a:avLst/>
@@ -8690,7 +7664,7 @@
           <a:bodyPr rtlCol="0" anchor="ctr"/>
           <a:p>
             <a:pPr algn="l" fontAlgn="base"/>
-            <a:endParaRPr lang="en-US" altLang="zh-CN" sz="2400" strike="noStrike" noProof="1">
+            <a:endParaRPr lang="en-US" altLang="zh-CN" sz="2800" strike="noStrike" noProof="1">
               <a:solidFill>
                 <a:schemeClr val="tx1"/>
               </a:solidFill>
@@ -8707,8 +7681,8 @@
         </p:nvSpPr>
         <p:spPr>
           <a:xfrm>
-            <a:off x="9895417" y="6444037"/>
-            <a:ext cx="851066" cy="282630"/>
+            <a:off x="11185182" y="1792592"/>
+            <a:ext cx="851078" cy="282634"/>
           </a:xfrm>
           <a:prstGeom prst="ellipse">
             <a:avLst/>
@@ -8740,7 +7714,7 @@
           <a:bodyPr rtlCol="0" anchor="ctr"/>
           <a:p>
             <a:pPr algn="l" fontAlgn="base"/>
-            <a:endParaRPr lang="en-US" altLang="zh-CN" sz="2400" strike="noStrike" noProof="1">
+            <a:endParaRPr lang="en-US" altLang="zh-CN" sz="2800" strike="noStrike" noProof="1">
               <a:solidFill>
                 <a:schemeClr val="tx1"/>
               </a:solidFill>
@@ -8757,8 +7731,8 @@
         </p:nvCxnSpPr>
         <p:spPr>
           <a:xfrm flipH="1">
-            <a:off x="3446145" y="869950"/>
-            <a:ext cx="2977515" cy="1534160"/>
+            <a:off x="4937111" y="10383369"/>
+            <a:ext cx="2977558" cy="1534182"/>
           </a:xfrm>
           <a:prstGeom prst="straightConnector1">
             <a:avLst/>
@@ -8794,8 +7768,8 @@
         </p:nvSpPr>
         <p:spPr>
           <a:xfrm rot="19860000">
-            <a:off x="5192742" y="1145179"/>
-            <a:ext cx="849161" cy="294063"/>
+            <a:off x="6683734" y="10658602"/>
+            <a:ext cx="849173" cy="294067"/>
           </a:xfrm>
           <a:prstGeom prst="ellipse">
             <a:avLst/>
@@ -8829,7 +7803,7 @@
           <a:bodyPr rtlCol="0" anchor="ctr"/>
           <a:p>
             <a:pPr algn="l" fontAlgn="base"/>
-            <a:endParaRPr lang="en-US" altLang="zh-CN" sz="2400" strike="noStrike" noProof="1">
+            <a:endParaRPr lang="en-US" altLang="zh-CN" sz="2800" strike="noStrike" noProof="1">
               <a:solidFill>
                 <a:schemeClr val="tx1"/>
               </a:solidFill>
@@ -8846,8 +7820,8 @@
         </p:nvSpPr>
         <p:spPr>
           <a:xfrm rot="19860000">
-            <a:off x="3956397" y="1756684"/>
-            <a:ext cx="849161" cy="294063"/>
+            <a:off x="5447371" y="11270116"/>
+            <a:ext cx="849173" cy="294067"/>
           </a:xfrm>
           <a:prstGeom prst="ellipse">
             <a:avLst/>
@@ -8881,7 +7855,7 @@
           <a:bodyPr rtlCol="0" anchor="ctr"/>
           <a:p>
             <a:pPr algn="l" fontAlgn="base"/>
-            <a:endParaRPr lang="en-US" altLang="zh-CN" sz="2400" strike="noStrike" noProof="1">
+            <a:endParaRPr lang="en-US" altLang="zh-CN" sz="2800" strike="noStrike" noProof="1">
               <a:solidFill>
                 <a:schemeClr val="tx1"/>
               </a:solidFill>
@@ -8898,8 +7872,8 @@
         </p:nvSpPr>
         <p:spPr>
           <a:xfrm rot="8940000">
-            <a:off x="4786297" y="3867381"/>
-            <a:ext cx="615979" cy="381018"/>
+            <a:off x="6248073" y="9528299"/>
+            <a:ext cx="615988" cy="381024"/>
           </a:xfrm>
           <a:prstGeom prst="leftArrow">
             <a:avLst/>
@@ -8928,7 +7902,7 @@
           <a:bodyPr rtlCol="0" anchor="ctr"/>
           <a:p>
             <a:pPr algn="ctr"/>
-            <a:endParaRPr lang="zh-CN" altLang="en-US"/>
+            <a:endParaRPr lang="zh-CN" altLang="en-US" sz="2800"/>
           </a:p>
         </p:txBody>
       </p:sp>
@@ -8940,8 +7914,8 @@
         </p:nvCxnSpPr>
         <p:spPr>
           <a:xfrm flipH="1">
-            <a:off x="3495040" y="2986405"/>
-            <a:ext cx="2977515" cy="1534160"/>
+            <a:off x="4956797" y="8647310"/>
+            <a:ext cx="2977558" cy="1534182"/>
           </a:xfrm>
           <a:prstGeom prst="straightConnector1">
             <a:avLst/>
@@ -8977,8 +7951,8 @@
         </p:nvSpPr>
         <p:spPr>
           <a:xfrm rot="19860000">
-            <a:off x="5586442" y="3069864"/>
-            <a:ext cx="849161" cy="294063"/>
+            <a:off x="7048229" y="8730770"/>
+            <a:ext cx="849173" cy="294067"/>
           </a:xfrm>
           <a:prstGeom prst="ellipse">
             <a:avLst/>
@@ -9012,7 +7986,7 @@
           <a:bodyPr rtlCol="0" anchor="ctr"/>
           <a:p>
             <a:pPr algn="l" fontAlgn="base"/>
-            <a:endParaRPr lang="en-US" altLang="zh-CN" sz="2400" strike="noStrike" noProof="1">
+            <a:endParaRPr lang="en-US" altLang="zh-CN" sz="2800" strike="noStrike" noProof="1">
               <a:solidFill>
                 <a:schemeClr val="tx1"/>
               </a:solidFill>
@@ -9029,8 +8003,8 @@
         </p:nvSpPr>
         <p:spPr>
           <a:xfrm rot="19860000">
-            <a:off x="4364702" y="3700419"/>
-            <a:ext cx="849161" cy="294063"/>
+            <a:off x="5826472" y="9361334"/>
+            <a:ext cx="849173" cy="294067"/>
           </a:xfrm>
           <a:prstGeom prst="ellipse">
             <a:avLst/>
@@ -9064,7 +8038,7 @@
           <a:bodyPr rtlCol="0" anchor="ctr"/>
           <a:p>
             <a:pPr algn="l" fontAlgn="base"/>
-            <a:endParaRPr lang="en-US" altLang="zh-CN" sz="2400" strike="noStrike" noProof="1">
+            <a:endParaRPr lang="en-US" altLang="zh-CN" sz="2800" strike="noStrike" noProof="1">
               <a:solidFill>
                 <a:schemeClr val="tx1"/>
               </a:solidFill>
@@ -9081,8 +8055,8 @@
         </p:nvCxnSpPr>
         <p:spPr>
           <a:xfrm flipH="1">
-            <a:off x="3602355" y="4755515"/>
-            <a:ext cx="2977515" cy="1534160"/>
+            <a:off x="4959974" y="4439826"/>
+            <a:ext cx="2977558" cy="1534182"/>
           </a:xfrm>
           <a:prstGeom prst="straightConnector1">
             <a:avLst/>
@@ -9118,8 +8092,8 @@
         </p:nvSpPr>
         <p:spPr>
           <a:xfrm rot="8940000">
-            <a:off x="5143802" y="5395826"/>
-            <a:ext cx="615979" cy="381018"/>
+            <a:off x="6590343" y="5063636"/>
+            <a:ext cx="615988" cy="381024"/>
           </a:xfrm>
           <a:prstGeom prst="leftArrow">
             <a:avLst/>
@@ -9148,7 +8122,7 @@
           <a:bodyPr rtlCol="0" anchor="ctr"/>
           <a:p>
             <a:pPr algn="ctr"/>
-            <a:endParaRPr lang="zh-CN" altLang="en-US"/>
+            <a:endParaRPr lang="zh-CN" altLang="en-US" sz="2800"/>
           </a:p>
         </p:txBody>
       </p:sp>
@@ -9160,8 +8134,8 @@
         </p:nvSpPr>
         <p:spPr>
           <a:xfrm rot="8940000">
-            <a:off x="5529247" y="7214466"/>
-            <a:ext cx="615979" cy="381018"/>
+            <a:off x="6818949" y="2563032"/>
+            <a:ext cx="615988" cy="381024"/>
           </a:xfrm>
           <a:prstGeom prst="leftArrow">
             <a:avLst/>
@@ -9190,7 +8164,7 @@
           <a:bodyPr rtlCol="0" anchor="ctr"/>
           <a:p>
             <a:pPr algn="ctr"/>
-            <a:endParaRPr lang="zh-CN" altLang="en-US"/>
+            <a:endParaRPr lang="zh-CN" altLang="en-US" sz="2800"/>
           </a:p>
         </p:txBody>
       </p:sp>
@@ -9202,8 +8176,8 @@
         </p:nvCxnSpPr>
         <p:spPr>
           <a:xfrm flipH="1">
-            <a:off x="3679825" y="6618605"/>
-            <a:ext cx="2977515" cy="1534160"/>
+            <a:off x="4969500" y="1967163"/>
+            <a:ext cx="2977558" cy="1534182"/>
           </a:xfrm>
           <a:prstGeom prst="straightConnector1">
             <a:avLst/>
@@ -9239,8 +8213,8 @@
         </p:nvSpPr>
         <p:spPr>
           <a:xfrm>
-            <a:off x="9838012" y="6726595"/>
-            <a:ext cx="2311842" cy="822960"/>
+            <a:off x="12186920" y="2045335"/>
+            <a:ext cx="3511550" cy="944880"/>
           </a:xfrm>
           <a:prstGeom prst="rect">
             <a:avLst/>
@@ -9257,29 +8231,236 @@
           <a:p>
             <a:pPr lvl="0"/>
             <a:r>
-              <a:rPr lang="en-US" altLang="zh-CN" sz="2400">
+              <a:rPr lang="en-US" altLang="zh-CN" sz="2800">
                 <a:latin typeface="Arial" panose="020B0604020202020204" pitchFamily="34" charset="0"/>
                 <a:ea typeface="AR PL KaitiM GB" charset="0"/>
               </a:rPr>
               <a:t>Location along the synchrotron</a:t>
             </a:r>
-            <a:endParaRPr lang="en-US" altLang="zh-CN" sz="2400">
+            <a:endParaRPr lang="en-US" altLang="zh-CN" sz="2800">
               <a:latin typeface="Arial" panose="020B0604020202020204" pitchFamily="34" charset="0"/>
               <a:ea typeface="AR PL KaitiM GB" charset="0"/>
             </a:endParaRPr>
           </a:p>
         </p:txBody>
       </p:sp>
-      <p:sp>
-        <p:nvSpPr>
-          <p:cNvPr id="114" name="文本框 20"/>
+      <p:cxnSp>
+        <p:nvCxnSpPr>
+          <p:cNvPr id="27" name="直接箭头连接符 26"/>
+          <p:cNvCxnSpPr/>
+          <p:nvPr/>
+        </p:nvCxnSpPr>
+        <p:spPr>
+          <a:xfrm rot="16200000" flipH="1" flipV="1">
+            <a:off x="-1839595" y="7065645"/>
+            <a:ext cx="11620500" cy="19050"/>
+          </a:xfrm>
+          <a:prstGeom prst="straightConnector1">
+            <a:avLst/>
+          </a:prstGeom>
+          <a:ln>
+            <a:headEnd type="arrow" w="med" len="med"/>
+            <a:tailEnd type="none" w="med" len="med"/>
+          </a:ln>
+        </p:spPr>
+        <p:style>
+          <a:lnRef idx="1">
+            <a:schemeClr val="dk1"/>
+          </a:lnRef>
+          <a:fillRef idx="0">
+            <a:schemeClr val="dk1"/>
+          </a:fillRef>
+          <a:effectRef idx="0">
+            <a:schemeClr val="dk1"/>
+          </a:effectRef>
+          <a:fontRef idx="minor">
+            <a:schemeClr val="tx1"/>
+          </a:fontRef>
+        </p:style>
+      </p:cxnSp>
+      <p:cxnSp>
+        <p:nvCxnSpPr>
+          <p:cNvPr id="30" name="直接箭头连接符 29"/>
+          <p:cNvCxnSpPr/>
+          <p:nvPr/>
+        </p:nvCxnSpPr>
+        <p:spPr>
+          <a:xfrm flipH="1">
+            <a:off x="805180" y="12788265"/>
+            <a:ext cx="3388360" cy="47625"/>
+          </a:xfrm>
+          <a:prstGeom prst="straightConnector1">
+            <a:avLst/>
+          </a:prstGeom>
+          <a:ln>
+            <a:tailEnd type="arrow" w="med" len="med"/>
+          </a:ln>
+        </p:spPr>
+        <p:style>
+          <a:lnRef idx="1">
+            <a:schemeClr val="dk1"/>
+          </a:lnRef>
+          <a:fillRef idx="0">
+            <a:schemeClr val="dk1"/>
+          </a:fillRef>
+          <a:effectRef idx="0">
+            <a:schemeClr val="dk1"/>
+          </a:effectRef>
+          <a:fontRef idx="minor">
+            <a:schemeClr val="tx1"/>
+          </a:fontRef>
+        </p:style>
+      </p:cxnSp>
+      <p:cxnSp>
+        <p:nvCxnSpPr>
+          <p:cNvPr id="38" name="直接连接符 37"/>
+          <p:cNvCxnSpPr/>
+          <p:nvPr/>
+        </p:nvCxnSpPr>
+        <p:spPr>
+          <a:xfrm flipH="1" flipV="1">
+            <a:off x="2919095" y="8740140"/>
+            <a:ext cx="1067435" cy="1713230"/>
+          </a:xfrm>
+          <a:prstGeom prst="line">
+            <a:avLst/>
+          </a:prstGeom>
+        </p:spPr>
+        <p:style>
+          <a:lnRef idx="1">
+            <a:schemeClr val="dk1"/>
+          </a:lnRef>
+          <a:fillRef idx="0">
+            <a:schemeClr val="dk1"/>
+          </a:fillRef>
+          <a:effectRef idx="0">
+            <a:schemeClr val="dk1"/>
+          </a:effectRef>
+          <a:fontRef idx="minor">
+            <a:schemeClr val="tx1"/>
+          </a:fontRef>
+        </p:style>
+      </p:cxnSp>
+      <p:cxnSp>
+        <p:nvCxnSpPr>
+          <p:cNvPr id="39" name="直接连接符 38"/>
+          <p:cNvCxnSpPr/>
+          <p:nvPr/>
+        </p:nvCxnSpPr>
+        <p:spPr>
+          <a:xfrm rot="16200000" flipH="1">
+            <a:off x="762635" y="6572250"/>
+            <a:ext cx="4304030" cy="33020"/>
+          </a:xfrm>
+          <a:prstGeom prst="line">
+            <a:avLst/>
+          </a:prstGeom>
+        </p:spPr>
+        <p:style>
+          <a:lnRef idx="1">
+            <a:schemeClr val="dk1"/>
+          </a:lnRef>
+          <a:fillRef idx="0">
+            <a:schemeClr val="dk1"/>
+          </a:fillRef>
+          <a:effectRef idx="0">
+            <a:schemeClr val="dk1"/>
+          </a:effectRef>
+          <a:fontRef idx="minor">
+            <a:schemeClr val="tx1"/>
+          </a:fontRef>
+        </p:style>
+      </p:cxnSp>
+      <p:sp>
+        <p:nvSpPr>
+          <p:cNvPr id="40" name="文本框 39"/>
           <p:cNvSpPr txBox="1"/>
           <p:nvPr/>
         </p:nvSpPr>
         <p:spPr>
           <a:xfrm>
-            <a:off x="11180479" y="10380333"/>
-            <a:ext cx="2311842" cy="457200"/>
+            <a:off x="433705" y="8942070"/>
+            <a:ext cx="2497455" cy="944880"/>
+          </a:xfrm>
+          <a:prstGeom prst="rect">
+            <a:avLst/>
+          </a:prstGeom>
+          <a:noFill/>
+        </p:spPr>
+        <p:txBody>
+          <a:bodyPr wrap="square" rtlCol="0">
+            <a:spAutoFit/>
+          </a:bodyPr>
+          <a:p>
+            <a:pPr algn="l"/>
+            <a:r>
+              <a:rPr lang="en-US" altLang="zh-CN" sz="2800">
+                <a:latin typeface="Arial" panose="020B0604020202020204" pitchFamily="34" charset="0"/>
+              </a:rPr>
+              <a:t>Rise time </a:t>
+            </a:r>
+            <a:endParaRPr lang="en-US" altLang="zh-CN" sz="2800">
+              <a:latin typeface="Arial" panose="020B0604020202020204" pitchFamily="34" charset="0"/>
+            </a:endParaRPr>
+          </a:p>
+          <a:p>
+            <a:pPr algn="l"/>
+            <a:r>
+              <a:rPr lang="en-US" altLang="zh-CN" sz="2800">
+                <a:latin typeface="Arial" panose="020B0604020202020204" pitchFamily="34" charset="0"/>
+              </a:rPr>
+              <a:t>≤ bunch gap</a:t>
+            </a:r>
+            <a:endParaRPr lang="en-US" altLang="zh-CN" sz="2800">
+              <a:latin typeface="Arial" panose="020B0604020202020204" pitchFamily="34" charset="0"/>
+            </a:endParaRPr>
+          </a:p>
+        </p:txBody>
+      </p:sp>
+      <p:cxnSp>
+        <p:nvCxnSpPr>
+          <p:cNvPr id="42" name="直接箭头连接符 41"/>
+          <p:cNvCxnSpPr/>
+          <p:nvPr/>
+        </p:nvCxnSpPr>
+        <p:spPr>
+          <a:xfrm flipV="1">
+            <a:off x="2664460" y="8688705"/>
+            <a:ext cx="8255" cy="1731645"/>
+          </a:xfrm>
+          <a:prstGeom prst="straightConnector1">
+            <a:avLst/>
+          </a:prstGeom>
+          <a:ln>
+            <a:headEnd type="arrow" w="med" len="med"/>
+            <a:tailEnd type="arrow" w="med" len="med"/>
+          </a:ln>
+        </p:spPr>
+        <p:style>
+          <a:lnRef idx="1">
+            <a:schemeClr val="dk1"/>
+          </a:lnRef>
+          <a:fillRef idx="0">
+            <a:schemeClr val="dk1"/>
+          </a:fillRef>
+          <a:effectRef idx="0">
+            <a:schemeClr val="dk1"/>
+          </a:effectRef>
+          <a:fontRef idx="minor">
+            <a:schemeClr val="tx1"/>
+          </a:fontRef>
+        </p:style>
+      </p:cxnSp>
+      <p:sp>
+        <p:nvSpPr>
+          <p:cNvPr id="46" name="文本框 20"/>
+          <p:cNvSpPr txBox="1"/>
+          <p:nvPr/>
+        </p:nvSpPr>
+        <p:spPr>
+          <a:xfrm>
+            <a:off x="248920" y="12885420"/>
+            <a:ext cx="2945130" cy="518160"/>
           </a:xfrm>
           <a:prstGeom prst="rect">
             <a:avLst/>
@@ -9296,26 +8477,388 @@
           <a:p>
             <a:pPr lvl="0"/>
             <a:r>
-              <a:rPr lang="en-US" altLang="zh-CN" sz="2400">
+              <a:rPr lang="en-US" altLang="zh-CN" sz="2800">
                 <a:latin typeface="Arial" panose="020B0604020202020204" pitchFamily="34" charset="0"/>
                 <a:ea typeface="AR PL KaitiM GB" charset="0"/>
               </a:rPr>
-              <a:t>t</a:t>
-            </a:r>
-            <a:r>
-              <a:rPr lang="en-US" altLang="zh-CN" sz="2400" baseline="-25000">
+              <a:t>Magnetic field</a:t>
+            </a:r>
+            <a:endParaRPr lang="en-US" altLang="zh-CN" sz="2800">
+              <a:latin typeface="Arial" panose="020B0604020202020204" pitchFamily="34" charset="0"/>
+              <a:ea typeface="AR PL KaitiM GB" charset="0"/>
+            </a:endParaRPr>
+          </a:p>
+        </p:txBody>
+      </p:sp>
+      <p:sp>
+        <p:nvSpPr>
+          <p:cNvPr id="33" name="文本框 20"/>
+          <p:cNvSpPr txBox="1"/>
+          <p:nvPr/>
+        </p:nvSpPr>
+        <p:spPr>
+          <a:xfrm>
+            <a:off x="4031615" y="746760"/>
+            <a:ext cx="2312035" cy="518160"/>
+          </a:xfrm>
+          <a:prstGeom prst="rect">
+            <a:avLst/>
+          </a:prstGeom>
+          <a:noFill/>
+          <a:ln w="9525">
+            <a:noFill/>
+          </a:ln>
+        </p:spPr>
+        <p:txBody>
+          <a:bodyPr wrap="square" anchor="t">
+            <a:spAutoFit/>
+          </a:bodyPr>
+          <a:p>
+            <a:pPr lvl="0"/>
+            <a:r>
+              <a:rPr lang="en-US" altLang="zh-CN" sz="2800">
                 <a:latin typeface="Arial" panose="020B0604020202020204" pitchFamily="34" charset="0"/>
                 <a:ea typeface="AR PL KaitiM GB" charset="0"/>
               </a:rPr>
-              <a:t>3</a:t>
-            </a:r>
-            <a:endParaRPr lang="en-US" altLang="zh-CN" sz="2400" baseline="-25000">
+              <a:t>time</a:t>
+            </a:r>
+            <a:endParaRPr lang="en-US" altLang="zh-CN" sz="2800">
               <a:latin typeface="Arial" panose="020B0604020202020204" pitchFamily="34" charset="0"/>
               <a:ea typeface="AR PL KaitiM GB" charset="0"/>
             </a:endParaRPr>
           </a:p>
         </p:txBody>
       </p:sp>
+      <p:cxnSp>
+        <p:nvCxnSpPr>
+          <p:cNvPr id="34" name="直接连接符 33"/>
+          <p:cNvCxnSpPr/>
+          <p:nvPr/>
+        </p:nvCxnSpPr>
+        <p:spPr>
+          <a:xfrm rot="16200000" flipH="1" flipV="1">
+            <a:off x="2182495" y="2643505"/>
+            <a:ext cx="2491740" cy="1059815"/>
+          </a:xfrm>
+          <a:prstGeom prst="line">
+            <a:avLst/>
+          </a:prstGeom>
+        </p:spPr>
+        <p:style>
+          <a:lnRef idx="1">
+            <a:schemeClr val="dk1"/>
+          </a:lnRef>
+          <a:fillRef idx="0">
+            <a:schemeClr val="dk1"/>
+          </a:fillRef>
+          <a:effectRef idx="0">
+            <a:schemeClr val="dk1"/>
+          </a:effectRef>
+          <a:fontRef idx="minor">
+            <a:schemeClr val="tx1"/>
+          </a:fontRef>
+        </p:style>
+      </p:cxnSp>
+      <p:cxnSp>
+        <p:nvCxnSpPr>
+          <p:cNvPr id="35" name="直接连接符 34"/>
+          <p:cNvCxnSpPr/>
+          <p:nvPr/>
+        </p:nvCxnSpPr>
+        <p:spPr>
+          <a:xfrm rot="16200000">
+            <a:off x="3270250" y="7927340"/>
+            <a:ext cx="0" cy="1522095"/>
+          </a:xfrm>
+          <a:prstGeom prst="line">
+            <a:avLst/>
+          </a:prstGeom>
+          <a:ln>
+            <a:prstDash val="sysDot"/>
+          </a:ln>
+        </p:spPr>
+        <p:style>
+          <a:lnRef idx="3">
+            <a:schemeClr val="dk1"/>
+          </a:lnRef>
+          <a:fillRef idx="0">
+            <a:schemeClr val="dk1"/>
+          </a:fillRef>
+          <a:effectRef idx="2">
+            <a:schemeClr val="dk1"/>
+          </a:effectRef>
+          <a:fontRef idx="minor">
+            <a:schemeClr val="tx1"/>
+          </a:fontRef>
+        </p:style>
+      </p:cxnSp>
+      <p:cxnSp>
+        <p:nvCxnSpPr>
+          <p:cNvPr id="36" name="直接连接符 35"/>
+          <p:cNvCxnSpPr/>
+          <p:nvPr/>
+        </p:nvCxnSpPr>
+        <p:spPr>
+          <a:xfrm rot="16200000" flipH="1">
+            <a:off x="3177540" y="9624060"/>
+            <a:ext cx="6350" cy="1538605"/>
+          </a:xfrm>
+          <a:prstGeom prst="line">
+            <a:avLst/>
+          </a:prstGeom>
+          <a:ln>
+            <a:prstDash val="sysDot"/>
+          </a:ln>
+        </p:spPr>
+        <p:style>
+          <a:lnRef idx="3">
+            <a:schemeClr val="dk1"/>
+          </a:lnRef>
+          <a:fillRef idx="0">
+            <a:schemeClr val="dk1"/>
+          </a:fillRef>
+          <a:effectRef idx="2">
+            <a:schemeClr val="dk1"/>
+          </a:effectRef>
+          <a:fontRef idx="minor">
+            <a:schemeClr val="tx1"/>
+          </a:fontRef>
+        </p:style>
+      </p:cxnSp>
+      <p:cxnSp>
+        <p:nvCxnSpPr>
+          <p:cNvPr id="89" name="直接连接符 88"/>
+          <p:cNvCxnSpPr/>
+          <p:nvPr/>
+        </p:nvCxnSpPr>
+        <p:spPr>
+          <a:xfrm rot="16200000">
+            <a:off x="3198495" y="3689350"/>
+            <a:ext cx="0" cy="1522095"/>
+          </a:xfrm>
+          <a:prstGeom prst="line">
+            <a:avLst/>
+          </a:prstGeom>
+          <a:ln>
+            <a:prstDash val="sysDot"/>
+          </a:ln>
+        </p:spPr>
+        <p:style>
+          <a:lnRef idx="3">
+            <a:schemeClr val="dk1"/>
+          </a:lnRef>
+          <a:fillRef idx="0">
+            <a:schemeClr val="dk1"/>
+          </a:fillRef>
+          <a:effectRef idx="2">
+            <a:schemeClr val="dk1"/>
+          </a:effectRef>
+          <a:fontRef idx="minor">
+            <a:schemeClr val="tx1"/>
+          </a:fontRef>
+        </p:style>
+      </p:cxnSp>
+      <p:sp>
+        <p:nvSpPr>
+          <p:cNvPr id="94" name="文本框 93"/>
+          <p:cNvSpPr txBox="1"/>
+          <p:nvPr/>
+        </p:nvSpPr>
+        <p:spPr>
+          <a:xfrm>
+            <a:off x="-5080" y="5482590"/>
+            <a:ext cx="3689350" cy="944880"/>
+          </a:xfrm>
+          <a:prstGeom prst="rect">
+            <a:avLst/>
+          </a:prstGeom>
+          <a:noFill/>
+        </p:spPr>
+        <p:txBody>
+          <a:bodyPr wrap="square" rtlCol="0">
+            <a:spAutoFit/>
+          </a:bodyPr>
+          <a:p>
+            <a:pPr algn="l"/>
+            <a:r>
+              <a:rPr lang="en-US" altLang="zh-CN" sz="2800">
+                <a:latin typeface="Arial" panose="020B0604020202020204" pitchFamily="34" charset="0"/>
+              </a:rPr>
+              <a:t>kicker flat-top ≥ </a:t>
+            </a:r>
+            <a:endParaRPr lang="en-US" altLang="zh-CN" sz="2800">
+              <a:latin typeface="Arial" panose="020B0604020202020204" pitchFamily="34" charset="0"/>
+            </a:endParaRPr>
+          </a:p>
+          <a:p>
+            <a:pPr algn="l"/>
+            <a:r>
+              <a:rPr lang="en-US" altLang="zh-CN" sz="2800">
+                <a:latin typeface="Arial" panose="020B0604020202020204" pitchFamily="34" charset="0"/>
+              </a:rPr>
+              <a:t>length of batch</a:t>
+            </a:r>
+            <a:endParaRPr lang="en-US" altLang="zh-CN" sz="2800">
+              <a:latin typeface="Arial" panose="020B0604020202020204" pitchFamily="34" charset="0"/>
+            </a:endParaRPr>
+          </a:p>
+        </p:txBody>
+      </p:sp>
+      <p:cxnSp>
+        <p:nvCxnSpPr>
+          <p:cNvPr id="95" name="直接箭头连接符 94"/>
+          <p:cNvCxnSpPr/>
+          <p:nvPr/>
+        </p:nvCxnSpPr>
+        <p:spPr>
+          <a:xfrm rot="16200000" flipV="1">
+            <a:off x="598805" y="6566535"/>
+            <a:ext cx="4064635" cy="15875"/>
+          </a:xfrm>
+          <a:prstGeom prst="straightConnector1">
+            <a:avLst/>
+          </a:prstGeom>
+          <a:ln>
+            <a:headEnd type="arrow" w="med" len="med"/>
+            <a:tailEnd type="arrow" w="med" len="med"/>
+          </a:ln>
+        </p:spPr>
+        <p:style>
+          <a:lnRef idx="1">
+            <a:schemeClr val="dk1"/>
+          </a:lnRef>
+          <a:fillRef idx="0">
+            <a:schemeClr val="dk1"/>
+          </a:fillRef>
+          <a:effectRef idx="0">
+            <a:schemeClr val="dk1"/>
+          </a:effectRef>
+          <a:fontRef idx="minor">
+            <a:schemeClr val="tx1"/>
+          </a:fontRef>
+        </p:style>
+      </p:cxnSp>
+      <p:sp>
+        <p:nvSpPr>
+          <p:cNvPr id="98" name="文本框 97"/>
+          <p:cNvSpPr txBox="1"/>
+          <p:nvPr/>
+        </p:nvSpPr>
+        <p:spPr>
+          <a:xfrm>
+            <a:off x="534035" y="2224405"/>
+            <a:ext cx="2132330" cy="944880"/>
+          </a:xfrm>
+          <a:prstGeom prst="rect">
+            <a:avLst/>
+          </a:prstGeom>
+          <a:noFill/>
+        </p:spPr>
+        <p:txBody>
+          <a:bodyPr wrap="square" rtlCol="0">
+            <a:spAutoFit/>
+          </a:bodyPr>
+          <a:p>
+            <a:pPr algn="l"/>
+            <a:r>
+              <a:rPr lang="en-US" altLang="zh-CN" sz="2800">
+                <a:latin typeface="Arial" panose="020B0604020202020204" pitchFamily="34" charset="0"/>
+              </a:rPr>
+              <a:t>Fall time </a:t>
+            </a:r>
+            <a:r>
+              <a:rPr lang="en-US" altLang="zh-CN" sz="2800">
+                <a:latin typeface="SimSun" panose="02010600030101010101" pitchFamily="2" charset="-122"/>
+                <a:ea typeface="SimSun" panose="02010600030101010101" pitchFamily="2" charset="-122"/>
+              </a:rPr>
+              <a:t>≤</a:t>
+            </a:r>
+            <a:endParaRPr lang="en-US" altLang="zh-CN" sz="2800">
+              <a:latin typeface="SimSun" panose="02010600030101010101" pitchFamily="2" charset="-122"/>
+              <a:ea typeface="SimSun" panose="02010600030101010101" pitchFamily="2" charset="-122"/>
+            </a:endParaRPr>
+          </a:p>
+          <a:p>
+            <a:pPr algn="l"/>
+            <a:r>
+              <a:rPr lang="en-US" altLang="zh-CN" sz="2800">
+                <a:latin typeface="Arial" panose="020B0604020202020204" pitchFamily="34" charset="0"/>
+              </a:rPr>
+              <a:t>t3-t2</a:t>
+            </a:r>
+            <a:endParaRPr lang="en-US" altLang="zh-CN" sz="2800">
+              <a:latin typeface="Arial" panose="020B0604020202020204" pitchFamily="34" charset="0"/>
+            </a:endParaRPr>
+          </a:p>
+        </p:txBody>
+      </p:sp>
+      <p:cxnSp>
+        <p:nvCxnSpPr>
+          <p:cNvPr id="100" name="直接连接符 99"/>
+          <p:cNvCxnSpPr/>
+          <p:nvPr/>
+        </p:nvCxnSpPr>
+        <p:spPr>
+          <a:xfrm rot="16200000" flipH="1">
+            <a:off x="3294380" y="1223010"/>
+            <a:ext cx="2540" cy="1407160"/>
+          </a:xfrm>
+          <a:prstGeom prst="line">
+            <a:avLst/>
+          </a:prstGeom>
+          <a:ln>
+            <a:prstDash val="sysDot"/>
+          </a:ln>
+        </p:spPr>
+        <p:style>
+          <a:lnRef idx="3">
+            <a:schemeClr val="dk1"/>
+          </a:lnRef>
+          <a:fillRef idx="0">
+            <a:schemeClr val="dk1"/>
+          </a:fillRef>
+          <a:effectRef idx="2">
+            <a:schemeClr val="dk1"/>
+          </a:effectRef>
+          <a:fontRef idx="minor">
+            <a:schemeClr val="tx1"/>
+          </a:fontRef>
+        </p:style>
+      </p:cxnSp>
+      <p:cxnSp>
+        <p:nvCxnSpPr>
+          <p:cNvPr id="101" name="直接箭头连接符 100"/>
+          <p:cNvCxnSpPr/>
+          <p:nvPr/>
+        </p:nvCxnSpPr>
+        <p:spPr>
+          <a:xfrm flipV="1">
+            <a:off x="2656205" y="1967230"/>
+            <a:ext cx="9525" cy="2533650"/>
+          </a:xfrm>
+          <a:prstGeom prst="straightConnector1">
+            <a:avLst/>
+          </a:prstGeom>
+          <a:ln>
+            <a:headEnd type="arrow" w="med" len="med"/>
+            <a:tailEnd type="arrow" w="med" len="med"/>
+          </a:ln>
+        </p:spPr>
+        <p:style>
+          <a:lnRef idx="1">
+            <a:schemeClr val="dk1"/>
+          </a:lnRef>
+          <a:fillRef idx="0">
+            <a:schemeClr val="dk1"/>
+          </a:fillRef>
+          <a:effectRef idx="0">
+            <a:schemeClr val="dk1"/>
+          </a:effectRef>
+          <a:fontRef idx="minor">
+            <a:schemeClr val="tx1"/>
+          </a:fontRef>
+        </p:style>
+      </p:cxnSp>
       <p:sp>
         <p:nvSpPr>
           <p:cNvPr id="2" name="闪电形 1"/>
@@ -9323,8 +8866,8 @@
           <p:nvPr/>
         </p:nvSpPr>
         <p:spPr>
-          <a:xfrm>
-            <a:off x="404495" y="8384540"/>
+          <a:xfrm rot="16200000">
+            <a:off x="2515870" y="11356975"/>
             <a:ext cx="640715" cy="1995170"/>
           </a:xfrm>
           <a:prstGeom prst="lightningBolt">
@@ -9359,7 +8902,7 @@
           <a:bodyPr rtlCol="0" anchor="ctr"/>
           <a:p>
             <a:pPr algn="ctr"/>
-            <a:endParaRPr lang="zh-CN" altLang="en-US"/>
+            <a:endParaRPr lang="zh-CN" altLang="en-US" sz="2800"/>
           </a:p>
         </p:txBody>
       </p:sp>
@@ -9371,8 +8914,8 @@
         </p:nvSpPr>
         <p:spPr>
           <a:xfrm>
-            <a:off x="1222563" y="8841778"/>
-            <a:ext cx="1884219" cy="822960"/>
+            <a:off x="828040" y="10844530"/>
+            <a:ext cx="2103120" cy="944880"/>
           </a:xfrm>
           <a:prstGeom prst="rect">
             <a:avLst/>
@@ -9386,12 +8929,12 @@
           <a:p>
             <a:pPr algn="l"/>
             <a:r>
-              <a:rPr lang="en-US" altLang="zh-CN" sz="2400">
+              <a:rPr lang="en-US" altLang="zh-CN" sz="2800">
                 <a:latin typeface="Arial" panose="020B0604020202020204" pitchFamily="34" charset="0"/>
               </a:rPr>
               <a:t>preparation time</a:t>
             </a:r>
-            <a:endParaRPr lang="en-US" altLang="zh-CN" sz="2400">
+            <a:endParaRPr lang="en-US" altLang="zh-CN" sz="2800">
               <a:latin typeface="Arial" panose="020B0604020202020204" pitchFamily="34" charset="0"/>
             </a:endParaRPr>
           </a:p>
@@ -9404,9 +8947,9 @@
           <p:nvPr/>
         </p:nvCxnSpPr>
         <p:spPr>
-          <a:xfrm>
-            <a:off x="1087755" y="9624060"/>
-            <a:ext cx="2075815" cy="27940"/>
+          <a:xfrm flipV="1">
+            <a:off x="2927985" y="10377170"/>
+            <a:ext cx="3810" cy="1651635"/>
           </a:xfrm>
           <a:prstGeom prst="straightConnector1">
             <a:avLst/>
@@ -9438,9 +8981,9 @@
           <p:nvPr/>
         </p:nvCxnSpPr>
         <p:spPr>
-          <a:xfrm flipH="1">
-            <a:off x="1081598" y="8841845"/>
-            <a:ext cx="6351" cy="1538748"/>
+          <a:xfrm rot="16200000" flipH="1">
+            <a:off x="3178810" y="11261725"/>
+            <a:ext cx="6350" cy="1538605"/>
           </a:xfrm>
           <a:prstGeom prst="line">
             <a:avLst/>
@@ -9464,6 +9007,368 @@
           </a:fontRef>
         </p:style>
       </p:cxnSp>
+      <p:sp>
+        <p:nvSpPr>
+          <p:cNvPr id="14" name="文本框 20"/>
+          <p:cNvSpPr txBox="1"/>
+          <p:nvPr/>
+        </p:nvSpPr>
+        <p:spPr>
+          <a:xfrm>
+            <a:off x="4087434" y="8705753"/>
+            <a:ext cx="1051575" cy="518160"/>
+          </a:xfrm>
+          <a:prstGeom prst="rect">
+            <a:avLst/>
+          </a:prstGeom>
+          <a:noFill/>
+          <a:ln w="9525">
+            <a:noFill/>
+          </a:ln>
+        </p:spPr>
+        <p:txBody>
+          <a:bodyPr wrap="square" anchor="t">
+            <a:spAutoFit/>
+          </a:bodyPr>
+          <a:p>
+            <a:pPr lvl="0"/>
+            <a:r>
+              <a:rPr lang="en-US" altLang="zh-CN" sz="2800">
+                <a:latin typeface="Arial" panose="020B0604020202020204" pitchFamily="34" charset="0"/>
+                <a:ea typeface="AR PL KaitiM GB" charset="0"/>
+              </a:rPr>
+              <a:t>t</a:t>
+            </a:r>
+            <a:r>
+              <a:rPr lang="en-US" altLang="zh-CN" sz="2800" baseline="-25000">
+                <a:latin typeface="Arial" panose="020B0604020202020204" pitchFamily="34" charset="0"/>
+                <a:ea typeface="AR PL KaitiM GB" charset="0"/>
+              </a:rPr>
+              <a:t>1</a:t>
+            </a:r>
+            <a:endParaRPr lang="en-US" altLang="zh-CN" sz="2800" baseline="-25000">
+              <a:latin typeface="Arial" panose="020B0604020202020204" pitchFamily="34" charset="0"/>
+              <a:ea typeface="AR PL KaitiM GB" charset="0"/>
+            </a:endParaRPr>
+          </a:p>
+        </p:txBody>
+      </p:sp>
+      <p:sp>
+        <p:nvSpPr>
+          <p:cNvPr id="15" name="文本框 20"/>
+          <p:cNvSpPr txBox="1"/>
+          <p:nvPr/>
+        </p:nvSpPr>
+        <p:spPr>
+          <a:xfrm>
+            <a:off x="4069654" y="10326273"/>
+            <a:ext cx="1051575" cy="518160"/>
+          </a:xfrm>
+          <a:prstGeom prst="rect">
+            <a:avLst/>
+          </a:prstGeom>
+          <a:noFill/>
+          <a:ln w="9525">
+            <a:noFill/>
+          </a:ln>
+        </p:spPr>
+        <p:txBody>
+          <a:bodyPr wrap="square" anchor="t">
+            <a:spAutoFit/>
+          </a:bodyPr>
+          <a:p>
+            <a:pPr lvl="0"/>
+            <a:r>
+              <a:rPr lang="en-US" altLang="zh-CN" sz="2800">
+                <a:latin typeface="Arial" panose="020B0604020202020204" pitchFamily="34" charset="0"/>
+                <a:ea typeface="AR PL KaitiM GB" charset="0"/>
+              </a:rPr>
+              <a:t>t</a:t>
+            </a:r>
+            <a:r>
+              <a:rPr lang="en-US" altLang="zh-CN" sz="2800" baseline="-25000">
+                <a:latin typeface="Arial" panose="020B0604020202020204" pitchFamily="34" charset="0"/>
+                <a:ea typeface="AR PL KaitiM GB" charset="0"/>
+              </a:rPr>
+              <a:t>0</a:t>
+            </a:r>
+            <a:endParaRPr lang="en-US" altLang="zh-CN" sz="2800" baseline="-25000">
+              <a:latin typeface="Arial" panose="020B0604020202020204" pitchFamily="34" charset="0"/>
+              <a:ea typeface="AR PL KaitiM GB" charset="0"/>
+            </a:endParaRPr>
+          </a:p>
+        </p:txBody>
+      </p:sp>
+      <p:sp>
+        <p:nvSpPr>
+          <p:cNvPr id="28" name="矩形 27"/>
+          <p:cNvSpPr/>
+          <p:nvPr/>
+        </p:nvSpPr>
+        <p:spPr>
+          <a:xfrm>
+            <a:off x="7794625" y="2045335"/>
+            <a:ext cx="264160" cy="133350"/>
+          </a:xfrm>
+          <a:prstGeom prst="rect">
+            <a:avLst/>
+          </a:prstGeom>
+        </p:spPr>
+        <p:style>
+          <a:lnRef idx="2">
+            <a:schemeClr val="accent1">
+              <a:shade val="50000"/>
+            </a:schemeClr>
+          </a:lnRef>
+          <a:fillRef idx="1">
+            <a:schemeClr val="accent1"/>
+          </a:fillRef>
+          <a:effectRef idx="0">
+            <a:schemeClr val="accent1"/>
+          </a:effectRef>
+          <a:fontRef idx="minor">
+            <a:schemeClr val="lt1"/>
+          </a:fontRef>
+        </p:style>
+        <p:txBody>
+          <a:bodyPr rtlCol="0" anchor="ctr"/>
+          <a:p>
+            <a:pPr algn="ctr"/>
+            <a:endParaRPr lang="zh-CN" altLang="en-US"/>
+          </a:p>
+        </p:txBody>
+      </p:sp>
+      <p:sp>
+        <p:nvSpPr>
+          <p:cNvPr id="32" name="文本框 20"/>
+          <p:cNvSpPr txBox="1"/>
+          <p:nvPr/>
+        </p:nvSpPr>
+        <p:spPr>
+          <a:xfrm>
+            <a:off x="8237855" y="2796540"/>
+            <a:ext cx="3797935" cy="518160"/>
+          </a:xfrm>
+          <a:prstGeom prst="rect">
+            <a:avLst/>
+          </a:prstGeom>
+          <a:noFill/>
+          <a:ln w="9525">
+            <a:noFill/>
+          </a:ln>
+        </p:spPr>
+        <p:txBody>
+          <a:bodyPr wrap="square" anchor="t">
+            <a:spAutoFit/>
+          </a:bodyPr>
+          <a:p>
+            <a:pPr lvl="0"/>
+            <a:r>
+              <a:rPr lang="en-US" altLang="zh-CN" sz="2800">
+                <a:latin typeface="Arial" panose="020B0604020202020204" pitchFamily="34" charset="0"/>
+                <a:ea typeface="AR PL KaitiM GB" charset="0"/>
+              </a:rPr>
+              <a:t>Injection kicker</a:t>
+            </a:r>
+            <a:endParaRPr lang="en-US" altLang="zh-CN" sz="2800">
+              <a:latin typeface="Arial" panose="020B0604020202020204" pitchFamily="34" charset="0"/>
+              <a:ea typeface="AR PL KaitiM GB" charset="0"/>
+            </a:endParaRPr>
+          </a:p>
+        </p:txBody>
+      </p:sp>
+      <p:cxnSp>
+        <p:nvCxnSpPr>
+          <p:cNvPr id="37" name="曲线连接符 36"/>
+          <p:cNvCxnSpPr>
+            <a:endCxn id="32" idx="0"/>
+          </p:cNvCxnSpPr>
+          <p:nvPr/>
+        </p:nvCxnSpPr>
+        <p:spPr>
+          <a:xfrm>
+            <a:off x="8272780" y="2171065"/>
+            <a:ext cx="1864360" cy="625475"/>
+          </a:xfrm>
+          <a:prstGeom prst="curvedConnector2">
+            <a:avLst/>
+          </a:prstGeom>
+          <a:ln w="34925" cmpd="sng">
+            <a:solidFill>
+              <a:schemeClr val="accent1">
+                <a:shade val="50000"/>
+              </a:schemeClr>
+            </a:solidFill>
+            <a:prstDash val="solid"/>
+            <a:headEnd type="stealth" w="lg" len="med"/>
+            <a:tailEnd type="none"/>
+          </a:ln>
+        </p:spPr>
+        <p:style>
+          <a:lnRef idx="1">
+            <a:schemeClr val="accent1"/>
+          </a:lnRef>
+          <a:fillRef idx="0">
+            <a:schemeClr val="accent1"/>
+          </a:fillRef>
+          <a:effectRef idx="0">
+            <a:schemeClr val="accent1"/>
+          </a:effectRef>
+          <a:fontRef idx="minor">
+            <a:schemeClr val="tx1"/>
+          </a:fontRef>
+        </p:style>
+      </p:cxnSp>
+      <p:sp>
+        <p:nvSpPr>
+          <p:cNvPr id="16" name="矩形 15"/>
+          <p:cNvSpPr/>
+          <p:nvPr/>
+        </p:nvSpPr>
+        <p:spPr>
+          <a:xfrm>
+            <a:off x="7794625" y="4684395"/>
+            <a:ext cx="264160" cy="133350"/>
+          </a:xfrm>
+          <a:prstGeom prst="rect">
+            <a:avLst/>
+          </a:prstGeom>
+        </p:spPr>
+        <p:style>
+          <a:lnRef idx="2">
+            <a:schemeClr val="accent1">
+              <a:shade val="50000"/>
+            </a:schemeClr>
+          </a:lnRef>
+          <a:fillRef idx="1">
+            <a:schemeClr val="accent1"/>
+          </a:fillRef>
+          <a:effectRef idx="0">
+            <a:schemeClr val="accent1"/>
+          </a:effectRef>
+          <a:fontRef idx="minor">
+            <a:schemeClr val="lt1"/>
+          </a:fontRef>
+        </p:style>
+        <p:txBody>
+          <a:bodyPr rtlCol="0" anchor="ctr"/>
+          <a:p>
+            <a:pPr algn="ctr"/>
+            <a:endParaRPr lang="zh-CN" altLang="en-US"/>
+          </a:p>
+        </p:txBody>
+      </p:sp>
+      <p:sp>
+        <p:nvSpPr>
+          <p:cNvPr id="17" name="矩形 16"/>
+          <p:cNvSpPr/>
+          <p:nvPr/>
+        </p:nvSpPr>
+        <p:spPr>
+          <a:xfrm>
+            <a:off x="7800975" y="8811260"/>
+            <a:ext cx="264160" cy="133350"/>
+          </a:xfrm>
+          <a:prstGeom prst="rect">
+            <a:avLst/>
+          </a:prstGeom>
+        </p:spPr>
+        <p:style>
+          <a:lnRef idx="2">
+            <a:schemeClr val="accent1">
+              <a:shade val="50000"/>
+            </a:schemeClr>
+          </a:lnRef>
+          <a:fillRef idx="1">
+            <a:schemeClr val="accent1"/>
+          </a:fillRef>
+          <a:effectRef idx="0">
+            <a:schemeClr val="accent1"/>
+          </a:effectRef>
+          <a:fontRef idx="minor">
+            <a:schemeClr val="lt1"/>
+          </a:fontRef>
+        </p:style>
+        <p:txBody>
+          <a:bodyPr rtlCol="0" anchor="ctr"/>
+          <a:p>
+            <a:pPr algn="ctr"/>
+            <a:endParaRPr lang="zh-CN" altLang="en-US"/>
+          </a:p>
+        </p:txBody>
+      </p:sp>
+      <p:sp>
+        <p:nvSpPr>
+          <p:cNvPr id="25" name="矩形 24"/>
+          <p:cNvSpPr/>
+          <p:nvPr/>
+        </p:nvSpPr>
+        <p:spPr>
+          <a:xfrm>
+            <a:off x="7775575" y="10518775"/>
+            <a:ext cx="264160" cy="133350"/>
+          </a:xfrm>
+          <a:prstGeom prst="rect">
+            <a:avLst/>
+          </a:prstGeom>
+        </p:spPr>
+        <p:style>
+          <a:lnRef idx="2">
+            <a:schemeClr val="accent1">
+              <a:shade val="50000"/>
+            </a:schemeClr>
+          </a:lnRef>
+          <a:fillRef idx="1">
+            <a:schemeClr val="accent1"/>
+          </a:fillRef>
+          <a:effectRef idx="0">
+            <a:schemeClr val="accent1"/>
+          </a:effectRef>
+          <a:fontRef idx="minor">
+            <a:schemeClr val="lt1"/>
+          </a:fontRef>
+        </p:style>
+        <p:txBody>
+          <a:bodyPr rtlCol="0" anchor="ctr"/>
+          <a:p>
+            <a:pPr algn="ctr"/>
+            <a:endParaRPr lang="zh-CN" altLang="en-US"/>
+          </a:p>
+        </p:txBody>
+      </p:sp>
+      <p:sp>
+        <p:nvSpPr>
+          <p:cNvPr id="31" name="文本框 30"/>
+          <p:cNvSpPr txBox="1"/>
+          <p:nvPr/>
+        </p:nvSpPr>
+        <p:spPr>
+          <a:xfrm>
+            <a:off x="3757930" y="11082655"/>
+            <a:ext cx="377825" cy="518160"/>
+          </a:xfrm>
+          <a:prstGeom prst="rect">
+            <a:avLst/>
+          </a:prstGeom>
+          <a:noFill/>
+        </p:spPr>
+        <p:txBody>
+          <a:bodyPr wrap="none" rtlCol="0" anchor="t">
+            <a:spAutoFit/>
+          </a:bodyPr>
+          <a:p>
+            <a:r>
+              <a:rPr lang="zh-CN" altLang="en-US" sz="2800">
+                <a:latin typeface="Arial" panose="020B0604020202020204" pitchFamily="34" charset="0"/>
+              </a:rPr>
+              <a:t>≈</a:t>
+            </a:r>
+            <a:endParaRPr lang="zh-CN" altLang="en-US" sz="2800">
+              <a:latin typeface="Arial" panose="020B0604020202020204" pitchFamily="34" charset="0"/>
+            </a:endParaRPr>
+          </a:p>
+        </p:txBody>
+      </p:sp>
     </p:spTree>
   </p:cSld>
   <p:clrMapOvr>

--- a/images/rise_flattop_fall.pptx
+++ b/images/rise_flattop_fall.pptx
@@ -5208,53 +5208,6 @@
           </a:fontRef>
         </p:style>
       </p:cxnSp>
-      <p:sp>
-        <p:nvSpPr>
-          <p:cNvPr id="6" name="闪电形 5"/>
-          <p:cNvSpPr/>
-          <p:nvPr/>
-        </p:nvSpPr>
-        <p:spPr>
-          <a:xfrm rot="16200000">
-            <a:off x="3561080" y="11935460"/>
-            <a:ext cx="640715" cy="1995170"/>
-          </a:xfrm>
-          <a:prstGeom prst="lightningBolt">
-            <a:avLst/>
-          </a:prstGeom>
-          <a:solidFill>
-            <a:srgbClr val="FF0000"/>
-          </a:solidFill>
-          <a:ln>
-            <a:solidFill>
-              <a:srgbClr val="FF0000"/>
-            </a:solidFill>
-          </a:ln>
-        </p:spPr>
-        <p:style>
-          <a:lnRef idx="2">
-            <a:schemeClr val="accent1">
-              <a:shade val="50000"/>
-            </a:schemeClr>
-          </a:lnRef>
-          <a:fillRef idx="1">
-            <a:schemeClr val="accent1"/>
-          </a:fillRef>
-          <a:effectRef idx="0">
-            <a:schemeClr val="accent1"/>
-          </a:effectRef>
-          <a:fontRef idx="minor">
-            <a:schemeClr val="lt1"/>
-          </a:fontRef>
-        </p:style>
-        <p:txBody>
-          <a:bodyPr rtlCol="0" anchor="ctr"/>
-          <a:p>
-            <a:pPr algn="ctr"/>
-            <a:endParaRPr lang="zh-CN" altLang="en-US"/>
-          </a:p>
-        </p:txBody>
-      </p:sp>
       <p:cxnSp>
         <p:nvCxnSpPr>
           <p:cNvPr id="7" name="直接箭头连接符 6"/>
@@ -5585,6 +5538,126 @@
           </a:fontRef>
         </p:style>
       </p:cxnSp>
+      <p:cxnSp>
+        <p:nvCxnSpPr>
+          <p:cNvPr id="10" name="直接连接符 9"/>
+          <p:cNvCxnSpPr/>
+          <p:nvPr/>
+        </p:nvCxnSpPr>
+        <p:spPr>
+          <a:xfrm flipV="1">
+            <a:off x="2703195" y="12625705"/>
+            <a:ext cx="2352675" cy="14605"/>
+          </a:xfrm>
+          <a:prstGeom prst="line">
+            <a:avLst/>
+          </a:prstGeom>
+          <a:ln w="76200">
+            <a:solidFill>
+              <a:srgbClr val="FFC000"/>
+            </a:solidFill>
+            <a:prstDash val="dash"/>
+          </a:ln>
+        </p:spPr>
+        <p:style>
+          <a:lnRef idx="3">
+            <a:schemeClr val="dk1"/>
+          </a:lnRef>
+          <a:fillRef idx="0">
+            <a:schemeClr val="dk1"/>
+          </a:fillRef>
+          <a:effectRef idx="2">
+            <a:schemeClr val="dk1"/>
+          </a:effectRef>
+          <a:fontRef idx="minor">
+            <a:schemeClr val="tx1"/>
+          </a:fontRef>
+        </p:style>
+      </p:cxnSp>
+      <p:pic>
+        <p:nvPicPr>
+          <p:cNvPr id="13" name="图片 12"/>
+          <p:cNvPicPr>
+            <a:picLocks noChangeAspect="1"/>
+          </p:cNvPicPr>
+          <p:nvPr/>
+        </p:nvPicPr>
+        <p:blipFill>
+          <a:blip r:embed="rId1"/>
+          <a:stretch>
+            <a:fillRect/>
+          </a:stretch>
+        </p:blipFill>
+        <p:spPr>
+          <a:xfrm>
+            <a:off x="1276350" y="12362815"/>
+            <a:ext cx="1547495" cy="628015"/>
+          </a:xfrm>
+          <a:prstGeom prst="rect">
+            <a:avLst/>
+          </a:prstGeom>
+        </p:spPr>
+      </p:pic>
+      <p:cxnSp>
+        <p:nvCxnSpPr>
+          <p:cNvPr id="11" name="直接连接符 10"/>
+          <p:cNvCxnSpPr/>
+          <p:nvPr/>
+        </p:nvCxnSpPr>
+        <p:spPr>
+          <a:xfrm flipV="1">
+            <a:off x="2598420" y="9215755"/>
+            <a:ext cx="2400300" cy="48260"/>
+          </a:xfrm>
+          <a:prstGeom prst="line">
+            <a:avLst/>
+          </a:prstGeom>
+          <a:ln w="76200">
+            <a:solidFill>
+              <a:srgbClr val="FF0000"/>
+            </a:solidFill>
+            <a:prstDash val="dash"/>
+          </a:ln>
+        </p:spPr>
+        <p:style>
+          <a:lnRef idx="3">
+            <a:schemeClr val="dk1"/>
+          </a:lnRef>
+          <a:fillRef idx="0">
+            <a:schemeClr val="dk1"/>
+          </a:fillRef>
+          <a:effectRef idx="2">
+            <a:schemeClr val="dk1"/>
+          </a:effectRef>
+          <a:fontRef idx="minor">
+            <a:schemeClr val="tx1"/>
+          </a:fontRef>
+        </p:style>
+      </p:cxnSp>
+      <p:pic>
+        <p:nvPicPr>
+          <p:cNvPr id="12" name="图片 11"/>
+          <p:cNvPicPr>
+            <a:picLocks noChangeAspect="1"/>
+          </p:cNvPicPr>
+          <p:nvPr/>
+        </p:nvPicPr>
+        <p:blipFill>
+          <a:blip r:embed="rId2"/>
+          <a:stretch>
+            <a:fillRect/>
+          </a:stretch>
+        </p:blipFill>
+        <p:spPr>
+          <a:xfrm>
+            <a:off x="1240155" y="8846185"/>
+            <a:ext cx="1739900" cy="706120"/>
+          </a:xfrm>
+          <a:prstGeom prst="rect">
+            <a:avLst/>
+          </a:prstGeom>
+        </p:spPr>
+      </p:pic>
     </p:spTree>
   </p:cSld>
   <p:clrMapOvr>
@@ -8861,53 +8934,6 @@
       </p:cxnSp>
       <p:sp>
         <p:nvSpPr>
-          <p:cNvPr id="2" name="闪电形 1"/>
-          <p:cNvSpPr/>
-          <p:nvPr/>
-        </p:nvSpPr>
-        <p:spPr>
-          <a:xfrm rot="16200000">
-            <a:off x="2515870" y="11356975"/>
-            <a:ext cx="640715" cy="1995170"/>
-          </a:xfrm>
-          <a:prstGeom prst="lightningBolt">
-            <a:avLst/>
-          </a:prstGeom>
-          <a:solidFill>
-            <a:srgbClr val="FF0000"/>
-          </a:solidFill>
-          <a:ln>
-            <a:solidFill>
-              <a:srgbClr val="FF0000"/>
-            </a:solidFill>
-          </a:ln>
-        </p:spPr>
-        <p:style>
-          <a:lnRef idx="2">
-            <a:schemeClr val="accent1">
-              <a:shade val="50000"/>
-            </a:schemeClr>
-          </a:lnRef>
-          <a:fillRef idx="1">
-            <a:schemeClr val="accent1"/>
-          </a:fillRef>
-          <a:effectRef idx="0">
-            <a:schemeClr val="accent1"/>
-          </a:effectRef>
-          <a:fontRef idx="minor">
-            <a:schemeClr val="lt1"/>
-          </a:fontRef>
-        </p:style>
-        <p:txBody>
-          <a:bodyPr rtlCol="0" anchor="ctr"/>
-          <a:p>
-            <a:pPr algn="ctr"/>
-            <a:endParaRPr lang="zh-CN" altLang="en-US" sz="2800"/>
-          </a:p>
-        </p:txBody>
-      </p:sp>
-      <p:sp>
-        <p:nvSpPr>
           <p:cNvPr id="8" name="文本框 7"/>
           <p:cNvSpPr txBox="1"/>
           <p:nvPr/>
@@ -8981,15 +9007,18 @@
           <p:nvPr/>
         </p:nvCxnSpPr>
         <p:spPr>
-          <a:xfrm rot="16200000" flipH="1">
-            <a:off x="3178810" y="11261725"/>
-            <a:ext cx="6350" cy="1538605"/>
+          <a:xfrm flipV="1">
+            <a:off x="2291080" y="12034520"/>
+            <a:ext cx="1793875" cy="19685"/>
           </a:xfrm>
           <a:prstGeom prst="line">
             <a:avLst/>
           </a:prstGeom>
-          <a:ln>
-            <a:prstDash val="sysDot"/>
+          <a:ln w="76200">
+            <a:solidFill>
+              <a:srgbClr val="FFC000"/>
+            </a:solidFill>
+            <a:prstDash val="dash"/>
           </a:ln>
         </p:spPr>
         <p:style>
@@ -9369,6 +9398,114 @@
           </a:p>
         </p:txBody>
       </p:sp>
+      <p:pic>
+        <p:nvPicPr>
+          <p:cNvPr id="13" name="图片 12"/>
+          <p:cNvPicPr>
+            <a:picLocks noChangeAspect="1"/>
+          </p:cNvPicPr>
+          <p:nvPr/>
+        </p:nvPicPr>
+        <p:blipFill>
+          <a:blip r:embed="rId1"/>
+          <a:stretch>
+            <a:fillRect/>
+          </a:stretch>
+        </p:blipFill>
+        <p:spPr>
+          <a:xfrm>
+            <a:off x="864235" y="11776710"/>
+            <a:ext cx="1547495" cy="628015"/>
+          </a:xfrm>
+          <a:prstGeom prst="rect">
+            <a:avLst/>
+          </a:prstGeom>
+        </p:spPr>
+      </p:pic>
+      <p:pic>
+        <p:nvPicPr>
+          <p:cNvPr id="20" name="图片 19"/>
+          <p:cNvPicPr>
+            <a:picLocks noChangeAspect="1"/>
+          </p:cNvPicPr>
+          <p:nvPr/>
+        </p:nvPicPr>
+        <p:blipFill>
+          <a:blip r:embed="rId2"/>
+          <a:stretch>
+            <a:fillRect/>
+          </a:stretch>
+        </p:blipFill>
+        <p:spPr>
+          <a:xfrm>
+            <a:off x="8234045" y="6875145"/>
+            <a:ext cx="45085" cy="666750"/>
+          </a:xfrm>
+          <a:prstGeom prst="rect">
+            <a:avLst/>
+          </a:prstGeom>
+        </p:spPr>
+      </p:pic>
+      <p:cxnSp>
+        <p:nvCxnSpPr>
+          <p:cNvPr id="21" name="直接连接符 20"/>
+          <p:cNvCxnSpPr/>
+          <p:nvPr/>
+        </p:nvCxnSpPr>
+        <p:spPr>
+          <a:xfrm flipV="1">
+            <a:off x="2186305" y="8658225"/>
+            <a:ext cx="1793875" cy="19685"/>
+          </a:xfrm>
+          <a:prstGeom prst="line">
+            <a:avLst/>
+          </a:prstGeom>
+          <a:ln w="76200">
+            <a:solidFill>
+              <a:srgbClr val="FF0000"/>
+            </a:solidFill>
+            <a:prstDash val="dash"/>
+          </a:ln>
+        </p:spPr>
+        <p:style>
+          <a:lnRef idx="3">
+            <a:schemeClr val="dk1"/>
+          </a:lnRef>
+          <a:fillRef idx="0">
+            <a:schemeClr val="dk1"/>
+          </a:fillRef>
+          <a:effectRef idx="2">
+            <a:schemeClr val="dk1"/>
+          </a:effectRef>
+          <a:fontRef idx="minor">
+            <a:schemeClr val="tx1"/>
+          </a:fontRef>
+        </p:style>
+      </p:cxnSp>
+      <p:pic>
+        <p:nvPicPr>
+          <p:cNvPr id="19" name="图片 18"/>
+          <p:cNvPicPr>
+            <a:picLocks noChangeAspect="1"/>
+          </p:cNvPicPr>
+          <p:nvPr/>
+        </p:nvPicPr>
+        <p:blipFill>
+          <a:blip r:embed="rId3"/>
+          <a:stretch>
+            <a:fillRect/>
+          </a:stretch>
+        </p:blipFill>
+        <p:spPr>
+          <a:xfrm>
+            <a:off x="828040" y="8260080"/>
+            <a:ext cx="1739900" cy="706120"/>
+          </a:xfrm>
+          <a:prstGeom prst="rect">
+            <a:avLst/>
+          </a:prstGeom>
+        </p:spPr>
+      </p:pic>
     </p:spTree>
   </p:cSld>
   <p:clrMapOvr>

--- a/images/rise_flattop_fall.pptx
+++ b/images/rise_flattop_fall.pptx
@@ -3016,383 +3016,16 @@
         <p:nvPr/>
       </p:nvGrpSpPr>
       <p:grpSpPr/>
-      <p:grpSp>
-        <p:nvGrpSpPr>
-          <p:cNvPr id="17" name="组合 16"/>
-          <p:cNvGrpSpPr/>
-          <p:nvPr/>
-        </p:nvGrpSpPr>
-        <p:grpSpPr>
-          <a:xfrm>
-            <a:off x="3075305" y="9109774"/>
-            <a:ext cx="13317220" cy="1387686"/>
-            <a:chOff x="4761" y="8252"/>
-            <a:chExt cx="20972" cy="2185"/>
-          </a:xfrm>
-        </p:grpSpPr>
-        <p:sp>
-          <p:nvSpPr>
-            <p:cNvPr id="50" name="文本框 20"/>
-            <p:cNvSpPr txBox="1"/>
-            <p:nvPr/>
-          </p:nvSpPr>
-          <p:spPr>
-            <a:xfrm>
-              <a:off x="20145" y="8661"/>
-              <a:ext cx="5588" cy="1488"/>
-            </a:xfrm>
-            <a:prstGeom prst="rect">
-              <a:avLst/>
-            </a:prstGeom>
-            <a:noFill/>
-            <a:ln w="9525">
-              <a:noFill/>
-            </a:ln>
-          </p:spPr>
-          <p:txBody>
-            <a:bodyPr wrap="square" anchor="t">
-              <a:spAutoFit/>
-            </a:bodyPr>
-            <a:p>
-              <a:pPr lvl="0"/>
-              <a:r>
-                <a:rPr lang="en-US" altLang="zh-CN" sz="2800">
-                  <a:latin typeface="Arial" panose="020B0604020202020204" pitchFamily="34" charset="0"/>
-                  <a:ea typeface="AR PL KaitiM GB" charset="0"/>
-                </a:rPr>
-                <a:t>Location along the synchrotron</a:t>
-              </a:r>
-              <a:endParaRPr lang="en-US" altLang="zh-CN" sz="2800">
-                <a:latin typeface="Arial" panose="020B0604020202020204" pitchFamily="34" charset="0"/>
-                <a:ea typeface="AR PL KaitiM GB" charset="0"/>
-              </a:endParaRPr>
-            </a:p>
-          </p:txBody>
-        </p:sp>
-        <p:cxnSp>
-          <p:nvCxnSpPr>
-            <p:cNvPr id="51" name="直接箭头连接符 50"/>
-            <p:cNvCxnSpPr/>
-            <p:nvPr/>
-          </p:nvCxnSpPr>
-          <p:spPr>
-            <a:xfrm>
-              <a:off x="14073" y="8462"/>
-              <a:ext cx="4292" cy="1975"/>
-            </a:xfrm>
-            <a:prstGeom prst="straightConnector1">
-              <a:avLst/>
-            </a:prstGeom>
-            <a:ln>
-              <a:solidFill>
-                <a:schemeClr val="tx1"/>
-              </a:solidFill>
-              <a:headEnd type="none"/>
-              <a:tailEnd type="none"/>
-            </a:ln>
-          </p:spPr>
-          <p:style>
-            <a:lnRef idx="1">
-              <a:schemeClr val="accent1"/>
-            </a:lnRef>
-            <a:fillRef idx="0">
-              <a:schemeClr val="accent1"/>
-            </a:fillRef>
-            <a:effectRef idx="0">
-              <a:schemeClr val="accent1"/>
-            </a:effectRef>
-            <a:fontRef idx="minor">
-              <a:schemeClr val="tx1"/>
-            </a:fontRef>
-          </p:style>
-        </p:cxnSp>
-        <p:sp>
-          <p:nvSpPr>
-            <p:cNvPr id="52" name="椭圆 51"/>
-            <p:cNvSpPr/>
-            <p:nvPr/>
-          </p:nvSpPr>
-          <p:spPr>
-            <a:xfrm>
-              <a:off x="12647" y="8253"/>
-              <a:ext cx="1340" cy="445"/>
-            </a:xfrm>
-            <a:prstGeom prst="ellipse">
-              <a:avLst/>
-            </a:prstGeom>
-            <a:solidFill>
-              <a:srgbClr val="FFC000"/>
-            </a:solidFill>
-            <a:ln>
-              <a:noFill/>
-            </a:ln>
-          </p:spPr>
-          <p:style>
-            <a:lnRef idx="2">
-              <a:schemeClr val="accent1">
-                <a:shade val="50000"/>
-              </a:schemeClr>
-            </a:lnRef>
-            <a:fillRef idx="1">
-              <a:schemeClr val="accent1"/>
-            </a:fillRef>
-            <a:effectRef idx="0">
-              <a:schemeClr val="accent1"/>
-            </a:effectRef>
-            <a:fontRef idx="minor">
-              <a:schemeClr val="lt1"/>
-            </a:fontRef>
-          </p:style>
-          <p:txBody>
-            <a:bodyPr rtlCol="0" anchor="ctr"/>
-            <a:p>
-              <a:pPr algn="l" fontAlgn="base"/>
-              <a:endParaRPr lang="en-US" altLang="zh-CN" sz="2400" strike="noStrike" noProof="1">
-                <a:solidFill>
-                  <a:schemeClr val="tx1"/>
-                </a:solidFill>
-                <a:latin typeface="Arial" panose="020B0604020202020204" pitchFamily="34" charset="0"/>
-              </a:endParaRPr>
-            </a:p>
-          </p:txBody>
-        </p:sp>
-        <p:sp>
-          <p:nvSpPr>
-            <p:cNvPr id="54" name="左箭头 53"/>
-            <p:cNvSpPr/>
-            <p:nvPr/>
-          </p:nvSpPr>
-          <p:spPr>
-            <a:xfrm rot="1500000" flipH="1">
-              <a:off x="17509" y="9483"/>
-              <a:ext cx="976" cy="600"/>
-            </a:xfrm>
-            <a:prstGeom prst="leftArrow">
-              <a:avLst/>
-            </a:prstGeom>
-            <a:solidFill>
-              <a:schemeClr val="tx1"/>
-            </a:solidFill>
-          </p:spPr>
-          <p:style>
-            <a:lnRef idx="2">
-              <a:schemeClr val="accent1">
-                <a:shade val="50000"/>
-              </a:schemeClr>
-            </a:lnRef>
-            <a:fillRef idx="1">
-              <a:schemeClr val="accent1"/>
-            </a:fillRef>
-            <a:effectRef idx="0">
-              <a:schemeClr val="accent1"/>
-            </a:effectRef>
-            <a:fontRef idx="minor">
-              <a:schemeClr val="lt1"/>
-            </a:fontRef>
-          </p:style>
-          <p:txBody>
-            <a:bodyPr rtlCol="0" anchor="ctr"/>
-            <a:p>
-              <a:pPr algn="ctr"/>
-              <a:endParaRPr lang="zh-CN" altLang="en-US"/>
-            </a:p>
-          </p:txBody>
-        </p:sp>
-        <p:sp>
-          <p:nvSpPr>
-            <p:cNvPr id="55" name="椭圆 54"/>
-            <p:cNvSpPr/>
-            <p:nvPr/>
-          </p:nvSpPr>
-          <p:spPr>
-            <a:xfrm>
-              <a:off x="10309" y="8252"/>
-              <a:ext cx="1340" cy="445"/>
-            </a:xfrm>
-            <a:prstGeom prst="ellipse">
-              <a:avLst/>
-            </a:prstGeom>
-            <a:solidFill>
-              <a:srgbClr val="FFC000"/>
-            </a:solidFill>
-            <a:ln>
-              <a:noFill/>
-            </a:ln>
-          </p:spPr>
-          <p:style>
-            <a:lnRef idx="2">
-              <a:schemeClr val="accent1">
-                <a:shade val="50000"/>
-              </a:schemeClr>
-            </a:lnRef>
-            <a:fillRef idx="1">
-              <a:schemeClr val="accent1"/>
-            </a:fillRef>
-            <a:effectRef idx="0">
-              <a:schemeClr val="accent1"/>
-            </a:effectRef>
-            <a:fontRef idx="minor">
-              <a:schemeClr val="lt1"/>
-            </a:fontRef>
-          </p:style>
-          <p:txBody>
-            <a:bodyPr rtlCol="0" anchor="ctr"/>
-            <a:p>
-              <a:pPr algn="l" fontAlgn="base"/>
-              <a:endParaRPr lang="en-US" altLang="zh-CN" sz="2400" strike="noStrike" noProof="1">
-                <a:solidFill>
-                  <a:schemeClr val="tx1"/>
-                </a:solidFill>
-                <a:latin typeface="Arial" panose="020B0604020202020204" pitchFamily="34" charset="0"/>
-              </a:endParaRPr>
-            </a:p>
-          </p:txBody>
-        </p:sp>
-        <p:sp>
-          <p:nvSpPr>
-            <p:cNvPr id="56" name="椭圆 55"/>
-            <p:cNvSpPr/>
-            <p:nvPr/>
-          </p:nvSpPr>
-          <p:spPr>
-            <a:xfrm>
-              <a:off x="17230" y="8253"/>
-              <a:ext cx="1340" cy="445"/>
-            </a:xfrm>
-            <a:prstGeom prst="ellipse">
-              <a:avLst/>
-            </a:prstGeom>
-            <a:solidFill>
-              <a:srgbClr val="FFC000"/>
-            </a:solidFill>
-            <a:ln>
-              <a:noFill/>
-            </a:ln>
-          </p:spPr>
-          <p:style>
-            <a:lnRef idx="2">
-              <a:schemeClr val="accent1">
-                <a:shade val="50000"/>
-              </a:schemeClr>
-            </a:lnRef>
-            <a:fillRef idx="1">
-              <a:schemeClr val="accent1"/>
-            </a:fillRef>
-            <a:effectRef idx="0">
-              <a:schemeClr val="accent1"/>
-            </a:effectRef>
-            <a:fontRef idx="minor">
-              <a:schemeClr val="lt1"/>
-            </a:fontRef>
-          </p:style>
-          <p:txBody>
-            <a:bodyPr rtlCol="0" anchor="ctr"/>
-            <a:p>
-              <a:pPr algn="l" fontAlgn="base"/>
-              <a:endParaRPr lang="en-US" altLang="zh-CN" sz="2400" strike="noStrike" noProof="1">
-                <a:solidFill>
-                  <a:schemeClr val="tx1"/>
-                </a:solidFill>
-                <a:latin typeface="Arial" panose="020B0604020202020204" pitchFamily="34" charset="0"/>
-              </a:endParaRPr>
-            </a:p>
-          </p:txBody>
-        </p:sp>
-        <p:sp>
-          <p:nvSpPr>
-            <p:cNvPr id="57" name="椭圆 56"/>
-            <p:cNvSpPr/>
-            <p:nvPr/>
-          </p:nvSpPr>
-          <p:spPr>
-            <a:xfrm>
-              <a:off x="14892" y="8252"/>
-              <a:ext cx="1340" cy="445"/>
-            </a:xfrm>
-            <a:prstGeom prst="ellipse">
-              <a:avLst/>
-            </a:prstGeom>
-            <a:solidFill>
-              <a:srgbClr val="FFC000"/>
-            </a:solidFill>
-            <a:ln>
-              <a:noFill/>
-            </a:ln>
-          </p:spPr>
-          <p:style>
-            <a:lnRef idx="2">
-              <a:schemeClr val="accent1">
-                <a:shade val="50000"/>
-              </a:schemeClr>
-            </a:lnRef>
-            <a:fillRef idx="1">
-              <a:schemeClr val="accent1"/>
-            </a:fillRef>
-            <a:effectRef idx="0">
-              <a:schemeClr val="accent1"/>
-            </a:effectRef>
-            <a:fontRef idx="minor">
-              <a:schemeClr val="lt1"/>
-            </a:fontRef>
-          </p:style>
-          <p:txBody>
-            <a:bodyPr rtlCol="0" anchor="ctr"/>
-            <a:p>
-              <a:pPr algn="l" fontAlgn="base"/>
-              <a:endParaRPr lang="en-US" altLang="zh-CN" sz="2400" strike="noStrike" noProof="1">
-                <a:solidFill>
-                  <a:schemeClr val="tx1"/>
-                </a:solidFill>
-                <a:latin typeface="Arial" panose="020B0604020202020204" pitchFamily="34" charset="0"/>
-              </a:endParaRPr>
-            </a:p>
-          </p:txBody>
-        </p:sp>
-        <p:cxnSp>
-          <p:nvCxnSpPr>
-            <p:cNvPr id="58" name="直接箭头连接符 57"/>
-            <p:cNvCxnSpPr/>
-            <p:nvPr/>
-          </p:nvCxnSpPr>
-          <p:spPr>
-            <a:xfrm>
-              <a:off x="4761" y="8462"/>
-              <a:ext cx="19749" cy="54"/>
-            </a:xfrm>
-            <a:prstGeom prst="straightConnector1">
-              <a:avLst/>
-            </a:prstGeom>
-            <a:ln>
-              <a:prstDash val="dash"/>
-              <a:tailEnd type="arrow" w="med" len="med"/>
-            </a:ln>
-          </p:spPr>
-          <p:style>
-            <a:lnRef idx="3">
-              <a:schemeClr val="dk1"/>
-            </a:lnRef>
-            <a:fillRef idx="0">
-              <a:schemeClr val="dk1"/>
-            </a:fillRef>
-            <a:effectRef idx="2">
-              <a:schemeClr val="dk1"/>
-            </a:effectRef>
-            <a:fontRef idx="minor">
-              <a:schemeClr val="tx1"/>
-            </a:fontRef>
-          </p:style>
-        </p:cxnSp>
-      </p:grpSp>
-      <p:sp>
-        <p:nvSpPr>
-          <p:cNvPr id="26658" name="文本框 20"/>
+      <p:sp>
+        <p:nvSpPr>
+          <p:cNvPr id="50" name="文本框 20"/>
           <p:cNvSpPr txBox="1"/>
           <p:nvPr/>
         </p:nvSpPr>
         <p:spPr>
           <a:xfrm>
-            <a:off x="12878435" y="11099800"/>
-            <a:ext cx="3233420" cy="944880"/>
+            <a:off x="12844145" y="9369425"/>
+            <a:ext cx="3548380" cy="944880"/>
           </a:xfrm>
           <a:prstGeom prst="rect">
             <a:avLst/>
@@ -3424,14 +3057,14 @@
       </p:sp>
       <p:cxnSp>
         <p:nvCxnSpPr>
-          <p:cNvPr id="132" name="直接箭头连接符 131"/>
+          <p:cNvPr id="51" name="直接箭头连接符 50"/>
           <p:cNvCxnSpPr/>
           <p:nvPr/>
         </p:nvCxnSpPr>
         <p:spPr>
           <a:xfrm>
-            <a:off x="8940165" y="10973435"/>
-            <a:ext cx="2531110" cy="1164590"/>
+            <a:off x="8988425" y="9243060"/>
+            <a:ext cx="2725420" cy="1254125"/>
           </a:xfrm>
           <a:prstGeom prst="straightConnector1">
             <a:avLst/>
@@ -3461,13 +3094,13 @@
       </p:cxnSp>
       <p:sp>
         <p:nvSpPr>
-          <p:cNvPr id="18" name="椭圆 17"/>
+          <p:cNvPr id="52" name="椭圆 51"/>
           <p:cNvSpPr/>
           <p:nvPr/>
         </p:nvSpPr>
         <p:spPr>
           <a:xfrm>
-            <a:off x="7536180" y="10814685"/>
+            <a:off x="8082915" y="9110345"/>
             <a:ext cx="850900" cy="282575"/>
           </a:xfrm>
           <a:prstGeom prst="ellipse">
@@ -3511,52 +3144,13 @@
       </p:sp>
       <p:sp>
         <p:nvSpPr>
-          <p:cNvPr id="44" name="文本框 43"/>
-          <p:cNvSpPr txBox="1"/>
-          <p:nvPr/>
-        </p:nvSpPr>
-        <p:spPr>
-          <a:xfrm>
-            <a:off x="8491220" y="8177530"/>
-            <a:ext cx="2190750" cy="518160"/>
-          </a:xfrm>
-          <a:prstGeom prst="rect">
-            <a:avLst/>
-          </a:prstGeom>
-          <a:noFill/>
-        </p:spPr>
-        <p:txBody>
-          <a:bodyPr wrap="square" rtlCol="0">
-            <a:spAutoFit/>
-          </a:bodyPr>
-          <a:p>
-            <a:r>
-              <a:rPr lang="en-US" altLang="zh-CN" sz="2800">
-                <a:latin typeface="Arial" panose="020B0604020202020204" pitchFamily="34" charset="0"/>
-              </a:rPr>
-              <a:t>Bunch </a:t>
-            </a:r>
-            <a:r>
-              <a:rPr lang="en-US" altLang="zh-CN" sz="2400">
-                <a:latin typeface="Arial" panose="020B0604020202020204" pitchFamily="34" charset="0"/>
-              </a:rPr>
-              <a:t>gap</a:t>
-            </a:r>
-            <a:endParaRPr lang="en-US" altLang="zh-CN" sz="2400">
-              <a:latin typeface="Arial" panose="020B0604020202020204" pitchFamily="34" charset="0"/>
-            </a:endParaRPr>
-          </a:p>
-        </p:txBody>
-      </p:sp>
-      <p:sp>
-        <p:nvSpPr>
-          <p:cNvPr id="47" name="左箭头 46"/>
+          <p:cNvPr id="54" name="左箭头 53"/>
           <p:cNvSpPr/>
           <p:nvPr/>
         </p:nvSpPr>
         <p:spPr>
           <a:xfrm rot="1500000" flipH="1">
-            <a:off x="11045825" y="11621770"/>
+            <a:off x="11170285" y="9891395"/>
             <a:ext cx="619760" cy="381000"/>
           </a:xfrm>
           <a:prstGeom prst="leftArrow">
@@ -3592,13 +3186,13 @@
       </p:sp>
       <p:sp>
         <p:nvSpPr>
-          <p:cNvPr id="5" name="椭圆 4"/>
+          <p:cNvPr id="55" name="椭圆 54"/>
           <p:cNvSpPr/>
           <p:nvPr/>
         </p:nvSpPr>
         <p:spPr>
           <a:xfrm>
-            <a:off x="6051550" y="10814050"/>
+            <a:off x="6598285" y="9109710"/>
             <a:ext cx="850900" cy="282575"/>
           </a:xfrm>
           <a:prstGeom prst="ellipse">
@@ -3640,15 +3234,125 @@
           </a:p>
         </p:txBody>
       </p:sp>
-      <p:sp>
-        <p:nvSpPr>
-          <p:cNvPr id="15" name="椭圆 14"/>
+      <p:cxnSp>
+        <p:nvCxnSpPr>
+          <p:cNvPr id="58" name="直接箭头连接符 57"/>
+          <p:cNvCxnSpPr/>
+          <p:nvPr/>
+        </p:nvCxnSpPr>
+        <p:spPr>
+          <a:xfrm>
+            <a:off x="3075940" y="9243060"/>
+            <a:ext cx="12540615" cy="34290"/>
+          </a:xfrm>
+          <a:prstGeom prst="straightConnector1">
+            <a:avLst/>
+          </a:prstGeom>
+          <a:ln>
+            <a:prstDash val="dash"/>
+            <a:tailEnd type="arrow" w="med" len="med"/>
+          </a:ln>
+        </p:spPr>
+        <p:style>
+          <a:lnRef idx="3">
+            <a:schemeClr val="dk1"/>
+          </a:lnRef>
+          <a:fillRef idx="0">
+            <a:schemeClr val="dk1"/>
+          </a:fillRef>
+          <a:effectRef idx="2">
+            <a:schemeClr val="dk1"/>
+          </a:effectRef>
+          <a:fontRef idx="minor">
+            <a:schemeClr val="tx1"/>
+          </a:fontRef>
+        </p:style>
+      </p:cxnSp>
+      <p:sp>
+        <p:nvSpPr>
+          <p:cNvPr id="26658" name="文本框 20"/>
+          <p:cNvSpPr txBox="1"/>
+          <p:nvPr/>
+        </p:nvSpPr>
+        <p:spPr>
+          <a:xfrm>
+            <a:off x="12878435" y="11099800"/>
+            <a:ext cx="3233420" cy="944880"/>
+          </a:xfrm>
+          <a:prstGeom prst="rect">
+            <a:avLst/>
+          </a:prstGeom>
+          <a:noFill/>
+          <a:ln w="9525">
+            <a:noFill/>
+          </a:ln>
+        </p:spPr>
+        <p:txBody>
+          <a:bodyPr wrap="square" anchor="t">
+            <a:spAutoFit/>
+          </a:bodyPr>
+          <a:p>
+            <a:pPr lvl="0"/>
+            <a:r>
+              <a:rPr lang="en-US" altLang="zh-CN" sz="2800">
+                <a:latin typeface="Arial" panose="020B0604020202020204" pitchFamily="34" charset="0"/>
+                <a:ea typeface="AR PL KaitiM GB" charset="0"/>
+              </a:rPr>
+              <a:t>Location along the synchrotron</a:t>
+            </a:r>
+            <a:endParaRPr lang="en-US" altLang="zh-CN" sz="2800">
+              <a:latin typeface="Arial" panose="020B0604020202020204" pitchFamily="34" charset="0"/>
+              <a:ea typeface="AR PL KaitiM GB" charset="0"/>
+            </a:endParaRPr>
+          </a:p>
+        </p:txBody>
+      </p:sp>
+      <p:cxnSp>
+        <p:nvCxnSpPr>
+          <p:cNvPr id="132" name="直接箭头连接符 131"/>
+          <p:cNvCxnSpPr/>
+          <p:nvPr/>
+        </p:nvCxnSpPr>
+        <p:spPr>
+          <a:xfrm>
+            <a:off x="8940165" y="10973435"/>
+            <a:ext cx="2531110" cy="1164590"/>
+          </a:xfrm>
+          <a:prstGeom prst="straightConnector1">
+            <a:avLst/>
+          </a:prstGeom>
+          <a:ln>
+            <a:solidFill>
+              <a:schemeClr val="tx1"/>
+            </a:solidFill>
+            <a:headEnd type="none"/>
+            <a:tailEnd type="none"/>
+          </a:ln>
+        </p:spPr>
+        <p:style>
+          <a:lnRef idx="1">
+            <a:schemeClr val="accent1"/>
+          </a:lnRef>
+          <a:fillRef idx="0">
+            <a:schemeClr val="accent1"/>
+          </a:fillRef>
+          <a:effectRef idx="0">
+            <a:schemeClr val="accent1"/>
+          </a:effectRef>
+          <a:fontRef idx="minor">
+            <a:schemeClr val="tx1"/>
+          </a:fontRef>
+        </p:style>
+      </p:cxnSp>
+      <p:sp>
+        <p:nvSpPr>
+          <p:cNvPr id="18" name="椭圆 17"/>
           <p:cNvSpPr/>
           <p:nvPr/>
         </p:nvSpPr>
         <p:spPr>
           <a:xfrm>
-            <a:off x="10446385" y="10814685"/>
+            <a:off x="7536180" y="10814685"/>
             <a:ext cx="850900" cy="282575"/>
           </a:xfrm>
           <a:prstGeom prst="ellipse">
@@ -3692,13 +3396,89 @@
       </p:sp>
       <p:sp>
         <p:nvSpPr>
-          <p:cNvPr id="16" name="椭圆 15"/>
+          <p:cNvPr id="44" name="文本框 43"/>
+          <p:cNvSpPr txBox="1"/>
+          <p:nvPr/>
+        </p:nvSpPr>
+        <p:spPr>
+          <a:xfrm>
+            <a:off x="6864350" y="8143240"/>
+            <a:ext cx="2190750" cy="518160"/>
+          </a:xfrm>
+          <a:prstGeom prst="rect">
+            <a:avLst/>
+          </a:prstGeom>
+          <a:noFill/>
+        </p:spPr>
+        <p:txBody>
+          <a:bodyPr wrap="square" rtlCol="0">
+            <a:spAutoFit/>
+          </a:bodyPr>
+          <a:p>
+            <a:pPr algn="l"/>
+            <a:r>
+              <a:rPr lang="en-US" altLang="zh-CN" sz="2800">
+                <a:latin typeface="Arial" panose="020B0604020202020204" pitchFamily="34" charset="0"/>
+              </a:rPr>
+              <a:t>Bunch gap</a:t>
+            </a:r>
+            <a:endParaRPr lang="en-US" altLang="zh-CN" sz="2800">
+              <a:latin typeface="Arial" panose="020B0604020202020204" pitchFamily="34" charset="0"/>
+            </a:endParaRPr>
+          </a:p>
+        </p:txBody>
+      </p:sp>
+      <p:sp>
+        <p:nvSpPr>
+          <p:cNvPr id="47" name="左箭头 46"/>
           <p:cNvSpPr/>
           <p:nvPr/>
         </p:nvSpPr>
         <p:spPr>
-          <a:xfrm>
-            <a:off x="8961120" y="10814050"/>
+          <a:xfrm rot="1500000" flipH="1">
+            <a:off x="11045825" y="11621770"/>
+            <a:ext cx="619760" cy="381000"/>
+          </a:xfrm>
+          <a:prstGeom prst="leftArrow">
+            <a:avLst/>
+          </a:prstGeom>
+          <a:solidFill>
+            <a:schemeClr val="tx1"/>
+          </a:solidFill>
+        </p:spPr>
+        <p:style>
+          <a:lnRef idx="2">
+            <a:schemeClr val="accent1">
+              <a:shade val="50000"/>
+            </a:schemeClr>
+          </a:lnRef>
+          <a:fillRef idx="1">
+            <a:schemeClr val="accent1"/>
+          </a:fillRef>
+          <a:effectRef idx="0">
+            <a:schemeClr val="accent1"/>
+          </a:effectRef>
+          <a:fontRef idx="minor">
+            <a:schemeClr val="lt1"/>
+          </a:fontRef>
+        </p:style>
+        <p:txBody>
+          <a:bodyPr rtlCol="0" anchor="ctr"/>
+          <a:p>
+            <a:pPr algn="ctr"/>
+            <a:endParaRPr lang="zh-CN" altLang="en-US"/>
+          </a:p>
+        </p:txBody>
+      </p:sp>
+      <p:sp>
+        <p:nvSpPr>
+          <p:cNvPr id="5" name="椭圆 4"/>
+          <p:cNvSpPr/>
+          <p:nvPr/>
+        </p:nvSpPr>
+        <p:spPr>
+          <a:xfrm>
+            <a:off x="6051550" y="10814050"/>
             <a:ext cx="850900" cy="282575"/>
           </a:xfrm>
           <a:prstGeom prst="ellipse">
@@ -3782,7 +3562,7 @@
         </p:nvCxnSpPr>
         <p:spPr>
           <a:xfrm>
-            <a:off x="9571355" y="8647430"/>
+            <a:off x="8047355" y="8647430"/>
             <a:ext cx="0" cy="603250"/>
           </a:xfrm>
           <a:prstGeom prst="line">
@@ -3815,7 +3595,7 @@
         </p:nvCxnSpPr>
         <p:spPr>
           <a:xfrm>
-            <a:off x="8973820" y="8671560"/>
+            <a:off x="7449820" y="8671560"/>
             <a:ext cx="0" cy="603250"/>
           </a:xfrm>
           <a:prstGeom prst="line">
@@ -3848,7 +3628,7 @@
         </p:nvCxnSpPr>
         <p:spPr>
           <a:xfrm>
-            <a:off x="8364855" y="8726170"/>
+            <a:off x="6840855" y="8726170"/>
             <a:ext cx="628015" cy="12065"/>
           </a:xfrm>
           <a:prstGeom prst="straightConnector1">
@@ -3881,7 +3661,7 @@
         </p:nvCxnSpPr>
         <p:spPr>
           <a:xfrm flipH="1">
-            <a:off x="9613900" y="8733790"/>
+            <a:off x="8089900" y="8733790"/>
             <a:ext cx="611505" cy="12065"/>
           </a:xfrm>
           <a:prstGeom prst="straightConnector1">
@@ -3947,7 +3727,7 @@
         </p:nvCxnSpPr>
         <p:spPr>
           <a:xfrm flipH="1">
-            <a:off x="11880850" y="7534275"/>
+            <a:off x="9496425" y="7423785"/>
             <a:ext cx="12065" cy="1851025"/>
           </a:xfrm>
           <a:prstGeom prst="line">
@@ -3980,8 +3760,8 @@
         </p:nvCxnSpPr>
         <p:spPr>
           <a:xfrm flipV="1">
-            <a:off x="6665595" y="7998460"/>
-            <a:ext cx="5175885" cy="13970"/>
+            <a:off x="6665595" y="7977505"/>
+            <a:ext cx="2838450" cy="34925"/>
           </a:xfrm>
           <a:prstGeom prst="straightConnector1">
             <a:avLst/>
@@ -4014,7 +3794,7 @@
         </p:nvSpPr>
         <p:spPr>
           <a:xfrm>
-            <a:off x="8863965" y="7431405"/>
+            <a:off x="7466965" y="7456805"/>
             <a:ext cx="1740535" cy="518160"/>
           </a:xfrm>
           <a:prstGeom prst="rect">
@@ -4094,381 +3874,262 @@
           </a:p>
         </p:txBody>
       </p:sp>
-      <p:grpSp>
-        <p:nvGrpSpPr>
-          <p:cNvPr id="20" name="组合 19"/>
-          <p:cNvGrpSpPr/>
-          <p:nvPr/>
-        </p:nvGrpSpPr>
-        <p:grpSpPr>
-          <a:xfrm>
+      <p:cxnSp>
+        <p:nvCxnSpPr>
+          <p:cNvPr id="75" name="直接箭头连接符 74"/>
+          <p:cNvCxnSpPr/>
+          <p:nvPr/>
+        </p:nvCxnSpPr>
+        <p:spPr>
+          <a:xfrm>
+            <a:off x="8946515" y="5471795"/>
+            <a:ext cx="3566795" cy="1627505"/>
+          </a:xfrm>
+          <a:prstGeom prst="straightConnector1">
+            <a:avLst/>
+          </a:prstGeom>
+          <a:ln>
+            <a:solidFill>
+              <a:schemeClr val="tx1"/>
+            </a:solidFill>
+            <a:headEnd type="none"/>
+            <a:tailEnd type="none"/>
+          </a:ln>
+        </p:spPr>
+        <p:style>
+          <a:lnRef idx="1">
+            <a:schemeClr val="accent1"/>
+          </a:lnRef>
+          <a:fillRef idx="0">
+            <a:schemeClr val="accent1"/>
+          </a:fillRef>
+          <a:effectRef idx="0">
+            <a:schemeClr val="accent1"/>
+          </a:effectRef>
+          <a:fontRef idx="minor">
+            <a:schemeClr val="tx1"/>
+          </a:fontRef>
+        </p:style>
+      </p:cxnSp>
+      <p:sp>
+        <p:nvSpPr>
+          <p:cNvPr id="77" name="左箭头 76"/>
+          <p:cNvSpPr/>
+          <p:nvPr/>
+        </p:nvSpPr>
+        <p:spPr>
+          <a:xfrm rot="1500000" flipH="1">
+            <a:off x="11089640" y="6119495"/>
+            <a:ext cx="619760" cy="381000"/>
+          </a:xfrm>
+          <a:prstGeom prst="leftArrow">
+            <a:avLst/>
+          </a:prstGeom>
+          <a:solidFill>
+            <a:schemeClr val="tx1"/>
+          </a:solidFill>
+        </p:spPr>
+        <p:style>
+          <a:lnRef idx="2">
+            <a:schemeClr val="accent1">
+              <a:shade val="50000"/>
+            </a:schemeClr>
+          </a:lnRef>
+          <a:fillRef idx="1">
+            <a:schemeClr val="accent1"/>
+          </a:fillRef>
+          <a:effectRef idx="0">
+            <a:schemeClr val="accent1"/>
+          </a:effectRef>
+          <a:fontRef idx="minor">
+            <a:schemeClr val="lt1"/>
+          </a:fontRef>
+        </p:style>
+        <p:txBody>
+          <a:bodyPr rtlCol="0" anchor="ctr"/>
+          <a:p>
+            <a:pPr algn="ctr"/>
+            <a:endParaRPr lang="zh-CN" altLang="en-US"/>
+          </a:p>
+        </p:txBody>
+      </p:sp>
+      <p:cxnSp>
+        <p:nvCxnSpPr>
+          <p:cNvPr id="81" name="直接箭头连接符 80"/>
+          <p:cNvCxnSpPr/>
+          <p:nvPr/>
+        </p:nvCxnSpPr>
+        <p:spPr>
+          <a:xfrm flipV="1">
             <a:off x="2927350" y="5419090"/>
-            <a:ext cx="13535025" cy="2402711"/>
-            <a:chOff x="4559" y="10825"/>
-            <a:chExt cx="21315" cy="3784"/>
-          </a:xfrm>
-        </p:grpSpPr>
-        <p:cxnSp>
-          <p:nvCxnSpPr>
-            <p:cNvPr id="75" name="直接箭头连接符 74"/>
-            <p:cNvCxnSpPr/>
-            <p:nvPr/>
-          </p:nvCxnSpPr>
-          <p:spPr>
-            <a:xfrm>
-              <a:off x="14038" y="10908"/>
-              <a:ext cx="7709" cy="3546"/>
-            </a:xfrm>
-            <a:prstGeom prst="straightConnector1">
-              <a:avLst/>
-            </a:prstGeom>
-            <a:ln>
+            <a:ext cx="12689205" cy="19050"/>
+          </a:xfrm>
+          <a:prstGeom prst="straightConnector1">
+            <a:avLst/>
+          </a:prstGeom>
+          <a:ln>
+            <a:prstDash val="dash"/>
+            <a:tailEnd type="arrow" w="med" len="med"/>
+          </a:ln>
+        </p:spPr>
+        <p:style>
+          <a:lnRef idx="3">
+            <a:schemeClr val="dk1"/>
+          </a:lnRef>
+          <a:fillRef idx="0">
+            <a:schemeClr val="dk1"/>
+          </a:fillRef>
+          <a:effectRef idx="2">
+            <a:schemeClr val="dk1"/>
+          </a:effectRef>
+          <a:fontRef idx="minor">
+            <a:schemeClr val="tx1"/>
+          </a:fontRef>
+        </p:style>
+      </p:cxnSp>
+      <p:sp>
+        <p:nvSpPr>
+          <p:cNvPr id="84" name="文本框 20"/>
+          <p:cNvSpPr txBox="1"/>
+          <p:nvPr/>
+        </p:nvSpPr>
+        <p:spPr>
+          <a:xfrm>
+            <a:off x="12664440" y="5492115"/>
+            <a:ext cx="3797935" cy="944880"/>
+          </a:xfrm>
+          <a:prstGeom prst="rect">
+            <a:avLst/>
+          </a:prstGeom>
+          <a:noFill/>
+          <a:ln w="9525">
+            <a:noFill/>
+          </a:ln>
+        </p:spPr>
+        <p:txBody>
+          <a:bodyPr wrap="square" anchor="t">
+            <a:spAutoFit/>
+          </a:bodyPr>
+          <a:p>
+            <a:pPr lvl="0"/>
+            <a:r>
+              <a:rPr lang="en-US" altLang="zh-CN" sz="2800">
+                <a:latin typeface="Arial" panose="020B0604020202020204" pitchFamily="34" charset="0"/>
+                <a:ea typeface="AR PL KaitiM GB" charset="0"/>
+              </a:rPr>
+              <a:t>Location along the synchrotron</a:t>
+            </a:r>
+            <a:endParaRPr lang="en-US" altLang="zh-CN" sz="2800">
+              <a:latin typeface="Arial" panose="020B0604020202020204" pitchFamily="34" charset="0"/>
+              <a:ea typeface="AR PL KaitiM GB" charset="0"/>
+            </a:endParaRPr>
+          </a:p>
+        </p:txBody>
+      </p:sp>
+      <p:sp>
+        <p:nvSpPr>
+          <p:cNvPr id="85" name="椭圆 84"/>
+          <p:cNvSpPr/>
+          <p:nvPr/>
+        </p:nvSpPr>
+        <p:spPr>
+          <a:xfrm rot="1500000">
+            <a:off x="9331325" y="5715000"/>
+            <a:ext cx="848995" cy="294005"/>
+          </a:xfrm>
+          <a:prstGeom prst="ellipse">
+            <a:avLst/>
+          </a:prstGeom>
+          <a:solidFill>
+            <a:srgbClr val="FF0000">
+              <a:alpha val="52000"/>
+            </a:srgbClr>
+          </a:solidFill>
+          <a:ln>
+            <a:noFill/>
+          </a:ln>
+        </p:spPr>
+        <p:style>
+          <a:lnRef idx="2">
+            <a:schemeClr val="accent1">
+              <a:shade val="50000"/>
+            </a:schemeClr>
+          </a:lnRef>
+          <a:fillRef idx="1">
+            <a:schemeClr val="accent1"/>
+          </a:fillRef>
+          <a:effectRef idx="0">
+            <a:schemeClr val="accent1"/>
+          </a:effectRef>
+          <a:fontRef idx="minor">
+            <a:schemeClr val="lt1"/>
+          </a:fontRef>
+        </p:style>
+        <p:txBody>
+          <a:bodyPr rtlCol="0" anchor="ctr"/>
+          <a:p>
+            <a:pPr algn="l" fontAlgn="base"/>
+            <a:endParaRPr lang="en-US" altLang="zh-CN" sz="2400" strike="noStrike" noProof="1">
               <a:solidFill>
                 <a:schemeClr val="tx1"/>
               </a:solidFill>
-              <a:headEnd type="none"/>
-              <a:tailEnd type="none"/>
-            </a:ln>
-          </p:spPr>
-          <p:style>
-            <a:lnRef idx="1">
-              <a:schemeClr val="accent1"/>
-            </a:lnRef>
-            <a:fillRef idx="0">
-              <a:schemeClr val="accent1"/>
-            </a:fillRef>
-            <a:effectRef idx="0">
-              <a:schemeClr val="accent1"/>
-            </a:effectRef>
-            <a:fontRef idx="minor">
-              <a:schemeClr val="tx1"/>
-            </a:fontRef>
-          </p:style>
-        </p:cxnSp>
-        <p:sp>
-          <p:nvSpPr>
-            <p:cNvPr id="77" name="左箭头 76"/>
-            <p:cNvSpPr/>
-            <p:nvPr/>
-          </p:nvSpPr>
-          <p:spPr>
-            <a:xfrm rot="1500000" flipH="1">
-              <a:off x="17413" y="11928"/>
-              <a:ext cx="976" cy="600"/>
-            </a:xfrm>
-            <a:prstGeom prst="leftArrow">
-              <a:avLst/>
-            </a:prstGeom>
-            <a:solidFill>
-              <a:schemeClr val="tx1"/>
-            </a:solidFill>
-          </p:spPr>
-          <p:style>
-            <a:lnRef idx="2">
-              <a:schemeClr val="accent1">
-                <a:shade val="50000"/>
-              </a:schemeClr>
-            </a:lnRef>
-            <a:fillRef idx="1">
-              <a:schemeClr val="accent1"/>
-            </a:fillRef>
-            <a:effectRef idx="0">
-              <a:schemeClr val="accent1"/>
-            </a:effectRef>
-            <a:fontRef idx="minor">
-              <a:schemeClr val="lt1"/>
-            </a:fontRef>
-          </p:style>
-          <p:txBody>
-            <a:bodyPr rtlCol="0" anchor="ctr"/>
-            <a:p>
-              <a:pPr algn="ctr"/>
-              <a:endParaRPr lang="zh-CN" altLang="en-US"/>
-            </a:p>
-          </p:txBody>
-        </p:sp>
-        <p:cxnSp>
-          <p:nvCxnSpPr>
-            <p:cNvPr id="81" name="直接箭头连接符 80"/>
-            <p:cNvCxnSpPr/>
-            <p:nvPr/>
-          </p:nvCxnSpPr>
-          <p:spPr>
-            <a:xfrm flipV="1">
-              <a:off x="4559" y="10825"/>
-              <a:ext cx="19983" cy="30"/>
-            </a:xfrm>
-            <a:prstGeom prst="straightConnector1">
-              <a:avLst/>
-            </a:prstGeom>
-            <a:ln>
-              <a:prstDash val="dash"/>
-              <a:tailEnd type="arrow" w="med" len="med"/>
-            </a:ln>
-          </p:spPr>
-          <p:style>
-            <a:lnRef idx="3">
-              <a:schemeClr val="dk1"/>
-            </a:lnRef>
-            <a:fillRef idx="0">
-              <a:schemeClr val="dk1"/>
-            </a:fillRef>
-            <a:effectRef idx="2">
-              <a:schemeClr val="dk1"/>
-            </a:effectRef>
-            <a:fontRef idx="minor">
-              <a:schemeClr val="tx1"/>
-            </a:fontRef>
-          </p:style>
-        </p:cxnSp>
-        <p:sp>
-          <p:nvSpPr>
-            <p:cNvPr id="84" name="文本框 20"/>
-            <p:cNvSpPr txBox="1"/>
-            <p:nvPr/>
-          </p:nvSpPr>
-          <p:spPr>
-            <a:xfrm>
-              <a:off x="19893" y="10940"/>
-              <a:ext cx="5981" cy="1488"/>
-            </a:xfrm>
-            <a:prstGeom prst="rect">
-              <a:avLst/>
-            </a:prstGeom>
+              <a:latin typeface="Arial" panose="020B0604020202020204" pitchFamily="34" charset="0"/>
+            </a:endParaRPr>
+          </a:p>
+        </p:txBody>
+      </p:sp>
+      <p:sp>
+        <p:nvSpPr>
+          <p:cNvPr id="86" name="椭圆 85"/>
+          <p:cNvSpPr/>
+          <p:nvPr/>
+        </p:nvSpPr>
+        <p:spPr>
+          <a:xfrm rot="1560000">
+            <a:off x="10680700" y="6321425"/>
+            <a:ext cx="848995" cy="294005"/>
+          </a:xfrm>
+          <a:prstGeom prst="ellipse">
+            <a:avLst/>
+          </a:prstGeom>
+          <a:solidFill>
+            <a:srgbClr val="FF0000">
+              <a:alpha val="52000"/>
+            </a:srgbClr>
+          </a:solidFill>
+          <a:ln>
             <a:noFill/>
-            <a:ln w="9525">
-              <a:noFill/>
-            </a:ln>
-          </p:spPr>
-          <p:txBody>
-            <a:bodyPr wrap="square" anchor="t">
-              <a:spAutoFit/>
-            </a:bodyPr>
-            <a:p>
-              <a:pPr lvl="0"/>
-              <a:r>
-                <a:rPr lang="en-US" altLang="zh-CN" sz="2800">
-                  <a:latin typeface="Arial" panose="020B0604020202020204" pitchFamily="34" charset="0"/>
-                  <a:ea typeface="AR PL KaitiM GB" charset="0"/>
-                </a:rPr>
-                <a:t>Location along the synchrotron</a:t>
-              </a:r>
-              <a:endParaRPr lang="en-US" altLang="zh-CN" sz="2800">
-                <a:latin typeface="Arial" panose="020B0604020202020204" pitchFamily="34" charset="0"/>
-                <a:ea typeface="AR PL KaitiM GB" charset="0"/>
-              </a:endParaRPr>
-            </a:p>
-          </p:txBody>
-        </p:sp>
-        <p:sp>
-          <p:nvSpPr>
-            <p:cNvPr id="85" name="椭圆 84"/>
-            <p:cNvSpPr/>
-            <p:nvPr/>
-          </p:nvSpPr>
-          <p:spPr>
-            <a:xfrm rot="1500000">
-              <a:off x="14644" y="11291"/>
-              <a:ext cx="1337" cy="463"/>
-            </a:xfrm>
-            <a:prstGeom prst="ellipse">
-              <a:avLst/>
-            </a:prstGeom>
-            <a:solidFill>
-              <a:srgbClr val="FF0000">
-                <a:alpha val="52000"/>
-              </a:srgbClr>
-            </a:solidFill>
-            <a:ln>
-              <a:noFill/>
-            </a:ln>
-          </p:spPr>
-          <p:style>
-            <a:lnRef idx="2">
-              <a:schemeClr val="accent1">
-                <a:shade val="50000"/>
-              </a:schemeClr>
-            </a:lnRef>
-            <a:fillRef idx="1">
-              <a:schemeClr val="accent1"/>
-            </a:fillRef>
-            <a:effectRef idx="0">
-              <a:schemeClr val="accent1"/>
-            </a:effectRef>
-            <a:fontRef idx="minor">
-              <a:schemeClr val="lt1"/>
-            </a:fontRef>
-          </p:style>
-          <p:txBody>
-            <a:bodyPr rtlCol="0" anchor="ctr"/>
-            <a:p>
-              <a:pPr algn="l" fontAlgn="base"/>
-              <a:endParaRPr lang="en-US" altLang="zh-CN" sz="2400" strike="noStrike" noProof="1">
-                <a:solidFill>
-                  <a:schemeClr val="tx1"/>
-                </a:solidFill>
-                <a:latin typeface="Arial" panose="020B0604020202020204" pitchFamily="34" charset="0"/>
-              </a:endParaRPr>
-            </a:p>
-          </p:txBody>
-        </p:sp>
-        <p:sp>
-          <p:nvSpPr>
-            <p:cNvPr id="86" name="椭圆 85"/>
-            <p:cNvSpPr/>
-            <p:nvPr/>
-          </p:nvSpPr>
-          <p:spPr>
-            <a:xfrm rot="1560000">
-              <a:off x="16769" y="12246"/>
-              <a:ext cx="1337" cy="463"/>
-            </a:xfrm>
-            <a:prstGeom prst="ellipse">
-              <a:avLst/>
-            </a:prstGeom>
-            <a:solidFill>
-              <a:srgbClr val="FF0000">
-                <a:alpha val="52000"/>
-              </a:srgbClr>
-            </a:solidFill>
-            <a:ln>
-              <a:noFill/>
-            </a:ln>
-          </p:spPr>
-          <p:style>
-            <a:lnRef idx="2">
-              <a:schemeClr val="accent1">
-                <a:shade val="50000"/>
-              </a:schemeClr>
-            </a:lnRef>
-            <a:fillRef idx="1">
-              <a:schemeClr val="accent1"/>
-            </a:fillRef>
-            <a:effectRef idx="0">
-              <a:schemeClr val="accent1"/>
-            </a:effectRef>
-            <a:fontRef idx="minor">
-              <a:schemeClr val="lt1"/>
-            </a:fontRef>
-          </p:style>
-          <p:txBody>
-            <a:bodyPr rtlCol="0" anchor="ctr"/>
-            <a:p>
-              <a:pPr algn="l" fontAlgn="base"/>
-              <a:endParaRPr lang="en-US" altLang="zh-CN" sz="2400" strike="noStrike" noProof="1">
-                <a:solidFill>
-                  <a:schemeClr val="tx1"/>
-                </a:solidFill>
-                <a:latin typeface="Arial" panose="020B0604020202020204" pitchFamily="34" charset="0"/>
-              </a:endParaRPr>
-            </a:p>
-          </p:txBody>
-        </p:sp>
-        <p:sp>
-          <p:nvSpPr>
-            <p:cNvPr id="2" name="椭圆 1"/>
-            <p:cNvSpPr/>
-            <p:nvPr/>
-          </p:nvSpPr>
-          <p:spPr>
-            <a:xfrm rot="1500000">
-              <a:off x="18822" y="13192"/>
-              <a:ext cx="1337" cy="463"/>
-            </a:xfrm>
-            <a:prstGeom prst="ellipse">
-              <a:avLst/>
-            </a:prstGeom>
-            <a:solidFill>
-              <a:srgbClr val="FF0000">
-                <a:alpha val="52000"/>
-              </a:srgbClr>
-            </a:solidFill>
-            <a:ln>
-              <a:noFill/>
-            </a:ln>
-          </p:spPr>
-          <p:style>
-            <a:lnRef idx="2">
-              <a:schemeClr val="accent1">
-                <a:shade val="50000"/>
-              </a:schemeClr>
-            </a:lnRef>
-            <a:fillRef idx="1">
-              <a:schemeClr val="accent1"/>
-            </a:fillRef>
-            <a:effectRef idx="0">
-              <a:schemeClr val="accent1"/>
-            </a:effectRef>
-            <a:fontRef idx="minor">
-              <a:schemeClr val="lt1"/>
-            </a:fontRef>
-          </p:style>
-          <p:txBody>
-            <a:bodyPr rtlCol="0" anchor="ctr"/>
-            <a:p>
-              <a:pPr algn="l" fontAlgn="base"/>
-              <a:endParaRPr lang="en-US" altLang="zh-CN" sz="2400" strike="noStrike" noProof="1">
-                <a:solidFill>
-                  <a:schemeClr val="tx1"/>
-                </a:solidFill>
-                <a:latin typeface="Arial" panose="020B0604020202020204" pitchFamily="34" charset="0"/>
-              </a:endParaRPr>
-            </a:p>
-          </p:txBody>
-        </p:sp>
-        <p:sp>
-          <p:nvSpPr>
-            <p:cNvPr id="3" name="椭圆 2"/>
-            <p:cNvSpPr/>
-            <p:nvPr/>
-          </p:nvSpPr>
-          <p:spPr>
-            <a:xfrm rot="1560000">
-              <a:off x="20947" y="14146"/>
-              <a:ext cx="1337" cy="463"/>
-            </a:xfrm>
-            <a:prstGeom prst="ellipse">
-              <a:avLst/>
-            </a:prstGeom>
-            <a:solidFill>
-              <a:srgbClr val="FF0000">
-                <a:alpha val="52000"/>
-              </a:srgbClr>
-            </a:solidFill>
-            <a:ln>
-              <a:noFill/>
-            </a:ln>
-          </p:spPr>
-          <p:style>
-            <a:lnRef idx="2">
-              <a:schemeClr val="accent1">
-                <a:shade val="50000"/>
-              </a:schemeClr>
-            </a:lnRef>
-            <a:fillRef idx="1">
-              <a:schemeClr val="accent1"/>
-            </a:fillRef>
-            <a:effectRef idx="0">
-              <a:schemeClr val="accent1"/>
-            </a:effectRef>
-            <a:fontRef idx="minor">
-              <a:schemeClr val="lt1"/>
-            </a:fontRef>
-          </p:style>
-          <p:txBody>
-            <a:bodyPr rtlCol="0" anchor="ctr"/>
-            <a:p>
-              <a:pPr algn="l" fontAlgn="base"/>
-              <a:endParaRPr lang="en-US" altLang="zh-CN" sz="2400" strike="noStrike" noProof="1">
-                <a:solidFill>
-                  <a:schemeClr val="tx1"/>
-                </a:solidFill>
-                <a:latin typeface="Arial" panose="020B0604020202020204" pitchFamily="34" charset="0"/>
-              </a:endParaRPr>
-            </a:p>
-          </p:txBody>
-        </p:sp>
-      </p:grpSp>
+          </a:ln>
+        </p:spPr>
+        <p:style>
+          <a:lnRef idx="2">
+            <a:schemeClr val="accent1">
+              <a:shade val="50000"/>
+            </a:schemeClr>
+          </a:lnRef>
+          <a:fillRef idx="1">
+            <a:schemeClr val="accent1"/>
+          </a:fillRef>
+          <a:effectRef idx="0">
+            <a:schemeClr val="accent1"/>
+          </a:effectRef>
+          <a:fontRef idx="minor">
+            <a:schemeClr val="lt1"/>
+          </a:fontRef>
+        </p:style>
+        <p:txBody>
+          <a:bodyPr rtlCol="0" anchor="ctr"/>
+          <a:p>
+            <a:pPr algn="l" fontAlgn="base"/>
+            <a:endParaRPr lang="en-US" altLang="zh-CN" sz="2400" strike="noStrike" noProof="1">
+              <a:solidFill>
+                <a:schemeClr val="tx1"/>
+              </a:solidFill>
+              <a:latin typeface="Arial" panose="020B0604020202020204" pitchFamily="34" charset="0"/>
+            </a:endParaRPr>
+          </a:p>
+        </p:txBody>
+      </p:sp>
       <p:cxnSp>
         <p:nvCxnSpPr>
           <p:cNvPr id="27" name="直接箭头连接符 26"/>
@@ -5350,7 +5011,7 @@
         </p:nvSpPr>
         <p:spPr>
           <a:xfrm>
-            <a:off x="8836660" y="9026525"/>
+            <a:off x="8863965" y="9012555"/>
             <a:ext cx="264160" cy="133350"/>
           </a:xfrm>
           <a:prstGeom prst="rect">

--- a/images/rise_flattop_fall.pptx
+++ b/images/rise_flattop_fall.pptx
@@ -3024,8 +3024,8 @@
         </p:nvSpPr>
         <p:spPr>
           <a:xfrm>
-            <a:off x="12844145" y="9369425"/>
-            <a:ext cx="3548380" cy="944880"/>
+            <a:off x="12177395" y="9369425"/>
+            <a:ext cx="4348480" cy="518160"/>
           </a:xfrm>
           <a:prstGeom prst="rect">
             <a:avLst/>
@@ -3046,7 +3046,7 @@
                 <a:latin typeface="Arial" panose="020B0604020202020204" pitchFamily="34" charset="0"/>
                 <a:ea typeface="AR PL KaitiM GB" charset="0"/>
               </a:rPr>
-              <a:t>Location along the synchrotron</a:t>
+              <a:t>Location along the ring</a:t>
             </a:r>
             <a:endParaRPr lang="en-US" altLang="zh-CN" sz="2800">
               <a:latin typeface="Arial" panose="020B0604020202020204" pitchFamily="34" charset="0"/>
@@ -3276,8 +3276,8 @@
         </p:nvSpPr>
         <p:spPr>
           <a:xfrm>
-            <a:off x="12878435" y="11099800"/>
-            <a:ext cx="3233420" cy="944880"/>
+            <a:off x="12211685" y="11099800"/>
+            <a:ext cx="4071620" cy="518160"/>
           </a:xfrm>
           <a:prstGeom prst="rect">
             <a:avLst/>
@@ -3298,7 +3298,7 @@
                 <a:latin typeface="Arial" panose="020B0604020202020204" pitchFamily="34" charset="0"/>
                 <a:ea typeface="AR PL KaitiM GB" charset="0"/>
               </a:rPr>
-              <a:t>Location along the synchrotron</a:t>
+              <a:t>Location along the ring</a:t>
             </a:r>
             <a:endParaRPr lang="en-US" altLang="zh-CN" sz="2800">
               <a:latin typeface="Arial" panose="020B0604020202020204" pitchFamily="34" charset="0"/>
@@ -3995,8 +3995,8 @@
         </p:nvSpPr>
         <p:spPr>
           <a:xfrm>
-            <a:off x="12664440" y="5492115"/>
-            <a:ext cx="3797935" cy="944880"/>
+            <a:off x="11997690" y="5492115"/>
+            <a:ext cx="3797935" cy="518160"/>
           </a:xfrm>
           <a:prstGeom prst="rect">
             <a:avLst/>
@@ -4017,7 +4017,7 @@
                 <a:latin typeface="Arial" panose="020B0604020202020204" pitchFamily="34" charset="0"/>
                 <a:ea typeface="AR PL KaitiM GB" charset="0"/>
               </a:rPr>
-              <a:t>Location along the synchrotron</a:t>
+              <a:t>Location along the ring</a:t>
             </a:r>
             <a:endParaRPr lang="en-US" altLang="zh-CN" sz="2800">
               <a:latin typeface="Arial" panose="020B0604020202020204" pitchFamily="34" charset="0"/>
@@ -4650,7 +4650,7 @@
               <a:rPr lang="en-US" altLang="zh-CN" sz="2800">
                 <a:latin typeface="Arial" panose="020B0604020202020204" pitchFamily="34" charset="0"/>
               </a:rPr>
-              <a:t>kicker flat-top ≥ </a:t>
+              <a:t>Kicker flat-top ≥ </a:t>
             </a:r>
             <a:endParaRPr lang="en-US" altLang="zh-CN" sz="2800">
               <a:latin typeface="Arial" panose="020B0604020202020204" pitchFamily="34" charset="0"/>
@@ -4758,8 +4758,8 @@
         </p:nvSpPr>
         <p:spPr>
           <a:xfrm>
-            <a:off x="1544955" y="3592830"/>
-            <a:ext cx="3689350" cy="883920"/>
+            <a:off x="1035685" y="3410585"/>
+            <a:ext cx="3689350" cy="944880"/>
           </a:xfrm>
           <a:prstGeom prst="rect">
             <a:avLst/>
@@ -4773,16 +4773,10 @@
           <a:p>
             <a:pPr algn="l"/>
             <a:r>
-              <a:rPr lang="en-US" altLang="zh-CN" sz="2400">
-                <a:latin typeface="Arial" panose="020B0604020202020204" pitchFamily="34" charset="0"/>
-              </a:rPr>
-              <a:t>Fall </a:t>
-            </a:r>
-            <a:r>
               <a:rPr lang="en-US" altLang="zh-CN" sz="2800">
                 <a:latin typeface="Arial" panose="020B0604020202020204" pitchFamily="34" charset="0"/>
               </a:rPr>
-              <a:t>time </a:t>
+              <a:t>Fall time </a:t>
             </a:r>
             <a:endParaRPr lang="en-US" altLang="zh-CN" sz="2800">
               <a:latin typeface="Arial" panose="020B0604020202020204" pitchFamily="34" charset="0"/>
@@ -4791,12 +4785,12 @@
           <a:p>
             <a:pPr algn="l"/>
             <a:r>
-              <a:rPr lang="en-US" altLang="zh-CN" sz="2400">
+              <a:rPr lang="en-US" altLang="zh-CN" sz="2800">
                 <a:latin typeface="Arial" panose="020B0604020202020204" pitchFamily="34" charset="0"/>
               </a:rPr>
               <a:t>no constraint </a:t>
             </a:r>
-            <a:endParaRPr lang="en-US" altLang="zh-CN" sz="2400">
+            <a:endParaRPr lang="en-US" altLang="zh-CN" sz="2800">
               <a:latin typeface="Arial" panose="020B0604020202020204" pitchFamily="34" charset="0"/>
             </a:endParaRPr>
           </a:p>
@@ -6423,8 +6417,8 @@
         </p:nvSpPr>
         <p:spPr>
           <a:xfrm>
-            <a:off x="12245340" y="10420350"/>
-            <a:ext cx="3507105" cy="944880"/>
+            <a:off x="11711940" y="10453370"/>
+            <a:ext cx="4153535" cy="518160"/>
           </a:xfrm>
           <a:prstGeom prst="rect">
             <a:avLst/>
@@ -6445,7 +6439,7 @@
                 <a:latin typeface="Arial" panose="020B0604020202020204" pitchFamily="34" charset="0"/>
                 <a:ea typeface="AR PL KaitiM GB" charset="0"/>
               </a:rPr>
-              <a:t>Location along the synchrotron</a:t>
+              <a:t>Location along the ring</a:t>
             </a:r>
             <a:endParaRPr lang="en-US" altLang="zh-CN" sz="2800">
               <a:latin typeface="Arial" panose="020B0604020202020204" pitchFamily="34" charset="0"/>
@@ -6731,8 +6725,8 @@
         </p:nvSpPr>
         <p:spPr>
           <a:xfrm>
-            <a:off x="12186920" y="8740140"/>
-            <a:ext cx="2998470" cy="944880"/>
+            <a:off x="11653520" y="8740140"/>
+            <a:ext cx="4058285" cy="518160"/>
           </a:xfrm>
           <a:prstGeom prst="rect">
             <a:avLst/>
@@ -6753,7 +6747,7 @@
                 <a:latin typeface="Arial" panose="020B0604020202020204" pitchFamily="34" charset="0"/>
                 <a:ea typeface="AR PL KaitiM GB" charset="0"/>
               </a:rPr>
-              <a:t>Location along the synchrotron</a:t>
+              <a:t>Location along the ring</a:t>
             </a:r>
             <a:endParaRPr lang="en-US" altLang="zh-CN" sz="2800">
               <a:latin typeface="Arial" panose="020B0604020202020204" pitchFamily="34" charset="0"/>
@@ -6904,8 +6898,8 @@
         </p:nvSpPr>
         <p:spPr>
           <a:xfrm>
-            <a:off x="12245340" y="4631055"/>
-            <a:ext cx="3355975" cy="944880"/>
+            <a:off x="11711940" y="4597400"/>
+            <a:ext cx="3999865" cy="518160"/>
           </a:xfrm>
           <a:prstGeom prst="rect">
             <a:avLst/>
@@ -6926,7 +6920,7 @@
                 <a:latin typeface="Arial" panose="020B0604020202020204" pitchFamily="34" charset="0"/>
                 <a:ea typeface="AR PL KaitiM GB" charset="0"/>
               </a:rPr>
-              <a:t>Location along the synchrotron</a:t>
+              <a:t>Location along the ring</a:t>
             </a:r>
             <a:endParaRPr lang="en-US" altLang="zh-CN" sz="2800">
               <a:latin typeface="Arial" panose="020B0604020202020204" pitchFamily="34" charset="0"/>
@@ -7947,8 +7941,8 @@
         </p:nvSpPr>
         <p:spPr>
           <a:xfrm>
-            <a:off x="12186920" y="2045335"/>
-            <a:ext cx="3511550" cy="944880"/>
+            <a:off x="11653520" y="2045335"/>
+            <a:ext cx="4650105" cy="518160"/>
           </a:xfrm>
           <a:prstGeom prst="rect">
             <a:avLst/>
@@ -7969,7 +7963,7 @@
                 <a:latin typeface="Arial" panose="020B0604020202020204" pitchFamily="34" charset="0"/>
                 <a:ea typeface="AR PL KaitiM GB" charset="0"/>
               </a:rPr>
-              <a:t>Location along the synchrotron</a:t>
+              <a:t>Location along the ring</a:t>
             </a:r>
             <a:endParaRPr lang="en-US" altLang="zh-CN" sz="2800">
               <a:latin typeface="Arial" panose="020B0604020202020204" pitchFamily="34" charset="0"/>
@@ -8418,7 +8412,7 @@
               <a:rPr lang="en-US" altLang="zh-CN" sz="2800">
                 <a:latin typeface="Arial" panose="020B0604020202020204" pitchFamily="34" charset="0"/>
               </a:rPr>
-              <a:t>kicker flat-top ≥ </a:t>
+              <a:t>Kicker flat-top ≥ </a:t>
             </a:r>
             <a:endParaRPr lang="en-US" altLang="zh-CN" sz="2800">
               <a:latin typeface="Arial" panose="020B0604020202020204" pitchFamily="34" charset="0"/>
